--- a/論文/模型圖繪製.pptx
+++ b/論文/模型圖繪製.pptx
@@ -14,6 +14,7 @@
     <p:sldId id="261" r:id="rId8"/>
     <p:sldId id="263" r:id="rId9"/>
     <p:sldId id="264" r:id="rId10"/>
+    <p:sldId id="265" r:id="rId11"/>
   </p:sldIdLst>
   <p:sldSz cx="12192000" cy="6858000"/>
   <p:notesSz cx="6858000" cy="9144000"/>
@@ -3064,6 +3065,2584 @@
 </p:sld>
 </file>
 
+<file path=ppt/slides/slide10.xml><?xml version="1.0" encoding="utf-8"?>
+<p:sld xmlns:a="http://schemas.openxmlformats.org/drawingml/2006/main" xmlns:r="http://schemas.openxmlformats.org/officeDocument/2006/relationships" xmlns:p="http://schemas.openxmlformats.org/presentationml/2006/main">
+  <p:cSld>
+    <p:spTree>
+      <p:nvGrpSpPr>
+        <p:cNvPr id="1" name=""/>
+        <p:cNvGrpSpPr/>
+        <p:nvPr/>
+      </p:nvGrpSpPr>
+      <p:grpSpPr>
+        <a:xfrm>
+          <a:off x="0" y="0"/>
+          <a:ext cx="0" cy="0"/>
+          <a:chOff x="0" y="0"/>
+          <a:chExt cx="0" cy="0"/>
+        </a:xfrm>
+      </p:grpSpPr>
+      <p:grpSp>
+        <p:nvGrpSpPr>
+          <p:cNvPr id="136" name="群組 135"/>
+          <p:cNvGrpSpPr/>
+          <p:nvPr/>
+        </p:nvGrpSpPr>
+        <p:grpSpPr>
+          <a:xfrm>
+            <a:off x="2450592" y="1614456"/>
+            <a:ext cx="6406066" cy="2988848"/>
+            <a:chOff x="2450592" y="1614456"/>
+            <a:chExt cx="6406066" cy="2988848"/>
+          </a:xfrm>
+        </p:grpSpPr>
+        <p:sp>
+          <p:nvSpPr>
+            <p:cNvPr id="5" name="橢圓 4"/>
+            <p:cNvSpPr/>
+            <p:nvPr/>
+          </p:nvSpPr>
+          <p:spPr>
+            <a:xfrm>
+              <a:off x="2450592" y="2514600"/>
+              <a:ext cx="864000" cy="864000"/>
+            </a:xfrm>
+            <a:prstGeom prst="ellipse">
+              <a:avLst/>
+            </a:prstGeom>
+            <a:solidFill>
+              <a:schemeClr val="bg1"/>
+            </a:solidFill>
+            <a:ln>
+              <a:solidFill>
+                <a:schemeClr val="tx1"/>
+              </a:solidFill>
+            </a:ln>
+          </p:spPr>
+          <p:style>
+            <a:lnRef idx="2">
+              <a:schemeClr val="accent1">
+                <a:shade val="50000"/>
+              </a:schemeClr>
+            </a:lnRef>
+            <a:fillRef idx="1">
+              <a:schemeClr val="accent1"/>
+            </a:fillRef>
+            <a:effectRef idx="0">
+              <a:schemeClr val="accent1"/>
+            </a:effectRef>
+            <a:fontRef idx="minor">
+              <a:schemeClr val="lt1"/>
+            </a:fontRef>
+          </p:style>
+          <p:txBody>
+            <a:bodyPr rtlCol="0" anchor="ctr"/>
+            <a:lstStyle/>
+            <a:p>
+              <a:pPr algn="ctr"/>
+              <a:r>
+                <a:rPr lang="en-US" altLang="zh-TW" sz="1600" dirty="0" smtClean="0">
+                  <a:solidFill>
+                    <a:schemeClr val="tx1"/>
+                  </a:solidFill>
+                  <a:latin typeface="Times New Roman" panose="02020603050405020304" pitchFamily="18" charset="0"/>
+                  <a:ea typeface="標楷體" panose="03000509000000000000" pitchFamily="65" charset="-120"/>
+                </a:rPr>
+                <a:t>IMG</a:t>
+              </a:r>
+              <a:endParaRPr lang="zh-TW" altLang="en-US" sz="1600" dirty="0">
+                <a:solidFill>
+                  <a:schemeClr val="tx1"/>
+                </a:solidFill>
+                <a:latin typeface="Times New Roman" panose="02020603050405020304" pitchFamily="18" charset="0"/>
+                <a:ea typeface="標楷體" panose="03000509000000000000" pitchFamily="65" charset="-120"/>
+              </a:endParaRPr>
+            </a:p>
+          </p:txBody>
+        </p:sp>
+        <p:sp>
+          <p:nvSpPr>
+            <p:cNvPr id="6" name="橢圓 5"/>
+            <p:cNvSpPr/>
+            <p:nvPr/>
+          </p:nvSpPr>
+          <p:spPr>
+            <a:xfrm>
+              <a:off x="3795538" y="1614456"/>
+              <a:ext cx="360000" cy="360000"/>
+            </a:xfrm>
+            <a:prstGeom prst="ellipse">
+              <a:avLst/>
+            </a:prstGeom>
+            <a:solidFill>
+              <a:schemeClr val="bg1"/>
+            </a:solidFill>
+            <a:ln>
+              <a:solidFill>
+                <a:schemeClr val="tx1"/>
+              </a:solidFill>
+            </a:ln>
+          </p:spPr>
+          <p:style>
+            <a:lnRef idx="2">
+              <a:schemeClr val="accent1">
+                <a:shade val="50000"/>
+              </a:schemeClr>
+            </a:lnRef>
+            <a:fillRef idx="1">
+              <a:schemeClr val="accent1"/>
+            </a:fillRef>
+            <a:effectRef idx="0">
+              <a:schemeClr val="accent1"/>
+            </a:effectRef>
+            <a:fontRef idx="minor">
+              <a:schemeClr val="lt1"/>
+            </a:fontRef>
+          </p:style>
+          <p:txBody>
+            <a:bodyPr rtlCol="0" anchor="ctr"/>
+            <a:lstStyle/>
+            <a:p>
+              <a:pPr algn="ctr"/>
+              <a:endParaRPr lang="zh-TW" altLang="en-US"/>
+            </a:p>
+          </p:txBody>
+        </p:sp>
+        <p:sp>
+          <p:nvSpPr>
+            <p:cNvPr id="7" name="橢圓 6"/>
+            <p:cNvSpPr/>
+            <p:nvPr/>
+          </p:nvSpPr>
+          <p:spPr>
+            <a:xfrm>
+              <a:off x="3795538" y="2190528"/>
+              <a:ext cx="360000" cy="360000"/>
+            </a:xfrm>
+            <a:prstGeom prst="ellipse">
+              <a:avLst/>
+            </a:prstGeom>
+            <a:solidFill>
+              <a:schemeClr val="bg1"/>
+            </a:solidFill>
+            <a:ln>
+              <a:solidFill>
+                <a:schemeClr val="tx1"/>
+              </a:solidFill>
+            </a:ln>
+          </p:spPr>
+          <p:style>
+            <a:lnRef idx="2">
+              <a:schemeClr val="accent1">
+                <a:shade val="50000"/>
+              </a:schemeClr>
+            </a:lnRef>
+            <a:fillRef idx="1">
+              <a:schemeClr val="accent1"/>
+            </a:fillRef>
+            <a:effectRef idx="0">
+              <a:schemeClr val="accent1"/>
+            </a:effectRef>
+            <a:fontRef idx="minor">
+              <a:schemeClr val="lt1"/>
+            </a:fontRef>
+          </p:style>
+          <p:txBody>
+            <a:bodyPr rtlCol="0" anchor="ctr"/>
+            <a:lstStyle/>
+            <a:p>
+              <a:pPr algn="ctr"/>
+              <a:endParaRPr lang="zh-TW" altLang="en-US"/>
+            </a:p>
+          </p:txBody>
+        </p:sp>
+        <p:sp>
+          <p:nvSpPr>
+            <p:cNvPr id="8" name="橢圓 7"/>
+            <p:cNvSpPr/>
+            <p:nvPr/>
+          </p:nvSpPr>
+          <p:spPr>
+            <a:xfrm>
+              <a:off x="3795538" y="2766600"/>
+              <a:ext cx="360000" cy="360000"/>
+            </a:xfrm>
+            <a:prstGeom prst="ellipse">
+              <a:avLst/>
+            </a:prstGeom>
+            <a:solidFill>
+              <a:schemeClr val="bg1"/>
+            </a:solidFill>
+            <a:ln>
+              <a:solidFill>
+                <a:schemeClr val="tx1"/>
+              </a:solidFill>
+            </a:ln>
+          </p:spPr>
+          <p:style>
+            <a:lnRef idx="2">
+              <a:schemeClr val="accent1">
+                <a:shade val="50000"/>
+              </a:schemeClr>
+            </a:lnRef>
+            <a:fillRef idx="1">
+              <a:schemeClr val="accent1"/>
+            </a:fillRef>
+            <a:effectRef idx="0">
+              <a:schemeClr val="accent1"/>
+            </a:effectRef>
+            <a:fontRef idx="minor">
+              <a:schemeClr val="lt1"/>
+            </a:fontRef>
+          </p:style>
+          <p:txBody>
+            <a:bodyPr rtlCol="0" anchor="ctr"/>
+            <a:lstStyle/>
+            <a:p>
+              <a:pPr algn="ctr"/>
+              <a:endParaRPr lang="zh-TW" altLang="en-US"/>
+            </a:p>
+          </p:txBody>
+        </p:sp>
+        <p:sp>
+          <p:nvSpPr>
+            <p:cNvPr id="9" name="橢圓 8"/>
+            <p:cNvSpPr/>
+            <p:nvPr/>
+          </p:nvSpPr>
+          <p:spPr>
+            <a:xfrm>
+              <a:off x="3795538" y="3342672"/>
+              <a:ext cx="360000" cy="360000"/>
+            </a:xfrm>
+            <a:prstGeom prst="ellipse">
+              <a:avLst/>
+            </a:prstGeom>
+            <a:solidFill>
+              <a:schemeClr val="bg1"/>
+            </a:solidFill>
+            <a:ln>
+              <a:solidFill>
+                <a:schemeClr val="tx1"/>
+              </a:solidFill>
+            </a:ln>
+          </p:spPr>
+          <p:style>
+            <a:lnRef idx="2">
+              <a:schemeClr val="accent1">
+                <a:shade val="50000"/>
+              </a:schemeClr>
+            </a:lnRef>
+            <a:fillRef idx="1">
+              <a:schemeClr val="accent1"/>
+            </a:fillRef>
+            <a:effectRef idx="0">
+              <a:schemeClr val="accent1"/>
+            </a:effectRef>
+            <a:fontRef idx="minor">
+              <a:schemeClr val="lt1"/>
+            </a:fontRef>
+          </p:style>
+          <p:txBody>
+            <a:bodyPr rtlCol="0" anchor="ctr"/>
+            <a:lstStyle/>
+            <a:p>
+              <a:pPr algn="ctr"/>
+              <a:endParaRPr lang="zh-TW" altLang="en-US"/>
+            </a:p>
+          </p:txBody>
+        </p:sp>
+        <p:sp>
+          <p:nvSpPr>
+            <p:cNvPr id="11" name="橢圓 10"/>
+            <p:cNvSpPr/>
+            <p:nvPr/>
+          </p:nvSpPr>
+          <p:spPr>
+            <a:xfrm>
+              <a:off x="3795538" y="3918744"/>
+              <a:ext cx="360000" cy="360000"/>
+            </a:xfrm>
+            <a:prstGeom prst="ellipse">
+              <a:avLst/>
+            </a:prstGeom>
+            <a:solidFill>
+              <a:schemeClr val="bg1"/>
+            </a:solidFill>
+            <a:ln>
+              <a:solidFill>
+                <a:schemeClr val="tx1"/>
+              </a:solidFill>
+            </a:ln>
+          </p:spPr>
+          <p:style>
+            <a:lnRef idx="2">
+              <a:schemeClr val="accent1">
+                <a:shade val="50000"/>
+              </a:schemeClr>
+            </a:lnRef>
+            <a:fillRef idx="1">
+              <a:schemeClr val="accent1"/>
+            </a:fillRef>
+            <a:effectRef idx="0">
+              <a:schemeClr val="accent1"/>
+            </a:effectRef>
+            <a:fontRef idx="minor">
+              <a:schemeClr val="lt1"/>
+            </a:fontRef>
+          </p:style>
+          <p:txBody>
+            <a:bodyPr rtlCol="0" anchor="ctr"/>
+            <a:lstStyle/>
+            <a:p>
+              <a:pPr algn="ctr"/>
+              <a:endParaRPr lang="zh-TW" altLang="en-US"/>
+            </a:p>
+          </p:txBody>
+        </p:sp>
+        <p:sp>
+          <p:nvSpPr>
+            <p:cNvPr id="19" name="橢圓 18"/>
+            <p:cNvSpPr/>
+            <p:nvPr/>
+          </p:nvSpPr>
+          <p:spPr>
+            <a:xfrm>
+              <a:off x="4636484" y="2190528"/>
+              <a:ext cx="332522" cy="360000"/>
+            </a:xfrm>
+            <a:prstGeom prst="ellipse">
+              <a:avLst/>
+            </a:prstGeom>
+            <a:solidFill>
+              <a:schemeClr val="bg1"/>
+            </a:solidFill>
+            <a:ln>
+              <a:solidFill>
+                <a:schemeClr val="tx1"/>
+              </a:solidFill>
+            </a:ln>
+          </p:spPr>
+          <p:style>
+            <a:lnRef idx="2">
+              <a:schemeClr val="accent1">
+                <a:shade val="50000"/>
+              </a:schemeClr>
+            </a:lnRef>
+            <a:fillRef idx="1">
+              <a:schemeClr val="accent1"/>
+            </a:fillRef>
+            <a:effectRef idx="0">
+              <a:schemeClr val="accent1"/>
+            </a:effectRef>
+            <a:fontRef idx="minor">
+              <a:schemeClr val="lt1"/>
+            </a:fontRef>
+          </p:style>
+          <p:txBody>
+            <a:bodyPr rtlCol="0" anchor="ctr"/>
+            <a:lstStyle/>
+            <a:p>
+              <a:pPr algn="ctr"/>
+              <a:endParaRPr lang="zh-TW" altLang="en-US"/>
+            </a:p>
+          </p:txBody>
+        </p:sp>
+        <p:sp>
+          <p:nvSpPr>
+            <p:cNvPr id="20" name="橢圓 19"/>
+            <p:cNvSpPr/>
+            <p:nvPr/>
+          </p:nvSpPr>
+          <p:spPr>
+            <a:xfrm>
+              <a:off x="4636484" y="2766600"/>
+              <a:ext cx="332522" cy="360000"/>
+            </a:xfrm>
+            <a:prstGeom prst="ellipse">
+              <a:avLst/>
+            </a:prstGeom>
+            <a:solidFill>
+              <a:schemeClr val="bg1"/>
+            </a:solidFill>
+            <a:ln>
+              <a:solidFill>
+                <a:schemeClr val="tx1"/>
+              </a:solidFill>
+            </a:ln>
+          </p:spPr>
+          <p:style>
+            <a:lnRef idx="2">
+              <a:schemeClr val="accent1">
+                <a:shade val="50000"/>
+              </a:schemeClr>
+            </a:lnRef>
+            <a:fillRef idx="1">
+              <a:schemeClr val="accent1"/>
+            </a:fillRef>
+            <a:effectRef idx="0">
+              <a:schemeClr val="accent1"/>
+            </a:effectRef>
+            <a:fontRef idx="minor">
+              <a:schemeClr val="lt1"/>
+            </a:fontRef>
+          </p:style>
+          <p:txBody>
+            <a:bodyPr rtlCol="0" anchor="ctr"/>
+            <a:lstStyle/>
+            <a:p>
+              <a:pPr algn="ctr"/>
+              <a:endParaRPr lang="zh-TW" altLang="en-US"/>
+            </a:p>
+          </p:txBody>
+        </p:sp>
+        <p:sp>
+          <p:nvSpPr>
+            <p:cNvPr id="21" name="橢圓 20"/>
+            <p:cNvSpPr/>
+            <p:nvPr/>
+          </p:nvSpPr>
+          <p:spPr>
+            <a:xfrm>
+              <a:off x="4636484" y="3342672"/>
+              <a:ext cx="332522" cy="360000"/>
+            </a:xfrm>
+            <a:prstGeom prst="ellipse">
+              <a:avLst/>
+            </a:prstGeom>
+            <a:solidFill>
+              <a:schemeClr val="bg1"/>
+            </a:solidFill>
+            <a:ln>
+              <a:solidFill>
+                <a:schemeClr val="tx1"/>
+              </a:solidFill>
+            </a:ln>
+          </p:spPr>
+          <p:style>
+            <a:lnRef idx="2">
+              <a:schemeClr val="accent1">
+                <a:shade val="50000"/>
+              </a:schemeClr>
+            </a:lnRef>
+            <a:fillRef idx="1">
+              <a:schemeClr val="accent1"/>
+            </a:fillRef>
+            <a:effectRef idx="0">
+              <a:schemeClr val="accent1"/>
+            </a:effectRef>
+            <a:fontRef idx="minor">
+              <a:schemeClr val="lt1"/>
+            </a:fontRef>
+          </p:style>
+          <p:txBody>
+            <a:bodyPr rtlCol="0" anchor="ctr"/>
+            <a:lstStyle/>
+            <a:p>
+              <a:pPr algn="ctr"/>
+              <a:endParaRPr lang="zh-TW" altLang="en-US"/>
+            </a:p>
+          </p:txBody>
+        </p:sp>
+        <p:sp>
+          <p:nvSpPr>
+            <p:cNvPr id="22" name="橢圓 21"/>
+            <p:cNvSpPr/>
+            <p:nvPr/>
+          </p:nvSpPr>
+          <p:spPr>
+            <a:xfrm>
+              <a:off x="5449952" y="2768481"/>
+              <a:ext cx="332522" cy="360000"/>
+            </a:xfrm>
+            <a:prstGeom prst="ellipse">
+              <a:avLst/>
+            </a:prstGeom>
+            <a:solidFill>
+              <a:schemeClr val="bg1"/>
+            </a:solidFill>
+            <a:ln>
+              <a:solidFill>
+                <a:schemeClr val="tx1"/>
+              </a:solidFill>
+            </a:ln>
+          </p:spPr>
+          <p:style>
+            <a:lnRef idx="2">
+              <a:schemeClr val="accent1">
+                <a:shade val="50000"/>
+              </a:schemeClr>
+            </a:lnRef>
+            <a:fillRef idx="1">
+              <a:schemeClr val="accent1"/>
+            </a:fillRef>
+            <a:effectRef idx="0">
+              <a:schemeClr val="accent1"/>
+            </a:effectRef>
+            <a:fontRef idx="minor">
+              <a:schemeClr val="lt1"/>
+            </a:fontRef>
+          </p:style>
+          <p:txBody>
+            <a:bodyPr rtlCol="0" anchor="ctr"/>
+            <a:lstStyle/>
+            <a:p>
+              <a:pPr algn="ctr"/>
+              <a:endParaRPr lang="zh-TW" altLang="en-US"/>
+            </a:p>
+          </p:txBody>
+        </p:sp>
+        <p:sp>
+          <p:nvSpPr>
+            <p:cNvPr id="23" name="橢圓 22"/>
+            <p:cNvSpPr/>
+            <p:nvPr/>
+          </p:nvSpPr>
+          <p:spPr>
+            <a:xfrm>
+              <a:off x="6263420" y="2190528"/>
+              <a:ext cx="332522" cy="360000"/>
+            </a:xfrm>
+            <a:prstGeom prst="ellipse">
+              <a:avLst/>
+            </a:prstGeom>
+            <a:solidFill>
+              <a:schemeClr val="bg1"/>
+            </a:solidFill>
+            <a:ln>
+              <a:solidFill>
+                <a:schemeClr val="tx1"/>
+              </a:solidFill>
+            </a:ln>
+          </p:spPr>
+          <p:style>
+            <a:lnRef idx="2">
+              <a:schemeClr val="accent1">
+                <a:shade val="50000"/>
+              </a:schemeClr>
+            </a:lnRef>
+            <a:fillRef idx="1">
+              <a:schemeClr val="accent1"/>
+            </a:fillRef>
+            <a:effectRef idx="0">
+              <a:schemeClr val="accent1"/>
+            </a:effectRef>
+            <a:fontRef idx="minor">
+              <a:schemeClr val="lt1"/>
+            </a:fontRef>
+          </p:style>
+          <p:txBody>
+            <a:bodyPr rtlCol="0" anchor="ctr"/>
+            <a:lstStyle/>
+            <a:p>
+              <a:pPr algn="ctr"/>
+              <a:endParaRPr lang="zh-TW" altLang="en-US"/>
+            </a:p>
+          </p:txBody>
+        </p:sp>
+        <p:sp>
+          <p:nvSpPr>
+            <p:cNvPr id="24" name="橢圓 23"/>
+            <p:cNvSpPr/>
+            <p:nvPr/>
+          </p:nvSpPr>
+          <p:spPr>
+            <a:xfrm>
+              <a:off x="6263420" y="2766600"/>
+              <a:ext cx="332522" cy="360000"/>
+            </a:xfrm>
+            <a:prstGeom prst="ellipse">
+              <a:avLst/>
+            </a:prstGeom>
+            <a:solidFill>
+              <a:schemeClr val="bg1"/>
+            </a:solidFill>
+            <a:ln>
+              <a:solidFill>
+                <a:schemeClr val="tx1"/>
+              </a:solidFill>
+            </a:ln>
+          </p:spPr>
+          <p:style>
+            <a:lnRef idx="2">
+              <a:schemeClr val="accent1">
+                <a:shade val="50000"/>
+              </a:schemeClr>
+            </a:lnRef>
+            <a:fillRef idx="1">
+              <a:schemeClr val="accent1"/>
+            </a:fillRef>
+            <a:effectRef idx="0">
+              <a:schemeClr val="accent1"/>
+            </a:effectRef>
+            <a:fontRef idx="minor">
+              <a:schemeClr val="lt1"/>
+            </a:fontRef>
+          </p:style>
+          <p:txBody>
+            <a:bodyPr rtlCol="0" anchor="ctr"/>
+            <a:lstStyle/>
+            <a:p>
+              <a:pPr algn="ctr"/>
+              <a:endParaRPr lang="zh-TW" altLang="en-US"/>
+            </a:p>
+          </p:txBody>
+        </p:sp>
+        <p:sp>
+          <p:nvSpPr>
+            <p:cNvPr id="25" name="橢圓 24"/>
+            <p:cNvSpPr/>
+            <p:nvPr/>
+          </p:nvSpPr>
+          <p:spPr>
+            <a:xfrm>
+              <a:off x="6263420" y="3342672"/>
+              <a:ext cx="332522" cy="360000"/>
+            </a:xfrm>
+            <a:prstGeom prst="ellipse">
+              <a:avLst/>
+            </a:prstGeom>
+            <a:solidFill>
+              <a:schemeClr val="bg1"/>
+            </a:solidFill>
+            <a:ln>
+              <a:solidFill>
+                <a:schemeClr val="tx1"/>
+              </a:solidFill>
+            </a:ln>
+          </p:spPr>
+          <p:style>
+            <a:lnRef idx="2">
+              <a:schemeClr val="accent1">
+                <a:shade val="50000"/>
+              </a:schemeClr>
+            </a:lnRef>
+            <a:fillRef idx="1">
+              <a:schemeClr val="accent1"/>
+            </a:fillRef>
+            <a:effectRef idx="0">
+              <a:schemeClr val="accent1"/>
+            </a:effectRef>
+            <a:fontRef idx="minor">
+              <a:schemeClr val="lt1"/>
+            </a:fontRef>
+          </p:style>
+          <p:txBody>
+            <a:bodyPr rtlCol="0" anchor="ctr"/>
+            <a:lstStyle/>
+            <a:p>
+              <a:pPr algn="ctr"/>
+              <a:endParaRPr lang="zh-TW" altLang="en-US"/>
+            </a:p>
+          </p:txBody>
+        </p:sp>
+        <p:sp>
+          <p:nvSpPr>
+            <p:cNvPr id="26" name="橢圓 25"/>
+            <p:cNvSpPr/>
+            <p:nvPr/>
+          </p:nvSpPr>
+          <p:spPr>
+            <a:xfrm>
+              <a:off x="7076888" y="1614456"/>
+              <a:ext cx="360000" cy="360000"/>
+            </a:xfrm>
+            <a:prstGeom prst="ellipse">
+              <a:avLst/>
+            </a:prstGeom>
+            <a:solidFill>
+              <a:schemeClr val="bg1"/>
+            </a:solidFill>
+            <a:ln>
+              <a:solidFill>
+                <a:schemeClr val="tx1"/>
+              </a:solidFill>
+            </a:ln>
+          </p:spPr>
+          <p:style>
+            <a:lnRef idx="2">
+              <a:schemeClr val="accent1">
+                <a:shade val="50000"/>
+              </a:schemeClr>
+            </a:lnRef>
+            <a:fillRef idx="1">
+              <a:schemeClr val="accent1"/>
+            </a:fillRef>
+            <a:effectRef idx="0">
+              <a:schemeClr val="accent1"/>
+            </a:effectRef>
+            <a:fontRef idx="minor">
+              <a:schemeClr val="lt1"/>
+            </a:fontRef>
+          </p:style>
+          <p:txBody>
+            <a:bodyPr rtlCol="0" anchor="ctr"/>
+            <a:lstStyle/>
+            <a:p>
+              <a:pPr algn="ctr"/>
+              <a:endParaRPr lang="zh-TW" altLang="en-US"/>
+            </a:p>
+          </p:txBody>
+        </p:sp>
+        <p:sp>
+          <p:nvSpPr>
+            <p:cNvPr id="27" name="橢圓 26"/>
+            <p:cNvSpPr/>
+            <p:nvPr/>
+          </p:nvSpPr>
+          <p:spPr>
+            <a:xfrm>
+              <a:off x="7076888" y="2190528"/>
+              <a:ext cx="360000" cy="360000"/>
+            </a:xfrm>
+            <a:prstGeom prst="ellipse">
+              <a:avLst/>
+            </a:prstGeom>
+            <a:solidFill>
+              <a:schemeClr val="bg1"/>
+            </a:solidFill>
+            <a:ln>
+              <a:solidFill>
+                <a:schemeClr val="tx1"/>
+              </a:solidFill>
+            </a:ln>
+          </p:spPr>
+          <p:style>
+            <a:lnRef idx="2">
+              <a:schemeClr val="accent1">
+                <a:shade val="50000"/>
+              </a:schemeClr>
+            </a:lnRef>
+            <a:fillRef idx="1">
+              <a:schemeClr val="accent1"/>
+            </a:fillRef>
+            <a:effectRef idx="0">
+              <a:schemeClr val="accent1"/>
+            </a:effectRef>
+            <a:fontRef idx="minor">
+              <a:schemeClr val="lt1"/>
+            </a:fontRef>
+          </p:style>
+          <p:txBody>
+            <a:bodyPr rtlCol="0" anchor="ctr"/>
+            <a:lstStyle/>
+            <a:p>
+              <a:pPr algn="ctr"/>
+              <a:endParaRPr lang="zh-TW" altLang="en-US"/>
+            </a:p>
+          </p:txBody>
+        </p:sp>
+        <p:sp>
+          <p:nvSpPr>
+            <p:cNvPr id="28" name="橢圓 27"/>
+            <p:cNvSpPr/>
+            <p:nvPr/>
+          </p:nvSpPr>
+          <p:spPr>
+            <a:xfrm>
+              <a:off x="7076888" y="2766600"/>
+              <a:ext cx="360000" cy="360000"/>
+            </a:xfrm>
+            <a:prstGeom prst="ellipse">
+              <a:avLst/>
+            </a:prstGeom>
+            <a:solidFill>
+              <a:schemeClr val="bg1"/>
+            </a:solidFill>
+            <a:ln>
+              <a:solidFill>
+                <a:schemeClr val="tx1"/>
+              </a:solidFill>
+            </a:ln>
+          </p:spPr>
+          <p:style>
+            <a:lnRef idx="2">
+              <a:schemeClr val="accent1">
+                <a:shade val="50000"/>
+              </a:schemeClr>
+            </a:lnRef>
+            <a:fillRef idx="1">
+              <a:schemeClr val="accent1"/>
+            </a:fillRef>
+            <a:effectRef idx="0">
+              <a:schemeClr val="accent1"/>
+            </a:effectRef>
+            <a:fontRef idx="minor">
+              <a:schemeClr val="lt1"/>
+            </a:fontRef>
+          </p:style>
+          <p:txBody>
+            <a:bodyPr rtlCol="0" anchor="ctr"/>
+            <a:lstStyle/>
+            <a:p>
+              <a:pPr algn="ctr"/>
+              <a:endParaRPr lang="zh-TW" altLang="en-US"/>
+            </a:p>
+          </p:txBody>
+        </p:sp>
+        <p:sp>
+          <p:nvSpPr>
+            <p:cNvPr id="29" name="橢圓 28"/>
+            <p:cNvSpPr/>
+            <p:nvPr/>
+          </p:nvSpPr>
+          <p:spPr>
+            <a:xfrm>
+              <a:off x="7076888" y="3342672"/>
+              <a:ext cx="360000" cy="360000"/>
+            </a:xfrm>
+            <a:prstGeom prst="ellipse">
+              <a:avLst/>
+            </a:prstGeom>
+            <a:solidFill>
+              <a:schemeClr val="bg1"/>
+            </a:solidFill>
+            <a:ln>
+              <a:solidFill>
+                <a:schemeClr val="tx1"/>
+              </a:solidFill>
+            </a:ln>
+          </p:spPr>
+          <p:style>
+            <a:lnRef idx="2">
+              <a:schemeClr val="accent1">
+                <a:shade val="50000"/>
+              </a:schemeClr>
+            </a:lnRef>
+            <a:fillRef idx="1">
+              <a:schemeClr val="accent1"/>
+            </a:fillRef>
+            <a:effectRef idx="0">
+              <a:schemeClr val="accent1"/>
+            </a:effectRef>
+            <a:fontRef idx="minor">
+              <a:schemeClr val="lt1"/>
+            </a:fontRef>
+          </p:style>
+          <p:txBody>
+            <a:bodyPr rtlCol="0" anchor="ctr"/>
+            <a:lstStyle/>
+            <a:p>
+              <a:pPr algn="ctr"/>
+              <a:endParaRPr lang="zh-TW" altLang="en-US"/>
+            </a:p>
+          </p:txBody>
+        </p:sp>
+        <p:sp>
+          <p:nvSpPr>
+            <p:cNvPr id="30" name="橢圓 29"/>
+            <p:cNvSpPr/>
+            <p:nvPr/>
+          </p:nvSpPr>
+          <p:spPr>
+            <a:xfrm>
+              <a:off x="7076888" y="3918744"/>
+              <a:ext cx="360000" cy="360000"/>
+            </a:xfrm>
+            <a:prstGeom prst="ellipse">
+              <a:avLst/>
+            </a:prstGeom>
+            <a:solidFill>
+              <a:schemeClr val="bg1"/>
+            </a:solidFill>
+            <a:ln>
+              <a:solidFill>
+                <a:schemeClr val="tx1"/>
+              </a:solidFill>
+            </a:ln>
+          </p:spPr>
+          <p:style>
+            <a:lnRef idx="2">
+              <a:schemeClr val="accent1">
+                <a:shade val="50000"/>
+              </a:schemeClr>
+            </a:lnRef>
+            <a:fillRef idx="1">
+              <a:schemeClr val="accent1"/>
+            </a:fillRef>
+            <a:effectRef idx="0">
+              <a:schemeClr val="accent1"/>
+            </a:effectRef>
+            <a:fontRef idx="minor">
+              <a:schemeClr val="lt1"/>
+            </a:fontRef>
+          </p:style>
+          <p:txBody>
+            <a:bodyPr rtlCol="0" anchor="ctr"/>
+            <a:lstStyle/>
+            <a:p>
+              <a:pPr algn="ctr"/>
+              <a:endParaRPr lang="zh-TW" altLang="en-US"/>
+            </a:p>
+          </p:txBody>
+        </p:sp>
+        <p:cxnSp>
+          <p:nvCxnSpPr>
+            <p:cNvPr id="32" name="直線單箭頭接點 31"/>
+            <p:cNvCxnSpPr>
+              <a:stCxn id="6" idx="6"/>
+              <a:endCxn id="19" idx="2"/>
+            </p:cNvCxnSpPr>
+            <p:nvPr/>
+          </p:nvCxnSpPr>
+          <p:spPr>
+            <a:xfrm>
+              <a:off x="4155538" y="1794456"/>
+              <a:ext cx="480946" cy="576072"/>
+            </a:xfrm>
+            <a:prstGeom prst="straightConnector1">
+              <a:avLst/>
+            </a:prstGeom>
+            <a:ln>
+              <a:solidFill>
+                <a:schemeClr val="tx1"/>
+              </a:solidFill>
+              <a:tailEnd type="triangle"/>
+            </a:ln>
+          </p:spPr>
+          <p:style>
+            <a:lnRef idx="1">
+              <a:schemeClr val="accent1"/>
+            </a:lnRef>
+            <a:fillRef idx="0">
+              <a:schemeClr val="accent1"/>
+            </a:fillRef>
+            <a:effectRef idx="0">
+              <a:schemeClr val="accent1"/>
+            </a:effectRef>
+            <a:fontRef idx="minor">
+              <a:schemeClr val="tx1"/>
+            </a:fontRef>
+          </p:style>
+        </p:cxnSp>
+        <p:cxnSp>
+          <p:nvCxnSpPr>
+            <p:cNvPr id="34" name="直線單箭頭接點 33"/>
+            <p:cNvCxnSpPr>
+              <a:stCxn id="7" idx="6"/>
+              <a:endCxn id="19" idx="2"/>
+            </p:cNvCxnSpPr>
+            <p:nvPr/>
+          </p:nvCxnSpPr>
+          <p:spPr>
+            <a:xfrm>
+              <a:off x="4155538" y="2370528"/>
+              <a:ext cx="480946" cy="0"/>
+            </a:xfrm>
+            <a:prstGeom prst="straightConnector1">
+              <a:avLst/>
+            </a:prstGeom>
+            <a:ln>
+              <a:solidFill>
+                <a:schemeClr val="tx1"/>
+              </a:solidFill>
+              <a:tailEnd type="triangle"/>
+            </a:ln>
+          </p:spPr>
+          <p:style>
+            <a:lnRef idx="1">
+              <a:schemeClr val="accent1"/>
+            </a:lnRef>
+            <a:fillRef idx="0">
+              <a:schemeClr val="accent1"/>
+            </a:fillRef>
+            <a:effectRef idx="0">
+              <a:schemeClr val="accent1"/>
+            </a:effectRef>
+            <a:fontRef idx="minor">
+              <a:schemeClr val="tx1"/>
+            </a:fontRef>
+          </p:style>
+        </p:cxnSp>
+        <p:cxnSp>
+          <p:nvCxnSpPr>
+            <p:cNvPr id="37" name="直線單箭頭接點 36"/>
+            <p:cNvCxnSpPr>
+              <a:stCxn id="8" idx="6"/>
+              <a:endCxn id="19" idx="2"/>
+            </p:cNvCxnSpPr>
+            <p:nvPr/>
+          </p:nvCxnSpPr>
+          <p:spPr>
+            <a:xfrm flipV="1">
+              <a:off x="4155538" y="2370528"/>
+              <a:ext cx="480946" cy="576072"/>
+            </a:xfrm>
+            <a:prstGeom prst="straightConnector1">
+              <a:avLst/>
+            </a:prstGeom>
+            <a:ln>
+              <a:solidFill>
+                <a:schemeClr val="tx1"/>
+              </a:solidFill>
+              <a:tailEnd type="triangle"/>
+            </a:ln>
+          </p:spPr>
+          <p:style>
+            <a:lnRef idx="1">
+              <a:schemeClr val="accent1"/>
+            </a:lnRef>
+            <a:fillRef idx="0">
+              <a:schemeClr val="accent1"/>
+            </a:fillRef>
+            <a:effectRef idx="0">
+              <a:schemeClr val="accent1"/>
+            </a:effectRef>
+            <a:fontRef idx="minor">
+              <a:schemeClr val="tx1"/>
+            </a:fontRef>
+          </p:style>
+        </p:cxnSp>
+        <p:cxnSp>
+          <p:nvCxnSpPr>
+            <p:cNvPr id="40" name="直線單箭頭接點 39"/>
+            <p:cNvCxnSpPr>
+              <a:stCxn id="9" idx="6"/>
+              <a:endCxn id="19" idx="2"/>
+            </p:cNvCxnSpPr>
+            <p:nvPr/>
+          </p:nvCxnSpPr>
+          <p:spPr>
+            <a:xfrm flipV="1">
+              <a:off x="4155538" y="2370528"/>
+              <a:ext cx="480946" cy="1152144"/>
+            </a:xfrm>
+            <a:prstGeom prst="straightConnector1">
+              <a:avLst/>
+            </a:prstGeom>
+            <a:ln>
+              <a:solidFill>
+                <a:schemeClr val="tx1"/>
+              </a:solidFill>
+              <a:tailEnd type="triangle"/>
+            </a:ln>
+          </p:spPr>
+          <p:style>
+            <a:lnRef idx="1">
+              <a:schemeClr val="accent1"/>
+            </a:lnRef>
+            <a:fillRef idx="0">
+              <a:schemeClr val="accent1"/>
+            </a:fillRef>
+            <a:effectRef idx="0">
+              <a:schemeClr val="accent1"/>
+            </a:effectRef>
+            <a:fontRef idx="minor">
+              <a:schemeClr val="tx1"/>
+            </a:fontRef>
+          </p:style>
+        </p:cxnSp>
+        <p:cxnSp>
+          <p:nvCxnSpPr>
+            <p:cNvPr id="43" name="直線單箭頭接點 42"/>
+            <p:cNvCxnSpPr>
+              <a:stCxn id="11" idx="6"/>
+              <a:endCxn id="19" idx="2"/>
+            </p:cNvCxnSpPr>
+            <p:nvPr/>
+          </p:nvCxnSpPr>
+          <p:spPr>
+            <a:xfrm flipV="1">
+              <a:off x="4155538" y="2370528"/>
+              <a:ext cx="480946" cy="1728216"/>
+            </a:xfrm>
+            <a:prstGeom prst="straightConnector1">
+              <a:avLst/>
+            </a:prstGeom>
+            <a:ln>
+              <a:solidFill>
+                <a:schemeClr val="tx1"/>
+              </a:solidFill>
+              <a:tailEnd type="triangle"/>
+            </a:ln>
+          </p:spPr>
+          <p:style>
+            <a:lnRef idx="1">
+              <a:schemeClr val="accent1"/>
+            </a:lnRef>
+            <a:fillRef idx="0">
+              <a:schemeClr val="accent1"/>
+            </a:fillRef>
+            <a:effectRef idx="0">
+              <a:schemeClr val="accent1"/>
+            </a:effectRef>
+            <a:fontRef idx="minor">
+              <a:schemeClr val="tx1"/>
+            </a:fontRef>
+          </p:style>
+        </p:cxnSp>
+        <p:cxnSp>
+          <p:nvCxnSpPr>
+            <p:cNvPr id="46" name="直線單箭頭接點 45"/>
+            <p:cNvCxnSpPr>
+              <a:stCxn id="6" idx="6"/>
+              <a:endCxn id="20" idx="2"/>
+            </p:cNvCxnSpPr>
+            <p:nvPr/>
+          </p:nvCxnSpPr>
+          <p:spPr>
+            <a:xfrm>
+              <a:off x="4155538" y="1794456"/>
+              <a:ext cx="480946" cy="1152144"/>
+            </a:xfrm>
+            <a:prstGeom prst="straightConnector1">
+              <a:avLst/>
+            </a:prstGeom>
+            <a:ln>
+              <a:solidFill>
+                <a:schemeClr val="tx1"/>
+              </a:solidFill>
+              <a:tailEnd type="triangle"/>
+            </a:ln>
+          </p:spPr>
+          <p:style>
+            <a:lnRef idx="1">
+              <a:schemeClr val="accent1"/>
+            </a:lnRef>
+            <a:fillRef idx="0">
+              <a:schemeClr val="accent1"/>
+            </a:fillRef>
+            <a:effectRef idx="0">
+              <a:schemeClr val="accent1"/>
+            </a:effectRef>
+            <a:fontRef idx="minor">
+              <a:schemeClr val="tx1"/>
+            </a:fontRef>
+          </p:style>
+        </p:cxnSp>
+        <p:cxnSp>
+          <p:nvCxnSpPr>
+            <p:cNvPr id="49" name="直線單箭頭接點 48"/>
+            <p:cNvCxnSpPr>
+              <a:stCxn id="6" idx="6"/>
+              <a:endCxn id="21" idx="2"/>
+            </p:cNvCxnSpPr>
+            <p:nvPr/>
+          </p:nvCxnSpPr>
+          <p:spPr>
+            <a:xfrm>
+              <a:off x="4155538" y="1794456"/>
+              <a:ext cx="480946" cy="1728216"/>
+            </a:xfrm>
+            <a:prstGeom prst="straightConnector1">
+              <a:avLst/>
+            </a:prstGeom>
+            <a:ln>
+              <a:solidFill>
+                <a:schemeClr val="tx1"/>
+              </a:solidFill>
+              <a:tailEnd type="triangle"/>
+            </a:ln>
+          </p:spPr>
+          <p:style>
+            <a:lnRef idx="1">
+              <a:schemeClr val="accent1"/>
+            </a:lnRef>
+            <a:fillRef idx="0">
+              <a:schemeClr val="accent1"/>
+            </a:fillRef>
+            <a:effectRef idx="0">
+              <a:schemeClr val="accent1"/>
+            </a:effectRef>
+            <a:fontRef idx="minor">
+              <a:schemeClr val="tx1"/>
+            </a:fontRef>
+          </p:style>
+        </p:cxnSp>
+        <p:cxnSp>
+          <p:nvCxnSpPr>
+            <p:cNvPr id="52" name="直線單箭頭接點 51"/>
+            <p:cNvCxnSpPr>
+              <a:stCxn id="7" idx="6"/>
+              <a:endCxn id="20" idx="2"/>
+            </p:cNvCxnSpPr>
+            <p:nvPr/>
+          </p:nvCxnSpPr>
+          <p:spPr>
+            <a:xfrm>
+              <a:off x="4155538" y="2370528"/>
+              <a:ext cx="480946" cy="576072"/>
+            </a:xfrm>
+            <a:prstGeom prst="straightConnector1">
+              <a:avLst/>
+            </a:prstGeom>
+            <a:ln>
+              <a:solidFill>
+                <a:schemeClr val="tx1"/>
+              </a:solidFill>
+              <a:tailEnd type="triangle"/>
+            </a:ln>
+          </p:spPr>
+          <p:style>
+            <a:lnRef idx="1">
+              <a:schemeClr val="accent1"/>
+            </a:lnRef>
+            <a:fillRef idx="0">
+              <a:schemeClr val="accent1"/>
+            </a:fillRef>
+            <a:effectRef idx="0">
+              <a:schemeClr val="accent1"/>
+            </a:effectRef>
+            <a:fontRef idx="minor">
+              <a:schemeClr val="tx1"/>
+            </a:fontRef>
+          </p:style>
+        </p:cxnSp>
+        <p:cxnSp>
+          <p:nvCxnSpPr>
+            <p:cNvPr id="57" name="直線單箭頭接點 56"/>
+            <p:cNvCxnSpPr>
+              <a:stCxn id="7" idx="6"/>
+            </p:cNvCxnSpPr>
+            <p:nvPr/>
+          </p:nvCxnSpPr>
+          <p:spPr>
+            <a:xfrm>
+              <a:off x="4155538" y="2370528"/>
+              <a:ext cx="480946" cy="1151652"/>
+            </a:xfrm>
+            <a:prstGeom prst="straightConnector1">
+              <a:avLst/>
+            </a:prstGeom>
+            <a:ln>
+              <a:solidFill>
+                <a:schemeClr val="tx1"/>
+              </a:solidFill>
+              <a:tailEnd type="triangle"/>
+            </a:ln>
+          </p:spPr>
+          <p:style>
+            <a:lnRef idx="1">
+              <a:schemeClr val="accent1"/>
+            </a:lnRef>
+            <a:fillRef idx="0">
+              <a:schemeClr val="accent1"/>
+            </a:fillRef>
+            <a:effectRef idx="0">
+              <a:schemeClr val="accent1"/>
+            </a:effectRef>
+            <a:fontRef idx="minor">
+              <a:schemeClr val="tx1"/>
+            </a:fontRef>
+          </p:style>
+        </p:cxnSp>
+        <p:cxnSp>
+          <p:nvCxnSpPr>
+            <p:cNvPr id="60" name="直線單箭頭接點 59"/>
+            <p:cNvCxnSpPr>
+              <a:stCxn id="9" idx="6"/>
+              <a:endCxn id="20" idx="2"/>
+            </p:cNvCxnSpPr>
+            <p:nvPr/>
+          </p:nvCxnSpPr>
+          <p:spPr>
+            <a:xfrm flipV="1">
+              <a:off x="4155538" y="2946600"/>
+              <a:ext cx="480946" cy="576072"/>
+            </a:xfrm>
+            <a:prstGeom prst="straightConnector1">
+              <a:avLst/>
+            </a:prstGeom>
+            <a:ln>
+              <a:solidFill>
+                <a:schemeClr val="tx1"/>
+              </a:solidFill>
+              <a:tailEnd type="triangle"/>
+            </a:ln>
+          </p:spPr>
+          <p:style>
+            <a:lnRef idx="1">
+              <a:schemeClr val="accent1"/>
+            </a:lnRef>
+            <a:fillRef idx="0">
+              <a:schemeClr val="accent1"/>
+            </a:fillRef>
+            <a:effectRef idx="0">
+              <a:schemeClr val="accent1"/>
+            </a:effectRef>
+            <a:fontRef idx="minor">
+              <a:schemeClr val="tx1"/>
+            </a:fontRef>
+          </p:style>
+        </p:cxnSp>
+        <p:cxnSp>
+          <p:nvCxnSpPr>
+            <p:cNvPr id="62" name="直線單箭頭接點 61"/>
+            <p:cNvCxnSpPr>
+              <a:stCxn id="9" idx="6"/>
+              <a:endCxn id="21" idx="2"/>
+            </p:cNvCxnSpPr>
+            <p:nvPr/>
+          </p:nvCxnSpPr>
+          <p:spPr>
+            <a:xfrm>
+              <a:off x="4155538" y="3522672"/>
+              <a:ext cx="480946" cy="0"/>
+            </a:xfrm>
+            <a:prstGeom prst="straightConnector1">
+              <a:avLst/>
+            </a:prstGeom>
+            <a:ln>
+              <a:solidFill>
+                <a:schemeClr val="tx1"/>
+              </a:solidFill>
+              <a:tailEnd type="triangle"/>
+            </a:ln>
+          </p:spPr>
+          <p:style>
+            <a:lnRef idx="1">
+              <a:schemeClr val="accent1"/>
+            </a:lnRef>
+            <a:fillRef idx="0">
+              <a:schemeClr val="accent1"/>
+            </a:fillRef>
+            <a:effectRef idx="0">
+              <a:schemeClr val="accent1"/>
+            </a:effectRef>
+            <a:fontRef idx="minor">
+              <a:schemeClr val="tx1"/>
+            </a:fontRef>
+          </p:style>
+        </p:cxnSp>
+        <p:cxnSp>
+          <p:nvCxnSpPr>
+            <p:cNvPr id="65" name="直線單箭頭接點 64"/>
+            <p:cNvCxnSpPr>
+              <a:stCxn id="11" idx="6"/>
+              <a:endCxn id="20" idx="2"/>
+            </p:cNvCxnSpPr>
+            <p:nvPr/>
+          </p:nvCxnSpPr>
+          <p:spPr>
+            <a:xfrm flipV="1">
+              <a:off x="4155538" y="2946600"/>
+              <a:ext cx="480946" cy="1152144"/>
+            </a:xfrm>
+            <a:prstGeom prst="straightConnector1">
+              <a:avLst/>
+            </a:prstGeom>
+            <a:ln>
+              <a:solidFill>
+                <a:schemeClr val="tx1"/>
+              </a:solidFill>
+              <a:tailEnd type="triangle"/>
+            </a:ln>
+          </p:spPr>
+          <p:style>
+            <a:lnRef idx="1">
+              <a:schemeClr val="accent1"/>
+            </a:lnRef>
+            <a:fillRef idx="0">
+              <a:schemeClr val="accent1"/>
+            </a:fillRef>
+            <a:effectRef idx="0">
+              <a:schemeClr val="accent1"/>
+            </a:effectRef>
+            <a:fontRef idx="minor">
+              <a:schemeClr val="tx1"/>
+            </a:fontRef>
+          </p:style>
+        </p:cxnSp>
+        <p:cxnSp>
+          <p:nvCxnSpPr>
+            <p:cNvPr id="68" name="直線單箭頭接點 67"/>
+            <p:cNvCxnSpPr>
+              <a:stCxn id="11" idx="6"/>
+            </p:cNvCxnSpPr>
+            <p:nvPr/>
+          </p:nvCxnSpPr>
+          <p:spPr>
+            <a:xfrm flipV="1">
+              <a:off x="4155538" y="3522180"/>
+              <a:ext cx="453468" cy="576564"/>
+            </a:xfrm>
+            <a:prstGeom prst="straightConnector1">
+              <a:avLst/>
+            </a:prstGeom>
+            <a:ln>
+              <a:solidFill>
+                <a:schemeClr val="tx1"/>
+              </a:solidFill>
+              <a:tailEnd type="triangle"/>
+            </a:ln>
+          </p:spPr>
+          <p:style>
+            <a:lnRef idx="1">
+              <a:schemeClr val="accent1"/>
+            </a:lnRef>
+            <a:fillRef idx="0">
+              <a:schemeClr val="accent1"/>
+            </a:fillRef>
+            <a:effectRef idx="0">
+              <a:schemeClr val="accent1"/>
+            </a:effectRef>
+            <a:fontRef idx="minor">
+              <a:schemeClr val="tx1"/>
+            </a:fontRef>
+          </p:style>
+        </p:cxnSp>
+        <p:cxnSp>
+          <p:nvCxnSpPr>
+            <p:cNvPr id="72" name="直線單箭頭接點 71"/>
+            <p:cNvCxnSpPr>
+              <a:stCxn id="19" idx="6"/>
+              <a:endCxn id="22" idx="2"/>
+            </p:cNvCxnSpPr>
+            <p:nvPr/>
+          </p:nvCxnSpPr>
+          <p:spPr>
+            <a:xfrm>
+              <a:off x="4969006" y="2370528"/>
+              <a:ext cx="480946" cy="577953"/>
+            </a:xfrm>
+            <a:prstGeom prst="straightConnector1">
+              <a:avLst/>
+            </a:prstGeom>
+            <a:ln>
+              <a:solidFill>
+                <a:schemeClr val="tx1"/>
+              </a:solidFill>
+              <a:tailEnd type="triangle"/>
+            </a:ln>
+          </p:spPr>
+          <p:style>
+            <a:lnRef idx="1">
+              <a:schemeClr val="accent1"/>
+            </a:lnRef>
+            <a:fillRef idx="0">
+              <a:schemeClr val="accent1"/>
+            </a:fillRef>
+            <a:effectRef idx="0">
+              <a:schemeClr val="accent1"/>
+            </a:effectRef>
+            <a:fontRef idx="minor">
+              <a:schemeClr val="tx1"/>
+            </a:fontRef>
+          </p:style>
+        </p:cxnSp>
+        <p:cxnSp>
+          <p:nvCxnSpPr>
+            <p:cNvPr id="74" name="直線單箭頭接點 73"/>
+            <p:cNvCxnSpPr>
+              <a:stCxn id="20" idx="6"/>
+              <a:endCxn id="22" idx="2"/>
+            </p:cNvCxnSpPr>
+            <p:nvPr/>
+          </p:nvCxnSpPr>
+          <p:spPr>
+            <a:xfrm>
+              <a:off x="4969006" y="2946600"/>
+              <a:ext cx="480946" cy="1881"/>
+            </a:xfrm>
+            <a:prstGeom prst="straightConnector1">
+              <a:avLst/>
+            </a:prstGeom>
+            <a:ln>
+              <a:solidFill>
+                <a:schemeClr val="tx1"/>
+              </a:solidFill>
+              <a:tailEnd type="triangle"/>
+            </a:ln>
+          </p:spPr>
+          <p:style>
+            <a:lnRef idx="1">
+              <a:schemeClr val="accent1"/>
+            </a:lnRef>
+            <a:fillRef idx="0">
+              <a:schemeClr val="accent1"/>
+            </a:fillRef>
+            <a:effectRef idx="0">
+              <a:schemeClr val="accent1"/>
+            </a:effectRef>
+            <a:fontRef idx="minor">
+              <a:schemeClr val="tx1"/>
+            </a:fontRef>
+          </p:style>
+        </p:cxnSp>
+        <p:cxnSp>
+          <p:nvCxnSpPr>
+            <p:cNvPr id="77" name="直線單箭頭接點 76"/>
+            <p:cNvCxnSpPr>
+              <a:stCxn id="21" idx="6"/>
+              <a:endCxn id="22" idx="2"/>
+            </p:cNvCxnSpPr>
+            <p:nvPr/>
+          </p:nvCxnSpPr>
+          <p:spPr>
+            <a:xfrm flipV="1">
+              <a:off x="4969006" y="2948481"/>
+              <a:ext cx="480946" cy="574191"/>
+            </a:xfrm>
+            <a:prstGeom prst="straightConnector1">
+              <a:avLst/>
+            </a:prstGeom>
+            <a:ln>
+              <a:solidFill>
+                <a:schemeClr val="tx1"/>
+              </a:solidFill>
+              <a:tailEnd type="triangle"/>
+            </a:ln>
+          </p:spPr>
+          <p:style>
+            <a:lnRef idx="1">
+              <a:schemeClr val="accent1"/>
+            </a:lnRef>
+            <a:fillRef idx="0">
+              <a:schemeClr val="accent1"/>
+            </a:fillRef>
+            <a:effectRef idx="0">
+              <a:schemeClr val="accent1"/>
+            </a:effectRef>
+            <a:fontRef idx="minor">
+              <a:schemeClr val="tx1"/>
+            </a:fontRef>
+          </p:style>
+        </p:cxnSp>
+        <p:cxnSp>
+          <p:nvCxnSpPr>
+            <p:cNvPr id="81" name="直線單箭頭接點 80"/>
+            <p:cNvCxnSpPr/>
+            <p:nvPr/>
+          </p:nvCxnSpPr>
+          <p:spPr>
+            <a:xfrm>
+              <a:off x="5782474" y="2946354"/>
+              <a:ext cx="480946" cy="1881"/>
+            </a:xfrm>
+            <a:prstGeom prst="straightConnector1">
+              <a:avLst/>
+            </a:prstGeom>
+            <a:ln>
+              <a:solidFill>
+                <a:schemeClr val="tx1"/>
+              </a:solidFill>
+              <a:tailEnd type="triangle"/>
+            </a:ln>
+          </p:spPr>
+          <p:style>
+            <a:lnRef idx="1">
+              <a:schemeClr val="accent1"/>
+            </a:lnRef>
+            <a:fillRef idx="0">
+              <a:schemeClr val="accent1"/>
+            </a:fillRef>
+            <a:effectRef idx="0">
+              <a:schemeClr val="accent1"/>
+            </a:effectRef>
+            <a:fontRef idx="minor">
+              <a:schemeClr val="tx1"/>
+            </a:fontRef>
+          </p:style>
+        </p:cxnSp>
+        <p:cxnSp>
+          <p:nvCxnSpPr>
+            <p:cNvPr id="82" name="直線單箭頭接點 81"/>
+            <p:cNvCxnSpPr>
+              <a:stCxn id="22" idx="6"/>
+              <a:endCxn id="25" idx="2"/>
+            </p:cNvCxnSpPr>
+            <p:nvPr/>
+          </p:nvCxnSpPr>
+          <p:spPr>
+            <a:xfrm>
+              <a:off x="5782474" y="2948481"/>
+              <a:ext cx="480946" cy="574191"/>
+            </a:xfrm>
+            <a:prstGeom prst="straightConnector1">
+              <a:avLst/>
+            </a:prstGeom>
+            <a:ln>
+              <a:solidFill>
+                <a:schemeClr val="tx1"/>
+              </a:solidFill>
+              <a:tailEnd type="triangle"/>
+            </a:ln>
+          </p:spPr>
+          <p:style>
+            <a:lnRef idx="1">
+              <a:schemeClr val="accent1"/>
+            </a:lnRef>
+            <a:fillRef idx="0">
+              <a:schemeClr val="accent1"/>
+            </a:fillRef>
+            <a:effectRef idx="0">
+              <a:schemeClr val="accent1"/>
+            </a:effectRef>
+            <a:fontRef idx="minor">
+              <a:schemeClr val="tx1"/>
+            </a:fontRef>
+          </p:style>
+        </p:cxnSp>
+        <p:cxnSp>
+          <p:nvCxnSpPr>
+            <p:cNvPr id="85" name="直線單箭頭接點 84"/>
+            <p:cNvCxnSpPr>
+              <a:stCxn id="22" idx="6"/>
+              <a:endCxn id="23" idx="2"/>
+            </p:cNvCxnSpPr>
+            <p:nvPr/>
+          </p:nvCxnSpPr>
+          <p:spPr>
+            <a:xfrm flipV="1">
+              <a:off x="5782474" y="2370528"/>
+              <a:ext cx="480946" cy="577953"/>
+            </a:xfrm>
+            <a:prstGeom prst="straightConnector1">
+              <a:avLst/>
+            </a:prstGeom>
+            <a:ln>
+              <a:solidFill>
+                <a:schemeClr val="tx1"/>
+              </a:solidFill>
+              <a:tailEnd type="triangle"/>
+            </a:ln>
+          </p:spPr>
+          <p:style>
+            <a:lnRef idx="1">
+              <a:schemeClr val="accent1"/>
+            </a:lnRef>
+            <a:fillRef idx="0">
+              <a:schemeClr val="accent1"/>
+            </a:fillRef>
+            <a:effectRef idx="0">
+              <a:schemeClr val="accent1"/>
+            </a:effectRef>
+            <a:fontRef idx="minor">
+              <a:schemeClr val="tx1"/>
+            </a:fontRef>
+          </p:style>
+        </p:cxnSp>
+        <p:cxnSp>
+          <p:nvCxnSpPr>
+            <p:cNvPr id="88" name="直線單箭頭接點 87"/>
+            <p:cNvCxnSpPr/>
+            <p:nvPr/>
+          </p:nvCxnSpPr>
+          <p:spPr>
+            <a:xfrm>
+              <a:off x="6595942" y="2958484"/>
+              <a:ext cx="480946" cy="574191"/>
+            </a:xfrm>
+            <a:prstGeom prst="straightConnector1">
+              <a:avLst/>
+            </a:prstGeom>
+            <a:ln>
+              <a:solidFill>
+                <a:schemeClr val="tx1"/>
+              </a:solidFill>
+              <a:tailEnd type="triangle"/>
+            </a:ln>
+          </p:spPr>
+          <p:style>
+            <a:lnRef idx="1">
+              <a:schemeClr val="accent1"/>
+            </a:lnRef>
+            <a:fillRef idx="0">
+              <a:schemeClr val="accent1"/>
+            </a:fillRef>
+            <a:effectRef idx="0">
+              <a:schemeClr val="accent1"/>
+            </a:effectRef>
+            <a:fontRef idx="minor">
+              <a:schemeClr val="tx1"/>
+            </a:fontRef>
+          </p:style>
+        </p:cxnSp>
+        <p:cxnSp>
+          <p:nvCxnSpPr>
+            <p:cNvPr id="89" name="直線單箭頭接點 88"/>
+            <p:cNvCxnSpPr>
+              <a:stCxn id="24" idx="6"/>
+            </p:cNvCxnSpPr>
+            <p:nvPr/>
+          </p:nvCxnSpPr>
+          <p:spPr>
+            <a:xfrm>
+              <a:off x="6595942" y="2946600"/>
+              <a:ext cx="480946" cy="1130732"/>
+            </a:xfrm>
+            <a:prstGeom prst="straightConnector1">
+              <a:avLst/>
+            </a:prstGeom>
+            <a:ln>
+              <a:solidFill>
+                <a:schemeClr val="tx1"/>
+              </a:solidFill>
+              <a:tailEnd type="triangle"/>
+            </a:ln>
+          </p:spPr>
+          <p:style>
+            <a:lnRef idx="1">
+              <a:schemeClr val="accent1"/>
+            </a:lnRef>
+            <a:fillRef idx="0">
+              <a:schemeClr val="accent1"/>
+            </a:fillRef>
+            <a:effectRef idx="0">
+              <a:schemeClr val="accent1"/>
+            </a:effectRef>
+            <a:fontRef idx="minor">
+              <a:schemeClr val="tx1"/>
+            </a:fontRef>
+          </p:style>
+        </p:cxnSp>
+        <p:cxnSp>
+          <p:nvCxnSpPr>
+            <p:cNvPr id="91" name="直線單箭頭接點 90"/>
+            <p:cNvCxnSpPr/>
+            <p:nvPr/>
+          </p:nvCxnSpPr>
+          <p:spPr>
+            <a:xfrm>
+              <a:off x="6595942" y="2971216"/>
+              <a:ext cx="480946" cy="1881"/>
+            </a:xfrm>
+            <a:prstGeom prst="straightConnector1">
+              <a:avLst/>
+            </a:prstGeom>
+            <a:ln>
+              <a:solidFill>
+                <a:schemeClr val="tx1"/>
+              </a:solidFill>
+              <a:tailEnd type="triangle"/>
+            </a:ln>
+          </p:spPr>
+          <p:style>
+            <a:lnRef idx="1">
+              <a:schemeClr val="accent1"/>
+            </a:lnRef>
+            <a:fillRef idx="0">
+              <a:schemeClr val="accent1"/>
+            </a:fillRef>
+            <a:effectRef idx="0">
+              <a:schemeClr val="accent1"/>
+            </a:effectRef>
+            <a:fontRef idx="minor">
+              <a:schemeClr val="tx1"/>
+            </a:fontRef>
+          </p:style>
+        </p:cxnSp>
+        <p:cxnSp>
+          <p:nvCxnSpPr>
+            <p:cNvPr id="92" name="直線單箭頭接點 91"/>
+            <p:cNvCxnSpPr>
+              <a:stCxn id="24" idx="6"/>
+            </p:cNvCxnSpPr>
+            <p:nvPr/>
+          </p:nvCxnSpPr>
+          <p:spPr>
+            <a:xfrm flipV="1">
+              <a:off x="6595942" y="2373867"/>
+              <a:ext cx="503174" cy="572733"/>
+            </a:xfrm>
+            <a:prstGeom prst="straightConnector1">
+              <a:avLst/>
+            </a:prstGeom>
+            <a:ln>
+              <a:solidFill>
+                <a:schemeClr val="tx1"/>
+              </a:solidFill>
+              <a:tailEnd type="triangle"/>
+            </a:ln>
+          </p:spPr>
+          <p:style>
+            <a:lnRef idx="1">
+              <a:schemeClr val="accent1"/>
+            </a:lnRef>
+            <a:fillRef idx="0">
+              <a:schemeClr val="accent1"/>
+            </a:fillRef>
+            <a:effectRef idx="0">
+              <a:schemeClr val="accent1"/>
+            </a:effectRef>
+            <a:fontRef idx="minor">
+              <a:schemeClr val="tx1"/>
+            </a:fontRef>
+          </p:style>
+        </p:cxnSp>
+        <p:cxnSp>
+          <p:nvCxnSpPr>
+            <p:cNvPr id="94" name="直線單箭頭接點 93"/>
+            <p:cNvCxnSpPr>
+              <a:stCxn id="24" idx="6"/>
+            </p:cNvCxnSpPr>
+            <p:nvPr/>
+          </p:nvCxnSpPr>
+          <p:spPr>
+            <a:xfrm flipV="1">
+              <a:off x="6595942" y="1825284"/>
+              <a:ext cx="480946" cy="1121316"/>
+            </a:xfrm>
+            <a:prstGeom prst="straightConnector1">
+              <a:avLst/>
+            </a:prstGeom>
+            <a:ln>
+              <a:solidFill>
+                <a:schemeClr val="tx1"/>
+              </a:solidFill>
+              <a:tailEnd type="triangle"/>
+            </a:ln>
+          </p:spPr>
+          <p:style>
+            <a:lnRef idx="1">
+              <a:schemeClr val="accent1"/>
+            </a:lnRef>
+            <a:fillRef idx="0">
+              <a:schemeClr val="accent1"/>
+            </a:fillRef>
+            <a:effectRef idx="0">
+              <a:schemeClr val="accent1"/>
+            </a:effectRef>
+            <a:fontRef idx="minor">
+              <a:schemeClr val="tx1"/>
+            </a:fontRef>
+          </p:style>
+        </p:cxnSp>
+        <p:cxnSp>
+          <p:nvCxnSpPr>
+            <p:cNvPr id="96" name="直線單箭頭接點 95"/>
+            <p:cNvCxnSpPr>
+              <a:endCxn id="26" idx="2"/>
+            </p:cNvCxnSpPr>
+            <p:nvPr/>
+          </p:nvCxnSpPr>
+          <p:spPr>
+            <a:xfrm flipV="1">
+              <a:off x="6595942" y="1794456"/>
+              <a:ext cx="480946" cy="576072"/>
+            </a:xfrm>
+            <a:prstGeom prst="straightConnector1">
+              <a:avLst/>
+            </a:prstGeom>
+            <a:ln>
+              <a:solidFill>
+                <a:schemeClr val="tx1"/>
+              </a:solidFill>
+              <a:tailEnd type="triangle"/>
+            </a:ln>
+          </p:spPr>
+          <p:style>
+            <a:lnRef idx="1">
+              <a:schemeClr val="accent1"/>
+            </a:lnRef>
+            <a:fillRef idx="0">
+              <a:schemeClr val="accent1"/>
+            </a:fillRef>
+            <a:effectRef idx="0">
+              <a:schemeClr val="accent1"/>
+            </a:effectRef>
+            <a:fontRef idx="minor">
+              <a:schemeClr val="tx1"/>
+            </a:fontRef>
+          </p:style>
+        </p:cxnSp>
+        <p:cxnSp>
+          <p:nvCxnSpPr>
+            <p:cNvPr id="99" name="直線單箭頭接點 98"/>
+            <p:cNvCxnSpPr>
+              <a:stCxn id="23" idx="6"/>
+              <a:endCxn id="27" idx="2"/>
+            </p:cNvCxnSpPr>
+            <p:nvPr/>
+          </p:nvCxnSpPr>
+          <p:spPr>
+            <a:xfrm>
+              <a:off x="6595942" y="2370528"/>
+              <a:ext cx="480946" cy="0"/>
+            </a:xfrm>
+            <a:prstGeom prst="straightConnector1">
+              <a:avLst/>
+            </a:prstGeom>
+            <a:ln>
+              <a:solidFill>
+                <a:schemeClr val="tx1"/>
+              </a:solidFill>
+              <a:tailEnd type="triangle"/>
+            </a:ln>
+          </p:spPr>
+          <p:style>
+            <a:lnRef idx="1">
+              <a:schemeClr val="accent1"/>
+            </a:lnRef>
+            <a:fillRef idx="0">
+              <a:schemeClr val="accent1"/>
+            </a:fillRef>
+            <a:effectRef idx="0">
+              <a:schemeClr val="accent1"/>
+            </a:effectRef>
+            <a:fontRef idx="minor">
+              <a:schemeClr val="tx1"/>
+            </a:fontRef>
+          </p:style>
+        </p:cxnSp>
+        <p:cxnSp>
+          <p:nvCxnSpPr>
+            <p:cNvPr id="102" name="直線單箭頭接點 101"/>
+            <p:cNvCxnSpPr>
+              <a:stCxn id="23" idx="6"/>
+              <a:endCxn id="28" idx="2"/>
+            </p:cNvCxnSpPr>
+            <p:nvPr/>
+          </p:nvCxnSpPr>
+          <p:spPr>
+            <a:xfrm>
+              <a:off x="6595942" y="2370528"/>
+              <a:ext cx="480946" cy="576072"/>
+            </a:xfrm>
+            <a:prstGeom prst="straightConnector1">
+              <a:avLst/>
+            </a:prstGeom>
+            <a:ln>
+              <a:solidFill>
+                <a:schemeClr val="tx1"/>
+              </a:solidFill>
+              <a:tailEnd type="triangle"/>
+            </a:ln>
+          </p:spPr>
+          <p:style>
+            <a:lnRef idx="1">
+              <a:schemeClr val="accent1"/>
+            </a:lnRef>
+            <a:fillRef idx="0">
+              <a:schemeClr val="accent1"/>
+            </a:fillRef>
+            <a:effectRef idx="0">
+              <a:schemeClr val="accent1"/>
+            </a:effectRef>
+            <a:fontRef idx="minor">
+              <a:schemeClr val="tx1"/>
+            </a:fontRef>
+          </p:style>
+        </p:cxnSp>
+        <p:cxnSp>
+          <p:nvCxnSpPr>
+            <p:cNvPr id="105" name="直線單箭頭接點 104"/>
+            <p:cNvCxnSpPr>
+              <a:stCxn id="23" idx="6"/>
+              <a:endCxn id="29" idx="2"/>
+            </p:cNvCxnSpPr>
+            <p:nvPr/>
+          </p:nvCxnSpPr>
+          <p:spPr>
+            <a:xfrm>
+              <a:off x="6595942" y="2370528"/>
+              <a:ext cx="480946" cy="1152144"/>
+            </a:xfrm>
+            <a:prstGeom prst="straightConnector1">
+              <a:avLst/>
+            </a:prstGeom>
+            <a:ln>
+              <a:solidFill>
+                <a:schemeClr val="tx1"/>
+              </a:solidFill>
+              <a:tailEnd type="triangle"/>
+            </a:ln>
+          </p:spPr>
+          <p:style>
+            <a:lnRef idx="1">
+              <a:schemeClr val="accent1"/>
+            </a:lnRef>
+            <a:fillRef idx="0">
+              <a:schemeClr val="accent1"/>
+            </a:fillRef>
+            <a:effectRef idx="0">
+              <a:schemeClr val="accent1"/>
+            </a:effectRef>
+            <a:fontRef idx="minor">
+              <a:schemeClr val="tx1"/>
+            </a:fontRef>
+          </p:style>
+        </p:cxnSp>
+        <p:cxnSp>
+          <p:nvCxnSpPr>
+            <p:cNvPr id="108" name="直線單箭頭接點 107"/>
+            <p:cNvCxnSpPr>
+              <a:stCxn id="23" idx="6"/>
+              <a:endCxn id="30" idx="2"/>
+            </p:cNvCxnSpPr>
+            <p:nvPr/>
+          </p:nvCxnSpPr>
+          <p:spPr>
+            <a:xfrm>
+              <a:off x="6595942" y="2370528"/>
+              <a:ext cx="480946" cy="1728216"/>
+            </a:xfrm>
+            <a:prstGeom prst="straightConnector1">
+              <a:avLst/>
+            </a:prstGeom>
+            <a:ln>
+              <a:solidFill>
+                <a:schemeClr val="tx1"/>
+              </a:solidFill>
+              <a:tailEnd type="triangle"/>
+            </a:ln>
+          </p:spPr>
+          <p:style>
+            <a:lnRef idx="1">
+              <a:schemeClr val="accent1"/>
+            </a:lnRef>
+            <a:fillRef idx="0">
+              <a:schemeClr val="accent1"/>
+            </a:fillRef>
+            <a:effectRef idx="0">
+              <a:schemeClr val="accent1"/>
+            </a:effectRef>
+            <a:fontRef idx="minor">
+              <a:schemeClr val="tx1"/>
+            </a:fontRef>
+          </p:style>
+        </p:cxnSp>
+        <p:cxnSp>
+          <p:nvCxnSpPr>
+            <p:cNvPr id="112" name="直線單箭頭接點 111"/>
+            <p:cNvCxnSpPr>
+              <a:stCxn id="25" idx="6"/>
+              <a:endCxn id="30" idx="2"/>
+            </p:cNvCxnSpPr>
+            <p:nvPr/>
+          </p:nvCxnSpPr>
+          <p:spPr>
+            <a:xfrm>
+              <a:off x="6595942" y="3522672"/>
+              <a:ext cx="480946" cy="576072"/>
+            </a:xfrm>
+            <a:prstGeom prst="straightConnector1">
+              <a:avLst/>
+            </a:prstGeom>
+            <a:ln>
+              <a:solidFill>
+                <a:schemeClr val="tx1"/>
+              </a:solidFill>
+              <a:tailEnd type="triangle"/>
+            </a:ln>
+          </p:spPr>
+          <p:style>
+            <a:lnRef idx="1">
+              <a:schemeClr val="accent1"/>
+            </a:lnRef>
+            <a:fillRef idx="0">
+              <a:schemeClr val="accent1"/>
+            </a:fillRef>
+            <a:effectRef idx="0">
+              <a:schemeClr val="accent1"/>
+            </a:effectRef>
+            <a:fontRef idx="minor">
+              <a:schemeClr val="tx1"/>
+            </a:fontRef>
+          </p:style>
+        </p:cxnSp>
+        <p:cxnSp>
+          <p:nvCxnSpPr>
+            <p:cNvPr id="114" name="直線單箭頭接點 113"/>
+            <p:cNvCxnSpPr>
+              <a:stCxn id="25" idx="6"/>
+              <a:endCxn id="29" idx="2"/>
+            </p:cNvCxnSpPr>
+            <p:nvPr/>
+          </p:nvCxnSpPr>
+          <p:spPr>
+            <a:xfrm>
+              <a:off x="6595942" y="3522672"/>
+              <a:ext cx="480946" cy="0"/>
+            </a:xfrm>
+            <a:prstGeom prst="straightConnector1">
+              <a:avLst/>
+            </a:prstGeom>
+            <a:ln>
+              <a:solidFill>
+                <a:schemeClr val="tx1"/>
+              </a:solidFill>
+              <a:tailEnd type="triangle"/>
+            </a:ln>
+          </p:spPr>
+          <p:style>
+            <a:lnRef idx="1">
+              <a:schemeClr val="accent1"/>
+            </a:lnRef>
+            <a:fillRef idx="0">
+              <a:schemeClr val="accent1"/>
+            </a:fillRef>
+            <a:effectRef idx="0">
+              <a:schemeClr val="accent1"/>
+            </a:effectRef>
+            <a:fontRef idx="minor">
+              <a:schemeClr val="tx1"/>
+            </a:fontRef>
+          </p:style>
+        </p:cxnSp>
+        <p:cxnSp>
+          <p:nvCxnSpPr>
+            <p:cNvPr id="117" name="直線單箭頭接點 116"/>
+            <p:cNvCxnSpPr>
+              <a:endCxn id="28" idx="2"/>
+            </p:cNvCxnSpPr>
+            <p:nvPr/>
+          </p:nvCxnSpPr>
+          <p:spPr>
+            <a:xfrm flipV="1">
+              <a:off x="6595942" y="2946600"/>
+              <a:ext cx="480946" cy="565366"/>
+            </a:xfrm>
+            <a:prstGeom prst="straightConnector1">
+              <a:avLst/>
+            </a:prstGeom>
+            <a:ln>
+              <a:solidFill>
+                <a:schemeClr val="tx1"/>
+              </a:solidFill>
+              <a:tailEnd type="triangle"/>
+            </a:ln>
+          </p:spPr>
+          <p:style>
+            <a:lnRef idx="1">
+              <a:schemeClr val="accent1"/>
+            </a:lnRef>
+            <a:fillRef idx="0">
+              <a:schemeClr val="accent1"/>
+            </a:fillRef>
+            <a:effectRef idx="0">
+              <a:schemeClr val="accent1"/>
+            </a:effectRef>
+            <a:fontRef idx="minor">
+              <a:schemeClr val="tx1"/>
+            </a:fontRef>
+          </p:style>
+        </p:cxnSp>
+        <p:cxnSp>
+          <p:nvCxnSpPr>
+            <p:cNvPr id="120" name="直線單箭頭接點 119"/>
+            <p:cNvCxnSpPr>
+              <a:endCxn id="27" idx="2"/>
+            </p:cNvCxnSpPr>
+            <p:nvPr/>
+          </p:nvCxnSpPr>
+          <p:spPr>
+            <a:xfrm flipV="1">
+              <a:off x="6595942" y="2370528"/>
+              <a:ext cx="480946" cy="1111985"/>
+            </a:xfrm>
+            <a:prstGeom prst="straightConnector1">
+              <a:avLst/>
+            </a:prstGeom>
+            <a:ln>
+              <a:solidFill>
+                <a:schemeClr val="tx1"/>
+              </a:solidFill>
+              <a:tailEnd type="triangle"/>
+            </a:ln>
+          </p:spPr>
+          <p:style>
+            <a:lnRef idx="1">
+              <a:schemeClr val="accent1"/>
+            </a:lnRef>
+            <a:fillRef idx="0">
+              <a:schemeClr val="accent1"/>
+            </a:fillRef>
+            <a:effectRef idx="0">
+              <a:schemeClr val="accent1"/>
+            </a:effectRef>
+            <a:fontRef idx="minor">
+              <a:schemeClr val="tx1"/>
+            </a:fontRef>
+          </p:style>
+        </p:cxnSp>
+        <p:cxnSp>
+          <p:nvCxnSpPr>
+            <p:cNvPr id="124" name="直線單箭頭接點 123"/>
+            <p:cNvCxnSpPr>
+              <a:stCxn id="25" idx="6"/>
+              <a:endCxn id="26" idx="2"/>
+            </p:cNvCxnSpPr>
+            <p:nvPr/>
+          </p:nvCxnSpPr>
+          <p:spPr>
+            <a:xfrm flipV="1">
+              <a:off x="6595942" y="1794456"/>
+              <a:ext cx="480946" cy="1728216"/>
+            </a:xfrm>
+            <a:prstGeom prst="straightConnector1">
+              <a:avLst/>
+            </a:prstGeom>
+            <a:ln>
+              <a:solidFill>
+                <a:schemeClr val="tx1"/>
+              </a:solidFill>
+              <a:tailEnd type="triangle"/>
+            </a:ln>
+          </p:spPr>
+          <p:style>
+            <a:lnRef idx="1">
+              <a:schemeClr val="accent1"/>
+            </a:lnRef>
+            <a:fillRef idx="0">
+              <a:schemeClr val="accent1"/>
+            </a:fillRef>
+            <a:effectRef idx="0">
+              <a:schemeClr val="accent1"/>
+            </a:effectRef>
+            <a:fontRef idx="minor">
+              <a:schemeClr val="tx1"/>
+            </a:fontRef>
+          </p:style>
+        </p:cxnSp>
+        <p:sp>
+          <p:nvSpPr>
+            <p:cNvPr id="128" name="文字方塊 127"/>
+            <p:cNvSpPr txBox="1"/>
+            <p:nvPr/>
+          </p:nvSpPr>
+          <p:spPr>
+            <a:xfrm>
+              <a:off x="3990682" y="4264750"/>
+              <a:ext cx="800219" cy="338554"/>
+            </a:xfrm>
+            <a:prstGeom prst="rect">
+              <a:avLst/>
+            </a:prstGeom>
+            <a:noFill/>
+          </p:spPr>
+          <p:txBody>
+            <a:bodyPr wrap="none" rtlCol="0">
+              <a:spAutoFit/>
+            </a:bodyPr>
+            <a:lstStyle/>
+            <a:p>
+              <a:r>
+                <a:rPr lang="zh-TW" altLang="en-US" sz="1600" dirty="0">
+                  <a:latin typeface="標楷體" panose="03000509000000000000" pitchFamily="65" charset="-120"/>
+                  <a:ea typeface="標楷體" panose="03000509000000000000" pitchFamily="65" charset="-120"/>
+                </a:rPr>
+                <a:t>編碼器</a:t>
+              </a:r>
+            </a:p>
+          </p:txBody>
+        </p:sp>
+        <p:sp>
+          <p:nvSpPr>
+            <p:cNvPr id="129" name="文字方塊 128"/>
+            <p:cNvSpPr txBox="1"/>
+            <p:nvPr/>
+          </p:nvSpPr>
+          <p:spPr>
+            <a:xfrm>
+              <a:off x="6436306" y="4264750"/>
+              <a:ext cx="800219" cy="338554"/>
+            </a:xfrm>
+            <a:prstGeom prst="rect">
+              <a:avLst/>
+            </a:prstGeom>
+            <a:noFill/>
+          </p:spPr>
+          <p:txBody>
+            <a:bodyPr wrap="none" rtlCol="0">
+              <a:spAutoFit/>
+            </a:bodyPr>
+            <a:lstStyle/>
+            <a:p>
+              <a:r>
+                <a:rPr lang="zh-TW" altLang="en-US" sz="1600" dirty="0">
+                  <a:latin typeface="標楷體" panose="03000509000000000000" pitchFamily="65" charset="-120"/>
+                  <a:ea typeface="標楷體" panose="03000509000000000000" pitchFamily="65" charset="-120"/>
+                </a:rPr>
+                <a:t>解碼</a:t>
+              </a:r>
+              <a:r>
+                <a:rPr lang="zh-TW" altLang="en-US" sz="1600" dirty="0" smtClean="0">
+                  <a:latin typeface="標楷體" panose="03000509000000000000" pitchFamily="65" charset="-120"/>
+                  <a:ea typeface="標楷體" panose="03000509000000000000" pitchFamily="65" charset="-120"/>
+                </a:rPr>
+                <a:t>器</a:t>
+              </a:r>
+              <a:endParaRPr lang="zh-TW" altLang="en-US" sz="1600" dirty="0">
+                <a:latin typeface="標楷體" panose="03000509000000000000" pitchFamily="65" charset="-120"/>
+                <a:ea typeface="標楷體" panose="03000509000000000000" pitchFamily="65" charset="-120"/>
+              </a:endParaRPr>
+            </a:p>
+          </p:txBody>
+        </p:sp>
+        <p:sp>
+          <p:nvSpPr>
+            <p:cNvPr id="130" name="向右箭號 129"/>
+            <p:cNvSpPr/>
+            <p:nvPr/>
+          </p:nvSpPr>
+          <p:spPr>
+            <a:xfrm>
+              <a:off x="3399422" y="2871563"/>
+              <a:ext cx="311285" cy="199305"/>
+            </a:xfrm>
+            <a:prstGeom prst="rightArrow">
+              <a:avLst/>
+            </a:prstGeom>
+            <a:solidFill>
+              <a:schemeClr val="tx1"/>
+            </a:solidFill>
+            <a:ln>
+              <a:solidFill>
+                <a:schemeClr val="tx1"/>
+              </a:solidFill>
+            </a:ln>
+          </p:spPr>
+          <p:style>
+            <a:lnRef idx="2">
+              <a:schemeClr val="accent1">
+                <a:shade val="50000"/>
+              </a:schemeClr>
+            </a:lnRef>
+            <a:fillRef idx="1">
+              <a:schemeClr val="accent1"/>
+            </a:fillRef>
+            <a:effectRef idx="0">
+              <a:schemeClr val="accent1"/>
+            </a:effectRef>
+            <a:fontRef idx="minor">
+              <a:schemeClr val="lt1"/>
+            </a:fontRef>
+          </p:style>
+          <p:txBody>
+            <a:bodyPr rtlCol="0" anchor="ctr"/>
+            <a:lstStyle/>
+            <a:p>
+              <a:pPr algn="ctr"/>
+              <a:endParaRPr lang="zh-TW" altLang="en-US"/>
+            </a:p>
+          </p:txBody>
+        </p:sp>
+        <p:sp>
+          <p:nvSpPr>
+            <p:cNvPr id="131" name="向右箭號 130"/>
+            <p:cNvSpPr/>
+            <p:nvPr/>
+          </p:nvSpPr>
+          <p:spPr>
+            <a:xfrm>
+              <a:off x="7557834" y="2871562"/>
+              <a:ext cx="311285" cy="199305"/>
+            </a:xfrm>
+            <a:prstGeom prst="rightArrow">
+              <a:avLst/>
+            </a:prstGeom>
+            <a:solidFill>
+              <a:schemeClr val="tx1"/>
+            </a:solidFill>
+            <a:ln>
+              <a:solidFill>
+                <a:schemeClr val="tx1"/>
+              </a:solidFill>
+            </a:ln>
+          </p:spPr>
+          <p:style>
+            <a:lnRef idx="2">
+              <a:schemeClr val="accent1">
+                <a:shade val="50000"/>
+              </a:schemeClr>
+            </a:lnRef>
+            <a:fillRef idx="1">
+              <a:schemeClr val="accent1"/>
+            </a:fillRef>
+            <a:effectRef idx="0">
+              <a:schemeClr val="accent1"/>
+            </a:effectRef>
+            <a:fontRef idx="minor">
+              <a:schemeClr val="lt1"/>
+            </a:fontRef>
+          </p:style>
+          <p:txBody>
+            <a:bodyPr rtlCol="0" anchor="ctr"/>
+            <a:lstStyle/>
+            <a:p>
+              <a:pPr algn="ctr"/>
+              <a:endParaRPr lang="zh-TW" altLang="en-US"/>
+            </a:p>
+          </p:txBody>
+        </p:sp>
+        <p:sp>
+          <p:nvSpPr>
+            <p:cNvPr id="132" name="橢圓 131"/>
+            <p:cNvSpPr/>
+            <p:nvPr/>
+          </p:nvSpPr>
+          <p:spPr>
+            <a:xfrm>
+              <a:off x="7992658" y="2550528"/>
+              <a:ext cx="864000" cy="864000"/>
+            </a:xfrm>
+            <a:prstGeom prst="ellipse">
+              <a:avLst/>
+            </a:prstGeom>
+            <a:solidFill>
+              <a:schemeClr val="bg1"/>
+            </a:solidFill>
+            <a:ln>
+              <a:solidFill>
+                <a:schemeClr val="tx1"/>
+              </a:solidFill>
+            </a:ln>
+          </p:spPr>
+          <p:style>
+            <a:lnRef idx="2">
+              <a:schemeClr val="accent1">
+                <a:shade val="50000"/>
+              </a:schemeClr>
+            </a:lnRef>
+            <a:fillRef idx="1">
+              <a:schemeClr val="accent1"/>
+            </a:fillRef>
+            <a:effectRef idx="0">
+              <a:schemeClr val="accent1"/>
+            </a:effectRef>
+            <a:fontRef idx="minor">
+              <a:schemeClr val="lt1"/>
+            </a:fontRef>
+          </p:style>
+          <p:txBody>
+            <a:bodyPr rtlCol="0" anchor="ctr"/>
+            <a:lstStyle/>
+            <a:p>
+              <a:pPr algn="ctr"/>
+              <a:r>
+                <a:rPr lang="en-US" altLang="zh-TW" sz="1600" dirty="0" smtClean="0">
+                  <a:solidFill>
+                    <a:schemeClr val="tx1"/>
+                  </a:solidFill>
+                  <a:latin typeface="Times New Roman" panose="02020603050405020304" pitchFamily="18" charset="0"/>
+                  <a:ea typeface="標楷體" panose="03000509000000000000" pitchFamily="65" charset="-120"/>
+                </a:rPr>
+                <a:t>IMG</a:t>
+              </a:r>
+              <a:endParaRPr lang="zh-TW" altLang="en-US" sz="1600" dirty="0">
+                <a:solidFill>
+                  <a:schemeClr val="tx1"/>
+                </a:solidFill>
+                <a:latin typeface="Times New Roman" panose="02020603050405020304" pitchFamily="18" charset="0"/>
+                <a:ea typeface="標楷體" panose="03000509000000000000" pitchFamily="65" charset="-120"/>
+              </a:endParaRPr>
+            </a:p>
+          </p:txBody>
+        </p:sp>
+        <p:sp>
+          <p:nvSpPr>
+            <p:cNvPr id="133" name="文字方塊 132"/>
+            <p:cNvSpPr txBox="1"/>
+            <p:nvPr/>
+          </p:nvSpPr>
+          <p:spPr>
+            <a:xfrm>
+              <a:off x="2573052" y="4264750"/>
+              <a:ext cx="619080" cy="338554"/>
+            </a:xfrm>
+            <a:prstGeom prst="rect">
+              <a:avLst/>
+            </a:prstGeom>
+            <a:noFill/>
+          </p:spPr>
+          <p:txBody>
+            <a:bodyPr wrap="none" rtlCol="0">
+              <a:spAutoFit/>
+            </a:bodyPr>
+            <a:lstStyle/>
+            <a:p>
+              <a:pPr algn="ctr"/>
+              <a:r>
+                <a:rPr lang="en-US" altLang="zh-TW" sz="1600" dirty="0">
+                  <a:latin typeface="Times New Roman" panose="02020603050405020304" pitchFamily="18" charset="0"/>
+                  <a:ea typeface="標楷體" panose="03000509000000000000" pitchFamily="65" charset="-120"/>
+                  <a:cs typeface="Times New Roman" panose="02020603050405020304" pitchFamily="18" charset="0"/>
+                </a:rPr>
+                <a:t>Input</a:t>
+              </a:r>
+              <a:endParaRPr lang="zh-TW" altLang="en-US" sz="1600" dirty="0">
+                <a:latin typeface="Times New Roman" panose="02020603050405020304" pitchFamily="18" charset="0"/>
+                <a:ea typeface="標楷體" panose="03000509000000000000" pitchFamily="65" charset="-120"/>
+                <a:cs typeface="Times New Roman" panose="02020603050405020304" pitchFamily="18" charset="0"/>
+              </a:endParaRPr>
+            </a:p>
+          </p:txBody>
+        </p:sp>
+        <p:sp>
+          <p:nvSpPr>
+            <p:cNvPr id="134" name="文字方塊 133"/>
+            <p:cNvSpPr txBox="1"/>
+            <p:nvPr/>
+          </p:nvSpPr>
+          <p:spPr>
+            <a:xfrm>
+              <a:off x="8046990" y="4264750"/>
+              <a:ext cx="755335" cy="338554"/>
+            </a:xfrm>
+            <a:prstGeom prst="rect">
+              <a:avLst/>
+            </a:prstGeom>
+            <a:noFill/>
+          </p:spPr>
+          <p:txBody>
+            <a:bodyPr wrap="none" rtlCol="0">
+              <a:spAutoFit/>
+            </a:bodyPr>
+            <a:lstStyle/>
+            <a:p>
+              <a:r>
+                <a:rPr lang="en-US" altLang="zh-TW" sz="1600" dirty="0" smtClean="0">
+                  <a:latin typeface="Times New Roman" panose="02020603050405020304" pitchFamily="18" charset="0"/>
+                  <a:ea typeface="標楷體" panose="03000509000000000000" pitchFamily="65" charset="-120"/>
+                  <a:cs typeface="Times New Roman" panose="02020603050405020304" pitchFamily="18" charset="0"/>
+                </a:rPr>
+                <a:t>Output</a:t>
+              </a:r>
+              <a:endParaRPr lang="zh-TW" altLang="en-US" sz="1600" dirty="0">
+                <a:latin typeface="Times New Roman" panose="02020603050405020304" pitchFamily="18" charset="0"/>
+                <a:ea typeface="標楷體" panose="03000509000000000000" pitchFamily="65" charset="-120"/>
+                <a:cs typeface="Times New Roman" panose="02020603050405020304" pitchFamily="18" charset="0"/>
+              </a:endParaRPr>
+            </a:p>
+          </p:txBody>
+        </p:sp>
+        <p:sp>
+          <p:nvSpPr>
+            <p:cNvPr id="135" name="文字方塊 134"/>
+            <p:cNvSpPr txBox="1"/>
+            <p:nvPr/>
+          </p:nvSpPr>
+          <p:spPr>
+            <a:xfrm>
+              <a:off x="5110612" y="4264750"/>
+              <a:ext cx="1005403" cy="338554"/>
+            </a:xfrm>
+            <a:prstGeom prst="rect">
+              <a:avLst/>
+            </a:prstGeom>
+            <a:noFill/>
+          </p:spPr>
+          <p:txBody>
+            <a:bodyPr wrap="none" rtlCol="0">
+              <a:spAutoFit/>
+            </a:bodyPr>
+            <a:lstStyle/>
+            <a:p>
+              <a:r>
+                <a:rPr lang="zh-TW" altLang="en-US" sz="1600" dirty="0">
+                  <a:latin typeface="標楷體" panose="03000509000000000000" pitchFamily="65" charset="-120"/>
+                  <a:ea typeface="標楷體" panose="03000509000000000000" pitchFamily="65" charset="-120"/>
+                </a:rPr>
+                <a:t>特徵向量</a:t>
+              </a:r>
+            </a:p>
+          </p:txBody>
+        </p:sp>
+      </p:grpSp>
+    </p:spTree>
+    <p:extLst>
+      <p:ext uri="{BB962C8B-B14F-4D97-AF65-F5344CB8AC3E}">
+        <p14:creationId xmlns:p14="http://schemas.microsoft.com/office/powerpoint/2010/main" val="3333072120"/>
+      </p:ext>
+    </p:extLst>
+  </p:cSld>
+  <p:clrMapOvr>
+    <a:masterClrMapping/>
+  </p:clrMapOvr>
+</p:sld>
+</file>
+
 <file path=ppt/slides/slide2.xml><?xml version="1.0" encoding="utf-8"?>
 <p:sld xmlns:a="http://schemas.openxmlformats.org/drawingml/2006/main" xmlns:r="http://schemas.openxmlformats.org/officeDocument/2006/relationships" xmlns:p="http://schemas.openxmlformats.org/presentationml/2006/main">
   <p:cSld>

--- a/論文/模型圖繪製.pptx
+++ b/論文/模型圖繪製.pptx
@@ -252,7 +252,7 @@
           <a:p>
             <a:fld id="{587DF574-9317-4403-A25B-38C86415A09B}" type="datetimeFigureOut">
               <a:rPr lang="zh-TW" altLang="en-US" smtClean="0"/>
-              <a:t>2021/12/24</a:t>
+              <a:t>2021/12/29</a:t>
             </a:fld>
             <a:endParaRPr lang="zh-TW" altLang="en-US"/>
           </a:p>
@@ -422,7 +422,7 @@
           <a:p>
             <a:fld id="{587DF574-9317-4403-A25B-38C86415A09B}" type="datetimeFigureOut">
               <a:rPr lang="zh-TW" altLang="en-US" smtClean="0"/>
-              <a:t>2021/12/24</a:t>
+              <a:t>2021/12/29</a:t>
             </a:fld>
             <a:endParaRPr lang="zh-TW" altLang="en-US"/>
           </a:p>
@@ -602,7 +602,7 @@
           <a:p>
             <a:fld id="{587DF574-9317-4403-A25B-38C86415A09B}" type="datetimeFigureOut">
               <a:rPr lang="zh-TW" altLang="en-US" smtClean="0"/>
-              <a:t>2021/12/24</a:t>
+              <a:t>2021/12/29</a:t>
             </a:fld>
             <a:endParaRPr lang="zh-TW" altLang="en-US"/>
           </a:p>
@@ -772,7 +772,7 @@
           <a:p>
             <a:fld id="{587DF574-9317-4403-A25B-38C86415A09B}" type="datetimeFigureOut">
               <a:rPr lang="zh-TW" altLang="en-US" smtClean="0"/>
-              <a:t>2021/12/24</a:t>
+              <a:t>2021/12/29</a:t>
             </a:fld>
             <a:endParaRPr lang="zh-TW" altLang="en-US"/>
           </a:p>
@@ -1018,7 +1018,7 @@
           <a:p>
             <a:fld id="{587DF574-9317-4403-A25B-38C86415A09B}" type="datetimeFigureOut">
               <a:rPr lang="zh-TW" altLang="en-US" smtClean="0"/>
-              <a:t>2021/12/24</a:t>
+              <a:t>2021/12/29</a:t>
             </a:fld>
             <a:endParaRPr lang="zh-TW" altLang="en-US"/>
           </a:p>
@@ -1250,7 +1250,7 @@
           <a:p>
             <a:fld id="{587DF574-9317-4403-A25B-38C86415A09B}" type="datetimeFigureOut">
               <a:rPr lang="zh-TW" altLang="en-US" smtClean="0"/>
-              <a:t>2021/12/24</a:t>
+              <a:t>2021/12/29</a:t>
             </a:fld>
             <a:endParaRPr lang="zh-TW" altLang="en-US"/>
           </a:p>
@@ -1617,7 +1617,7 @@
           <a:p>
             <a:fld id="{587DF574-9317-4403-A25B-38C86415A09B}" type="datetimeFigureOut">
               <a:rPr lang="zh-TW" altLang="en-US" smtClean="0"/>
-              <a:t>2021/12/24</a:t>
+              <a:t>2021/12/29</a:t>
             </a:fld>
             <a:endParaRPr lang="zh-TW" altLang="en-US"/>
           </a:p>
@@ -1735,7 +1735,7 @@
           <a:p>
             <a:fld id="{587DF574-9317-4403-A25B-38C86415A09B}" type="datetimeFigureOut">
               <a:rPr lang="zh-TW" altLang="en-US" smtClean="0"/>
-              <a:t>2021/12/24</a:t>
+              <a:t>2021/12/29</a:t>
             </a:fld>
             <a:endParaRPr lang="zh-TW" altLang="en-US"/>
           </a:p>
@@ -1830,7 +1830,7 @@
           <a:p>
             <a:fld id="{587DF574-9317-4403-A25B-38C86415A09B}" type="datetimeFigureOut">
               <a:rPr lang="zh-TW" altLang="en-US" smtClean="0"/>
-              <a:t>2021/12/24</a:t>
+              <a:t>2021/12/29</a:t>
             </a:fld>
             <a:endParaRPr lang="zh-TW" altLang="en-US"/>
           </a:p>
@@ -2107,7 +2107,7 @@
           <a:p>
             <a:fld id="{587DF574-9317-4403-A25B-38C86415A09B}" type="datetimeFigureOut">
               <a:rPr lang="zh-TW" altLang="en-US" smtClean="0"/>
-              <a:t>2021/12/24</a:t>
+              <a:t>2021/12/29</a:t>
             </a:fld>
             <a:endParaRPr lang="zh-TW" altLang="en-US"/>
           </a:p>
@@ -2360,7 +2360,7 @@
           <a:p>
             <a:fld id="{587DF574-9317-4403-A25B-38C86415A09B}" type="datetimeFigureOut">
               <a:rPr lang="zh-TW" altLang="en-US" smtClean="0"/>
-              <a:t>2021/12/24</a:t>
+              <a:t>2021/12/29</a:t>
             </a:fld>
             <a:endParaRPr lang="zh-TW" altLang="en-US"/>
           </a:p>
@@ -2573,7 +2573,7 @@
           <a:p>
             <a:fld id="{587DF574-9317-4403-A25B-38C86415A09B}" type="datetimeFigureOut">
               <a:rPr lang="zh-TW" altLang="en-US" smtClean="0"/>
-              <a:t>2021/12/24</a:t>
+              <a:t>2021/12/29</a:t>
             </a:fld>
             <a:endParaRPr lang="zh-TW" altLang="en-US"/>
           </a:p>
@@ -10139,27 +10139,589 @@
       </p:grpSpPr>
       <p:grpSp>
         <p:nvGrpSpPr>
-          <p:cNvPr id="55" name="群組 54"/>
+          <p:cNvPr id="2" name="群組 1"/>
           <p:cNvGrpSpPr/>
           <p:nvPr/>
         </p:nvGrpSpPr>
         <p:grpSpPr>
           <a:xfrm>
             <a:off x="2383278" y="2305455"/>
-            <a:ext cx="4617395" cy="2350851"/>
+            <a:ext cx="4617395" cy="3835940"/>
             <a:chOff x="2383278" y="2305455"/>
-            <a:chExt cx="4617395" cy="2350851"/>
+            <a:chExt cx="4617395" cy="3835940"/>
           </a:xfrm>
         </p:grpSpPr>
+        <p:grpSp>
+          <p:nvGrpSpPr>
+            <p:cNvPr id="55" name="群組 54"/>
+            <p:cNvGrpSpPr/>
+            <p:nvPr/>
+          </p:nvGrpSpPr>
+          <p:grpSpPr>
+            <a:xfrm>
+              <a:off x="2383278" y="2305455"/>
+              <a:ext cx="4617395" cy="2350851"/>
+              <a:chOff x="2383278" y="2305455"/>
+              <a:chExt cx="4617395" cy="2350851"/>
+            </a:xfrm>
+          </p:grpSpPr>
+          <p:sp>
+            <p:nvSpPr>
+              <p:cNvPr id="3" name="圓角矩形 2"/>
+              <p:cNvSpPr/>
+              <p:nvPr/>
+            </p:nvSpPr>
+            <p:spPr>
+              <a:xfrm>
+                <a:off x="2383278" y="2305455"/>
+                <a:ext cx="1585608" cy="865762"/>
+              </a:xfrm>
+              <a:prstGeom prst="roundRect">
+                <a:avLst/>
+              </a:prstGeom>
+              <a:solidFill>
+                <a:schemeClr val="bg1"/>
+              </a:solidFill>
+              <a:ln>
+                <a:solidFill>
+                  <a:schemeClr val="tx1"/>
+                </a:solidFill>
+              </a:ln>
+            </p:spPr>
+            <p:style>
+              <a:lnRef idx="2">
+                <a:schemeClr val="accent1">
+                  <a:shade val="50000"/>
+                </a:schemeClr>
+              </a:lnRef>
+              <a:fillRef idx="1">
+                <a:schemeClr val="accent1"/>
+              </a:fillRef>
+              <a:effectRef idx="0">
+                <a:schemeClr val="accent1"/>
+              </a:effectRef>
+              <a:fontRef idx="minor">
+                <a:schemeClr val="lt1"/>
+              </a:fontRef>
+            </p:style>
+            <p:txBody>
+              <a:bodyPr rtlCol="0" anchor="ctr"/>
+              <a:lstStyle/>
+              <a:p>
+                <a:pPr algn="ctr"/>
+                <a:r>
+                  <a:rPr lang="zh-TW" altLang="en-US" sz="1600" dirty="0" smtClean="0">
+                    <a:solidFill>
+                      <a:schemeClr val="tx1"/>
+                    </a:solidFill>
+                    <a:latin typeface="Times New Roman" panose="02020603050405020304" pitchFamily="18" charset="0"/>
+                    <a:ea typeface="標楷體" panose="03000509000000000000" pitchFamily="65" charset="-120"/>
+                  </a:rPr>
+                  <a:t>資料蒐集</a:t>
+                </a:r>
+                <a:endParaRPr lang="zh-TW" altLang="en-US" sz="1600" dirty="0">
+                  <a:solidFill>
+                    <a:schemeClr val="tx1"/>
+                  </a:solidFill>
+                  <a:latin typeface="Times New Roman" panose="02020603050405020304" pitchFamily="18" charset="0"/>
+                  <a:ea typeface="標楷體" panose="03000509000000000000" pitchFamily="65" charset="-120"/>
+                </a:endParaRPr>
+              </a:p>
+            </p:txBody>
+          </p:sp>
+          <p:sp>
+            <p:nvSpPr>
+              <p:cNvPr id="34" name="圓角矩形 33"/>
+              <p:cNvSpPr/>
+              <p:nvPr/>
+            </p:nvSpPr>
+            <p:spPr>
+              <a:xfrm>
+                <a:off x="5415065" y="2305455"/>
+                <a:ext cx="1585608" cy="865762"/>
+              </a:xfrm>
+              <a:prstGeom prst="roundRect">
+                <a:avLst/>
+              </a:prstGeom>
+              <a:solidFill>
+                <a:schemeClr val="bg1"/>
+              </a:solidFill>
+              <a:ln>
+                <a:solidFill>
+                  <a:schemeClr val="tx1"/>
+                </a:solidFill>
+              </a:ln>
+            </p:spPr>
+            <p:style>
+              <a:lnRef idx="2">
+                <a:schemeClr val="accent1">
+                  <a:shade val="50000"/>
+                </a:schemeClr>
+              </a:lnRef>
+              <a:fillRef idx="1">
+                <a:schemeClr val="accent1"/>
+              </a:fillRef>
+              <a:effectRef idx="0">
+                <a:schemeClr val="accent1"/>
+              </a:effectRef>
+              <a:fontRef idx="minor">
+                <a:schemeClr val="lt1"/>
+              </a:fontRef>
+            </p:style>
+            <p:txBody>
+              <a:bodyPr rtlCol="0" anchor="ctr"/>
+              <a:lstStyle/>
+              <a:p>
+                <a:pPr algn="ctr"/>
+                <a:r>
+                  <a:rPr lang="zh-TW" altLang="en-US" sz="1600" dirty="0" smtClean="0">
+                    <a:solidFill>
+                      <a:schemeClr val="tx1"/>
+                    </a:solidFill>
+                    <a:latin typeface="Times New Roman" panose="02020603050405020304" pitchFamily="18" charset="0"/>
+                    <a:ea typeface="標楷體" panose="03000509000000000000" pitchFamily="65" charset="-120"/>
+                  </a:rPr>
+                  <a:t>語義分割</a:t>
+                </a:r>
+                <a:endParaRPr lang="zh-TW" altLang="en-US" sz="1600" dirty="0">
+                  <a:solidFill>
+                    <a:schemeClr val="tx1"/>
+                  </a:solidFill>
+                  <a:latin typeface="Times New Roman" panose="02020603050405020304" pitchFamily="18" charset="0"/>
+                  <a:ea typeface="標楷體" panose="03000509000000000000" pitchFamily="65" charset="-120"/>
+                </a:endParaRPr>
+              </a:p>
+            </p:txBody>
+          </p:sp>
+          <p:sp>
+            <p:nvSpPr>
+              <p:cNvPr id="35" name="圓角矩形 34"/>
+              <p:cNvSpPr/>
+              <p:nvPr/>
+            </p:nvSpPr>
+            <p:spPr>
+              <a:xfrm>
+                <a:off x="2383278" y="3790544"/>
+                <a:ext cx="1585608" cy="865762"/>
+              </a:xfrm>
+              <a:prstGeom prst="roundRect">
+                <a:avLst/>
+              </a:prstGeom>
+              <a:solidFill>
+                <a:schemeClr val="bg1"/>
+              </a:solidFill>
+              <a:ln>
+                <a:solidFill>
+                  <a:schemeClr val="tx1"/>
+                </a:solidFill>
+              </a:ln>
+            </p:spPr>
+            <p:style>
+              <a:lnRef idx="2">
+                <a:schemeClr val="accent1">
+                  <a:shade val="50000"/>
+                </a:schemeClr>
+              </a:lnRef>
+              <a:fillRef idx="1">
+                <a:schemeClr val="accent1"/>
+              </a:fillRef>
+              <a:effectRef idx="0">
+                <a:schemeClr val="accent1"/>
+              </a:effectRef>
+              <a:fontRef idx="minor">
+                <a:schemeClr val="lt1"/>
+              </a:fontRef>
+            </p:style>
+            <p:txBody>
+              <a:bodyPr rtlCol="0" anchor="ctr"/>
+              <a:lstStyle/>
+              <a:p>
+                <a:pPr algn="ctr"/>
+                <a:r>
+                  <a:rPr lang="zh-TW" altLang="en-US" sz="1600" dirty="0">
+                    <a:solidFill>
+                      <a:schemeClr val="tx1"/>
+                    </a:solidFill>
+                    <a:latin typeface="Times New Roman" panose="02020603050405020304" pitchFamily="18" charset="0"/>
+                    <a:ea typeface="標楷體" panose="03000509000000000000" pitchFamily="65" charset="-120"/>
+                  </a:rPr>
+                  <a:t>圖像</a:t>
+                </a:r>
+                <a:r>
+                  <a:rPr lang="zh-TW" altLang="en-US" sz="1600" dirty="0" smtClean="0">
+                    <a:solidFill>
+                      <a:schemeClr val="tx1"/>
+                    </a:solidFill>
+                    <a:latin typeface="Times New Roman" panose="02020603050405020304" pitchFamily="18" charset="0"/>
+                    <a:ea typeface="標楷體" panose="03000509000000000000" pitchFamily="65" charset="-120"/>
+                  </a:rPr>
+                  <a:t>轉換</a:t>
+                </a:r>
+                <a:endParaRPr lang="en-US" altLang="zh-TW" sz="1600" dirty="0" smtClean="0">
+                  <a:solidFill>
+                    <a:schemeClr val="tx1"/>
+                  </a:solidFill>
+                  <a:latin typeface="Times New Roman" panose="02020603050405020304" pitchFamily="18" charset="0"/>
+                  <a:ea typeface="標楷體" panose="03000509000000000000" pitchFamily="65" charset="-120"/>
+                </a:endParaRPr>
+              </a:p>
+              <a:p>
+                <a:pPr algn="ctr"/>
+                <a:r>
+                  <a:rPr lang="en-US" altLang="zh-TW" sz="1600" dirty="0" smtClean="0">
+                    <a:solidFill>
+                      <a:schemeClr val="tx1"/>
+                    </a:solidFill>
+                    <a:latin typeface="Times New Roman" panose="02020603050405020304" pitchFamily="18" charset="0"/>
+                    <a:ea typeface="標楷體" panose="03000509000000000000" pitchFamily="65" charset="-120"/>
+                  </a:rPr>
+                  <a:t>(Pix2pix)</a:t>
+                </a:r>
+                <a:endParaRPr lang="zh-TW" altLang="en-US" sz="1600" dirty="0">
+                  <a:solidFill>
+                    <a:schemeClr val="tx1"/>
+                  </a:solidFill>
+                  <a:latin typeface="Times New Roman" panose="02020603050405020304" pitchFamily="18" charset="0"/>
+                  <a:ea typeface="標楷體" panose="03000509000000000000" pitchFamily="65" charset="-120"/>
+                </a:endParaRPr>
+              </a:p>
+            </p:txBody>
+          </p:sp>
+          <p:sp>
+            <p:nvSpPr>
+              <p:cNvPr id="36" name="圓角矩形 35"/>
+              <p:cNvSpPr/>
+              <p:nvPr/>
+            </p:nvSpPr>
+            <p:spPr>
+              <a:xfrm>
+                <a:off x="5415065" y="3790544"/>
+                <a:ext cx="1585608" cy="865762"/>
+              </a:xfrm>
+              <a:prstGeom prst="roundRect">
+                <a:avLst/>
+              </a:prstGeom>
+              <a:solidFill>
+                <a:schemeClr val="bg1"/>
+              </a:solidFill>
+              <a:ln>
+                <a:solidFill>
+                  <a:schemeClr val="tx1"/>
+                </a:solidFill>
+              </a:ln>
+            </p:spPr>
+            <p:style>
+              <a:lnRef idx="2">
+                <a:schemeClr val="accent1">
+                  <a:shade val="50000"/>
+                </a:schemeClr>
+              </a:lnRef>
+              <a:fillRef idx="1">
+                <a:schemeClr val="accent1"/>
+              </a:fillRef>
+              <a:effectRef idx="0">
+                <a:schemeClr val="accent1"/>
+              </a:effectRef>
+              <a:fontRef idx="minor">
+                <a:schemeClr val="lt1"/>
+              </a:fontRef>
+            </p:style>
+            <p:txBody>
+              <a:bodyPr rtlCol="0" anchor="ctr"/>
+              <a:lstStyle/>
+              <a:p>
+                <a:pPr algn="ctr"/>
+                <a:r>
+                  <a:rPr lang="zh-TW" altLang="en-US" sz="1600" dirty="0" smtClean="0">
+                    <a:solidFill>
+                      <a:schemeClr val="tx1"/>
+                    </a:solidFill>
+                    <a:latin typeface="Times New Roman" panose="02020603050405020304" pitchFamily="18" charset="0"/>
+                    <a:ea typeface="標楷體" panose="03000509000000000000" pitchFamily="65" charset="-120"/>
+                  </a:rPr>
+                  <a:t>影像濾波層</a:t>
+                </a:r>
+                <a:endParaRPr lang="zh-TW" altLang="en-US" sz="1600" dirty="0">
+                  <a:solidFill>
+                    <a:schemeClr val="tx1"/>
+                  </a:solidFill>
+                  <a:latin typeface="Times New Roman" panose="02020603050405020304" pitchFamily="18" charset="0"/>
+                  <a:ea typeface="標楷體" panose="03000509000000000000" pitchFamily="65" charset="-120"/>
+                </a:endParaRPr>
+              </a:p>
+            </p:txBody>
+          </p:sp>
+          <p:cxnSp>
+            <p:nvCxnSpPr>
+              <p:cNvPr id="5" name="直線單箭頭接點 4"/>
+              <p:cNvCxnSpPr>
+                <a:stCxn id="3" idx="2"/>
+                <a:endCxn id="35" idx="0"/>
+              </p:cNvCxnSpPr>
+              <p:nvPr/>
+            </p:nvCxnSpPr>
+            <p:spPr>
+              <a:xfrm>
+                <a:off x="3176082" y="3171217"/>
+                <a:ext cx="0" cy="619327"/>
+              </a:xfrm>
+              <a:prstGeom prst="straightConnector1">
+                <a:avLst/>
+              </a:prstGeom>
+              <a:ln>
+                <a:solidFill>
+                  <a:schemeClr val="tx1"/>
+                </a:solidFill>
+                <a:tailEnd type="triangle"/>
+              </a:ln>
+            </p:spPr>
+            <p:style>
+              <a:lnRef idx="1">
+                <a:schemeClr val="accent1"/>
+              </a:lnRef>
+              <a:fillRef idx="0">
+                <a:schemeClr val="accent1"/>
+              </a:fillRef>
+              <a:effectRef idx="0">
+                <a:schemeClr val="accent1"/>
+              </a:effectRef>
+              <a:fontRef idx="minor">
+                <a:schemeClr val="tx1"/>
+              </a:fontRef>
+            </p:style>
+          </p:cxnSp>
+          <p:cxnSp>
+            <p:nvCxnSpPr>
+              <p:cNvPr id="8" name="直線單箭頭接點 7"/>
+              <p:cNvCxnSpPr>
+                <a:stCxn id="3" idx="3"/>
+                <a:endCxn id="34" idx="1"/>
+              </p:cNvCxnSpPr>
+              <p:nvPr/>
+            </p:nvCxnSpPr>
+            <p:spPr>
+              <a:xfrm>
+                <a:off x="3968886" y="2738336"/>
+                <a:ext cx="1446179" cy="0"/>
+              </a:xfrm>
+              <a:prstGeom prst="straightConnector1">
+                <a:avLst/>
+              </a:prstGeom>
+              <a:ln>
+                <a:solidFill>
+                  <a:schemeClr val="tx1"/>
+                </a:solidFill>
+                <a:tailEnd type="triangle"/>
+              </a:ln>
+            </p:spPr>
+            <p:style>
+              <a:lnRef idx="1">
+                <a:schemeClr val="accent1"/>
+              </a:lnRef>
+              <a:fillRef idx="0">
+                <a:schemeClr val="accent1"/>
+              </a:fillRef>
+              <a:effectRef idx="0">
+                <a:schemeClr val="accent1"/>
+              </a:effectRef>
+              <a:fontRef idx="minor">
+                <a:schemeClr val="tx1"/>
+              </a:fontRef>
+            </p:style>
+          </p:cxnSp>
+          <p:cxnSp>
+            <p:nvCxnSpPr>
+              <p:cNvPr id="11" name="直線單箭頭接點 10"/>
+              <p:cNvCxnSpPr>
+                <a:stCxn id="36" idx="1"/>
+                <a:endCxn id="35" idx="3"/>
+              </p:cNvCxnSpPr>
+              <p:nvPr/>
+            </p:nvCxnSpPr>
+            <p:spPr>
+              <a:xfrm flipH="1">
+                <a:off x="3968886" y="4223425"/>
+                <a:ext cx="1446179" cy="0"/>
+              </a:xfrm>
+              <a:prstGeom prst="straightConnector1">
+                <a:avLst/>
+              </a:prstGeom>
+              <a:ln>
+                <a:solidFill>
+                  <a:schemeClr val="tx1"/>
+                </a:solidFill>
+                <a:tailEnd type="triangle"/>
+              </a:ln>
+            </p:spPr>
+            <p:style>
+              <a:lnRef idx="1">
+                <a:schemeClr val="accent1"/>
+              </a:lnRef>
+              <a:fillRef idx="0">
+                <a:schemeClr val="accent1"/>
+              </a:fillRef>
+              <a:effectRef idx="0">
+                <a:schemeClr val="accent1"/>
+              </a:effectRef>
+              <a:fontRef idx="minor">
+                <a:schemeClr val="tx1"/>
+              </a:fontRef>
+            </p:style>
+          </p:cxnSp>
+          <p:cxnSp>
+            <p:nvCxnSpPr>
+              <p:cNvPr id="42" name="直線接點 41"/>
+              <p:cNvCxnSpPr>
+                <a:stCxn id="34" idx="2"/>
+              </p:cNvCxnSpPr>
+              <p:nvPr/>
+            </p:nvCxnSpPr>
+            <p:spPr>
+              <a:xfrm>
+                <a:off x="6207869" y="3171217"/>
+                <a:ext cx="0" cy="309663"/>
+              </a:xfrm>
+              <a:prstGeom prst="line">
+                <a:avLst/>
+              </a:prstGeom>
+              <a:ln>
+                <a:solidFill>
+                  <a:schemeClr val="tx1"/>
+                </a:solidFill>
+              </a:ln>
+            </p:spPr>
+            <p:style>
+              <a:lnRef idx="1">
+                <a:schemeClr val="accent1"/>
+              </a:lnRef>
+              <a:fillRef idx="0">
+                <a:schemeClr val="accent1"/>
+              </a:fillRef>
+              <a:effectRef idx="0">
+                <a:schemeClr val="accent1"/>
+              </a:effectRef>
+              <a:fontRef idx="minor">
+                <a:schemeClr val="tx1"/>
+              </a:fontRef>
+            </p:style>
+          </p:cxnSp>
+          <p:cxnSp>
+            <p:nvCxnSpPr>
+              <p:cNvPr id="49" name="直線接點 48"/>
+              <p:cNvCxnSpPr/>
+              <p:nvPr/>
+            </p:nvCxnSpPr>
+            <p:spPr>
+              <a:xfrm flipH="1">
+                <a:off x="3511687" y="3480880"/>
+                <a:ext cx="2696182" cy="0"/>
+              </a:xfrm>
+              <a:prstGeom prst="line">
+                <a:avLst/>
+              </a:prstGeom>
+              <a:ln>
+                <a:solidFill>
+                  <a:schemeClr val="tx1"/>
+                </a:solidFill>
+              </a:ln>
+            </p:spPr>
+            <p:style>
+              <a:lnRef idx="1">
+                <a:schemeClr val="accent1"/>
+              </a:lnRef>
+              <a:fillRef idx="0">
+                <a:schemeClr val="accent1"/>
+              </a:fillRef>
+              <a:effectRef idx="0">
+                <a:schemeClr val="accent1"/>
+              </a:effectRef>
+              <a:fontRef idx="minor">
+                <a:schemeClr val="tx1"/>
+              </a:fontRef>
+            </p:style>
+          </p:cxnSp>
+          <p:cxnSp>
+            <p:nvCxnSpPr>
+              <p:cNvPr id="52" name="直線單箭頭接點 51"/>
+              <p:cNvCxnSpPr/>
+              <p:nvPr/>
+            </p:nvCxnSpPr>
+            <p:spPr>
+              <a:xfrm flipH="1">
+                <a:off x="3511686" y="3480880"/>
+                <a:ext cx="1" cy="309664"/>
+              </a:xfrm>
+              <a:prstGeom prst="straightConnector1">
+                <a:avLst/>
+              </a:prstGeom>
+              <a:ln>
+                <a:solidFill>
+                  <a:schemeClr val="tx1"/>
+                </a:solidFill>
+                <a:tailEnd type="triangle"/>
+              </a:ln>
+            </p:spPr>
+            <p:style>
+              <a:lnRef idx="1">
+                <a:schemeClr val="accent1"/>
+              </a:lnRef>
+              <a:fillRef idx="0">
+                <a:schemeClr val="accent1"/>
+              </a:fillRef>
+              <a:effectRef idx="0">
+                <a:schemeClr val="accent1"/>
+              </a:effectRef>
+              <a:fontRef idx="minor">
+                <a:schemeClr val="tx1"/>
+              </a:fontRef>
+            </p:style>
+          </p:cxnSp>
+        </p:grpSp>
+        <p:cxnSp>
+          <p:nvCxnSpPr>
+            <p:cNvPr id="13" name="直線單箭頭接點 12"/>
+            <p:cNvCxnSpPr/>
+            <p:nvPr/>
+          </p:nvCxnSpPr>
+          <p:spPr>
+            <a:xfrm>
+              <a:off x="3176082" y="4656306"/>
+              <a:ext cx="0" cy="619327"/>
+            </a:xfrm>
+            <a:prstGeom prst="straightConnector1">
+              <a:avLst/>
+            </a:prstGeom>
+            <a:ln>
+              <a:solidFill>
+                <a:schemeClr val="tx1"/>
+              </a:solidFill>
+              <a:tailEnd type="triangle"/>
+            </a:ln>
+          </p:spPr>
+          <p:style>
+            <a:lnRef idx="1">
+              <a:schemeClr val="accent1"/>
+            </a:lnRef>
+            <a:fillRef idx="0">
+              <a:schemeClr val="accent1"/>
+            </a:fillRef>
+            <a:effectRef idx="0">
+              <a:schemeClr val="accent1"/>
+            </a:effectRef>
+            <a:fontRef idx="minor">
+              <a:schemeClr val="tx1"/>
+            </a:fontRef>
+          </p:style>
+        </p:cxnSp>
         <p:sp>
           <p:nvSpPr>
-            <p:cNvPr id="3" name="圓角矩形 2"/>
+            <p:cNvPr id="14" name="圓角矩形 13"/>
             <p:cNvSpPr/>
             <p:nvPr/>
           </p:nvSpPr>
           <p:spPr>
             <a:xfrm>
-              <a:off x="2383278" y="2305455"/>
+              <a:off x="2383278" y="5275633"/>
               <a:ext cx="1585608" cy="865762"/>
             </a:xfrm>
             <a:prstGeom prst="roundRect">
@@ -10203,7 +10765,7 @@
                   <a:latin typeface="Times New Roman" panose="02020603050405020304" pitchFamily="18" charset="0"/>
                   <a:ea typeface="標楷體" panose="03000509000000000000" pitchFamily="65" charset="-120"/>
                 </a:rPr>
-                <a:t>資料蒐集</a:t>
+                <a:t>模型評估</a:t>
               </a:r>
               <a:endParaRPr lang="zh-TW" altLang="en-US" sz="1600" dirty="0">
                 <a:solidFill>
@@ -10215,453 +10777,6 @@
             </a:p>
           </p:txBody>
         </p:sp>
-        <p:sp>
-          <p:nvSpPr>
-            <p:cNvPr id="34" name="圓角矩形 33"/>
-            <p:cNvSpPr/>
-            <p:nvPr/>
-          </p:nvSpPr>
-          <p:spPr>
-            <a:xfrm>
-              <a:off x="5415065" y="2305455"/>
-              <a:ext cx="1585608" cy="865762"/>
-            </a:xfrm>
-            <a:prstGeom prst="roundRect">
-              <a:avLst/>
-            </a:prstGeom>
-            <a:solidFill>
-              <a:schemeClr val="bg1"/>
-            </a:solidFill>
-            <a:ln>
-              <a:solidFill>
-                <a:schemeClr val="tx1"/>
-              </a:solidFill>
-            </a:ln>
-          </p:spPr>
-          <p:style>
-            <a:lnRef idx="2">
-              <a:schemeClr val="accent1">
-                <a:shade val="50000"/>
-              </a:schemeClr>
-            </a:lnRef>
-            <a:fillRef idx="1">
-              <a:schemeClr val="accent1"/>
-            </a:fillRef>
-            <a:effectRef idx="0">
-              <a:schemeClr val="accent1"/>
-            </a:effectRef>
-            <a:fontRef idx="minor">
-              <a:schemeClr val="lt1"/>
-            </a:fontRef>
-          </p:style>
-          <p:txBody>
-            <a:bodyPr rtlCol="0" anchor="ctr"/>
-            <a:lstStyle/>
-            <a:p>
-              <a:pPr algn="ctr"/>
-              <a:r>
-                <a:rPr lang="zh-TW" altLang="en-US" sz="1600" dirty="0" smtClean="0">
-                  <a:solidFill>
-                    <a:schemeClr val="tx1"/>
-                  </a:solidFill>
-                  <a:latin typeface="Times New Roman" panose="02020603050405020304" pitchFamily="18" charset="0"/>
-                  <a:ea typeface="標楷體" panose="03000509000000000000" pitchFamily="65" charset="-120"/>
-                </a:rPr>
-                <a:t>語義分割</a:t>
-              </a:r>
-              <a:endParaRPr lang="zh-TW" altLang="en-US" sz="1600" dirty="0">
-                <a:solidFill>
-                  <a:schemeClr val="tx1"/>
-                </a:solidFill>
-                <a:latin typeface="Times New Roman" panose="02020603050405020304" pitchFamily="18" charset="0"/>
-                <a:ea typeface="標楷體" panose="03000509000000000000" pitchFamily="65" charset="-120"/>
-              </a:endParaRPr>
-            </a:p>
-          </p:txBody>
-        </p:sp>
-        <p:sp>
-          <p:nvSpPr>
-            <p:cNvPr id="35" name="圓角矩形 34"/>
-            <p:cNvSpPr/>
-            <p:nvPr/>
-          </p:nvSpPr>
-          <p:spPr>
-            <a:xfrm>
-              <a:off x="2383278" y="3790544"/>
-              <a:ext cx="1585608" cy="865762"/>
-            </a:xfrm>
-            <a:prstGeom prst="roundRect">
-              <a:avLst/>
-            </a:prstGeom>
-            <a:solidFill>
-              <a:schemeClr val="bg1"/>
-            </a:solidFill>
-            <a:ln>
-              <a:solidFill>
-                <a:schemeClr val="tx1"/>
-              </a:solidFill>
-            </a:ln>
-          </p:spPr>
-          <p:style>
-            <a:lnRef idx="2">
-              <a:schemeClr val="accent1">
-                <a:shade val="50000"/>
-              </a:schemeClr>
-            </a:lnRef>
-            <a:fillRef idx="1">
-              <a:schemeClr val="accent1"/>
-            </a:fillRef>
-            <a:effectRef idx="0">
-              <a:schemeClr val="accent1"/>
-            </a:effectRef>
-            <a:fontRef idx="minor">
-              <a:schemeClr val="lt1"/>
-            </a:fontRef>
-          </p:style>
-          <p:txBody>
-            <a:bodyPr rtlCol="0" anchor="ctr"/>
-            <a:lstStyle/>
-            <a:p>
-              <a:pPr algn="ctr"/>
-              <a:r>
-                <a:rPr lang="zh-TW" altLang="en-US" sz="1600" dirty="0">
-                  <a:solidFill>
-                    <a:schemeClr val="tx1"/>
-                  </a:solidFill>
-                  <a:latin typeface="Times New Roman" panose="02020603050405020304" pitchFamily="18" charset="0"/>
-                  <a:ea typeface="標楷體" panose="03000509000000000000" pitchFamily="65" charset="-120"/>
-                </a:rPr>
-                <a:t>圖像</a:t>
-              </a:r>
-              <a:r>
-                <a:rPr lang="zh-TW" altLang="en-US" sz="1600" dirty="0" smtClean="0">
-                  <a:solidFill>
-                    <a:schemeClr val="tx1"/>
-                  </a:solidFill>
-                  <a:latin typeface="Times New Roman" panose="02020603050405020304" pitchFamily="18" charset="0"/>
-                  <a:ea typeface="標楷體" panose="03000509000000000000" pitchFamily="65" charset="-120"/>
-                </a:rPr>
-                <a:t>轉換</a:t>
-              </a:r>
-              <a:endParaRPr lang="en-US" altLang="zh-TW" sz="1600" dirty="0" smtClean="0">
-                <a:solidFill>
-                  <a:schemeClr val="tx1"/>
-                </a:solidFill>
-                <a:latin typeface="Times New Roman" panose="02020603050405020304" pitchFamily="18" charset="0"/>
-                <a:ea typeface="標楷體" panose="03000509000000000000" pitchFamily="65" charset="-120"/>
-              </a:endParaRPr>
-            </a:p>
-            <a:p>
-              <a:pPr algn="ctr"/>
-              <a:r>
-                <a:rPr lang="en-US" altLang="zh-TW" sz="1600" dirty="0" smtClean="0">
-                  <a:solidFill>
-                    <a:schemeClr val="tx1"/>
-                  </a:solidFill>
-                  <a:latin typeface="Times New Roman" panose="02020603050405020304" pitchFamily="18" charset="0"/>
-                  <a:ea typeface="標楷體" panose="03000509000000000000" pitchFamily="65" charset="-120"/>
-                </a:rPr>
-                <a:t>(Pix2pix)</a:t>
-              </a:r>
-              <a:endParaRPr lang="zh-TW" altLang="en-US" sz="1600" dirty="0">
-                <a:solidFill>
-                  <a:schemeClr val="tx1"/>
-                </a:solidFill>
-                <a:latin typeface="Times New Roman" panose="02020603050405020304" pitchFamily="18" charset="0"/>
-                <a:ea typeface="標楷體" panose="03000509000000000000" pitchFamily="65" charset="-120"/>
-              </a:endParaRPr>
-            </a:p>
-          </p:txBody>
-        </p:sp>
-        <p:sp>
-          <p:nvSpPr>
-            <p:cNvPr id="36" name="圓角矩形 35"/>
-            <p:cNvSpPr/>
-            <p:nvPr/>
-          </p:nvSpPr>
-          <p:spPr>
-            <a:xfrm>
-              <a:off x="5415065" y="3790544"/>
-              <a:ext cx="1585608" cy="865762"/>
-            </a:xfrm>
-            <a:prstGeom prst="roundRect">
-              <a:avLst/>
-            </a:prstGeom>
-            <a:solidFill>
-              <a:schemeClr val="bg1"/>
-            </a:solidFill>
-            <a:ln>
-              <a:solidFill>
-                <a:schemeClr val="tx1"/>
-              </a:solidFill>
-            </a:ln>
-          </p:spPr>
-          <p:style>
-            <a:lnRef idx="2">
-              <a:schemeClr val="accent1">
-                <a:shade val="50000"/>
-              </a:schemeClr>
-            </a:lnRef>
-            <a:fillRef idx="1">
-              <a:schemeClr val="accent1"/>
-            </a:fillRef>
-            <a:effectRef idx="0">
-              <a:schemeClr val="accent1"/>
-            </a:effectRef>
-            <a:fontRef idx="minor">
-              <a:schemeClr val="lt1"/>
-            </a:fontRef>
-          </p:style>
-          <p:txBody>
-            <a:bodyPr rtlCol="0" anchor="ctr"/>
-            <a:lstStyle/>
-            <a:p>
-              <a:pPr algn="ctr"/>
-              <a:r>
-                <a:rPr lang="zh-TW" altLang="en-US" sz="1600" dirty="0" smtClean="0">
-                  <a:solidFill>
-                    <a:schemeClr val="tx1"/>
-                  </a:solidFill>
-                  <a:latin typeface="Times New Roman" panose="02020603050405020304" pitchFamily="18" charset="0"/>
-                  <a:ea typeface="標楷體" panose="03000509000000000000" pitchFamily="65" charset="-120"/>
-                </a:rPr>
-                <a:t>影像濾波層</a:t>
-              </a:r>
-              <a:endParaRPr lang="zh-TW" altLang="en-US" sz="1600" dirty="0">
-                <a:solidFill>
-                  <a:schemeClr val="tx1"/>
-                </a:solidFill>
-                <a:latin typeface="Times New Roman" panose="02020603050405020304" pitchFamily="18" charset="0"/>
-                <a:ea typeface="標楷體" panose="03000509000000000000" pitchFamily="65" charset="-120"/>
-              </a:endParaRPr>
-            </a:p>
-          </p:txBody>
-        </p:sp>
-        <p:cxnSp>
-          <p:nvCxnSpPr>
-            <p:cNvPr id="5" name="直線單箭頭接點 4"/>
-            <p:cNvCxnSpPr>
-              <a:stCxn id="3" idx="2"/>
-              <a:endCxn id="35" idx="0"/>
-            </p:cNvCxnSpPr>
-            <p:nvPr/>
-          </p:nvCxnSpPr>
-          <p:spPr>
-            <a:xfrm>
-              <a:off x="3176082" y="3171217"/>
-              <a:ext cx="0" cy="619327"/>
-            </a:xfrm>
-            <a:prstGeom prst="straightConnector1">
-              <a:avLst/>
-            </a:prstGeom>
-            <a:ln>
-              <a:solidFill>
-                <a:schemeClr val="tx1"/>
-              </a:solidFill>
-              <a:tailEnd type="triangle"/>
-            </a:ln>
-          </p:spPr>
-          <p:style>
-            <a:lnRef idx="1">
-              <a:schemeClr val="accent1"/>
-            </a:lnRef>
-            <a:fillRef idx="0">
-              <a:schemeClr val="accent1"/>
-            </a:fillRef>
-            <a:effectRef idx="0">
-              <a:schemeClr val="accent1"/>
-            </a:effectRef>
-            <a:fontRef idx="minor">
-              <a:schemeClr val="tx1"/>
-            </a:fontRef>
-          </p:style>
-        </p:cxnSp>
-        <p:cxnSp>
-          <p:nvCxnSpPr>
-            <p:cNvPr id="8" name="直線單箭頭接點 7"/>
-            <p:cNvCxnSpPr>
-              <a:stCxn id="3" idx="3"/>
-              <a:endCxn id="34" idx="1"/>
-            </p:cNvCxnSpPr>
-            <p:nvPr/>
-          </p:nvCxnSpPr>
-          <p:spPr>
-            <a:xfrm>
-              <a:off x="3968886" y="2738336"/>
-              <a:ext cx="1446179" cy="0"/>
-            </a:xfrm>
-            <a:prstGeom prst="straightConnector1">
-              <a:avLst/>
-            </a:prstGeom>
-            <a:ln>
-              <a:solidFill>
-                <a:schemeClr val="tx1"/>
-              </a:solidFill>
-              <a:tailEnd type="triangle"/>
-            </a:ln>
-          </p:spPr>
-          <p:style>
-            <a:lnRef idx="1">
-              <a:schemeClr val="accent1"/>
-            </a:lnRef>
-            <a:fillRef idx="0">
-              <a:schemeClr val="accent1"/>
-            </a:fillRef>
-            <a:effectRef idx="0">
-              <a:schemeClr val="accent1"/>
-            </a:effectRef>
-            <a:fontRef idx="minor">
-              <a:schemeClr val="tx1"/>
-            </a:fontRef>
-          </p:style>
-        </p:cxnSp>
-        <p:cxnSp>
-          <p:nvCxnSpPr>
-            <p:cNvPr id="11" name="直線單箭頭接點 10"/>
-            <p:cNvCxnSpPr>
-              <a:stCxn id="36" idx="1"/>
-              <a:endCxn id="35" idx="3"/>
-            </p:cNvCxnSpPr>
-            <p:nvPr/>
-          </p:nvCxnSpPr>
-          <p:spPr>
-            <a:xfrm flipH="1">
-              <a:off x="3968886" y="4223425"/>
-              <a:ext cx="1446179" cy="0"/>
-            </a:xfrm>
-            <a:prstGeom prst="straightConnector1">
-              <a:avLst/>
-            </a:prstGeom>
-            <a:ln>
-              <a:solidFill>
-                <a:schemeClr val="tx1"/>
-              </a:solidFill>
-              <a:tailEnd type="triangle"/>
-            </a:ln>
-          </p:spPr>
-          <p:style>
-            <a:lnRef idx="1">
-              <a:schemeClr val="accent1"/>
-            </a:lnRef>
-            <a:fillRef idx="0">
-              <a:schemeClr val="accent1"/>
-            </a:fillRef>
-            <a:effectRef idx="0">
-              <a:schemeClr val="accent1"/>
-            </a:effectRef>
-            <a:fontRef idx="minor">
-              <a:schemeClr val="tx1"/>
-            </a:fontRef>
-          </p:style>
-        </p:cxnSp>
-        <p:cxnSp>
-          <p:nvCxnSpPr>
-            <p:cNvPr id="42" name="直線接點 41"/>
-            <p:cNvCxnSpPr>
-              <a:stCxn id="34" idx="2"/>
-            </p:cNvCxnSpPr>
-            <p:nvPr/>
-          </p:nvCxnSpPr>
-          <p:spPr>
-            <a:xfrm>
-              <a:off x="6207869" y="3171217"/>
-              <a:ext cx="0" cy="309663"/>
-            </a:xfrm>
-            <a:prstGeom prst="line">
-              <a:avLst/>
-            </a:prstGeom>
-            <a:ln>
-              <a:solidFill>
-                <a:schemeClr val="tx1"/>
-              </a:solidFill>
-            </a:ln>
-          </p:spPr>
-          <p:style>
-            <a:lnRef idx="1">
-              <a:schemeClr val="accent1"/>
-            </a:lnRef>
-            <a:fillRef idx="0">
-              <a:schemeClr val="accent1"/>
-            </a:fillRef>
-            <a:effectRef idx="0">
-              <a:schemeClr val="accent1"/>
-            </a:effectRef>
-            <a:fontRef idx="minor">
-              <a:schemeClr val="tx1"/>
-            </a:fontRef>
-          </p:style>
-        </p:cxnSp>
-        <p:cxnSp>
-          <p:nvCxnSpPr>
-            <p:cNvPr id="49" name="直線接點 48"/>
-            <p:cNvCxnSpPr/>
-            <p:nvPr/>
-          </p:nvCxnSpPr>
-          <p:spPr>
-            <a:xfrm flipH="1">
-              <a:off x="3511687" y="3480880"/>
-              <a:ext cx="2696182" cy="0"/>
-            </a:xfrm>
-            <a:prstGeom prst="line">
-              <a:avLst/>
-            </a:prstGeom>
-            <a:ln>
-              <a:solidFill>
-                <a:schemeClr val="tx1"/>
-              </a:solidFill>
-            </a:ln>
-          </p:spPr>
-          <p:style>
-            <a:lnRef idx="1">
-              <a:schemeClr val="accent1"/>
-            </a:lnRef>
-            <a:fillRef idx="0">
-              <a:schemeClr val="accent1"/>
-            </a:fillRef>
-            <a:effectRef idx="0">
-              <a:schemeClr val="accent1"/>
-            </a:effectRef>
-            <a:fontRef idx="minor">
-              <a:schemeClr val="tx1"/>
-            </a:fontRef>
-          </p:style>
-        </p:cxnSp>
-        <p:cxnSp>
-          <p:nvCxnSpPr>
-            <p:cNvPr id="52" name="直線單箭頭接點 51"/>
-            <p:cNvCxnSpPr/>
-            <p:nvPr/>
-          </p:nvCxnSpPr>
-          <p:spPr>
-            <a:xfrm flipH="1">
-              <a:off x="3511686" y="3480880"/>
-              <a:ext cx="1" cy="309664"/>
-            </a:xfrm>
-            <a:prstGeom prst="straightConnector1">
-              <a:avLst/>
-            </a:prstGeom>
-            <a:ln>
-              <a:solidFill>
-                <a:schemeClr val="tx1"/>
-              </a:solidFill>
-              <a:tailEnd type="triangle"/>
-            </a:ln>
-          </p:spPr>
-          <p:style>
-            <a:lnRef idx="1">
-              <a:schemeClr val="accent1"/>
-            </a:lnRef>
-            <a:fillRef idx="0">
-              <a:schemeClr val="accent1"/>
-            </a:fillRef>
-            <a:effectRef idx="0">
-              <a:schemeClr val="accent1"/>
-            </a:effectRef>
-            <a:fontRef idx="minor">
-              <a:schemeClr val="tx1"/>
-            </a:fontRef>
-          </p:style>
-        </p:cxnSp>
       </p:grpSp>
     </p:spTree>
     <p:extLst>

--- a/論文/模型圖繪製.pptx
+++ b/論文/模型圖繪製.pptx
@@ -15,6 +15,11 @@
     <p:sldId id="263" r:id="rId9"/>
     <p:sldId id="264" r:id="rId10"/>
     <p:sldId id="265" r:id="rId11"/>
+    <p:sldId id="266" r:id="rId12"/>
+    <p:sldId id="267" r:id="rId13"/>
+    <p:sldId id="268" r:id="rId14"/>
+    <p:sldId id="269" r:id="rId15"/>
+    <p:sldId id="270" r:id="rId16"/>
   </p:sldIdLst>
   <p:sldSz cx="12192000" cy="6858000"/>
   <p:notesSz cx="6858000" cy="9144000"/>
@@ -5643,6 +5648,924 @@
 </p:sld>
 </file>
 
+<file path=ppt/slides/slide11.xml><?xml version="1.0" encoding="utf-8"?>
+<p:sld xmlns:a="http://schemas.openxmlformats.org/drawingml/2006/main" xmlns:r="http://schemas.openxmlformats.org/officeDocument/2006/relationships" xmlns:p="http://schemas.openxmlformats.org/presentationml/2006/main">
+  <p:cSld>
+    <p:spTree>
+      <p:nvGrpSpPr>
+        <p:cNvPr id="1" name=""/>
+        <p:cNvGrpSpPr/>
+        <p:nvPr/>
+      </p:nvGrpSpPr>
+      <p:grpSpPr>
+        <a:xfrm>
+          <a:off x="0" y="0"/>
+          <a:ext cx="0" cy="0"/>
+          <a:chOff x="0" y="0"/>
+          <a:chExt cx="0" cy="0"/>
+        </a:xfrm>
+      </p:grpSpPr>
+      <p:grpSp>
+        <p:nvGrpSpPr>
+          <p:cNvPr id="58" name="群組 57"/>
+          <p:cNvGrpSpPr/>
+          <p:nvPr/>
+        </p:nvGrpSpPr>
+        <p:grpSpPr>
+          <a:xfrm>
+            <a:off x="1861732" y="1807897"/>
+            <a:ext cx="6219723" cy="2484634"/>
+            <a:chOff x="1861732" y="1807897"/>
+            <a:chExt cx="6219723" cy="2484634"/>
+          </a:xfrm>
+        </p:grpSpPr>
+        <p:pic>
+          <p:nvPicPr>
+            <p:cNvPr id="53" name="圖片 52"/>
+            <p:cNvPicPr>
+              <a:picLocks noChangeAspect="1"/>
+            </p:cNvPicPr>
+            <p:nvPr/>
+          </p:nvPicPr>
+          <p:blipFill>
+            <a:blip r:embed="rId2">
+              <a:extLst>
+                <a:ext uri="{28A0092B-C50C-407E-A947-70E740481C1C}">
+                  <a14:useLocalDpi xmlns:a14="http://schemas.microsoft.com/office/drawing/2010/main" val="0"/>
+                </a:ext>
+              </a:extLst>
+            </a:blip>
+            <a:stretch>
+              <a:fillRect/>
+            </a:stretch>
+          </p:blipFill>
+          <p:spPr>
+            <a:xfrm>
+              <a:off x="1861732" y="2254181"/>
+              <a:ext cx="2028825" cy="2038350"/>
+            </a:xfrm>
+            <a:prstGeom prst="rect">
+              <a:avLst/>
+            </a:prstGeom>
+          </p:spPr>
+        </p:pic>
+        <p:sp>
+          <p:nvSpPr>
+            <p:cNvPr id="54" name="向右箭號 53"/>
+            <p:cNvSpPr/>
+            <p:nvPr/>
+          </p:nvSpPr>
+          <p:spPr>
+            <a:xfrm>
+              <a:off x="3890557" y="3132306"/>
+              <a:ext cx="2704796" cy="330741"/>
+            </a:xfrm>
+            <a:prstGeom prst="rightArrow">
+              <a:avLst/>
+            </a:prstGeom>
+            <a:solidFill>
+              <a:schemeClr val="tx1">
+                <a:lumMod val="50000"/>
+                <a:lumOff val="50000"/>
+              </a:schemeClr>
+            </a:solidFill>
+            <a:ln>
+              <a:solidFill>
+                <a:schemeClr val="tx1">
+                  <a:lumMod val="50000"/>
+                  <a:lumOff val="50000"/>
+                </a:schemeClr>
+              </a:solidFill>
+            </a:ln>
+          </p:spPr>
+          <p:style>
+            <a:lnRef idx="2">
+              <a:schemeClr val="accent1">
+                <a:shade val="50000"/>
+              </a:schemeClr>
+            </a:lnRef>
+            <a:fillRef idx="1">
+              <a:schemeClr val="accent1"/>
+            </a:fillRef>
+            <a:effectRef idx="0">
+              <a:schemeClr val="accent1"/>
+            </a:effectRef>
+            <a:fontRef idx="minor">
+              <a:schemeClr val="lt1"/>
+            </a:fontRef>
+          </p:style>
+          <p:txBody>
+            <a:bodyPr rtlCol="0" anchor="ctr"/>
+            <a:lstStyle/>
+            <a:p>
+              <a:pPr algn="ctr"/>
+              <a:endParaRPr lang="zh-TW" altLang="en-US"/>
+            </a:p>
+          </p:txBody>
+        </p:sp>
+        <p:pic>
+          <p:nvPicPr>
+            <p:cNvPr id="51" name="圖片 50"/>
+            <p:cNvPicPr>
+              <a:picLocks noChangeAspect="1"/>
+            </p:cNvPicPr>
+            <p:nvPr/>
+          </p:nvPicPr>
+          <p:blipFill>
+            <a:blip r:embed="rId3">
+              <a:extLst>
+                <a:ext uri="{28A0092B-C50C-407E-A947-70E740481C1C}">
+                  <a14:useLocalDpi xmlns:a14="http://schemas.microsoft.com/office/drawing/2010/main" val="0"/>
+                </a:ext>
+              </a:extLst>
+            </a:blip>
+            <a:stretch>
+              <a:fillRect/>
+            </a:stretch>
+          </p:blipFill>
+          <p:spPr>
+            <a:xfrm>
+              <a:off x="4564400" y="2550929"/>
+              <a:ext cx="1354982" cy="1444853"/>
+            </a:xfrm>
+            <a:prstGeom prst="rect">
+              <a:avLst/>
+            </a:prstGeom>
+          </p:spPr>
+        </p:pic>
+        <p:sp>
+          <p:nvSpPr>
+            <p:cNvPr id="55" name="文字方塊 54"/>
+            <p:cNvSpPr txBox="1"/>
+            <p:nvPr/>
+          </p:nvSpPr>
+          <p:spPr>
+            <a:xfrm>
+              <a:off x="6807131" y="3005288"/>
+              <a:ext cx="1274324" cy="584775"/>
+            </a:xfrm>
+            <a:prstGeom prst="rect">
+              <a:avLst/>
+            </a:prstGeom>
+            <a:noFill/>
+          </p:spPr>
+          <p:txBody>
+            <a:bodyPr wrap="square" rtlCol="0">
+              <a:spAutoFit/>
+            </a:bodyPr>
+            <a:lstStyle/>
+            <a:p>
+              <a:r>
+                <a:rPr lang="en-US" altLang="zh-TW" sz="3200" b="1" dirty="0" smtClean="0">
+                  <a:latin typeface="Times New Roman" panose="02020603050405020304" pitchFamily="18" charset="0"/>
+                  <a:cs typeface="Times New Roman" panose="02020603050405020304" pitchFamily="18" charset="0"/>
+                </a:rPr>
+                <a:t>2.3</a:t>
+              </a:r>
+              <a:endParaRPr lang="zh-TW" altLang="en-US" sz="3200" b="1" dirty="0">
+                <a:latin typeface="Times New Roman" panose="02020603050405020304" pitchFamily="18" charset="0"/>
+                <a:cs typeface="Times New Roman" panose="02020603050405020304" pitchFamily="18" charset="0"/>
+              </a:endParaRPr>
+            </a:p>
+          </p:txBody>
+        </p:sp>
+        <p:sp>
+          <p:nvSpPr>
+            <p:cNvPr id="56" name="文字方塊 55"/>
+            <p:cNvSpPr txBox="1"/>
+            <p:nvPr/>
+          </p:nvSpPr>
+          <p:spPr>
+            <a:xfrm>
+              <a:off x="4661676" y="1818347"/>
+              <a:ext cx="1257706" cy="338554"/>
+            </a:xfrm>
+            <a:prstGeom prst="rect">
+              <a:avLst/>
+            </a:prstGeom>
+            <a:noFill/>
+          </p:spPr>
+          <p:txBody>
+            <a:bodyPr wrap="square" rtlCol="0">
+              <a:spAutoFit/>
+            </a:bodyPr>
+            <a:lstStyle/>
+            <a:p>
+              <a:r>
+                <a:rPr lang="zh-TW" altLang="en-US" sz="1600" dirty="0">
+                  <a:latin typeface="標楷體" panose="03000509000000000000" pitchFamily="65" charset="-120"/>
+                  <a:ea typeface="標楷體" panose="03000509000000000000" pitchFamily="65" charset="-120"/>
+                </a:rPr>
+                <a:t>卷積過濾器</a:t>
+              </a:r>
+            </a:p>
+          </p:txBody>
+        </p:sp>
+        <p:sp>
+          <p:nvSpPr>
+            <p:cNvPr id="104" name="文字方塊 103"/>
+            <p:cNvSpPr txBox="1"/>
+            <p:nvPr/>
+          </p:nvSpPr>
+          <p:spPr>
+            <a:xfrm>
+              <a:off x="2054511" y="1807897"/>
+              <a:ext cx="1643266" cy="338554"/>
+            </a:xfrm>
+            <a:prstGeom prst="rect">
+              <a:avLst/>
+            </a:prstGeom>
+            <a:noFill/>
+          </p:spPr>
+          <p:txBody>
+            <a:bodyPr wrap="square" rtlCol="0">
+              <a:spAutoFit/>
+            </a:bodyPr>
+            <a:lstStyle/>
+            <a:p>
+              <a:r>
+                <a:rPr lang="zh-TW" altLang="en-US" sz="1600" dirty="0" smtClean="0">
+                  <a:latin typeface="標楷體" panose="03000509000000000000" pitchFamily="65" charset="-120"/>
+                  <a:ea typeface="標楷體" panose="03000509000000000000" pitchFamily="65" charset="-120"/>
+                </a:rPr>
+                <a:t>影像的</a:t>
+              </a:r>
+              <a:r>
+                <a:rPr lang="en-US" altLang="zh-TW" sz="1600" dirty="0" smtClean="0">
+                  <a:latin typeface="標楷體" panose="03000509000000000000" pitchFamily="65" charset="-120"/>
+                  <a:ea typeface="標楷體" panose="03000509000000000000" pitchFamily="65" charset="-120"/>
+                </a:rPr>
+                <a:t>3x3</a:t>
+              </a:r>
+              <a:r>
+                <a:rPr lang="zh-TW" altLang="en-US" sz="1600" dirty="0" smtClean="0">
+                  <a:latin typeface="標楷體" panose="03000509000000000000" pitchFamily="65" charset="-120"/>
+                  <a:ea typeface="標楷體" panose="03000509000000000000" pitchFamily="65" charset="-120"/>
+                </a:rPr>
+                <a:t>部分</a:t>
+              </a:r>
+              <a:endParaRPr lang="zh-TW" altLang="en-US" sz="1600" dirty="0">
+                <a:latin typeface="標楷體" panose="03000509000000000000" pitchFamily="65" charset="-120"/>
+                <a:ea typeface="標楷體" panose="03000509000000000000" pitchFamily="65" charset="-120"/>
+              </a:endParaRPr>
+            </a:p>
+          </p:txBody>
+        </p:sp>
+      </p:grpSp>
+    </p:spTree>
+    <p:extLst>
+      <p:ext uri="{BB962C8B-B14F-4D97-AF65-F5344CB8AC3E}">
+        <p14:creationId xmlns:p14="http://schemas.microsoft.com/office/powerpoint/2010/main" val="3040165455"/>
+      </p:ext>
+    </p:extLst>
+  </p:cSld>
+  <p:clrMapOvr>
+    <a:masterClrMapping/>
+  </p:clrMapOvr>
+</p:sld>
+</file>
+
+<file path=ppt/slides/slide12.xml><?xml version="1.0" encoding="utf-8"?>
+<p:sld xmlns:a="http://schemas.openxmlformats.org/drawingml/2006/main" xmlns:r="http://schemas.openxmlformats.org/officeDocument/2006/relationships" xmlns:p="http://schemas.openxmlformats.org/presentationml/2006/main">
+  <p:cSld>
+    <p:spTree>
+      <p:nvGrpSpPr>
+        <p:cNvPr id="1" name=""/>
+        <p:cNvGrpSpPr/>
+        <p:nvPr/>
+      </p:nvGrpSpPr>
+      <p:grpSpPr>
+        <a:xfrm>
+          <a:off x="0" y="0"/>
+          <a:ext cx="0" cy="0"/>
+          <a:chOff x="0" y="0"/>
+          <a:chExt cx="0" cy="0"/>
+        </a:xfrm>
+      </p:grpSpPr>
+      <p:grpSp>
+        <p:nvGrpSpPr>
+          <p:cNvPr id="15" name="群組 14"/>
+          <p:cNvGrpSpPr/>
+          <p:nvPr/>
+        </p:nvGrpSpPr>
+        <p:grpSpPr>
+          <a:xfrm>
+            <a:off x="2031966" y="1438275"/>
+            <a:ext cx="6447614" cy="3295650"/>
+            <a:chOff x="2031966" y="1438275"/>
+            <a:chExt cx="6447614" cy="3295650"/>
+          </a:xfrm>
+        </p:grpSpPr>
+        <p:pic>
+          <p:nvPicPr>
+            <p:cNvPr id="2" name="圖片 1"/>
+            <p:cNvPicPr>
+              <a:picLocks noChangeAspect="1"/>
+            </p:cNvPicPr>
+            <p:nvPr/>
+          </p:nvPicPr>
+          <p:blipFill>
+            <a:blip r:embed="rId2">
+              <a:extLst>
+                <a:ext uri="{28A0092B-C50C-407E-A947-70E740481C1C}">
+                  <a14:useLocalDpi xmlns:a14="http://schemas.microsoft.com/office/drawing/2010/main" val="0"/>
+                </a:ext>
+              </a:extLst>
+            </a:blip>
+            <a:stretch>
+              <a:fillRect/>
+            </a:stretch>
+          </p:blipFill>
+          <p:spPr>
+            <a:xfrm>
+              <a:off x="7136555" y="1438275"/>
+              <a:ext cx="1343025" cy="3295650"/>
+            </a:xfrm>
+            <a:prstGeom prst="rect">
+              <a:avLst/>
+            </a:prstGeom>
+          </p:spPr>
+        </p:pic>
+        <p:pic>
+          <p:nvPicPr>
+            <p:cNvPr id="3" name="圖片 2"/>
+            <p:cNvPicPr>
+              <a:picLocks noChangeAspect="1"/>
+            </p:cNvPicPr>
+            <p:nvPr/>
+          </p:nvPicPr>
+          <p:blipFill>
+            <a:blip r:embed="rId3">
+              <a:extLst>
+                <a:ext uri="{28A0092B-C50C-407E-A947-70E740481C1C}">
+                  <a14:useLocalDpi xmlns:a14="http://schemas.microsoft.com/office/drawing/2010/main" val="0"/>
+                </a:ext>
+              </a:extLst>
+            </a:blip>
+            <a:stretch>
+              <a:fillRect/>
+            </a:stretch>
+          </p:blipFill>
+          <p:spPr>
+            <a:xfrm>
+              <a:off x="2031966" y="1781175"/>
+              <a:ext cx="2486025" cy="2609850"/>
+            </a:xfrm>
+            <a:prstGeom prst="rect">
+              <a:avLst/>
+            </a:prstGeom>
+          </p:spPr>
+        </p:pic>
+        <p:cxnSp>
+          <p:nvCxnSpPr>
+            <p:cNvPr id="10" name="直線單箭頭接點 9"/>
+            <p:cNvCxnSpPr>
+              <a:stCxn id="3" idx="3"/>
+            </p:cNvCxnSpPr>
+            <p:nvPr/>
+          </p:nvCxnSpPr>
+          <p:spPr>
+            <a:xfrm flipV="1">
+              <a:off x="4517991" y="2120630"/>
+              <a:ext cx="2618564" cy="965470"/>
+            </a:xfrm>
+            <a:prstGeom prst="straightConnector1">
+              <a:avLst/>
+            </a:prstGeom>
+            <a:ln>
+              <a:solidFill>
+                <a:schemeClr val="tx1"/>
+              </a:solidFill>
+              <a:tailEnd type="triangle"/>
+            </a:ln>
+          </p:spPr>
+          <p:style>
+            <a:lnRef idx="1">
+              <a:schemeClr val="accent1"/>
+            </a:lnRef>
+            <a:fillRef idx="0">
+              <a:schemeClr val="accent1"/>
+            </a:fillRef>
+            <a:effectRef idx="0">
+              <a:schemeClr val="accent1"/>
+            </a:effectRef>
+            <a:fontRef idx="minor">
+              <a:schemeClr val="tx1"/>
+            </a:fontRef>
+          </p:style>
+        </p:cxnSp>
+        <p:cxnSp>
+          <p:nvCxnSpPr>
+            <p:cNvPr id="19" name="直線單箭頭接點 18"/>
+            <p:cNvCxnSpPr>
+              <a:stCxn id="3" idx="3"/>
+            </p:cNvCxnSpPr>
+            <p:nvPr/>
+          </p:nvCxnSpPr>
+          <p:spPr>
+            <a:xfrm>
+              <a:off x="4517991" y="3086100"/>
+              <a:ext cx="2618564" cy="980062"/>
+            </a:xfrm>
+            <a:prstGeom prst="straightConnector1">
+              <a:avLst/>
+            </a:prstGeom>
+            <a:ln>
+              <a:solidFill>
+                <a:schemeClr val="tx1"/>
+              </a:solidFill>
+              <a:tailEnd type="triangle"/>
+            </a:ln>
+          </p:spPr>
+          <p:style>
+            <a:lnRef idx="1">
+              <a:schemeClr val="accent1"/>
+            </a:lnRef>
+            <a:fillRef idx="0">
+              <a:schemeClr val="accent1"/>
+            </a:fillRef>
+            <a:effectRef idx="0">
+              <a:schemeClr val="accent1"/>
+            </a:effectRef>
+            <a:fontRef idx="minor">
+              <a:schemeClr val="tx1"/>
+            </a:fontRef>
+          </p:style>
+        </p:cxnSp>
+        <p:sp>
+          <p:nvSpPr>
+            <p:cNvPr id="14" name="文字方塊 13"/>
+            <p:cNvSpPr txBox="1"/>
+            <p:nvPr/>
+          </p:nvSpPr>
+          <p:spPr>
+            <a:xfrm>
+              <a:off x="4951378" y="2120630"/>
+              <a:ext cx="1210588" cy="338554"/>
+            </a:xfrm>
+            <a:prstGeom prst="rect">
+              <a:avLst/>
+            </a:prstGeom>
+            <a:noFill/>
+          </p:spPr>
+          <p:txBody>
+            <a:bodyPr wrap="none" rtlCol="0">
+              <a:spAutoFit/>
+            </a:bodyPr>
+            <a:lstStyle/>
+            <a:p>
+              <a:r>
+                <a:rPr lang="zh-TW" altLang="en-US" sz="1600" dirty="0" smtClean="0">
+                  <a:latin typeface="標楷體" panose="03000509000000000000" pitchFamily="65" charset="-120"/>
+                  <a:ea typeface="標楷體" panose="03000509000000000000" pitchFamily="65" charset="-120"/>
+                </a:rPr>
+                <a:t>平均值</a:t>
+              </a:r>
+              <a:r>
+                <a:rPr lang="zh-TW" altLang="en-US" sz="1600" dirty="0">
+                  <a:latin typeface="標楷體" panose="03000509000000000000" pitchFamily="65" charset="-120"/>
+                  <a:ea typeface="標楷體" panose="03000509000000000000" pitchFamily="65" charset="-120"/>
+                </a:rPr>
+                <a:t>池化</a:t>
+              </a:r>
+            </a:p>
+          </p:txBody>
+        </p:sp>
+        <p:sp>
+          <p:nvSpPr>
+            <p:cNvPr id="23" name="文字方塊 22"/>
+            <p:cNvSpPr txBox="1"/>
+            <p:nvPr/>
+          </p:nvSpPr>
+          <p:spPr>
+            <a:xfrm>
+              <a:off x="4951378" y="3599178"/>
+              <a:ext cx="1210588" cy="338554"/>
+            </a:xfrm>
+            <a:prstGeom prst="rect">
+              <a:avLst/>
+            </a:prstGeom>
+            <a:noFill/>
+          </p:spPr>
+          <p:txBody>
+            <a:bodyPr wrap="none" rtlCol="0">
+              <a:spAutoFit/>
+            </a:bodyPr>
+            <a:lstStyle/>
+            <a:p>
+              <a:r>
+                <a:rPr lang="zh-TW" altLang="en-US" sz="1600" dirty="0">
+                  <a:latin typeface="標楷體" panose="03000509000000000000" pitchFamily="65" charset="-120"/>
+                  <a:ea typeface="標楷體" panose="03000509000000000000" pitchFamily="65" charset="-120"/>
+                </a:rPr>
+                <a:t>最大</a:t>
+              </a:r>
+              <a:r>
+                <a:rPr lang="zh-TW" altLang="en-US" sz="1600" dirty="0" smtClean="0">
+                  <a:latin typeface="標楷體" panose="03000509000000000000" pitchFamily="65" charset="-120"/>
+                  <a:ea typeface="標楷體" panose="03000509000000000000" pitchFamily="65" charset="-120"/>
+                </a:rPr>
+                <a:t>值</a:t>
+              </a:r>
+              <a:r>
+                <a:rPr lang="zh-TW" altLang="en-US" sz="1600" dirty="0">
+                  <a:latin typeface="標楷體" panose="03000509000000000000" pitchFamily="65" charset="-120"/>
+                  <a:ea typeface="標楷體" panose="03000509000000000000" pitchFamily="65" charset="-120"/>
+                </a:rPr>
+                <a:t>池化</a:t>
+              </a:r>
+            </a:p>
+          </p:txBody>
+        </p:sp>
+      </p:grpSp>
+    </p:spTree>
+    <p:extLst>
+      <p:ext uri="{BB962C8B-B14F-4D97-AF65-F5344CB8AC3E}">
+        <p14:creationId xmlns:p14="http://schemas.microsoft.com/office/powerpoint/2010/main" val="3892510143"/>
+      </p:ext>
+    </p:extLst>
+  </p:cSld>
+  <p:clrMapOvr>
+    <a:masterClrMapping/>
+  </p:clrMapOvr>
+</p:sld>
+</file>
+
+<file path=ppt/slides/slide13.xml><?xml version="1.0" encoding="utf-8"?>
+<p:sld xmlns:a="http://schemas.openxmlformats.org/drawingml/2006/main" xmlns:r="http://schemas.openxmlformats.org/officeDocument/2006/relationships" xmlns:p="http://schemas.openxmlformats.org/presentationml/2006/main">
+  <p:cSld>
+    <p:spTree>
+      <p:nvGrpSpPr>
+        <p:cNvPr id="1" name=""/>
+        <p:cNvGrpSpPr/>
+        <p:nvPr/>
+      </p:nvGrpSpPr>
+      <p:grpSpPr>
+        <a:xfrm>
+          <a:off x="0" y="0"/>
+          <a:ext cx="0" cy="0"/>
+          <a:chOff x="0" y="0"/>
+          <a:chExt cx="0" cy="0"/>
+        </a:xfrm>
+      </p:grpSpPr>
+      <p:grpSp>
+        <p:nvGrpSpPr>
+          <p:cNvPr id="6" name="群組 5"/>
+          <p:cNvGrpSpPr/>
+          <p:nvPr/>
+        </p:nvGrpSpPr>
+        <p:grpSpPr>
+          <a:xfrm>
+            <a:off x="3789167" y="784049"/>
+            <a:ext cx="5400000" cy="5544743"/>
+            <a:chOff x="3789167" y="784049"/>
+            <a:chExt cx="5400000" cy="5544743"/>
+          </a:xfrm>
+        </p:grpSpPr>
+        <p:pic>
+          <p:nvPicPr>
+            <p:cNvPr id="4" name="圖片 3"/>
+            <p:cNvPicPr>
+              <a:picLocks noChangeAspect="1"/>
+            </p:cNvPicPr>
+            <p:nvPr/>
+          </p:nvPicPr>
+          <p:blipFill>
+            <a:blip r:embed="rId2">
+              <a:extLst>
+                <a:ext uri="{28A0092B-C50C-407E-A947-70E740481C1C}">
+                  <a14:useLocalDpi xmlns:a14="http://schemas.microsoft.com/office/drawing/2010/main" val="0"/>
+                </a:ext>
+              </a:extLst>
+            </a:blip>
+            <a:stretch>
+              <a:fillRect/>
+            </a:stretch>
+          </p:blipFill>
+          <p:spPr>
+            <a:xfrm>
+              <a:off x="3789167" y="784049"/>
+              <a:ext cx="5400000" cy="2772743"/>
+            </a:xfrm>
+            <a:prstGeom prst="rect">
+              <a:avLst/>
+            </a:prstGeom>
+          </p:spPr>
+        </p:pic>
+        <p:pic>
+          <p:nvPicPr>
+            <p:cNvPr id="5" name="圖片 4"/>
+            <p:cNvPicPr>
+              <a:picLocks/>
+            </p:cNvPicPr>
+            <p:nvPr/>
+          </p:nvPicPr>
+          <p:blipFill>
+            <a:blip r:embed="rId3">
+              <a:extLst>
+                <a:ext uri="{28A0092B-C50C-407E-A947-70E740481C1C}">
+                  <a14:useLocalDpi xmlns:a14="http://schemas.microsoft.com/office/drawing/2010/main" val="0"/>
+                </a:ext>
+              </a:extLst>
+            </a:blip>
+            <a:stretch>
+              <a:fillRect/>
+            </a:stretch>
+          </p:blipFill>
+          <p:spPr>
+            <a:xfrm>
+              <a:off x="3789167" y="3556792"/>
+              <a:ext cx="5400000" cy="2772000"/>
+            </a:xfrm>
+            <a:prstGeom prst="rect">
+              <a:avLst/>
+            </a:prstGeom>
+          </p:spPr>
+        </p:pic>
+      </p:grpSp>
+    </p:spTree>
+    <p:extLst>
+      <p:ext uri="{BB962C8B-B14F-4D97-AF65-F5344CB8AC3E}">
+        <p14:creationId xmlns:p14="http://schemas.microsoft.com/office/powerpoint/2010/main" val="3938887876"/>
+      </p:ext>
+    </p:extLst>
+  </p:cSld>
+  <p:clrMapOvr>
+    <a:masterClrMapping/>
+  </p:clrMapOvr>
+</p:sld>
+</file>
+
+<file path=ppt/slides/slide14.xml><?xml version="1.0" encoding="utf-8"?>
+<p:sld xmlns:a="http://schemas.openxmlformats.org/drawingml/2006/main" xmlns:r="http://schemas.openxmlformats.org/officeDocument/2006/relationships" xmlns:p="http://schemas.openxmlformats.org/presentationml/2006/main">
+  <p:cSld>
+    <p:spTree>
+      <p:nvGrpSpPr>
+        <p:cNvPr id="1" name=""/>
+        <p:cNvGrpSpPr/>
+        <p:nvPr/>
+      </p:nvGrpSpPr>
+      <p:grpSpPr>
+        <a:xfrm>
+          <a:off x="0" y="0"/>
+          <a:ext cx="0" cy="0"/>
+          <a:chOff x="0" y="0"/>
+          <a:chExt cx="0" cy="0"/>
+        </a:xfrm>
+      </p:grpSpPr>
+      <p:grpSp>
+        <p:nvGrpSpPr>
+          <p:cNvPr id="7" name="群組 6"/>
+          <p:cNvGrpSpPr/>
+          <p:nvPr/>
+        </p:nvGrpSpPr>
+        <p:grpSpPr>
+          <a:xfrm>
+            <a:off x="3749040" y="0"/>
+            <a:ext cx="5400000" cy="6901053"/>
+            <a:chOff x="3749040" y="0"/>
+            <a:chExt cx="5400000" cy="6901053"/>
+          </a:xfrm>
+        </p:grpSpPr>
+        <p:pic>
+          <p:nvPicPr>
+            <p:cNvPr id="2" name="圖片 1"/>
+            <p:cNvPicPr>
+              <a:picLocks/>
+            </p:cNvPicPr>
+            <p:nvPr/>
+          </p:nvPicPr>
+          <p:blipFill>
+            <a:blip r:embed="rId2">
+              <a:extLst>
+                <a:ext uri="{28A0092B-C50C-407E-A947-70E740481C1C}">
+                  <a14:useLocalDpi xmlns:a14="http://schemas.microsoft.com/office/drawing/2010/main" val="0"/>
+                </a:ext>
+              </a:extLst>
+            </a:blip>
+            <a:stretch>
+              <a:fillRect/>
+            </a:stretch>
+          </p:blipFill>
+          <p:spPr>
+            <a:xfrm>
+              <a:off x="3749040" y="0"/>
+              <a:ext cx="5400000" cy="3517200"/>
+            </a:xfrm>
+            <a:prstGeom prst="rect">
+              <a:avLst/>
+            </a:prstGeom>
+          </p:spPr>
+        </p:pic>
+        <p:pic>
+          <p:nvPicPr>
+            <p:cNvPr id="3" name="圖片 2"/>
+            <p:cNvPicPr>
+              <a:picLocks noChangeAspect="1"/>
+            </p:cNvPicPr>
+            <p:nvPr/>
+          </p:nvPicPr>
+          <p:blipFill>
+            <a:blip r:embed="rId3">
+              <a:extLst>
+                <a:ext uri="{28A0092B-C50C-407E-A947-70E740481C1C}">
+                  <a14:useLocalDpi xmlns:a14="http://schemas.microsoft.com/office/drawing/2010/main" val="0"/>
+                </a:ext>
+              </a:extLst>
+            </a:blip>
+            <a:stretch>
+              <a:fillRect/>
+            </a:stretch>
+          </p:blipFill>
+          <p:spPr>
+            <a:xfrm>
+              <a:off x="3749040" y="3385793"/>
+              <a:ext cx="5400000" cy="3515260"/>
+            </a:xfrm>
+            <a:prstGeom prst="rect">
+              <a:avLst/>
+            </a:prstGeom>
+          </p:spPr>
+        </p:pic>
+      </p:grpSp>
+      <p:grpSp>
+        <p:nvGrpSpPr>
+          <p:cNvPr id="8" name="群組 7"/>
+          <p:cNvGrpSpPr/>
+          <p:nvPr/>
+        </p:nvGrpSpPr>
+        <p:grpSpPr>
+          <a:xfrm>
+            <a:off x="3901440" y="152400"/>
+            <a:ext cx="5400000" cy="6901053"/>
+            <a:chOff x="3749040" y="0"/>
+            <a:chExt cx="5400000" cy="6901053"/>
+          </a:xfrm>
+        </p:grpSpPr>
+        <p:pic>
+          <p:nvPicPr>
+            <p:cNvPr id="9" name="圖片 8"/>
+            <p:cNvPicPr>
+              <a:picLocks/>
+            </p:cNvPicPr>
+            <p:nvPr/>
+          </p:nvPicPr>
+          <p:blipFill>
+            <a:blip r:embed="rId2">
+              <a:extLst>
+                <a:ext uri="{28A0092B-C50C-407E-A947-70E740481C1C}">
+                  <a14:useLocalDpi xmlns:a14="http://schemas.microsoft.com/office/drawing/2010/main" val="0"/>
+                </a:ext>
+              </a:extLst>
+            </a:blip>
+            <a:stretch>
+              <a:fillRect/>
+            </a:stretch>
+          </p:blipFill>
+          <p:spPr>
+            <a:xfrm>
+              <a:off x="3749040" y="0"/>
+              <a:ext cx="5400000" cy="3517200"/>
+            </a:xfrm>
+            <a:prstGeom prst="rect">
+              <a:avLst/>
+            </a:prstGeom>
+          </p:spPr>
+        </p:pic>
+        <p:pic>
+          <p:nvPicPr>
+            <p:cNvPr id="10" name="圖片 9"/>
+            <p:cNvPicPr>
+              <a:picLocks noChangeAspect="1"/>
+            </p:cNvPicPr>
+            <p:nvPr/>
+          </p:nvPicPr>
+          <p:blipFill>
+            <a:blip r:embed="rId3">
+              <a:extLst>
+                <a:ext uri="{28A0092B-C50C-407E-A947-70E740481C1C}">
+                  <a14:useLocalDpi xmlns:a14="http://schemas.microsoft.com/office/drawing/2010/main" val="0"/>
+                </a:ext>
+              </a:extLst>
+            </a:blip>
+            <a:stretch>
+              <a:fillRect/>
+            </a:stretch>
+          </p:blipFill>
+          <p:spPr>
+            <a:xfrm>
+              <a:off x="3749040" y="3385793"/>
+              <a:ext cx="5400000" cy="3515260"/>
+            </a:xfrm>
+            <a:prstGeom prst="rect">
+              <a:avLst/>
+            </a:prstGeom>
+          </p:spPr>
+        </p:pic>
+      </p:grpSp>
+    </p:spTree>
+    <p:extLst>
+      <p:ext uri="{BB962C8B-B14F-4D97-AF65-F5344CB8AC3E}">
+        <p14:creationId xmlns:p14="http://schemas.microsoft.com/office/powerpoint/2010/main" val="405058067"/>
+      </p:ext>
+    </p:extLst>
+  </p:cSld>
+  <p:clrMapOvr>
+    <a:masterClrMapping/>
+  </p:clrMapOvr>
+</p:sld>
+</file>
+
+<file path=ppt/slides/slide15.xml><?xml version="1.0" encoding="utf-8"?>
+<p:sld xmlns:a="http://schemas.openxmlformats.org/drawingml/2006/main" xmlns:r="http://schemas.openxmlformats.org/officeDocument/2006/relationships" xmlns:p="http://schemas.openxmlformats.org/presentationml/2006/main">
+  <p:cSld>
+    <p:spTree>
+      <p:nvGrpSpPr>
+        <p:cNvPr id="1" name=""/>
+        <p:cNvGrpSpPr/>
+        <p:nvPr/>
+      </p:nvGrpSpPr>
+      <p:grpSpPr>
+        <a:xfrm>
+          <a:off x="0" y="0"/>
+          <a:ext cx="0" cy="0"/>
+          <a:chOff x="0" y="0"/>
+          <a:chExt cx="0" cy="0"/>
+        </a:xfrm>
+      </p:grpSpPr>
+      <p:pic>
+        <p:nvPicPr>
+          <p:cNvPr id="4" name="圖片 3"/>
+          <p:cNvPicPr>
+            <a:picLocks noChangeAspect="1"/>
+          </p:cNvPicPr>
+          <p:nvPr/>
+        </p:nvPicPr>
+        <p:blipFill>
+          <a:blip r:embed="rId2">
+            <a:extLst>
+              <a:ext uri="{28A0092B-C50C-407E-A947-70E740481C1C}">
+                <a14:useLocalDpi xmlns:a14="http://schemas.microsoft.com/office/drawing/2010/main" val="0"/>
+              </a:ext>
+            </a:extLst>
+          </a:blip>
+          <a:stretch>
+            <a:fillRect/>
+          </a:stretch>
+        </p:blipFill>
+        <p:spPr>
+          <a:xfrm>
+            <a:off x="3599234" y="3479340"/>
+            <a:ext cx="4876800" cy="2720340"/>
+          </a:xfrm>
+          <a:prstGeom prst="rect">
+            <a:avLst/>
+          </a:prstGeom>
+        </p:spPr>
+      </p:pic>
+      <p:pic>
+        <p:nvPicPr>
+          <p:cNvPr id="5" name="圖片 4"/>
+          <p:cNvPicPr>
+            <a:picLocks noChangeAspect="1"/>
+          </p:cNvPicPr>
+          <p:nvPr/>
+        </p:nvPicPr>
+        <p:blipFill>
+          <a:blip r:embed="rId3">
+            <a:extLst>
+              <a:ext uri="{28A0092B-C50C-407E-A947-70E740481C1C}">
+                <a14:useLocalDpi xmlns:a14="http://schemas.microsoft.com/office/drawing/2010/main" val="0"/>
+              </a:ext>
+            </a:extLst>
+          </a:blip>
+          <a:stretch>
+            <a:fillRect/>
+          </a:stretch>
+        </p:blipFill>
+        <p:spPr>
+          <a:xfrm>
+            <a:off x="3599234" y="911400"/>
+            <a:ext cx="4876800" cy="2567940"/>
+          </a:xfrm>
+          <a:prstGeom prst="rect">
+            <a:avLst/>
+          </a:prstGeom>
+        </p:spPr>
+      </p:pic>
+    </p:spTree>
+    <p:extLst>
+      <p:ext uri="{BB962C8B-B14F-4D97-AF65-F5344CB8AC3E}">
+        <p14:creationId xmlns:p14="http://schemas.microsoft.com/office/powerpoint/2010/main" val="3965130743"/>
+      </p:ext>
+    </p:extLst>
+  </p:cSld>
+  <p:clrMapOvr>
+    <a:masterClrMapping/>
+  </p:clrMapOvr>
+</p:sld>
+</file>
+
 <file path=ppt/slides/slide2.xml><?xml version="1.0" encoding="utf-8"?>
 <p:sld xmlns:a="http://schemas.openxmlformats.org/drawingml/2006/main" xmlns:r="http://schemas.openxmlformats.org/officeDocument/2006/relationships" xmlns:p="http://schemas.openxmlformats.org/presentationml/2006/main">
   <p:cSld>

--- a/論文/模型圖繪製.pptx
+++ b/論文/模型圖繪製.pptx
@@ -257,7 +257,7 @@
           <a:p>
             <a:fld id="{587DF574-9317-4403-A25B-38C86415A09B}" type="datetimeFigureOut">
               <a:rPr lang="zh-TW" altLang="en-US" smtClean="0"/>
-              <a:t>2021/12/29</a:t>
+              <a:t>2022/1/5</a:t>
             </a:fld>
             <a:endParaRPr lang="zh-TW" altLang="en-US"/>
           </a:p>
@@ -427,7 +427,7 @@
           <a:p>
             <a:fld id="{587DF574-9317-4403-A25B-38C86415A09B}" type="datetimeFigureOut">
               <a:rPr lang="zh-TW" altLang="en-US" smtClean="0"/>
-              <a:t>2021/12/29</a:t>
+              <a:t>2022/1/5</a:t>
             </a:fld>
             <a:endParaRPr lang="zh-TW" altLang="en-US"/>
           </a:p>
@@ -607,7 +607,7 @@
           <a:p>
             <a:fld id="{587DF574-9317-4403-A25B-38C86415A09B}" type="datetimeFigureOut">
               <a:rPr lang="zh-TW" altLang="en-US" smtClean="0"/>
-              <a:t>2021/12/29</a:t>
+              <a:t>2022/1/5</a:t>
             </a:fld>
             <a:endParaRPr lang="zh-TW" altLang="en-US"/>
           </a:p>
@@ -777,7 +777,7 @@
           <a:p>
             <a:fld id="{587DF574-9317-4403-A25B-38C86415A09B}" type="datetimeFigureOut">
               <a:rPr lang="zh-TW" altLang="en-US" smtClean="0"/>
-              <a:t>2021/12/29</a:t>
+              <a:t>2022/1/5</a:t>
             </a:fld>
             <a:endParaRPr lang="zh-TW" altLang="en-US"/>
           </a:p>
@@ -1023,7 +1023,7 @@
           <a:p>
             <a:fld id="{587DF574-9317-4403-A25B-38C86415A09B}" type="datetimeFigureOut">
               <a:rPr lang="zh-TW" altLang="en-US" smtClean="0"/>
-              <a:t>2021/12/29</a:t>
+              <a:t>2022/1/5</a:t>
             </a:fld>
             <a:endParaRPr lang="zh-TW" altLang="en-US"/>
           </a:p>
@@ -1255,7 +1255,7 @@
           <a:p>
             <a:fld id="{587DF574-9317-4403-A25B-38C86415A09B}" type="datetimeFigureOut">
               <a:rPr lang="zh-TW" altLang="en-US" smtClean="0"/>
-              <a:t>2021/12/29</a:t>
+              <a:t>2022/1/5</a:t>
             </a:fld>
             <a:endParaRPr lang="zh-TW" altLang="en-US"/>
           </a:p>
@@ -1622,7 +1622,7 @@
           <a:p>
             <a:fld id="{587DF574-9317-4403-A25B-38C86415A09B}" type="datetimeFigureOut">
               <a:rPr lang="zh-TW" altLang="en-US" smtClean="0"/>
-              <a:t>2021/12/29</a:t>
+              <a:t>2022/1/5</a:t>
             </a:fld>
             <a:endParaRPr lang="zh-TW" altLang="en-US"/>
           </a:p>
@@ -1740,7 +1740,7 @@
           <a:p>
             <a:fld id="{587DF574-9317-4403-A25B-38C86415A09B}" type="datetimeFigureOut">
               <a:rPr lang="zh-TW" altLang="en-US" smtClean="0"/>
-              <a:t>2021/12/29</a:t>
+              <a:t>2022/1/5</a:t>
             </a:fld>
             <a:endParaRPr lang="zh-TW" altLang="en-US"/>
           </a:p>
@@ -1835,7 +1835,7 @@
           <a:p>
             <a:fld id="{587DF574-9317-4403-A25B-38C86415A09B}" type="datetimeFigureOut">
               <a:rPr lang="zh-TW" altLang="en-US" smtClean="0"/>
-              <a:t>2021/12/29</a:t>
+              <a:t>2022/1/5</a:t>
             </a:fld>
             <a:endParaRPr lang="zh-TW" altLang="en-US"/>
           </a:p>
@@ -2112,7 +2112,7 @@
           <a:p>
             <a:fld id="{587DF574-9317-4403-A25B-38C86415A09B}" type="datetimeFigureOut">
               <a:rPr lang="zh-TW" altLang="en-US" smtClean="0"/>
-              <a:t>2021/12/29</a:t>
+              <a:t>2022/1/5</a:t>
             </a:fld>
             <a:endParaRPr lang="zh-TW" altLang="en-US"/>
           </a:p>
@@ -2365,7 +2365,7 @@
           <a:p>
             <a:fld id="{587DF574-9317-4403-A25B-38C86415A09B}" type="datetimeFigureOut">
               <a:rPr lang="zh-TW" altLang="en-US" smtClean="0"/>
-              <a:t>2021/12/29</a:t>
+              <a:t>2022/1/5</a:t>
             </a:fld>
             <a:endParaRPr lang="zh-TW" altLang="en-US"/>
           </a:p>
@@ -2578,7 +2578,7 @@
           <a:p>
             <a:fld id="{587DF574-9317-4403-A25B-38C86415A09B}" type="datetimeFigureOut">
               <a:rPr lang="zh-TW" altLang="en-US" smtClean="0"/>
-              <a:t>2021/12/29</a:t>
+              <a:t>2022/1/5</a:t>
             </a:fld>
             <a:endParaRPr lang="zh-TW" altLang="en-US"/>
           </a:p>
@@ -5665,253 +5665,238 @@
           <a:chExt cx="0" cy="0"/>
         </a:xfrm>
       </p:grpSpPr>
-      <p:grpSp>
-        <p:nvGrpSpPr>
-          <p:cNvPr id="58" name="群組 57"/>
-          <p:cNvGrpSpPr/>
+      <p:pic>
+        <p:nvPicPr>
+          <p:cNvPr id="53" name="圖片 52"/>
+          <p:cNvPicPr>
+            <a:picLocks noChangeAspect="1"/>
+          </p:cNvPicPr>
           <p:nvPr/>
-        </p:nvGrpSpPr>
-        <p:grpSpPr>
+        </p:nvPicPr>
+        <p:blipFill>
+          <a:blip r:embed="rId2">
+            <a:extLst>
+              <a:ext uri="{28A0092B-C50C-407E-A947-70E740481C1C}">
+                <a14:useLocalDpi xmlns:a14="http://schemas.microsoft.com/office/drawing/2010/main" val="0"/>
+              </a:ext>
+            </a:extLst>
+          </a:blip>
+          <a:stretch>
+            <a:fillRect/>
+          </a:stretch>
+        </p:blipFill>
+        <p:spPr>
           <a:xfrm>
-            <a:off x="1861732" y="1807897"/>
-            <a:ext cx="6219723" cy="2484634"/>
-            <a:chOff x="1861732" y="1807897"/>
-            <a:chExt cx="6219723" cy="2484634"/>
+            <a:off x="1861732" y="2254181"/>
+            <a:ext cx="2028825" cy="2038350"/>
           </a:xfrm>
-        </p:grpSpPr>
-        <p:pic>
-          <p:nvPicPr>
-            <p:cNvPr id="53" name="圖片 52"/>
-            <p:cNvPicPr>
-              <a:picLocks noChangeAspect="1"/>
-            </p:cNvPicPr>
-            <p:nvPr/>
-          </p:nvPicPr>
-          <p:blipFill>
-            <a:blip r:embed="rId2">
-              <a:extLst>
-                <a:ext uri="{28A0092B-C50C-407E-A947-70E740481C1C}">
-                  <a14:useLocalDpi xmlns:a14="http://schemas.microsoft.com/office/drawing/2010/main" val="0"/>
-                </a:ext>
-              </a:extLst>
-            </a:blip>
-            <a:stretch>
-              <a:fillRect/>
-            </a:stretch>
-          </p:blipFill>
-          <p:spPr>
-            <a:xfrm>
-              <a:off x="1861732" y="2254181"/>
-              <a:ext cx="2028825" cy="2038350"/>
-            </a:xfrm>
-            <a:prstGeom prst="rect">
-              <a:avLst/>
-            </a:prstGeom>
-          </p:spPr>
-        </p:pic>
-        <p:sp>
-          <p:nvSpPr>
-            <p:cNvPr id="54" name="向右箭號 53"/>
-            <p:cNvSpPr/>
-            <p:nvPr/>
-          </p:nvSpPr>
-          <p:spPr>
-            <a:xfrm>
-              <a:off x="3890557" y="3132306"/>
-              <a:ext cx="2704796" cy="330741"/>
-            </a:xfrm>
-            <a:prstGeom prst="rightArrow">
-              <a:avLst/>
-            </a:prstGeom>
+          <a:prstGeom prst="rect">
+            <a:avLst/>
+          </a:prstGeom>
+        </p:spPr>
+      </p:pic>
+      <p:sp>
+        <p:nvSpPr>
+          <p:cNvPr id="54" name="向右箭號 53"/>
+          <p:cNvSpPr/>
+          <p:nvPr/>
+        </p:nvSpPr>
+        <p:spPr>
+          <a:xfrm>
+            <a:off x="3890557" y="3132306"/>
+            <a:ext cx="2704796" cy="330741"/>
+          </a:xfrm>
+          <a:prstGeom prst="rightArrow">
+            <a:avLst/>
+          </a:prstGeom>
+          <a:solidFill>
+            <a:schemeClr val="tx1">
+              <a:lumMod val="50000"/>
+              <a:lumOff val="50000"/>
+            </a:schemeClr>
+          </a:solidFill>
+          <a:ln>
             <a:solidFill>
               <a:schemeClr val="tx1">
                 <a:lumMod val="50000"/>
                 <a:lumOff val="50000"/>
               </a:schemeClr>
             </a:solidFill>
-            <a:ln>
-              <a:solidFill>
-                <a:schemeClr val="tx1">
-                  <a:lumMod val="50000"/>
-                  <a:lumOff val="50000"/>
-                </a:schemeClr>
-              </a:solidFill>
-            </a:ln>
-          </p:spPr>
-          <p:style>
-            <a:lnRef idx="2">
-              <a:schemeClr val="accent1">
-                <a:shade val="50000"/>
-              </a:schemeClr>
-            </a:lnRef>
-            <a:fillRef idx="1">
-              <a:schemeClr val="accent1"/>
-            </a:fillRef>
-            <a:effectRef idx="0">
-              <a:schemeClr val="accent1"/>
-            </a:effectRef>
-            <a:fontRef idx="minor">
-              <a:schemeClr val="lt1"/>
-            </a:fontRef>
-          </p:style>
-          <p:txBody>
-            <a:bodyPr rtlCol="0" anchor="ctr"/>
-            <a:lstStyle/>
-            <a:p>
-              <a:pPr algn="ctr"/>
-              <a:endParaRPr lang="zh-TW" altLang="en-US"/>
-            </a:p>
-          </p:txBody>
-        </p:sp>
-        <p:pic>
-          <p:nvPicPr>
-            <p:cNvPr id="51" name="圖片 50"/>
-            <p:cNvPicPr>
-              <a:picLocks noChangeAspect="1"/>
-            </p:cNvPicPr>
-            <p:nvPr/>
-          </p:nvPicPr>
-          <p:blipFill>
-            <a:blip r:embed="rId3">
-              <a:extLst>
-                <a:ext uri="{28A0092B-C50C-407E-A947-70E740481C1C}">
-                  <a14:useLocalDpi xmlns:a14="http://schemas.microsoft.com/office/drawing/2010/main" val="0"/>
-                </a:ext>
-              </a:extLst>
-            </a:blip>
-            <a:stretch>
-              <a:fillRect/>
-            </a:stretch>
-          </p:blipFill>
-          <p:spPr>
-            <a:xfrm>
-              <a:off x="4564400" y="2550929"/>
-              <a:ext cx="1354982" cy="1444853"/>
-            </a:xfrm>
-            <a:prstGeom prst="rect">
-              <a:avLst/>
-            </a:prstGeom>
-          </p:spPr>
-        </p:pic>
-        <p:sp>
-          <p:nvSpPr>
-            <p:cNvPr id="55" name="文字方塊 54"/>
-            <p:cNvSpPr txBox="1"/>
-            <p:nvPr/>
-          </p:nvSpPr>
-          <p:spPr>
-            <a:xfrm>
-              <a:off x="6807131" y="3005288"/>
-              <a:ext cx="1274324" cy="584775"/>
-            </a:xfrm>
-            <a:prstGeom prst="rect">
-              <a:avLst/>
-            </a:prstGeom>
-            <a:noFill/>
-          </p:spPr>
-          <p:txBody>
-            <a:bodyPr wrap="square" rtlCol="0">
-              <a:spAutoFit/>
-            </a:bodyPr>
-            <a:lstStyle/>
-            <a:p>
-              <a:r>
-                <a:rPr lang="en-US" altLang="zh-TW" sz="3200" b="1" dirty="0" smtClean="0">
-                  <a:latin typeface="Times New Roman" panose="02020603050405020304" pitchFamily="18" charset="0"/>
-                  <a:cs typeface="Times New Roman" panose="02020603050405020304" pitchFamily="18" charset="0"/>
-                </a:rPr>
-                <a:t>2.3</a:t>
-              </a:r>
-              <a:endParaRPr lang="zh-TW" altLang="en-US" sz="3200" b="1" dirty="0">
+          </a:ln>
+        </p:spPr>
+        <p:style>
+          <a:lnRef idx="2">
+            <a:schemeClr val="accent1">
+              <a:shade val="50000"/>
+            </a:schemeClr>
+          </a:lnRef>
+          <a:fillRef idx="1">
+            <a:schemeClr val="accent1"/>
+          </a:fillRef>
+          <a:effectRef idx="0">
+            <a:schemeClr val="accent1"/>
+          </a:effectRef>
+          <a:fontRef idx="minor">
+            <a:schemeClr val="lt1"/>
+          </a:fontRef>
+        </p:style>
+        <p:txBody>
+          <a:bodyPr rtlCol="0" anchor="ctr"/>
+          <a:lstStyle/>
+          <a:p>
+            <a:pPr algn="ctr"/>
+            <a:endParaRPr lang="zh-TW" altLang="en-US"/>
+          </a:p>
+        </p:txBody>
+      </p:sp>
+      <p:pic>
+        <p:nvPicPr>
+          <p:cNvPr id="51" name="圖片 50"/>
+          <p:cNvPicPr>
+            <a:picLocks noChangeAspect="1"/>
+          </p:cNvPicPr>
+          <p:nvPr/>
+        </p:nvPicPr>
+        <p:blipFill>
+          <a:blip r:embed="rId3">
+            <a:extLst>
+              <a:ext uri="{28A0092B-C50C-407E-A947-70E740481C1C}">
+                <a14:useLocalDpi xmlns:a14="http://schemas.microsoft.com/office/drawing/2010/main" val="0"/>
+              </a:ext>
+            </a:extLst>
+          </a:blip>
+          <a:stretch>
+            <a:fillRect/>
+          </a:stretch>
+        </p:blipFill>
+        <p:spPr>
+          <a:xfrm>
+            <a:off x="4500392" y="2550929"/>
+            <a:ext cx="1354982" cy="1444853"/>
+          </a:xfrm>
+          <a:prstGeom prst="rect">
+            <a:avLst/>
+          </a:prstGeom>
+        </p:spPr>
+      </p:pic>
+      <p:sp>
+        <p:nvSpPr>
+          <p:cNvPr id="55" name="文字方塊 54"/>
+          <p:cNvSpPr txBox="1"/>
+          <p:nvPr/>
+        </p:nvSpPr>
+        <p:spPr>
+          <a:xfrm>
+            <a:off x="6743123" y="3005288"/>
+            <a:ext cx="1274324" cy="584775"/>
+          </a:xfrm>
+          <a:prstGeom prst="rect">
+            <a:avLst/>
+          </a:prstGeom>
+          <a:noFill/>
+        </p:spPr>
+        <p:txBody>
+          <a:bodyPr wrap="square" rtlCol="0">
+            <a:spAutoFit/>
+          </a:bodyPr>
+          <a:lstStyle/>
+          <a:p>
+            <a:r>
+              <a:rPr lang="en-US" altLang="zh-TW" sz="3200" b="1" dirty="0" smtClean="0">
                 <a:latin typeface="Times New Roman" panose="02020603050405020304" pitchFamily="18" charset="0"/>
                 <a:cs typeface="Times New Roman" panose="02020603050405020304" pitchFamily="18" charset="0"/>
-              </a:endParaRPr>
-            </a:p>
-          </p:txBody>
-        </p:sp>
-        <p:sp>
-          <p:nvSpPr>
-            <p:cNvPr id="56" name="文字方塊 55"/>
-            <p:cNvSpPr txBox="1"/>
-            <p:nvPr/>
-          </p:nvSpPr>
-          <p:spPr>
-            <a:xfrm>
-              <a:off x="4661676" y="1818347"/>
-              <a:ext cx="1257706" cy="338554"/>
-            </a:xfrm>
-            <a:prstGeom prst="rect">
-              <a:avLst/>
-            </a:prstGeom>
-            <a:noFill/>
-          </p:spPr>
-          <p:txBody>
-            <a:bodyPr wrap="square" rtlCol="0">
-              <a:spAutoFit/>
-            </a:bodyPr>
-            <a:lstStyle/>
-            <a:p>
-              <a:r>
-                <a:rPr lang="zh-TW" altLang="en-US" sz="1600" dirty="0">
-                  <a:latin typeface="標楷體" panose="03000509000000000000" pitchFamily="65" charset="-120"/>
-                  <a:ea typeface="標楷體" panose="03000509000000000000" pitchFamily="65" charset="-120"/>
-                </a:rPr>
-                <a:t>卷積過濾器</a:t>
-              </a:r>
-            </a:p>
-          </p:txBody>
-        </p:sp>
-        <p:sp>
-          <p:nvSpPr>
-            <p:cNvPr id="104" name="文字方塊 103"/>
-            <p:cNvSpPr txBox="1"/>
-            <p:nvPr/>
-          </p:nvSpPr>
-          <p:spPr>
-            <a:xfrm>
-              <a:off x="2054511" y="1807897"/>
-              <a:ext cx="1643266" cy="338554"/>
-            </a:xfrm>
-            <a:prstGeom prst="rect">
-              <a:avLst/>
-            </a:prstGeom>
-            <a:noFill/>
-          </p:spPr>
-          <p:txBody>
-            <a:bodyPr wrap="square" rtlCol="0">
-              <a:spAutoFit/>
-            </a:bodyPr>
-            <a:lstStyle/>
-            <a:p>
-              <a:r>
-                <a:rPr lang="zh-TW" altLang="en-US" sz="1600" dirty="0" smtClean="0">
-                  <a:latin typeface="標楷體" panose="03000509000000000000" pitchFamily="65" charset="-120"/>
-                  <a:ea typeface="標楷體" panose="03000509000000000000" pitchFamily="65" charset="-120"/>
-                </a:rPr>
-                <a:t>影像的</a:t>
-              </a:r>
-              <a:r>
-                <a:rPr lang="en-US" altLang="zh-TW" sz="1600" dirty="0" smtClean="0">
-                  <a:latin typeface="標楷體" panose="03000509000000000000" pitchFamily="65" charset="-120"/>
-                  <a:ea typeface="標楷體" panose="03000509000000000000" pitchFamily="65" charset="-120"/>
-                </a:rPr>
-                <a:t>3x3</a:t>
-              </a:r>
-              <a:r>
-                <a:rPr lang="zh-TW" altLang="en-US" sz="1600" dirty="0" smtClean="0">
-                  <a:latin typeface="標楷體" panose="03000509000000000000" pitchFamily="65" charset="-120"/>
-                  <a:ea typeface="標楷體" panose="03000509000000000000" pitchFamily="65" charset="-120"/>
-                </a:rPr>
-                <a:t>部分</a:t>
-              </a:r>
-              <a:endParaRPr lang="zh-TW" altLang="en-US" sz="1600" dirty="0">
+              </a:rPr>
+              <a:t>2.3</a:t>
+            </a:r>
+            <a:endParaRPr lang="zh-TW" altLang="en-US" sz="3200" b="1" dirty="0">
+              <a:latin typeface="Times New Roman" panose="02020603050405020304" pitchFamily="18" charset="0"/>
+              <a:cs typeface="Times New Roman" panose="02020603050405020304" pitchFamily="18" charset="0"/>
+            </a:endParaRPr>
+          </a:p>
+        </p:txBody>
+      </p:sp>
+      <p:sp>
+        <p:nvSpPr>
+          <p:cNvPr id="56" name="文字方塊 55"/>
+          <p:cNvSpPr txBox="1"/>
+          <p:nvPr/>
+        </p:nvSpPr>
+        <p:spPr>
+          <a:xfrm>
+            <a:off x="4597668" y="1818347"/>
+            <a:ext cx="1257706" cy="338554"/>
+          </a:xfrm>
+          <a:prstGeom prst="rect">
+            <a:avLst/>
+          </a:prstGeom>
+          <a:noFill/>
+        </p:spPr>
+        <p:txBody>
+          <a:bodyPr wrap="square" rtlCol="0">
+            <a:spAutoFit/>
+          </a:bodyPr>
+          <a:lstStyle/>
+          <a:p>
+            <a:r>
+              <a:rPr lang="zh-TW" altLang="en-US" sz="1600" dirty="0">
                 <a:latin typeface="標楷體" panose="03000509000000000000" pitchFamily="65" charset="-120"/>
                 <a:ea typeface="標楷體" panose="03000509000000000000" pitchFamily="65" charset="-120"/>
-              </a:endParaRPr>
-            </a:p>
-          </p:txBody>
-        </p:sp>
-      </p:grpSp>
+              </a:rPr>
+              <a:t>卷積過濾器</a:t>
+            </a:r>
+          </a:p>
+        </p:txBody>
+      </p:sp>
+      <p:sp>
+        <p:nvSpPr>
+          <p:cNvPr id="104" name="文字方塊 103"/>
+          <p:cNvSpPr txBox="1"/>
+          <p:nvPr/>
+        </p:nvSpPr>
+        <p:spPr>
+          <a:xfrm>
+            <a:off x="2054511" y="1807897"/>
+            <a:ext cx="1643266" cy="338554"/>
+          </a:xfrm>
+          <a:prstGeom prst="rect">
+            <a:avLst/>
+          </a:prstGeom>
+          <a:noFill/>
+        </p:spPr>
+        <p:txBody>
+          <a:bodyPr wrap="square" rtlCol="0">
+            <a:spAutoFit/>
+          </a:bodyPr>
+          <a:lstStyle/>
+          <a:p>
+            <a:r>
+              <a:rPr lang="zh-TW" altLang="en-US" sz="1600" dirty="0" smtClean="0">
+                <a:latin typeface="標楷體" panose="03000509000000000000" pitchFamily="65" charset="-120"/>
+                <a:ea typeface="標楷體" panose="03000509000000000000" pitchFamily="65" charset="-120"/>
+              </a:rPr>
+              <a:t>影像的</a:t>
+            </a:r>
+            <a:r>
+              <a:rPr lang="en-US" altLang="zh-TW" sz="1600" dirty="0" smtClean="0">
+                <a:latin typeface="標楷體" panose="03000509000000000000" pitchFamily="65" charset="-120"/>
+                <a:ea typeface="標楷體" panose="03000509000000000000" pitchFamily="65" charset="-120"/>
+              </a:rPr>
+              <a:t>3x3</a:t>
+            </a:r>
+            <a:r>
+              <a:rPr lang="zh-TW" altLang="en-US" sz="1600" dirty="0" smtClean="0">
+                <a:latin typeface="標楷體" panose="03000509000000000000" pitchFamily="65" charset="-120"/>
+                <a:ea typeface="標楷體" panose="03000509000000000000" pitchFamily="65" charset="-120"/>
+              </a:rPr>
+              <a:t>部分</a:t>
+            </a:r>
+            <a:endParaRPr lang="zh-TW" altLang="en-US" sz="1600" dirty="0">
+              <a:latin typeface="標楷體" panose="03000509000000000000" pitchFamily="65" charset="-120"/>
+              <a:ea typeface="標楷體" panose="03000509000000000000" pitchFamily="65" charset="-120"/>
+            </a:endParaRPr>
+          </a:p>
+        </p:txBody>
+      </p:sp>
     </p:spTree>
     <p:extLst>
       <p:ext uri="{BB962C8B-B14F-4D97-AF65-F5344CB8AC3E}">

--- a/論文/模型圖繪製.pptx
+++ b/論文/模型圖繪製.pptx
@@ -257,7 +257,7 @@
           <a:p>
             <a:fld id="{587DF574-9317-4403-A25B-38C86415A09B}" type="datetimeFigureOut">
               <a:rPr lang="zh-TW" altLang="en-US" smtClean="0"/>
-              <a:t>2022/1/5</a:t>
+              <a:t>2022/1/11</a:t>
             </a:fld>
             <a:endParaRPr lang="zh-TW" altLang="en-US"/>
           </a:p>
@@ -427,7 +427,7 @@
           <a:p>
             <a:fld id="{587DF574-9317-4403-A25B-38C86415A09B}" type="datetimeFigureOut">
               <a:rPr lang="zh-TW" altLang="en-US" smtClean="0"/>
-              <a:t>2022/1/5</a:t>
+              <a:t>2022/1/11</a:t>
             </a:fld>
             <a:endParaRPr lang="zh-TW" altLang="en-US"/>
           </a:p>
@@ -607,7 +607,7 @@
           <a:p>
             <a:fld id="{587DF574-9317-4403-A25B-38C86415A09B}" type="datetimeFigureOut">
               <a:rPr lang="zh-TW" altLang="en-US" smtClean="0"/>
-              <a:t>2022/1/5</a:t>
+              <a:t>2022/1/11</a:t>
             </a:fld>
             <a:endParaRPr lang="zh-TW" altLang="en-US"/>
           </a:p>
@@ -777,7 +777,7 @@
           <a:p>
             <a:fld id="{587DF574-9317-4403-A25B-38C86415A09B}" type="datetimeFigureOut">
               <a:rPr lang="zh-TW" altLang="en-US" smtClean="0"/>
-              <a:t>2022/1/5</a:t>
+              <a:t>2022/1/11</a:t>
             </a:fld>
             <a:endParaRPr lang="zh-TW" altLang="en-US"/>
           </a:p>
@@ -1023,7 +1023,7 @@
           <a:p>
             <a:fld id="{587DF574-9317-4403-A25B-38C86415A09B}" type="datetimeFigureOut">
               <a:rPr lang="zh-TW" altLang="en-US" smtClean="0"/>
-              <a:t>2022/1/5</a:t>
+              <a:t>2022/1/11</a:t>
             </a:fld>
             <a:endParaRPr lang="zh-TW" altLang="en-US"/>
           </a:p>
@@ -1255,7 +1255,7 @@
           <a:p>
             <a:fld id="{587DF574-9317-4403-A25B-38C86415A09B}" type="datetimeFigureOut">
               <a:rPr lang="zh-TW" altLang="en-US" smtClean="0"/>
-              <a:t>2022/1/5</a:t>
+              <a:t>2022/1/11</a:t>
             </a:fld>
             <a:endParaRPr lang="zh-TW" altLang="en-US"/>
           </a:p>
@@ -1622,7 +1622,7 @@
           <a:p>
             <a:fld id="{587DF574-9317-4403-A25B-38C86415A09B}" type="datetimeFigureOut">
               <a:rPr lang="zh-TW" altLang="en-US" smtClean="0"/>
-              <a:t>2022/1/5</a:t>
+              <a:t>2022/1/11</a:t>
             </a:fld>
             <a:endParaRPr lang="zh-TW" altLang="en-US"/>
           </a:p>
@@ -1740,7 +1740,7 @@
           <a:p>
             <a:fld id="{587DF574-9317-4403-A25B-38C86415A09B}" type="datetimeFigureOut">
               <a:rPr lang="zh-TW" altLang="en-US" smtClean="0"/>
-              <a:t>2022/1/5</a:t>
+              <a:t>2022/1/11</a:t>
             </a:fld>
             <a:endParaRPr lang="zh-TW" altLang="en-US"/>
           </a:p>
@@ -1835,7 +1835,7 @@
           <a:p>
             <a:fld id="{587DF574-9317-4403-A25B-38C86415A09B}" type="datetimeFigureOut">
               <a:rPr lang="zh-TW" altLang="en-US" smtClean="0"/>
-              <a:t>2022/1/5</a:t>
+              <a:t>2022/1/11</a:t>
             </a:fld>
             <a:endParaRPr lang="zh-TW" altLang="en-US"/>
           </a:p>
@@ -2112,7 +2112,7 @@
           <a:p>
             <a:fld id="{587DF574-9317-4403-A25B-38C86415A09B}" type="datetimeFigureOut">
               <a:rPr lang="zh-TW" altLang="en-US" smtClean="0"/>
-              <a:t>2022/1/5</a:t>
+              <a:t>2022/1/11</a:t>
             </a:fld>
             <a:endParaRPr lang="zh-TW" altLang="en-US"/>
           </a:p>
@@ -2365,7 +2365,7 @@
           <a:p>
             <a:fld id="{587DF574-9317-4403-A25B-38C86415A09B}" type="datetimeFigureOut">
               <a:rPr lang="zh-TW" altLang="en-US" smtClean="0"/>
-              <a:t>2022/1/5</a:t>
+              <a:t>2022/1/11</a:t>
             </a:fld>
             <a:endParaRPr lang="zh-TW" altLang="en-US"/>
           </a:p>
@@ -2578,7 +2578,7 @@
           <a:p>
             <a:fld id="{587DF574-9317-4403-A25B-38C86415A09B}" type="datetimeFigureOut">
               <a:rPr lang="zh-TW" altLang="en-US" smtClean="0"/>
-              <a:t>2022/1/5</a:t>
+              <a:t>2022/1/11</a:t>
             </a:fld>
             <a:endParaRPr lang="zh-TW" altLang="en-US"/>
           </a:p>
@@ -9855,7 +9855,7 @@
         </p:nvGrpSpPr>
         <p:grpSpPr>
           <a:xfrm>
-            <a:off x="1696211" y="2482404"/>
+            <a:off x="1604771" y="1769172"/>
             <a:ext cx="7048865" cy="3209886"/>
             <a:chOff x="1696211" y="2482404"/>
             <a:chExt cx="7048865" cy="3209886"/>

--- a/論文/模型圖繪製.pptx
+++ b/論文/模型圖繪製.pptx
@@ -20,6 +20,7 @@
     <p:sldId id="268" r:id="rId14"/>
     <p:sldId id="269" r:id="rId15"/>
     <p:sldId id="270" r:id="rId16"/>
+    <p:sldId id="271" r:id="rId17"/>
   </p:sldIdLst>
   <p:sldSz cx="12192000" cy="6858000"/>
   <p:notesSz cx="6858000" cy="9144000"/>
@@ -257,7 +258,7 @@
           <a:p>
             <a:fld id="{587DF574-9317-4403-A25B-38C86415A09B}" type="datetimeFigureOut">
               <a:rPr lang="zh-TW" altLang="en-US" smtClean="0"/>
-              <a:t>2022/1/11</a:t>
+              <a:t>2022/4/25</a:t>
             </a:fld>
             <a:endParaRPr lang="zh-TW" altLang="en-US"/>
           </a:p>
@@ -427,7 +428,7 @@
           <a:p>
             <a:fld id="{587DF574-9317-4403-A25B-38C86415A09B}" type="datetimeFigureOut">
               <a:rPr lang="zh-TW" altLang="en-US" smtClean="0"/>
-              <a:t>2022/1/11</a:t>
+              <a:t>2022/4/25</a:t>
             </a:fld>
             <a:endParaRPr lang="zh-TW" altLang="en-US"/>
           </a:p>
@@ -607,7 +608,7 @@
           <a:p>
             <a:fld id="{587DF574-9317-4403-A25B-38C86415A09B}" type="datetimeFigureOut">
               <a:rPr lang="zh-TW" altLang="en-US" smtClean="0"/>
-              <a:t>2022/1/11</a:t>
+              <a:t>2022/4/25</a:t>
             </a:fld>
             <a:endParaRPr lang="zh-TW" altLang="en-US"/>
           </a:p>
@@ -777,7 +778,7 @@
           <a:p>
             <a:fld id="{587DF574-9317-4403-A25B-38C86415A09B}" type="datetimeFigureOut">
               <a:rPr lang="zh-TW" altLang="en-US" smtClean="0"/>
-              <a:t>2022/1/11</a:t>
+              <a:t>2022/4/25</a:t>
             </a:fld>
             <a:endParaRPr lang="zh-TW" altLang="en-US"/>
           </a:p>
@@ -1023,7 +1024,7 @@
           <a:p>
             <a:fld id="{587DF574-9317-4403-A25B-38C86415A09B}" type="datetimeFigureOut">
               <a:rPr lang="zh-TW" altLang="en-US" smtClean="0"/>
-              <a:t>2022/1/11</a:t>
+              <a:t>2022/4/25</a:t>
             </a:fld>
             <a:endParaRPr lang="zh-TW" altLang="en-US"/>
           </a:p>
@@ -1255,7 +1256,7 @@
           <a:p>
             <a:fld id="{587DF574-9317-4403-A25B-38C86415A09B}" type="datetimeFigureOut">
               <a:rPr lang="zh-TW" altLang="en-US" smtClean="0"/>
-              <a:t>2022/1/11</a:t>
+              <a:t>2022/4/25</a:t>
             </a:fld>
             <a:endParaRPr lang="zh-TW" altLang="en-US"/>
           </a:p>
@@ -1622,7 +1623,7 @@
           <a:p>
             <a:fld id="{587DF574-9317-4403-A25B-38C86415A09B}" type="datetimeFigureOut">
               <a:rPr lang="zh-TW" altLang="en-US" smtClean="0"/>
-              <a:t>2022/1/11</a:t>
+              <a:t>2022/4/25</a:t>
             </a:fld>
             <a:endParaRPr lang="zh-TW" altLang="en-US"/>
           </a:p>
@@ -1740,7 +1741,7 @@
           <a:p>
             <a:fld id="{587DF574-9317-4403-A25B-38C86415A09B}" type="datetimeFigureOut">
               <a:rPr lang="zh-TW" altLang="en-US" smtClean="0"/>
-              <a:t>2022/1/11</a:t>
+              <a:t>2022/4/25</a:t>
             </a:fld>
             <a:endParaRPr lang="zh-TW" altLang="en-US"/>
           </a:p>
@@ -1835,7 +1836,7 @@
           <a:p>
             <a:fld id="{587DF574-9317-4403-A25B-38C86415A09B}" type="datetimeFigureOut">
               <a:rPr lang="zh-TW" altLang="en-US" smtClean="0"/>
-              <a:t>2022/1/11</a:t>
+              <a:t>2022/4/25</a:t>
             </a:fld>
             <a:endParaRPr lang="zh-TW" altLang="en-US"/>
           </a:p>
@@ -2112,7 +2113,7 @@
           <a:p>
             <a:fld id="{587DF574-9317-4403-A25B-38C86415A09B}" type="datetimeFigureOut">
               <a:rPr lang="zh-TW" altLang="en-US" smtClean="0"/>
-              <a:t>2022/1/11</a:t>
+              <a:t>2022/4/25</a:t>
             </a:fld>
             <a:endParaRPr lang="zh-TW" altLang="en-US"/>
           </a:p>
@@ -2365,7 +2366,7 @@
           <a:p>
             <a:fld id="{587DF574-9317-4403-A25B-38C86415A09B}" type="datetimeFigureOut">
               <a:rPr lang="zh-TW" altLang="en-US" smtClean="0"/>
-              <a:t>2022/1/11</a:t>
+              <a:t>2022/4/25</a:t>
             </a:fld>
             <a:endParaRPr lang="zh-TW" altLang="en-US"/>
           </a:p>
@@ -2578,7 +2579,7 @@
           <a:p>
             <a:fld id="{587DF574-9317-4403-A25B-38C86415A09B}" type="datetimeFigureOut">
               <a:rPr lang="zh-TW" altLang="en-US" smtClean="0"/>
-              <a:t>2022/1/11</a:t>
+              <a:t>2022/4/25</a:t>
             </a:fld>
             <a:endParaRPr lang="zh-TW" altLang="en-US"/>
           </a:p>
@@ -6551,6 +6552,644 @@
 </p:sld>
 </file>
 
+<file path=ppt/slides/slide16.xml><?xml version="1.0" encoding="utf-8"?>
+<p:sld xmlns:a="http://schemas.openxmlformats.org/drawingml/2006/main" xmlns:r="http://schemas.openxmlformats.org/officeDocument/2006/relationships" xmlns:p="http://schemas.openxmlformats.org/presentationml/2006/main">
+  <p:cSld>
+    <p:spTree>
+      <p:nvGrpSpPr>
+        <p:cNvPr id="1" name=""/>
+        <p:cNvGrpSpPr/>
+        <p:nvPr/>
+      </p:nvGrpSpPr>
+      <p:grpSpPr>
+        <a:xfrm>
+          <a:off x="0" y="0"/>
+          <a:ext cx="0" cy="0"/>
+          <a:chOff x="0" y="0"/>
+          <a:chExt cx="0" cy="0"/>
+        </a:xfrm>
+      </p:grpSpPr>
+      <p:sp>
+        <p:nvSpPr>
+          <p:cNvPr id="4" name="矩形 3"/>
+          <p:cNvSpPr/>
+          <p:nvPr/>
+        </p:nvSpPr>
+        <p:spPr>
+          <a:xfrm>
+            <a:off x="2075688" y="2779776"/>
+            <a:ext cx="2029968" cy="1042416"/>
+          </a:xfrm>
+          <a:prstGeom prst="rect">
+            <a:avLst/>
+          </a:prstGeom>
+          <a:solidFill>
+            <a:schemeClr val="bg2">
+              <a:lumMod val="90000"/>
+            </a:schemeClr>
+          </a:solidFill>
+          <a:ln>
+            <a:solidFill>
+              <a:schemeClr val="bg1">
+                <a:lumMod val="85000"/>
+              </a:schemeClr>
+            </a:solidFill>
+          </a:ln>
+        </p:spPr>
+        <p:style>
+          <a:lnRef idx="2">
+            <a:schemeClr val="accent1">
+              <a:shade val="50000"/>
+            </a:schemeClr>
+          </a:lnRef>
+          <a:fillRef idx="1">
+            <a:schemeClr val="accent1"/>
+          </a:fillRef>
+          <a:effectRef idx="0">
+            <a:schemeClr val="accent1"/>
+          </a:effectRef>
+          <a:fontRef idx="minor">
+            <a:schemeClr val="lt1"/>
+          </a:fontRef>
+        </p:style>
+        <p:txBody>
+          <a:bodyPr rtlCol="0" anchor="ctr"/>
+          <a:lstStyle/>
+          <a:p>
+            <a:pPr algn="ctr"/>
+            <a:r>
+              <a:rPr lang="en-US" altLang="zh-TW" dirty="0" smtClean="0">
+                <a:solidFill>
+                  <a:schemeClr val="tx1"/>
+                </a:solidFill>
+                <a:latin typeface="Times New Roman" panose="02020603050405020304" pitchFamily="18" charset="0"/>
+                <a:cs typeface="Times New Roman" panose="02020603050405020304" pitchFamily="18" charset="0"/>
+              </a:rPr>
+              <a:t>A</a:t>
+            </a:r>
+            <a:r>
+              <a:rPr lang="zh-TW" altLang="en-US" dirty="0" smtClean="0">
+                <a:solidFill>
+                  <a:schemeClr val="tx1"/>
+                </a:solidFill>
+                <a:latin typeface="標楷體" panose="03000509000000000000" pitchFamily="65" charset="-120"/>
+                <a:ea typeface="標楷體" panose="03000509000000000000" pitchFamily="65" charset="-120"/>
+                <a:cs typeface="Times New Roman" panose="02020603050405020304" pitchFamily="18" charset="0"/>
+              </a:rPr>
+              <a:t>領域</a:t>
+            </a:r>
+            <a:endParaRPr lang="zh-TW" altLang="en-US" dirty="0">
+              <a:solidFill>
+                <a:schemeClr val="tx1"/>
+              </a:solidFill>
+              <a:latin typeface="標楷體" panose="03000509000000000000" pitchFamily="65" charset="-120"/>
+              <a:ea typeface="標楷體" panose="03000509000000000000" pitchFamily="65" charset="-120"/>
+              <a:cs typeface="Times New Roman" panose="02020603050405020304" pitchFamily="18" charset="0"/>
+            </a:endParaRPr>
+          </a:p>
+        </p:txBody>
+      </p:sp>
+      <p:sp>
+        <p:nvSpPr>
+          <p:cNvPr id="5" name="矩形 4"/>
+          <p:cNvSpPr/>
+          <p:nvPr/>
+        </p:nvSpPr>
+        <p:spPr>
+          <a:xfrm>
+            <a:off x="5602224" y="2779776"/>
+            <a:ext cx="2029968" cy="1042416"/>
+          </a:xfrm>
+          <a:prstGeom prst="rect">
+            <a:avLst/>
+          </a:prstGeom>
+          <a:solidFill>
+            <a:schemeClr val="bg2">
+              <a:lumMod val="90000"/>
+            </a:schemeClr>
+          </a:solidFill>
+          <a:ln>
+            <a:solidFill>
+              <a:schemeClr val="bg1">
+                <a:lumMod val="85000"/>
+              </a:schemeClr>
+            </a:solidFill>
+          </a:ln>
+        </p:spPr>
+        <p:style>
+          <a:lnRef idx="2">
+            <a:schemeClr val="accent1">
+              <a:shade val="50000"/>
+            </a:schemeClr>
+          </a:lnRef>
+          <a:fillRef idx="1">
+            <a:schemeClr val="accent1"/>
+          </a:fillRef>
+          <a:effectRef idx="0">
+            <a:schemeClr val="accent1"/>
+          </a:effectRef>
+          <a:fontRef idx="minor">
+            <a:schemeClr val="lt1"/>
+          </a:fontRef>
+        </p:style>
+        <p:txBody>
+          <a:bodyPr rtlCol="0" anchor="ctr"/>
+          <a:lstStyle/>
+          <a:p>
+            <a:pPr algn="ctr"/>
+            <a:r>
+              <a:rPr lang="en-US" altLang="zh-TW" dirty="0" smtClean="0">
+                <a:solidFill>
+                  <a:schemeClr val="tx1"/>
+                </a:solidFill>
+                <a:latin typeface="Times New Roman" panose="02020603050405020304" pitchFamily="18" charset="0"/>
+                <a:cs typeface="Times New Roman" panose="02020603050405020304" pitchFamily="18" charset="0"/>
+              </a:rPr>
+              <a:t>B</a:t>
+            </a:r>
+            <a:r>
+              <a:rPr lang="zh-TW" altLang="en-US" dirty="0" smtClean="0">
+                <a:solidFill>
+                  <a:schemeClr val="tx1"/>
+                </a:solidFill>
+                <a:latin typeface="標楷體" panose="03000509000000000000" pitchFamily="65" charset="-120"/>
+                <a:ea typeface="標楷體" panose="03000509000000000000" pitchFamily="65" charset="-120"/>
+                <a:cs typeface="Times New Roman" panose="02020603050405020304" pitchFamily="18" charset="0"/>
+              </a:rPr>
+              <a:t>領域</a:t>
+            </a:r>
+            <a:endParaRPr lang="zh-TW" altLang="en-US" dirty="0">
+              <a:solidFill>
+                <a:schemeClr val="tx1"/>
+              </a:solidFill>
+              <a:latin typeface="標楷體" panose="03000509000000000000" pitchFamily="65" charset="-120"/>
+              <a:ea typeface="標楷體" panose="03000509000000000000" pitchFamily="65" charset="-120"/>
+              <a:cs typeface="Times New Roman" panose="02020603050405020304" pitchFamily="18" charset="0"/>
+            </a:endParaRPr>
+          </a:p>
+        </p:txBody>
+      </p:sp>
+      <p:cxnSp>
+        <p:nvCxnSpPr>
+          <p:cNvPr id="11" name="直線接點 10"/>
+          <p:cNvCxnSpPr>
+            <a:endCxn id="4" idx="0"/>
+          </p:cNvCxnSpPr>
+          <p:nvPr/>
+        </p:nvCxnSpPr>
+        <p:spPr>
+          <a:xfrm>
+            <a:off x="3090672" y="2093976"/>
+            <a:ext cx="0" cy="685800"/>
+          </a:xfrm>
+          <a:prstGeom prst="line">
+            <a:avLst/>
+          </a:prstGeom>
+          <a:ln>
+            <a:solidFill>
+              <a:schemeClr val="tx1"/>
+            </a:solidFill>
+          </a:ln>
+        </p:spPr>
+        <p:style>
+          <a:lnRef idx="1">
+            <a:schemeClr val="accent1"/>
+          </a:lnRef>
+          <a:fillRef idx="0">
+            <a:schemeClr val="accent1"/>
+          </a:fillRef>
+          <a:effectRef idx="0">
+            <a:schemeClr val="accent1"/>
+          </a:effectRef>
+          <a:fontRef idx="minor">
+            <a:schemeClr val="tx1"/>
+          </a:fontRef>
+        </p:style>
+      </p:cxnSp>
+      <p:cxnSp>
+        <p:nvCxnSpPr>
+          <p:cNvPr id="14" name="直線接點 13"/>
+          <p:cNvCxnSpPr/>
+          <p:nvPr/>
+        </p:nvCxnSpPr>
+        <p:spPr>
+          <a:xfrm>
+            <a:off x="3090672" y="2093976"/>
+            <a:ext cx="3526536" cy="0"/>
+          </a:xfrm>
+          <a:prstGeom prst="line">
+            <a:avLst/>
+          </a:prstGeom>
+          <a:ln>
+            <a:solidFill>
+              <a:schemeClr val="tx1"/>
+            </a:solidFill>
+          </a:ln>
+        </p:spPr>
+        <p:style>
+          <a:lnRef idx="1">
+            <a:schemeClr val="accent1"/>
+          </a:lnRef>
+          <a:fillRef idx="0">
+            <a:schemeClr val="accent1"/>
+          </a:fillRef>
+          <a:effectRef idx="0">
+            <a:schemeClr val="accent1"/>
+          </a:effectRef>
+          <a:fontRef idx="minor">
+            <a:schemeClr val="tx1"/>
+          </a:fontRef>
+        </p:style>
+      </p:cxnSp>
+      <p:cxnSp>
+        <p:nvCxnSpPr>
+          <p:cNvPr id="17" name="直線單箭頭接點 16"/>
+          <p:cNvCxnSpPr>
+            <a:endCxn id="5" idx="0"/>
+          </p:cNvCxnSpPr>
+          <p:nvPr/>
+        </p:nvCxnSpPr>
+        <p:spPr>
+          <a:xfrm>
+            <a:off x="6617208" y="2093976"/>
+            <a:ext cx="0" cy="685800"/>
+          </a:xfrm>
+          <a:prstGeom prst="straightConnector1">
+            <a:avLst/>
+          </a:prstGeom>
+          <a:ln>
+            <a:solidFill>
+              <a:schemeClr val="tx1"/>
+            </a:solidFill>
+            <a:tailEnd type="triangle"/>
+          </a:ln>
+        </p:spPr>
+        <p:style>
+          <a:lnRef idx="1">
+            <a:schemeClr val="accent1"/>
+          </a:lnRef>
+          <a:fillRef idx="0">
+            <a:schemeClr val="accent1"/>
+          </a:fillRef>
+          <a:effectRef idx="0">
+            <a:schemeClr val="accent1"/>
+          </a:effectRef>
+          <a:fontRef idx="minor">
+            <a:schemeClr val="tx1"/>
+          </a:fontRef>
+        </p:style>
+      </p:cxnSp>
+      <p:cxnSp>
+        <p:nvCxnSpPr>
+          <p:cNvPr id="22" name="直線接點 21"/>
+          <p:cNvCxnSpPr/>
+          <p:nvPr/>
+        </p:nvCxnSpPr>
+        <p:spPr>
+          <a:xfrm>
+            <a:off x="6617208" y="3822192"/>
+            <a:ext cx="0" cy="685800"/>
+          </a:xfrm>
+          <a:prstGeom prst="line">
+            <a:avLst/>
+          </a:prstGeom>
+          <a:ln>
+            <a:solidFill>
+              <a:schemeClr val="tx1"/>
+            </a:solidFill>
+          </a:ln>
+        </p:spPr>
+        <p:style>
+          <a:lnRef idx="1">
+            <a:schemeClr val="accent1"/>
+          </a:lnRef>
+          <a:fillRef idx="0">
+            <a:schemeClr val="accent1"/>
+          </a:fillRef>
+          <a:effectRef idx="0">
+            <a:schemeClr val="accent1"/>
+          </a:effectRef>
+          <a:fontRef idx="minor">
+            <a:schemeClr val="tx1"/>
+          </a:fontRef>
+        </p:style>
+      </p:cxnSp>
+      <p:cxnSp>
+        <p:nvCxnSpPr>
+          <p:cNvPr id="23" name="直線接點 22"/>
+          <p:cNvCxnSpPr/>
+          <p:nvPr/>
+        </p:nvCxnSpPr>
+        <p:spPr>
+          <a:xfrm>
+            <a:off x="3090672" y="4504944"/>
+            <a:ext cx="3526536" cy="0"/>
+          </a:xfrm>
+          <a:prstGeom prst="line">
+            <a:avLst/>
+          </a:prstGeom>
+          <a:ln>
+            <a:solidFill>
+              <a:schemeClr val="tx1"/>
+            </a:solidFill>
+          </a:ln>
+        </p:spPr>
+        <p:style>
+          <a:lnRef idx="1">
+            <a:schemeClr val="accent1"/>
+          </a:lnRef>
+          <a:fillRef idx="0">
+            <a:schemeClr val="accent1"/>
+          </a:fillRef>
+          <a:effectRef idx="0">
+            <a:schemeClr val="accent1"/>
+          </a:effectRef>
+          <a:fontRef idx="minor">
+            <a:schemeClr val="tx1"/>
+          </a:fontRef>
+        </p:style>
+      </p:cxnSp>
+      <p:cxnSp>
+        <p:nvCxnSpPr>
+          <p:cNvPr id="25" name="直線單箭頭接點 24"/>
+          <p:cNvCxnSpPr/>
+          <p:nvPr/>
+        </p:nvCxnSpPr>
+        <p:spPr>
+          <a:xfrm flipV="1">
+            <a:off x="3087624" y="3822192"/>
+            <a:ext cx="0" cy="685800"/>
+          </a:xfrm>
+          <a:prstGeom prst="straightConnector1">
+            <a:avLst/>
+          </a:prstGeom>
+          <a:ln>
+            <a:solidFill>
+              <a:schemeClr val="tx1"/>
+            </a:solidFill>
+            <a:tailEnd type="triangle"/>
+          </a:ln>
+        </p:spPr>
+        <p:style>
+          <a:lnRef idx="1">
+            <a:schemeClr val="accent1"/>
+          </a:lnRef>
+          <a:fillRef idx="0">
+            <a:schemeClr val="accent1"/>
+          </a:fillRef>
+          <a:effectRef idx="0">
+            <a:schemeClr val="accent1"/>
+          </a:effectRef>
+          <a:fontRef idx="minor">
+            <a:schemeClr val="tx1"/>
+          </a:fontRef>
+        </p:style>
+      </p:cxnSp>
+      <p:cxnSp>
+        <p:nvCxnSpPr>
+          <p:cNvPr id="28" name="直線單箭頭接點 27"/>
+          <p:cNvCxnSpPr/>
+          <p:nvPr/>
+        </p:nvCxnSpPr>
+        <p:spPr>
+          <a:xfrm flipV="1">
+            <a:off x="2304288" y="1545336"/>
+            <a:ext cx="0" cy="1234440"/>
+          </a:xfrm>
+          <a:prstGeom prst="straightConnector1">
+            <a:avLst/>
+          </a:prstGeom>
+          <a:ln>
+            <a:solidFill>
+              <a:schemeClr val="tx1"/>
+            </a:solidFill>
+            <a:tailEnd type="triangle"/>
+          </a:ln>
+        </p:spPr>
+        <p:style>
+          <a:lnRef idx="1">
+            <a:schemeClr val="accent1"/>
+          </a:lnRef>
+          <a:fillRef idx="0">
+            <a:schemeClr val="accent1"/>
+          </a:fillRef>
+          <a:effectRef idx="0">
+            <a:schemeClr val="accent1"/>
+          </a:effectRef>
+          <a:fontRef idx="minor">
+            <a:schemeClr val="tx1"/>
+          </a:fontRef>
+        </p:style>
+      </p:cxnSp>
+      <p:sp>
+        <p:nvSpPr>
+          <p:cNvPr id="30" name="橢圓 29"/>
+          <p:cNvSpPr/>
+          <p:nvPr/>
+        </p:nvSpPr>
+        <p:spPr>
+          <a:xfrm>
+            <a:off x="1634490" y="384048"/>
+            <a:ext cx="1339596" cy="1161288"/>
+          </a:xfrm>
+          <a:prstGeom prst="ellipse">
+            <a:avLst/>
+          </a:prstGeom>
+          <a:solidFill>
+            <a:schemeClr val="bg2">
+              <a:lumMod val="90000"/>
+            </a:schemeClr>
+          </a:solidFill>
+          <a:ln>
+            <a:solidFill>
+              <a:schemeClr val="bg2">
+                <a:lumMod val="90000"/>
+              </a:schemeClr>
+            </a:solidFill>
+          </a:ln>
+        </p:spPr>
+        <p:style>
+          <a:lnRef idx="2">
+            <a:schemeClr val="accent1">
+              <a:shade val="50000"/>
+            </a:schemeClr>
+          </a:lnRef>
+          <a:fillRef idx="1">
+            <a:schemeClr val="accent1"/>
+          </a:fillRef>
+          <a:effectRef idx="0">
+            <a:schemeClr val="accent1"/>
+          </a:effectRef>
+          <a:fontRef idx="minor">
+            <a:schemeClr val="lt1"/>
+          </a:fontRef>
+        </p:style>
+        <p:txBody>
+          <a:bodyPr rtlCol="0" anchor="ctr"/>
+          <a:lstStyle/>
+          <a:p>
+            <a:pPr algn="ctr"/>
+            <a:r>
+              <a:rPr lang="zh-TW" altLang="en-US" sz="1600" dirty="0" smtClean="0">
+                <a:solidFill>
+                  <a:schemeClr val="tx1"/>
+                </a:solidFill>
+                <a:latin typeface="標楷體" panose="03000509000000000000" pitchFamily="65" charset="-120"/>
+                <a:ea typeface="標楷體" panose="03000509000000000000" pitchFamily="65" charset="-120"/>
+              </a:rPr>
+              <a:t>判別器</a:t>
+            </a:r>
+            <a:r>
+              <a:rPr lang="en-US" altLang="zh-TW" sz="1600" dirty="0" smtClean="0">
+                <a:solidFill>
+                  <a:schemeClr val="tx1"/>
+                </a:solidFill>
+                <a:latin typeface="Times New Roman" panose="02020603050405020304" pitchFamily="18" charset="0"/>
+                <a:ea typeface="標楷體" panose="03000509000000000000" pitchFamily="65" charset="-120"/>
+                <a:cs typeface="Times New Roman" panose="02020603050405020304" pitchFamily="18" charset="0"/>
+              </a:rPr>
+              <a:t>A</a:t>
+            </a:r>
+            <a:endParaRPr lang="zh-TW" altLang="en-US" sz="1600" dirty="0">
+              <a:solidFill>
+                <a:schemeClr val="tx1"/>
+              </a:solidFill>
+              <a:latin typeface="Times New Roman" panose="02020603050405020304" pitchFamily="18" charset="0"/>
+              <a:ea typeface="標楷體" panose="03000509000000000000" pitchFamily="65" charset="-120"/>
+              <a:cs typeface="Times New Roman" panose="02020603050405020304" pitchFamily="18" charset="0"/>
+            </a:endParaRPr>
+          </a:p>
+        </p:txBody>
+      </p:sp>
+      <p:sp>
+        <p:nvSpPr>
+          <p:cNvPr id="31" name="橢圓 30"/>
+          <p:cNvSpPr/>
+          <p:nvPr/>
+        </p:nvSpPr>
+        <p:spPr>
+          <a:xfrm>
+            <a:off x="6596634" y="347472"/>
+            <a:ext cx="1339596" cy="1161288"/>
+          </a:xfrm>
+          <a:prstGeom prst="ellipse">
+            <a:avLst/>
+          </a:prstGeom>
+          <a:solidFill>
+            <a:schemeClr val="bg2">
+              <a:lumMod val="90000"/>
+            </a:schemeClr>
+          </a:solidFill>
+          <a:ln>
+            <a:solidFill>
+              <a:schemeClr val="bg2">
+                <a:lumMod val="90000"/>
+              </a:schemeClr>
+            </a:solidFill>
+          </a:ln>
+        </p:spPr>
+        <p:style>
+          <a:lnRef idx="2">
+            <a:schemeClr val="accent1">
+              <a:shade val="50000"/>
+            </a:schemeClr>
+          </a:lnRef>
+          <a:fillRef idx="1">
+            <a:schemeClr val="accent1"/>
+          </a:fillRef>
+          <a:effectRef idx="0">
+            <a:schemeClr val="accent1"/>
+          </a:effectRef>
+          <a:fontRef idx="minor">
+            <a:schemeClr val="lt1"/>
+          </a:fontRef>
+        </p:style>
+        <p:txBody>
+          <a:bodyPr rtlCol="0" anchor="ctr"/>
+          <a:lstStyle/>
+          <a:p>
+            <a:pPr algn="ctr"/>
+            <a:r>
+              <a:rPr lang="zh-TW" altLang="en-US" sz="1600" dirty="0" smtClean="0">
+                <a:solidFill>
+                  <a:schemeClr val="tx1"/>
+                </a:solidFill>
+                <a:latin typeface="標楷體" panose="03000509000000000000" pitchFamily="65" charset="-120"/>
+                <a:ea typeface="標楷體" panose="03000509000000000000" pitchFamily="65" charset="-120"/>
+              </a:rPr>
+              <a:t>判別器</a:t>
+            </a:r>
+            <a:r>
+              <a:rPr lang="en-US" altLang="zh-TW" sz="1600" dirty="0">
+                <a:solidFill>
+                  <a:schemeClr val="tx1"/>
+                </a:solidFill>
+                <a:latin typeface="Times New Roman" panose="02020603050405020304" pitchFamily="18" charset="0"/>
+                <a:ea typeface="標楷體" panose="03000509000000000000" pitchFamily="65" charset="-120"/>
+                <a:cs typeface="Times New Roman" panose="02020603050405020304" pitchFamily="18" charset="0"/>
+              </a:rPr>
+              <a:t>B</a:t>
+            </a:r>
+            <a:endParaRPr lang="zh-TW" altLang="en-US" sz="1600" dirty="0">
+              <a:solidFill>
+                <a:schemeClr val="tx1"/>
+              </a:solidFill>
+              <a:latin typeface="Times New Roman" panose="02020603050405020304" pitchFamily="18" charset="0"/>
+              <a:ea typeface="標楷體" panose="03000509000000000000" pitchFamily="65" charset="-120"/>
+              <a:cs typeface="Times New Roman" panose="02020603050405020304" pitchFamily="18" charset="0"/>
+            </a:endParaRPr>
+          </a:p>
+        </p:txBody>
+      </p:sp>
+      <p:cxnSp>
+        <p:nvCxnSpPr>
+          <p:cNvPr id="32" name="直線單箭頭接點 31"/>
+          <p:cNvCxnSpPr/>
+          <p:nvPr/>
+        </p:nvCxnSpPr>
+        <p:spPr>
+          <a:xfrm flipV="1">
+            <a:off x="7266432" y="1545336"/>
+            <a:ext cx="0" cy="1234440"/>
+          </a:xfrm>
+          <a:prstGeom prst="straightConnector1">
+            <a:avLst/>
+          </a:prstGeom>
+          <a:ln>
+            <a:solidFill>
+              <a:schemeClr val="tx1"/>
+            </a:solidFill>
+            <a:tailEnd type="triangle"/>
+          </a:ln>
+        </p:spPr>
+        <p:style>
+          <a:lnRef idx="1">
+            <a:schemeClr val="accent1"/>
+          </a:lnRef>
+          <a:fillRef idx="0">
+            <a:schemeClr val="accent1"/>
+          </a:fillRef>
+          <a:effectRef idx="0">
+            <a:schemeClr val="accent1"/>
+          </a:effectRef>
+          <a:fontRef idx="minor">
+            <a:schemeClr val="tx1"/>
+          </a:fontRef>
+        </p:style>
+      </p:cxnSp>
+    </p:spTree>
+    <p:extLst>
+      <p:ext uri="{BB962C8B-B14F-4D97-AF65-F5344CB8AC3E}">
+        <p14:creationId xmlns:p14="http://schemas.microsoft.com/office/powerpoint/2010/main" val="3253133079"/>
+      </p:ext>
+    </p:extLst>
+  </p:cSld>
+  <p:clrMapOvr>
+    <a:masterClrMapping/>
+  </p:clrMapOvr>
+</p:sld>
+</file>
+
 <file path=ppt/slides/slide2.xml><?xml version="1.0" encoding="utf-8"?>
 <p:sld xmlns:a="http://schemas.openxmlformats.org/drawingml/2006/main" xmlns:r="http://schemas.openxmlformats.org/officeDocument/2006/relationships" xmlns:p="http://schemas.openxmlformats.org/presentationml/2006/main">
   <p:cSld>
@@ -11047,589 +11686,27 @@
       </p:grpSpPr>
       <p:grpSp>
         <p:nvGrpSpPr>
-          <p:cNvPr id="2" name="群組 1"/>
+          <p:cNvPr id="55" name="群組 54"/>
           <p:cNvGrpSpPr/>
           <p:nvPr/>
         </p:nvGrpSpPr>
         <p:grpSpPr>
           <a:xfrm>
             <a:off x="2383278" y="2305455"/>
-            <a:ext cx="4617395" cy="3835940"/>
+            <a:ext cx="4617395" cy="2350851"/>
             <a:chOff x="2383278" y="2305455"/>
-            <a:chExt cx="4617395" cy="3835940"/>
+            <a:chExt cx="4617395" cy="2350851"/>
           </a:xfrm>
         </p:grpSpPr>
-        <p:grpSp>
-          <p:nvGrpSpPr>
-            <p:cNvPr id="55" name="群組 54"/>
-            <p:cNvGrpSpPr/>
-            <p:nvPr/>
-          </p:nvGrpSpPr>
-          <p:grpSpPr>
-            <a:xfrm>
-              <a:off x="2383278" y="2305455"/>
-              <a:ext cx="4617395" cy="2350851"/>
-              <a:chOff x="2383278" y="2305455"/>
-              <a:chExt cx="4617395" cy="2350851"/>
-            </a:xfrm>
-          </p:grpSpPr>
-          <p:sp>
-            <p:nvSpPr>
-              <p:cNvPr id="3" name="圓角矩形 2"/>
-              <p:cNvSpPr/>
-              <p:nvPr/>
-            </p:nvSpPr>
-            <p:spPr>
-              <a:xfrm>
-                <a:off x="2383278" y="2305455"/>
-                <a:ext cx="1585608" cy="865762"/>
-              </a:xfrm>
-              <a:prstGeom prst="roundRect">
-                <a:avLst/>
-              </a:prstGeom>
-              <a:solidFill>
-                <a:schemeClr val="bg1"/>
-              </a:solidFill>
-              <a:ln>
-                <a:solidFill>
-                  <a:schemeClr val="tx1"/>
-                </a:solidFill>
-              </a:ln>
-            </p:spPr>
-            <p:style>
-              <a:lnRef idx="2">
-                <a:schemeClr val="accent1">
-                  <a:shade val="50000"/>
-                </a:schemeClr>
-              </a:lnRef>
-              <a:fillRef idx="1">
-                <a:schemeClr val="accent1"/>
-              </a:fillRef>
-              <a:effectRef idx="0">
-                <a:schemeClr val="accent1"/>
-              </a:effectRef>
-              <a:fontRef idx="minor">
-                <a:schemeClr val="lt1"/>
-              </a:fontRef>
-            </p:style>
-            <p:txBody>
-              <a:bodyPr rtlCol="0" anchor="ctr"/>
-              <a:lstStyle/>
-              <a:p>
-                <a:pPr algn="ctr"/>
-                <a:r>
-                  <a:rPr lang="zh-TW" altLang="en-US" sz="1600" dirty="0" smtClean="0">
-                    <a:solidFill>
-                      <a:schemeClr val="tx1"/>
-                    </a:solidFill>
-                    <a:latin typeface="Times New Roman" panose="02020603050405020304" pitchFamily="18" charset="0"/>
-                    <a:ea typeface="標楷體" panose="03000509000000000000" pitchFamily="65" charset="-120"/>
-                  </a:rPr>
-                  <a:t>資料蒐集</a:t>
-                </a:r>
-                <a:endParaRPr lang="zh-TW" altLang="en-US" sz="1600" dirty="0">
-                  <a:solidFill>
-                    <a:schemeClr val="tx1"/>
-                  </a:solidFill>
-                  <a:latin typeface="Times New Roman" panose="02020603050405020304" pitchFamily="18" charset="0"/>
-                  <a:ea typeface="標楷體" panose="03000509000000000000" pitchFamily="65" charset="-120"/>
-                </a:endParaRPr>
-              </a:p>
-            </p:txBody>
-          </p:sp>
-          <p:sp>
-            <p:nvSpPr>
-              <p:cNvPr id="34" name="圓角矩形 33"/>
-              <p:cNvSpPr/>
-              <p:nvPr/>
-            </p:nvSpPr>
-            <p:spPr>
-              <a:xfrm>
-                <a:off x="5415065" y="2305455"/>
-                <a:ext cx="1585608" cy="865762"/>
-              </a:xfrm>
-              <a:prstGeom prst="roundRect">
-                <a:avLst/>
-              </a:prstGeom>
-              <a:solidFill>
-                <a:schemeClr val="bg1"/>
-              </a:solidFill>
-              <a:ln>
-                <a:solidFill>
-                  <a:schemeClr val="tx1"/>
-                </a:solidFill>
-              </a:ln>
-            </p:spPr>
-            <p:style>
-              <a:lnRef idx="2">
-                <a:schemeClr val="accent1">
-                  <a:shade val="50000"/>
-                </a:schemeClr>
-              </a:lnRef>
-              <a:fillRef idx="1">
-                <a:schemeClr val="accent1"/>
-              </a:fillRef>
-              <a:effectRef idx="0">
-                <a:schemeClr val="accent1"/>
-              </a:effectRef>
-              <a:fontRef idx="minor">
-                <a:schemeClr val="lt1"/>
-              </a:fontRef>
-            </p:style>
-            <p:txBody>
-              <a:bodyPr rtlCol="0" anchor="ctr"/>
-              <a:lstStyle/>
-              <a:p>
-                <a:pPr algn="ctr"/>
-                <a:r>
-                  <a:rPr lang="zh-TW" altLang="en-US" sz="1600" dirty="0" smtClean="0">
-                    <a:solidFill>
-                      <a:schemeClr val="tx1"/>
-                    </a:solidFill>
-                    <a:latin typeface="Times New Roman" panose="02020603050405020304" pitchFamily="18" charset="0"/>
-                    <a:ea typeface="標楷體" panose="03000509000000000000" pitchFamily="65" charset="-120"/>
-                  </a:rPr>
-                  <a:t>語義分割</a:t>
-                </a:r>
-                <a:endParaRPr lang="zh-TW" altLang="en-US" sz="1600" dirty="0">
-                  <a:solidFill>
-                    <a:schemeClr val="tx1"/>
-                  </a:solidFill>
-                  <a:latin typeface="Times New Roman" panose="02020603050405020304" pitchFamily="18" charset="0"/>
-                  <a:ea typeface="標楷體" panose="03000509000000000000" pitchFamily="65" charset="-120"/>
-                </a:endParaRPr>
-              </a:p>
-            </p:txBody>
-          </p:sp>
-          <p:sp>
-            <p:nvSpPr>
-              <p:cNvPr id="35" name="圓角矩形 34"/>
-              <p:cNvSpPr/>
-              <p:nvPr/>
-            </p:nvSpPr>
-            <p:spPr>
-              <a:xfrm>
-                <a:off x="2383278" y="3790544"/>
-                <a:ext cx="1585608" cy="865762"/>
-              </a:xfrm>
-              <a:prstGeom prst="roundRect">
-                <a:avLst/>
-              </a:prstGeom>
-              <a:solidFill>
-                <a:schemeClr val="bg1"/>
-              </a:solidFill>
-              <a:ln>
-                <a:solidFill>
-                  <a:schemeClr val="tx1"/>
-                </a:solidFill>
-              </a:ln>
-            </p:spPr>
-            <p:style>
-              <a:lnRef idx="2">
-                <a:schemeClr val="accent1">
-                  <a:shade val="50000"/>
-                </a:schemeClr>
-              </a:lnRef>
-              <a:fillRef idx="1">
-                <a:schemeClr val="accent1"/>
-              </a:fillRef>
-              <a:effectRef idx="0">
-                <a:schemeClr val="accent1"/>
-              </a:effectRef>
-              <a:fontRef idx="minor">
-                <a:schemeClr val="lt1"/>
-              </a:fontRef>
-            </p:style>
-            <p:txBody>
-              <a:bodyPr rtlCol="0" anchor="ctr"/>
-              <a:lstStyle/>
-              <a:p>
-                <a:pPr algn="ctr"/>
-                <a:r>
-                  <a:rPr lang="zh-TW" altLang="en-US" sz="1600" dirty="0">
-                    <a:solidFill>
-                      <a:schemeClr val="tx1"/>
-                    </a:solidFill>
-                    <a:latin typeface="Times New Roman" panose="02020603050405020304" pitchFamily="18" charset="0"/>
-                    <a:ea typeface="標楷體" panose="03000509000000000000" pitchFamily="65" charset="-120"/>
-                  </a:rPr>
-                  <a:t>圖像</a:t>
-                </a:r>
-                <a:r>
-                  <a:rPr lang="zh-TW" altLang="en-US" sz="1600" dirty="0" smtClean="0">
-                    <a:solidFill>
-                      <a:schemeClr val="tx1"/>
-                    </a:solidFill>
-                    <a:latin typeface="Times New Roman" panose="02020603050405020304" pitchFamily="18" charset="0"/>
-                    <a:ea typeface="標楷體" panose="03000509000000000000" pitchFamily="65" charset="-120"/>
-                  </a:rPr>
-                  <a:t>轉換</a:t>
-                </a:r>
-                <a:endParaRPr lang="en-US" altLang="zh-TW" sz="1600" dirty="0" smtClean="0">
-                  <a:solidFill>
-                    <a:schemeClr val="tx1"/>
-                  </a:solidFill>
-                  <a:latin typeface="Times New Roman" panose="02020603050405020304" pitchFamily="18" charset="0"/>
-                  <a:ea typeface="標楷體" panose="03000509000000000000" pitchFamily="65" charset="-120"/>
-                </a:endParaRPr>
-              </a:p>
-              <a:p>
-                <a:pPr algn="ctr"/>
-                <a:r>
-                  <a:rPr lang="en-US" altLang="zh-TW" sz="1600" dirty="0" smtClean="0">
-                    <a:solidFill>
-                      <a:schemeClr val="tx1"/>
-                    </a:solidFill>
-                    <a:latin typeface="Times New Roman" panose="02020603050405020304" pitchFamily="18" charset="0"/>
-                    <a:ea typeface="標楷體" panose="03000509000000000000" pitchFamily="65" charset="-120"/>
-                  </a:rPr>
-                  <a:t>(Pix2pix)</a:t>
-                </a:r>
-                <a:endParaRPr lang="zh-TW" altLang="en-US" sz="1600" dirty="0">
-                  <a:solidFill>
-                    <a:schemeClr val="tx1"/>
-                  </a:solidFill>
-                  <a:latin typeface="Times New Roman" panose="02020603050405020304" pitchFamily="18" charset="0"/>
-                  <a:ea typeface="標楷體" panose="03000509000000000000" pitchFamily="65" charset="-120"/>
-                </a:endParaRPr>
-              </a:p>
-            </p:txBody>
-          </p:sp>
-          <p:sp>
-            <p:nvSpPr>
-              <p:cNvPr id="36" name="圓角矩形 35"/>
-              <p:cNvSpPr/>
-              <p:nvPr/>
-            </p:nvSpPr>
-            <p:spPr>
-              <a:xfrm>
-                <a:off x="5415065" y="3790544"/>
-                <a:ext cx="1585608" cy="865762"/>
-              </a:xfrm>
-              <a:prstGeom prst="roundRect">
-                <a:avLst/>
-              </a:prstGeom>
-              <a:solidFill>
-                <a:schemeClr val="bg1"/>
-              </a:solidFill>
-              <a:ln>
-                <a:solidFill>
-                  <a:schemeClr val="tx1"/>
-                </a:solidFill>
-              </a:ln>
-            </p:spPr>
-            <p:style>
-              <a:lnRef idx="2">
-                <a:schemeClr val="accent1">
-                  <a:shade val="50000"/>
-                </a:schemeClr>
-              </a:lnRef>
-              <a:fillRef idx="1">
-                <a:schemeClr val="accent1"/>
-              </a:fillRef>
-              <a:effectRef idx="0">
-                <a:schemeClr val="accent1"/>
-              </a:effectRef>
-              <a:fontRef idx="minor">
-                <a:schemeClr val="lt1"/>
-              </a:fontRef>
-            </p:style>
-            <p:txBody>
-              <a:bodyPr rtlCol="0" anchor="ctr"/>
-              <a:lstStyle/>
-              <a:p>
-                <a:pPr algn="ctr"/>
-                <a:r>
-                  <a:rPr lang="zh-TW" altLang="en-US" sz="1600" dirty="0" smtClean="0">
-                    <a:solidFill>
-                      <a:schemeClr val="tx1"/>
-                    </a:solidFill>
-                    <a:latin typeface="Times New Roman" panose="02020603050405020304" pitchFamily="18" charset="0"/>
-                    <a:ea typeface="標楷體" panose="03000509000000000000" pitchFamily="65" charset="-120"/>
-                  </a:rPr>
-                  <a:t>影像濾波層</a:t>
-                </a:r>
-                <a:endParaRPr lang="zh-TW" altLang="en-US" sz="1600" dirty="0">
-                  <a:solidFill>
-                    <a:schemeClr val="tx1"/>
-                  </a:solidFill>
-                  <a:latin typeface="Times New Roman" panose="02020603050405020304" pitchFamily="18" charset="0"/>
-                  <a:ea typeface="標楷體" panose="03000509000000000000" pitchFamily="65" charset="-120"/>
-                </a:endParaRPr>
-              </a:p>
-            </p:txBody>
-          </p:sp>
-          <p:cxnSp>
-            <p:nvCxnSpPr>
-              <p:cNvPr id="5" name="直線單箭頭接點 4"/>
-              <p:cNvCxnSpPr>
-                <a:stCxn id="3" idx="2"/>
-                <a:endCxn id="35" idx="0"/>
-              </p:cNvCxnSpPr>
-              <p:nvPr/>
-            </p:nvCxnSpPr>
-            <p:spPr>
-              <a:xfrm>
-                <a:off x="3176082" y="3171217"/>
-                <a:ext cx="0" cy="619327"/>
-              </a:xfrm>
-              <a:prstGeom prst="straightConnector1">
-                <a:avLst/>
-              </a:prstGeom>
-              <a:ln>
-                <a:solidFill>
-                  <a:schemeClr val="tx1"/>
-                </a:solidFill>
-                <a:tailEnd type="triangle"/>
-              </a:ln>
-            </p:spPr>
-            <p:style>
-              <a:lnRef idx="1">
-                <a:schemeClr val="accent1"/>
-              </a:lnRef>
-              <a:fillRef idx="0">
-                <a:schemeClr val="accent1"/>
-              </a:fillRef>
-              <a:effectRef idx="0">
-                <a:schemeClr val="accent1"/>
-              </a:effectRef>
-              <a:fontRef idx="minor">
-                <a:schemeClr val="tx1"/>
-              </a:fontRef>
-            </p:style>
-          </p:cxnSp>
-          <p:cxnSp>
-            <p:nvCxnSpPr>
-              <p:cNvPr id="8" name="直線單箭頭接點 7"/>
-              <p:cNvCxnSpPr>
-                <a:stCxn id="3" idx="3"/>
-                <a:endCxn id="34" idx="1"/>
-              </p:cNvCxnSpPr>
-              <p:nvPr/>
-            </p:nvCxnSpPr>
-            <p:spPr>
-              <a:xfrm>
-                <a:off x="3968886" y="2738336"/>
-                <a:ext cx="1446179" cy="0"/>
-              </a:xfrm>
-              <a:prstGeom prst="straightConnector1">
-                <a:avLst/>
-              </a:prstGeom>
-              <a:ln>
-                <a:solidFill>
-                  <a:schemeClr val="tx1"/>
-                </a:solidFill>
-                <a:tailEnd type="triangle"/>
-              </a:ln>
-            </p:spPr>
-            <p:style>
-              <a:lnRef idx="1">
-                <a:schemeClr val="accent1"/>
-              </a:lnRef>
-              <a:fillRef idx="0">
-                <a:schemeClr val="accent1"/>
-              </a:fillRef>
-              <a:effectRef idx="0">
-                <a:schemeClr val="accent1"/>
-              </a:effectRef>
-              <a:fontRef idx="minor">
-                <a:schemeClr val="tx1"/>
-              </a:fontRef>
-            </p:style>
-          </p:cxnSp>
-          <p:cxnSp>
-            <p:nvCxnSpPr>
-              <p:cNvPr id="11" name="直線單箭頭接點 10"/>
-              <p:cNvCxnSpPr>
-                <a:stCxn id="36" idx="1"/>
-                <a:endCxn id="35" idx="3"/>
-              </p:cNvCxnSpPr>
-              <p:nvPr/>
-            </p:nvCxnSpPr>
-            <p:spPr>
-              <a:xfrm flipH="1">
-                <a:off x="3968886" y="4223425"/>
-                <a:ext cx="1446179" cy="0"/>
-              </a:xfrm>
-              <a:prstGeom prst="straightConnector1">
-                <a:avLst/>
-              </a:prstGeom>
-              <a:ln>
-                <a:solidFill>
-                  <a:schemeClr val="tx1"/>
-                </a:solidFill>
-                <a:tailEnd type="triangle"/>
-              </a:ln>
-            </p:spPr>
-            <p:style>
-              <a:lnRef idx="1">
-                <a:schemeClr val="accent1"/>
-              </a:lnRef>
-              <a:fillRef idx="0">
-                <a:schemeClr val="accent1"/>
-              </a:fillRef>
-              <a:effectRef idx="0">
-                <a:schemeClr val="accent1"/>
-              </a:effectRef>
-              <a:fontRef idx="minor">
-                <a:schemeClr val="tx1"/>
-              </a:fontRef>
-            </p:style>
-          </p:cxnSp>
-          <p:cxnSp>
-            <p:nvCxnSpPr>
-              <p:cNvPr id="42" name="直線接點 41"/>
-              <p:cNvCxnSpPr>
-                <a:stCxn id="34" idx="2"/>
-              </p:cNvCxnSpPr>
-              <p:nvPr/>
-            </p:nvCxnSpPr>
-            <p:spPr>
-              <a:xfrm>
-                <a:off x="6207869" y="3171217"/>
-                <a:ext cx="0" cy="309663"/>
-              </a:xfrm>
-              <a:prstGeom prst="line">
-                <a:avLst/>
-              </a:prstGeom>
-              <a:ln>
-                <a:solidFill>
-                  <a:schemeClr val="tx1"/>
-                </a:solidFill>
-              </a:ln>
-            </p:spPr>
-            <p:style>
-              <a:lnRef idx="1">
-                <a:schemeClr val="accent1"/>
-              </a:lnRef>
-              <a:fillRef idx="0">
-                <a:schemeClr val="accent1"/>
-              </a:fillRef>
-              <a:effectRef idx="0">
-                <a:schemeClr val="accent1"/>
-              </a:effectRef>
-              <a:fontRef idx="minor">
-                <a:schemeClr val="tx1"/>
-              </a:fontRef>
-            </p:style>
-          </p:cxnSp>
-          <p:cxnSp>
-            <p:nvCxnSpPr>
-              <p:cNvPr id="49" name="直線接點 48"/>
-              <p:cNvCxnSpPr/>
-              <p:nvPr/>
-            </p:nvCxnSpPr>
-            <p:spPr>
-              <a:xfrm flipH="1">
-                <a:off x="3511687" y="3480880"/>
-                <a:ext cx="2696182" cy="0"/>
-              </a:xfrm>
-              <a:prstGeom prst="line">
-                <a:avLst/>
-              </a:prstGeom>
-              <a:ln>
-                <a:solidFill>
-                  <a:schemeClr val="tx1"/>
-                </a:solidFill>
-              </a:ln>
-            </p:spPr>
-            <p:style>
-              <a:lnRef idx="1">
-                <a:schemeClr val="accent1"/>
-              </a:lnRef>
-              <a:fillRef idx="0">
-                <a:schemeClr val="accent1"/>
-              </a:fillRef>
-              <a:effectRef idx="0">
-                <a:schemeClr val="accent1"/>
-              </a:effectRef>
-              <a:fontRef idx="minor">
-                <a:schemeClr val="tx1"/>
-              </a:fontRef>
-            </p:style>
-          </p:cxnSp>
-          <p:cxnSp>
-            <p:nvCxnSpPr>
-              <p:cNvPr id="52" name="直線單箭頭接點 51"/>
-              <p:cNvCxnSpPr/>
-              <p:nvPr/>
-            </p:nvCxnSpPr>
-            <p:spPr>
-              <a:xfrm flipH="1">
-                <a:off x="3511686" y="3480880"/>
-                <a:ext cx="1" cy="309664"/>
-              </a:xfrm>
-              <a:prstGeom prst="straightConnector1">
-                <a:avLst/>
-              </a:prstGeom>
-              <a:ln>
-                <a:solidFill>
-                  <a:schemeClr val="tx1"/>
-                </a:solidFill>
-                <a:tailEnd type="triangle"/>
-              </a:ln>
-            </p:spPr>
-            <p:style>
-              <a:lnRef idx="1">
-                <a:schemeClr val="accent1"/>
-              </a:lnRef>
-              <a:fillRef idx="0">
-                <a:schemeClr val="accent1"/>
-              </a:fillRef>
-              <a:effectRef idx="0">
-                <a:schemeClr val="accent1"/>
-              </a:effectRef>
-              <a:fontRef idx="minor">
-                <a:schemeClr val="tx1"/>
-              </a:fontRef>
-            </p:style>
-          </p:cxnSp>
-        </p:grpSp>
-        <p:cxnSp>
-          <p:nvCxnSpPr>
-            <p:cNvPr id="13" name="直線單箭頭接點 12"/>
-            <p:cNvCxnSpPr/>
-            <p:nvPr/>
-          </p:nvCxnSpPr>
-          <p:spPr>
-            <a:xfrm>
-              <a:off x="3176082" y="4656306"/>
-              <a:ext cx="0" cy="619327"/>
-            </a:xfrm>
-            <a:prstGeom prst="straightConnector1">
-              <a:avLst/>
-            </a:prstGeom>
-            <a:ln>
-              <a:solidFill>
-                <a:schemeClr val="tx1"/>
-              </a:solidFill>
-              <a:tailEnd type="triangle"/>
-            </a:ln>
-          </p:spPr>
-          <p:style>
-            <a:lnRef idx="1">
-              <a:schemeClr val="accent1"/>
-            </a:lnRef>
-            <a:fillRef idx="0">
-              <a:schemeClr val="accent1"/>
-            </a:fillRef>
-            <a:effectRef idx="0">
-              <a:schemeClr val="accent1"/>
-            </a:effectRef>
-            <a:fontRef idx="minor">
-              <a:schemeClr val="tx1"/>
-            </a:fontRef>
-          </p:style>
-        </p:cxnSp>
         <p:sp>
           <p:nvSpPr>
-            <p:cNvPr id="14" name="圓角矩形 13"/>
+            <p:cNvPr id="3" name="圓角矩形 2"/>
             <p:cNvSpPr/>
             <p:nvPr/>
           </p:nvSpPr>
           <p:spPr>
             <a:xfrm>
-              <a:off x="2383278" y="5275633"/>
+              <a:off x="2383278" y="2305455"/>
               <a:ext cx="1585608" cy="865762"/>
             </a:xfrm>
             <a:prstGeom prst="roundRect">
@@ -11667,6 +11744,278 @@
               <a:pPr algn="ctr"/>
               <a:r>
                 <a:rPr lang="zh-TW" altLang="en-US" sz="1600" dirty="0" smtClean="0">
+                  <a:solidFill>
+                    <a:schemeClr val="tx1"/>
+                  </a:solidFill>
+                  <a:latin typeface="Times New Roman" panose="02020603050405020304" pitchFamily="18" charset="0"/>
+                  <a:ea typeface="標楷體" panose="03000509000000000000" pitchFamily="65" charset="-120"/>
+                </a:rPr>
+                <a:t>資料蒐集</a:t>
+              </a:r>
+              <a:endParaRPr lang="zh-TW" altLang="en-US" sz="1600" dirty="0">
+                <a:solidFill>
+                  <a:schemeClr val="tx1"/>
+                </a:solidFill>
+                <a:latin typeface="Times New Roman" panose="02020603050405020304" pitchFamily="18" charset="0"/>
+                <a:ea typeface="標楷體" panose="03000509000000000000" pitchFamily="65" charset="-120"/>
+              </a:endParaRPr>
+            </a:p>
+          </p:txBody>
+        </p:sp>
+        <p:sp>
+          <p:nvSpPr>
+            <p:cNvPr id="34" name="圓角矩形 33"/>
+            <p:cNvSpPr/>
+            <p:nvPr/>
+          </p:nvSpPr>
+          <p:spPr>
+            <a:xfrm>
+              <a:off x="5415065" y="2305455"/>
+              <a:ext cx="1585608" cy="865762"/>
+            </a:xfrm>
+            <a:prstGeom prst="roundRect">
+              <a:avLst/>
+            </a:prstGeom>
+            <a:solidFill>
+              <a:schemeClr val="bg1"/>
+            </a:solidFill>
+            <a:ln>
+              <a:solidFill>
+                <a:schemeClr val="tx1"/>
+              </a:solidFill>
+            </a:ln>
+          </p:spPr>
+          <p:style>
+            <a:lnRef idx="2">
+              <a:schemeClr val="accent1">
+                <a:shade val="50000"/>
+              </a:schemeClr>
+            </a:lnRef>
+            <a:fillRef idx="1">
+              <a:schemeClr val="accent1"/>
+            </a:fillRef>
+            <a:effectRef idx="0">
+              <a:schemeClr val="accent1"/>
+            </a:effectRef>
+            <a:fontRef idx="minor">
+              <a:schemeClr val="lt1"/>
+            </a:fontRef>
+          </p:style>
+          <p:txBody>
+            <a:bodyPr rtlCol="0" anchor="ctr"/>
+            <a:lstStyle/>
+            <a:p>
+              <a:pPr algn="ctr"/>
+              <a:r>
+                <a:rPr lang="zh-TW" altLang="en-US" sz="1600" dirty="0">
+                  <a:solidFill>
+                    <a:schemeClr val="tx1"/>
+                  </a:solidFill>
+                  <a:latin typeface="Times New Roman" panose="02020603050405020304" pitchFamily="18" charset="0"/>
+                  <a:ea typeface="標楷體" panose="03000509000000000000" pitchFamily="65" charset="-120"/>
+                </a:rPr>
+                <a:t>風格</a:t>
+              </a:r>
+              <a:r>
+                <a:rPr lang="zh-TW" altLang="en-US" sz="1600" dirty="0" smtClean="0">
+                  <a:solidFill>
+                    <a:schemeClr val="tx1"/>
+                  </a:solidFill>
+                  <a:latin typeface="Times New Roman" panose="02020603050405020304" pitchFamily="18" charset="0"/>
+                  <a:ea typeface="標楷體" panose="03000509000000000000" pitchFamily="65" charset="-120"/>
+                </a:rPr>
+                <a:t>轉換</a:t>
+              </a:r>
+              <a:endParaRPr lang="en-US" altLang="zh-TW" sz="1600" dirty="0" smtClean="0">
+                <a:solidFill>
+                  <a:schemeClr val="tx1"/>
+                </a:solidFill>
+                <a:latin typeface="Times New Roman" panose="02020603050405020304" pitchFamily="18" charset="0"/>
+                <a:ea typeface="標楷體" panose="03000509000000000000" pitchFamily="65" charset="-120"/>
+              </a:endParaRPr>
+            </a:p>
+            <a:p>
+              <a:pPr algn="ctr"/>
+              <a:r>
+                <a:rPr lang="en-US" altLang="zh-TW" sz="1600" dirty="0" smtClean="0">
+                  <a:solidFill>
+                    <a:schemeClr val="tx1"/>
+                  </a:solidFill>
+                  <a:latin typeface="Times New Roman" panose="02020603050405020304" pitchFamily="18" charset="0"/>
+                  <a:ea typeface="標楷體" panose="03000509000000000000" pitchFamily="65" charset="-120"/>
+                </a:rPr>
+                <a:t>(</a:t>
+              </a:r>
+              <a:r>
+                <a:rPr lang="en-US" altLang="zh-TW" sz="1600" dirty="0" err="1" smtClean="0">
+                  <a:solidFill>
+                    <a:schemeClr val="tx1"/>
+                  </a:solidFill>
+                  <a:latin typeface="Times New Roman" panose="02020603050405020304" pitchFamily="18" charset="0"/>
+                  <a:ea typeface="標楷體" panose="03000509000000000000" pitchFamily="65" charset="-120"/>
+                </a:rPr>
+                <a:t>CycleGAN</a:t>
+              </a:r>
+              <a:r>
+                <a:rPr lang="en-US" altLang="zh-TW" sz="1600" dirty="0" smtClean="0">
+                  <a:solidFill>
+                    <a:schemeClr val="tx1"/>
+                  </a:solidFill>
+                  <a:latin typeface="Times New Roman" panose="02020603050405020304" pitchFamily="18" charset="0"/>
+                  <a:ea typeface="標楷體" panose="03000509000000000000" pitchFamily="65" charset="-120"/>
+                </a:rPr>
+                <a:t>)</a:t>
+              </a:r>
+              <a:endParaRPr lang="zh-TW" altLang="en-US" sz="1600" dirty="0">
+                <a:solidFill>
+                  <a:schemeClr val="tx1"/>
+                </a:solidFill>
+                <a:latin typeface="Times New Roman" panose="02020603050405020304" pitchFamily="18" charset="0"/>
+                <a:ea typeface="標楷體" panose="03000509000000000000" pitchFamily="65" charset="-120"/>
+              </a:endParaRPr>
+            </a:p>
+          </p:txBody>
+        </p:sp>
+        <p:sp>
+          <p:nvSpPr>
+            <p:cNvPr id="35" name="圓角矩形 34"/>
+            <p:cNvSpPr/>
+            <p:nvPr/>
+          </p:nvSpPr>
+          <p:spPr>
+            <a:xfrm>
+              <a:off x="2383278" y="3790544"/>
+              <a:ext cx="1585608" cy="865762"/>
+            </a:xfrm>
+            <a:prstGeom prst="roundRect">
+              <a:avLst/>
+            </a:prstGeom>
+            <a:solidFill>
+              <a:schemeClr val="bg1"/>
+            </a:solidFill>
+            <a:ln>
+              <a:solidFill>
+                <a:schemeClr val="tx1"/>
+              </a:solidFill>
+            </a:ln>
+          </p:spPr>
+          <p:style>
+            <a:lnRef idx="2">
+              <a:schemeClr val="accent1">
+                <a:shade val="50000"/>
+              </a:schemeClr>
+            </a:lnRef>
+            <a:fillRef idx="1">
+              <a:schemeClr val="accent1"/>
+            </a:fillRef>
+            <a:effectRef idx="0">
+              <a:schemeClr val="accent1"/>
+            </a:effectRef>
+            <a:fontRef idx="minor">
+              <a:schemeClr val="lt1"/>
+            </a:fontRef>
+          </p:style>
+          <p:txBody>
+            <a:bodyPr rtlCol="0" anchor="ctr"/>
+            <a:lstStyle/>
+            <a:p>
+              <a:pPr algn="ctr"/>
+              <a:r>
+                <a:rPr lang="zh-TW" altLang="en-US" sz="1600" dirty="0">
+                  <a:solidFill>
+                    <a:schemeClr val="tx1"/>
+                  </a:solidFill>
+                  <a:latin typeface="Times New Roman" panose="02020603050405020304" pitchFamily="18" charset="0"/>
+                  <a:ea typeface="標楷體" panose="03000509000000000000" pitchFamily="65" charset="-120"/>
+                </a:rPr>
+                <a:t>圖像</a:t>
+              </a:r>
+              <a:r>
+                <a:rPr lang="zh-TW" altLang="en-US" sz="1600" dirty="0" smtClean="0">
+                  <a:solidFill>
+                    <a:schemeClr val="tx1"/>
+                  </a:solidFill>
+                  <a:latin typeface="Times New Roman" panose="02020603050405020304" pitchFamily="18" charset="0"/>
+                  <a:ea typeface="標楷體" panose="03000509000000000000" pitchFamily="65" charset="-120"/>
+                </a:rPr>
+                <a:t>轉換</a:t>
+              </a:r>
+              <a:endParaRPr lang="en-US" altLang="zh-TW" sz="1600" dirty="0" smtClean="0">
+                <a:solidFill>
+                  <a:schemeClr val="tx1"/>
+                </a:solidFill>
+                <a:latin typeface="Times New Roman" panose="02020603050405020304" pitchFamily="18" charset="0"/>
+                <a:ea typeface="標楷體" panose="03000509000000000000" pitchFamily="65" charset="-120"/>
+              </a:endParaRPr>
+            </a:p>
+            <a:p>
+              <a:pPr algn="ctr"/>
+              <a:r>
+                <a:rPr lang="en-US" altLang="zh-TW" sz="1600" dirty="0" smtClean="0">
+                  <a:solidFill>
+                    <a:schemeClr val="tx1"/>
+                  </a:solidFill>
+                  <a:latin typeface="Times New Roman" panose="02020603050405020304" pitchFamily="18" charset="0"/>
+                  <a:ea typeface="標楷體" panose="03000509000000000000" pitchFamily="65" charset="-120"/>
+                </a:rPr>
+                <a:t>(Pix2pix)</a:t>
+              </a:r>
+              <a:endParaRPr lang="zh-TW" altLang="en-US" sz="1600" dirty="0">
+                <a:solidFill>
+                  <a:schemeClr val="tx1"/>
+                </a:solidFill>
+                <a:latin typeface="Times New Roman" panose="02020603050405020304" pitchFamily="18" charset="0"/>
+                <a:ea typeface="標楷體" panose="03000509000000000000" pitchFamily="65" charset="-120"/>
+              </a:endParaRPr>
+            </a:p>
+          </p:txBody>
+        </p:sp>
+        <p:sp>
+          <p:nvSpPr>
+            <p:cNvPr id="36" name="圓角矩形 35"/>
+            <p:cNvSpPr/>
+            <p:nvPr/>
+          </p:nvSpPr>
+          <p:spPr>
+            <a:xfrm>
+              <a:off x="5415065" y="3790544"/>
+              <a:ext cx="1585608" cy="865762"/>
+            </a:xfrm>
+            <a:prstGeom prst="roundRect">
+              <a:avLst/>
+            </a:prstGeom>
+            <a:solidFill>
+              <a:schemeClr val="bg1"/>
+            </a:solidFill>
+            <a:ln>
+              <a:solidFill>
+                <a:schemeClr val="tx1"/>
+              </a:solidFill>
+            </a:ln>
+          </p:spPr>
+          <p:style>
+            <a:lnRef idx="2">
+              <a:schemeClr val="accent1">
+                <a:shade val="50000"/>
+              </a:schemeClr>
+            </a:lnRef>
+            <a:fillRef idx="1">
+              <a:schemeClr val="accent1"/>
+            </a:fillRef>
+            <a:effectRef idx="0">
+              <a:schemeClr val="accent1"/>
+            </a:effectRef>
+            <a:fontRef idx="minor">
+              <a:schemeClr val="lt1"/>
+            </a:fontRef>
+          </p:style>
+          <p:txBody>
+            <a:bodyPr rtlCol="0" anchor="ctr"/>
+            <a:lstStyle/>
+            <a:p>
+              <a:pPr algn="ctr"/>
+              <a:r>
+                <a:rPr lang="zh-TW" altLang="en-US" sz="1600" dirty="0">
                   <a:solidFill>
                     <a:schemeClr val="tx1"/>
                   </a:solidFill>
@@ -11685,7 +12034,157 @@
             </a:p>
           </p:txBody>
         </p:sp>
+        <p:cxnSp>
+          <p:nvCxnSpPr>
+            <p:cNvPr id="5" name="直線單箭頭接點 4"/>
+            <p:cNvCxnSpPr>
+              <a:stCxn id="3" idx="2"/>
+              <a:endCxn id="35" idx="0"/>
+            </p:cNvCxnSpPr>
+            <p:nvPr/>
+          </p:nvCxnSpPr>
+          <p:spPr>
+            <a:xfrm>
+              <a:off x="3176082" y="3171217"/>
+              <a:ext cx="0" cy="619327"/>
+            </a:xfrm>
+            <a:prstGeom prst="straightConnector1">
+              <a:avLst/>
+            </a:prstGeom>
+            <a:ln>
+              <a:solidFill>
+                <a:schemeClr val="tx1"/>
+              </a:solidFill>
+              <a:tailEnd type="triangle"/>
+            </a:ln>
+          </p:spPr>
+          <p:style>
+            <a:lnRef idx="1">
+              <a:schemeClr val="accent1"/>
+            </a:lnRef>
+            <a:fillRef idx="0">
+              <a:schemeClr val="accent1"/>
+            </a:fillRef>
+            <a:effectRef idx="0">
+              <a:schemeClr val="accent1"/>
+            </a:effectRef>
+            <a:fontRef idx="minor">
+              <a:schemeClr val="tx1"/>
+            </a:fontRef>
+          </p:style>
+        </p:cxnSp>
+        <p:cxnSp>
+          <p:nvCxnSpPr>
+            <p:cNvPr id="8" name="直線單箭頭接點 7"/>
+            <p:cNvCxnSpPr>
+              <a:stCxn id="3" idx="3"/>
+              <a:endCxn id="34" idx="1"/>
+            </p:cNvCxnSpPr>
+            <p:nvPr/>
+          </p:nvCxnSpPr>
+          <p:spPr>
+            <a:xfrm>
+              <a:off x="3968886" y="2738336"/>
+              <a:ext cx="1446179" cy="0"/>
+            </a:xfrm>
+            <a:prstGeom prst="straightConnector1">
+              <a:avLst/>
+            </a:prstGeom>
+            <a:ln>
+              <a:solidFill>
+                <a:schemeClr val="tx1"/>
+              </a:solidFill>
+              <a:tailEnd type="triangle"/>
+            </a:ln>
+          </p:spPr>
+          <p:style>
+            <a:lnRef idx="1">
+              <a:schemeClr val="accent1"/>
+            </a:lnRef>
+            <a:fillRef idx="0">
+              <a:schemeClr val="accent1"/>
+            </a:fillRef>
+            <a:effectRef idx="0">
+              <a:schemeClr val="accent1"/>
+            </a:effectRef>
+            <a:fontRef idx="minor">
+              <a:schemeClr val="tx1"/>
+            </a:fontRef>
+          </p:style>
+        </p:cxnSp>
       </p:grpSp>
+      <p:cxnSp>
+        <p:nvCxnSpPr>
+          <p:cNvPr id="24" name="直線單箭頭接點 23"/>
+          <p:cNvCxnSpPr/>
+          <p:nvPr/>
+        </p:nvCxnSpPr>
+        <p:spPr>
+          <a:xfrm>
+            <a:off x="3968886" y="4253192"/>
+            <a:ext cx="1446179" cy="0"/>
+          </a:xfrm>
+          <a:prstGeom prst="straightConnector1">
+            <a:avLst/>
+          </a:prstGeom>
+          <a:ln>
+            <a:solidFill>
+              <a:schemeClr val="tx1"/>
+            </a:solidFill>
+            <a:tailEnd type="triangle"/>
+          </a:ln>
+        </p:spPr>
+        <p:style>
+          <a:lnRef idx="1">
+            <a:schemeClr val="accent1"/>
+          </a:lnRef>
+          <a:fillRef idx="0">
+            <a:schemeClr val="accent1"/>
+          </a:fillRef>
+          <a:effectRef idx="0">
+            <a:schemeClr val="accent1"/>
+          </a:effectRef>
+          <a:fontRef idx="minor">
+            <a:schemeClr val="tx1"/>
+          </a:fontRef>
+        </p:style>
+      </p:cxnSp>
+      <p:cxnSp>
+        <p:nvCxnSpPr>
+          <p:cNvPr id="25" name="直線單箭頭接點 24"/>
+          <p:cNvCxnSpPr/>
+          <p:nvPr/>
+        </p:nvCxnSpPr>
+        <p:spPr>
+          <a:xfrm>
+            <a:off x="6227130" y="3171217"/>
+            <a:ext cx="0" cy="619327"/>
+          </a:xfrm>
+          <a:prstGeom prst="straightConnector1">
+            <a:avLst/>
+          </a:prstGeom>
+          <a:ln>
+            <a:solidFill>
+              <a:schemeClr val="tx1"/>
+            </a:solidFill>
+            <a:tailEnd type="triangle"/>
+          </a:ln>
+        </p:spPr>
+        <p:style>
+          <a:lnRef idx="1">
+            <a:schemeClr val="accent1"/>
+          </a:lnRef>
+          <a:fillRef idx="0">
+            <a:schemeClr val="accent1"/>
+          </a:fillRef>
+          <a:effectRef idx="0">
+            <a:schemeClr val="accent1"/>
+          </a:effectRef>
+          <a:fontRef idx="minor">
+            <a:schemeClr val="tx1"/>
+          </a:fontRef>
+        </p:style>
+      </p:cxnSp>
     </p:spTree>
     <p:extLst>
       <p:ext uri="{BB962C8B-B14F-4D97-AF65-F5344CB8AC3E}">

--- a/論文/模型圖繪製.pptx
+++ b/論文/模型圖繪製.pptx
@@ -258,7 +258,7 @@
           <a:p>
             <a:fld id="{587DF574-9317-4403-A25B-38C86415A09B}" type="datetimeFigureOut">
               <a:rPr lang="zh-TW" altLang="en-US" smtClean="0"/>
-              <a:t>2022/4/25</a:t>
+              <a:t>2022/4/26</a:t>
             </a:fld>
             <a:endParaRPr lang="zh-TW" altLang="en-US"/>
           </a:p>
@@ -428,7 +428,7 @@
           <a:p>
             <a:fld id="{587DF574-9317-4403-A25B-38C86415A09B}" type="datetimeFigureOut">
               <a:rPr lang="zh-TW" altLang="en-US" smtClean="0"/>
-              <a:t>2022/4/25</a:t>
+              <a:t>2022/4/26</a:t>
             </a:fld>
             <a:endParaRPr lang="zh-TW" altLang="en-US"/>
           </a:p>
@@ -608,7 +608,7 @@
           <a:p>
             <a:fld id="{587DF574-9317-4403-A25B-38C86415A09B}" type="datetimeFigureOut">
               <a:rPr lang="zh-TW" altLang="en-US" smtClean="0"/>
-              <a:t>2022/4/25</a:t>
+              <a:t>2022/4/26</a:t>
             </a:fld>
             <a:endParaRPr lang="zh-TW" altLang="en-US"/>
           </a:p>
@@ -778,7 +778,7 @@
           <a:p>
             <a:fld id="{587DF574-9317-4403-A25B-38C86415A09B}" type="datetimeFigureOut">
               <a:rPr lang="zh-TW" altLang="en-US" smtClean="0"/>
-              <a:t>2022/4/25</a:t>
+              <a:t>2022/4/26</a:t>
             </a:fld>
             <a:endParaRPr lang="zh-TW" altLang="en-US"/>
           </a:p>
@@ -1024,7 +1024,7 @@
           <a:p>
             <a:fld id="{587DF574-9317-4403-A25B-38C86415A09B}" type="datetimeFigureOut">
               <a:rPr lang="zh-TW" altLang="en-US" smtClean="0"/>
-              <a:t>2022/4/25</a:t>
+              <a:t>2022/4/26</a:t>
             </a:fld>
             <a:endParaRPr lang="zh-TW" altLang="en-US"/>
           </a:p>
@@ -1256,7 +1256,7 @@
           <a:p>
             <a:fld id="{587DF574-9317-4403-A25B-38C86415A09B}" type="datetimeFigureOut">
               <a:rPr lang="zh-TW" altLang="en-US" smtClean="0"/>
-              <a:t>2022/4/25</a:t>
+              <a:t>2022/4/26</a:t>
             </a:fld>
             <a:endParaRPr lang="zh-TW" altLang="en-US"/>
           </a:p>
@@ -1623,7 +1623,7 @@
           <a:p>
             <a:fld id="{587DF574-9317-4403-A25B-38C86415A09B}" type="datetimeFigureOut">
               <a:rPr lang="zh-TW" altLang="en-US" smtClean="0"/>
-              <a:t>2022/4/25</a:t>
+              <a:t>2022/4/26</a:t>
             </a:fld>
             <a:endParaRPr lang="zh-TW" altLang="en-US"/>
           </a:p>
@@ -1741,7 +1741,7 @@
           <a:p>
             <a:fld id="{587DF574-9317-4403-A25B-38C86415A09B}" type="datetimeFigureOut">
               <a:rPr lang="zh-TW" altLang="en-US" smtClean="0"/>
-              <a:t>2022/4/25</a:t>
+              <a:t>2022/4/26</a:t>
             </a:fld>
             <a:endParaRPr lang="zh-TW" altLang="en-US"/>
           </a:p>
@@ -1836,7 +1836,7 @@
           <a:p>
             <a:fld id="{587DF574-9317-4403-A25B-38C86415A09B}" type="datetimeFigureOut">
               <a:rPr lang="zh-TW" altLang="en-US" smtClean="0"/>
-              <a:t>2022/4/25</a:t>
+              <a:t>2022/4/26</a:t>
             </a:fld>
             <a:endParaRPr lang="zh-TW" altLang="en-US"/>
           </a:p>
@@ -2113,7 +2113,7 @@
           <a:p>
             <a:fld id="{587DF574-9317-4403-A25B-38C86415A09B}" type="datetimeFigureOut">
               <a:rPr lang="zh-TW" altLang="en-US" smtClean="0"/>
-              <a:t>2022/4/25</a:t>
+              <a:t>2022/4/26</a:t>
             </a:fld>
             <a:endParaRPr lang="zh-TW" altLang="en-US"/>
           </a:p>
@@ -2366,7 +2366,7 @@
           <a:p>
             <a:fld id="{587DF574-9317-4403-A25B-38C86415A09B}" type="datetimeFigureOut">
               <a:rPr lang="zh-TW" altLang="en-US" smtClean="0"/>
-              <a:t>2022/4/25</a:t>
+              <a:t>2022/4/26</a:t>
             </a:fld>
             <a:endParaRPr lang="zh-TW" altLang="en-US"/>
           </a:p>
@@ -2579,7 +2579,7 @@
           <a:p>
             <a:fld id="{587DF574-9317-4403-A25B-38C86415A09B}" type="datetimeFigureOut">
               <a:rPr lang="zh-TW" altLang="en-US" smtClean="0"/>
-              <a:t>2022/4/25</a:t>
+              <a:t>2022/4/26</a:t>
             </a:fld>
             <a:endParaRPr lang="zh-TW" altLang="en-US"/>
           </a:p>
@@ -11844,27 +11844,7 @@
                   <a:latin typeface="Times New Roman" panose="02020603050405020304" pitchFamily="18" charset="0"/>
                   <a:ea typeface="標楷體" panose="03000509000000000000" pitchFamily="65" charset="-120"/>
                 </a:rPr>
-                <a:t>(</a:t>
-              </a:r>
-              <a:r>
-                <a:rPr lang="en-US" altLang="zh-TW" sz="1600" dirty="0" err="1" smtClean="0">
-                  <a:solidFill>
-                    <a:schemeClr val="tx1"/>
-                  </a:solidFill>
-                  <a:latin typeface="Times New Roman" panose="02020603050405020304" pitchFamily="18" charset="0"/>
-                  <a:ea typeface="標楷體" panose="03000509000000000000" pitchFamily="65" charset="-120"/>
-                </a:rPr>
-                <a:t>CycleGAN</a:t>
-              </a:r>
-              <a:r>
-                <a:rPr lang="en-US" altLang="zh-TW" sz="1600" dirty="0" smtClean="0">
-                  <a:solidFill>
-                    <a:schemeClr val="tx1"/>
-                  </a:solidFill>
-                  <a:latin typeface="Times New Roman" panose="02020603050405020304" pitchFamily="18" charset="0"/>
-                  <a:ea typeface="標楷體" panose="03000509000000000000" pitchFamily="65" charset="-120"/>
-                </a:rPr>
-                <a:t>)</a:t>
+                <a:t>(CycleGAN)</a:t>
               </a:r>
               <a:endParaRPr lang="zh-TW" altLang="en-US" sz="1600" dirty="0">
                 <a:solidFill>
@@ -12024,13 +12004,6 @@
                 </a:rPr>
                 <a:t>模型評估</a:t>
               </a:r>
-              <a:endParaRPr lang="zh-TW" altLang="en-US" sz="1600" dirty="0">
-                <a:solidFill>
-                  <a:schemeClr val="tx1"/>
-                </a:solidFill>
-                <a:latin typeface="Times New Roman" panose="02020603050405020304" pitchFamily="18" charset="0"/>
-                <a:ea typeface="標楷體" panose="03000509000000000000" pitchFamily="65" charset="-120"/>
-              </a:endParaRPr>
             </a:p>
           </p:txBody>
         </p:sp>

--- a/論文/模型圖繪製.pptx
+++ b/論文/模型圖繪製.pptx
@@ -21,6 +21,7 @@
     <p:sldId id="269" r:id="rId15"/>
     <p:sldId id="270" r:id="rId16"/>
     <p:sldId id="271" r:id="rId17"/>
+    <p:sldId id="272" r:id="rId18"/>
   </p:sldIdLst>
   <p:sldSz cx="12192000" cy="6858000"/>
   <p:notesSz cx="6858000" cy="9144000"/>
@@ -258,7 +259,7 @@
           <a:p>
             <a:fld id="{587DF574-9317-4403-A25B-38C86415A09B}" type="datetimeFigureOut">
               <a:rPr lang="zh-TW" altLang="en-US" smtClean="0"/>
-              <a:t>2022/4/26</a:t>
+              <a:t>2022/5/18</a:t>
             </a:fld>
             <a:endParaRPr lang="zh-TW" altLang="en-US"/>
           </a:p>
@@ -428,7 +429,7 @@
           <a:p>
             <a:fld id="{587DF574-9317-4403-A25B-38C86415A09B}" type="datetimeFigureOut">
               <a:rPr lang="zh-TW" altLang="en-US" smtClean="0"/>
-              <a:t>2022/4/26</a:t>
+              <a:t>2022/5/18</a:t>
             </a:fld>
             <a:endParaRPr lang="zh-TW" altLang="en-US"/>
           </a:p>
@@ -608,7 +609,7 @@
           <a:p>
             <a:fld id="{587DF574-9317-4403-A25B-38C86415A09B}" type="datetimeFigureOut">
               <a:rPr lang="zh-TW" altLang="en-US" smtClean="0"/>
-              <a:t>2022/4/26</a:t>
+              <a:t>2022/5/18</a:t>
             </a:fld>
             <a:endParaRPr lang="zh-TW" altLang="en-US"/>
           </a:p>
@@ -778,7 +779,7 @@
           <a:p>
             <a:fld id="{587DF574-9317-4403-A25B-38C86415A09B}" type="datetimeFigureOut">
               <a:rPr lang="zh-TW" altLang="en-US" smtClean="0"/>
-              <a:t>2022/4/26</a:t>
+              <a:t>2022/5/18</a:t>
             </a:fld>
             <a:endParaRPr lang="zh-TW" altLang="en-US"/>
           </a:p>
@@ -1024,7 +1025,7 @@
           <a:p>
             <a:fld id="{587DF574-9317-4403-A25B-38C86415A09B}" type="datetimeFigureOut">
               <a:rPr lang="zh-TW" altLang="en-US" smtClean="0"/>
-              <a:t>2022/4/26</a:t>
+              <a:t>2022/5/18</a:t>
             </a:fld>
             <a:endParaRPr lang="zh-TW" altLang="en-US"/>
           </a:p>
@@ -1256,7 +1257,7 @@
           <a:p>
             <a:fld id="{587DF574-9317-4403-A25B-38C86415A09B}" type="datetimeFigureOut">
               <a:rPr lang="zh-TW" altLang="en-US" smtClean="0"/>
-              <a:t>2022/4/26</a:t>
+              <a:t>2022/5/18</a:t>
             </a:fld>
             <a:endParaRPr lang="zh-TW" altLang="en-US"/>
           </a:p>
@@ -1623,7 +1624,7 @@
           <a:p>
             <a:fld id="{587DF574-9317-4403-A25B-38C86415A09B}" type="datetimeFigureOut">
               <a:rPr lang="zh-TW" altLang="en-US" smtClean="0"/>
-              <a:t>2022/4/26</a:t>
+              <a:t>2022/5/18</a:t>
             </a:fld>
             <a:endParaRPr lang="zh-TW" altLang="en-US"/>
           </a:p>
@@ -1741,7 +1742,7 @@
           <a:p>
             <a:fld id="{587DF574-9317-4403-A25B-38C86415A09B}" type="datetimeFigureOut">
               <a:rPr lang="zh-TW" altLang="en-US" smtClean="0"/>
-              <a:t>2022/4/26</a:t>
+              <a:t>2022/5/18</a:t>
             </a:fld>
             <a:endParaRPr lang="zh-TW" altLang="en-US"/>
           </a:p>
@@ -1836,7 +1837,7 @@
           <a:p>
             <a:fld id="{587DF574-9317-4403-A25B-38C86415A09B}" type="datetimeFigureOut">
               <a:rPr lang="zh-TW" altLang="en-US" smtClean="0"/>
-              <a:t>2022/4/26</a:t>
+              <a:t>2022/5/18</a:t>
             </a:fld>
             <a:endParaRPr lang="zh-TW" altLang="en-US"/>
           </a:p>
@@ -2113,7 +2114,7 @@
           <a:p>
             <a:fld id="{587DF574-9317-4403-A25B-38C86415A09B}" type="datetimeFigureOut">
               <a:rPr lang="zh-TW" altLang="en-US" smtClean="0"/>
-              <a:t>2022/4/26</a:t>
+              <a:t>2022/5/18</a:t>
             </a:fld>
             <a:endParaRPr lang="zh-TW" altLang="en-US"/>
           </a:p>
@@ -2366,7 +2367,7 @@
           <a:p>
             <a:fld id="{587DF574-9317-4403-A25B-38C86415A09B}" type="datetimeFigureOut">
               <a:rPr lang="zh-TW" altLang="en-US" smtClean="0"/>
-              <a:t>2022/4/26</a:t>
+              <a:t>2022/5/18</a:t>
             </a:fld>
             <a:endParaRPr lang="zh-TW" altLang="en-US"/>
           </a:p>
@@ -2579,7 +2580,7 @@
           <a:p>
             <a:fld id="{587DF574-9317-4403-A25B-38C86415A09B}" type="datetimeFigureOut">
               <a:rPr lang="zh-TW" altLang="en-US" smtClean="0"/>
-              <a:t>2022/4/26</a:t>
+              <a:t>2022/5/18</a:t>
             </a:fld>
             <a:endParaRPr lang="zh-TW" altLang="en-US"/>
           </a:p>
@@ -7190,6 +7191,624 @@
 </p:sld>
 </file>
 
+<file path=ppt/slides/slide17.xml><?xml version="1.0" encoding="utf-8"?>
+<p:sld xmlns:a="http://schemas.openxmlformats.org/drawingml/2006/main" xmlns:r="http://schemas.openxmlformats.org/officeDocument/2006/relationships" xmlns:p="http://schemas.openxmlformats.org/presentationml/2006/main">
+  <p:cSld>
+    <p:spTree>
+      <p:nvGrpSpPr>
+        <p:cNvPr id="1" name=""/>
+        <p:cNvGrpSpPr/>
+        <p:nvPr/>
+      </p:nvGrpSpPr>
+      <p:grpSpPr>
+        <a:xfrm>
+          <a:off x="0" y="0"/>
+          <a:ext cx="0" cy="0"/>
+          <a:chOff x="0" y="0"/>
+          <a:chExt cx="0" cy="0"/>
+        </a:xfrm>
+      </p:grpSpPr>
+      <p:sp>
+        <p:nvSpPr>
+          <p:cNvPr id="7" name="流程圖: 接點 6"/>
+          <p:cNvSpPr/>
+          <p:nvPr/>
+        </p:nvSpPr>
+        <p:spPr>
+          <a:xfrm>
+            <a:off x="1666883" y="1413819"/>
+            <a:ext cx="1530064" cy="1095918"/>
+          </a:xfrm>
+          <a:prstGeom prst="flowChartConnector">
+            <a:avLst/>
+          </a:prstGeom>
+          <a:solidFill>
+            <a:schemeClr val="bg1"/>
+          </a:solidFill>
+          <a:ln>
+            <a:solidFill>
+              <a:schemeClr val="tx1"/>
+            </a:solidFill>
+          </a:ln>
+        </p:spPr>
+        <p:style>
+          <a:lnRef idx="2">
+            <a:schemeClr val="accent1">
+              <a:shade val="50000"/>
+            </a:schemeClr>
+          </a:lnRef>
+          <a:fillRef idx="1">
+            <a:schemeClr val="accent1"/>
+          </a:fillRef>
+          <a:effectRef idx="0">
+            <a:schemeClr val="accent1"/>
+          </a:effectRef>
+          <a:fontRef idx="minor">
+            <a:schemeClr val="lt1"/>
+          </a:fontRef>
+        </p:style>
+        <p:txBody>
+          <a:bodyPr rtlCol="0" anchor="ctr"/>
+          <a:lstStyle/>
+          <a:p>
+            <a:pPr algn="ctr"/>
+            <a:r>
+              <a:rPr lang="zh-TW" altLang="en-US" dirty="0" smtClean="0">
+                <a:solidFill>
+                  <a:schemeClr val="tx1"/>
+                </a:solidFill>
+                <a:latin typeface="標楷體" panose="03000509000000000000" pitchFamily="65" charset="-120"/>
+                <a:ea typeface="標楷體" panose="03000509000000000000" pitchFamily="65" charset="-120"/>
+              </a:rPr>
+              <a:t>判別器</a:t>
+            </a:r>
+            <a:r>
+              <a:rPr lang="en-US" altLang="zh-TW" dirty="0" smtClean="0">
+                <a:solidFill>
+                  <a:schemeClr val="tx1"/>
+                </a:solidFill>
+                <a:latin typeface="標楷體" panose="03000509000000000000" pitchFamily="65" charset="-120"/>
+                <a:ea typeface="標楷體" panose="03000509000000000000" pitchFamily="65" charset="-120"/>
+              </a:rPr>
+              <a:t>A</a:t>
+            </a:r>
+            <a:endParaRPr lang="zh-TW" altLang="en-US" dirty="0">
+              <a:solidFill>
+                <a:schemeClr val="tx1"/>
+              </a:solidFill>
+              <a:latin typeface="標楷體" panose="03000509000000000000" pitchFamily="65" charset="-120"/>
+              <a:ea typeface="標楷體" panose="03000509000000000000" pitchFamily="65" charset="-120"/>
+            </a:endParaRPr>
+          </a:p>
+        </p:txBody>
+      </p:sp>
+      <p:sp>
+        <p:nvSpPr>
+          <p:cNvPr id="8" name="矩形 7"/>
+          <p:cNvSpPr/>
+          <p:nvPr/>
+        </p:nvSpPr>
+        <p:spPr>
+          <a:xfrm>
+            <a:off x="2140085" y="3404680"/>
+            <a:ext cx="1887166" cy="1001949"/>
+          </a:xfrm>
+          <a:prstGeom prst="rect">
+            <a:avLst/>
+          </a:prstGeom>
+          <a:solidFill>
+            <a:schemeClr val="bg1"/>
+          </a:solidFill>
+          <a:ln>
+            <a:solidFill>
+              <a:schemeClr val="tx1"/>
+            </a:solidFill>
+          </a:ln>
+        </p:spPr>
+        <p:style>
+          <a:lnRef idx="2">
+            <a:schemeClr val="accent1">
+              <a:shade val="50000"/>
+            </a:schemeClr>
+          </a:lnRef>
+          <a:fillRef idx="1">
+            <a:schemeClr val="accent1"/>
+          </a:fillRef>
+          <a:effectRef idx="0">
+            <a:schemeClr val="accent1"/>
+          </a:effectRef>
+          <a:fontRef idx="minor">
+            <a:schemeClr val="lt1"/>
+          </a:fontRef>
+        </p:style>
+        <p:txBody>
+          <a:bodyPr rtlCol="0" anchor="ctr"/>
+          <a:lstStyle/>
+          <a:p>
+            <a:pPr algn="ctr"/>
+            <a:r>
+              <a:rPr lang="en-US" altLang="zh-TW" dirty="0" smtClean="0">
+                <a:solidFill>
+                  <a:schemeClr val="tx1"/>
+                </a:solidFill>
+                <a:latin typeface="標楷體" panose="03000509000000000000" pitchFamily="65" charset="-120"/>
+                <a:ea typeface="標楷體" panose="03000509000000000000" pitchFamily="65" charset="-120"/>
+              </a:rPr>
+              <a:t>A</a:t>
+            </a:r>
+            <a:r>
+              <a:rPr lang="zh-TW" altLang="en-US" dirty="0" smtClean="0">
+                <a:solidFill>
+                  <a:schemeClr val="tx1"/>
+                </a:solidFill>
+                <a:latin typeface="標楷體" panose="03000509000000000000" pitchFamily="65" charset="-120"/>
+                <a:ea typeface="標楷體" panose="03000509000000000000" pitchFamily="65" charset="-120"/>
+              </a:rPr>
+              <a:t>領域</a:t>
+            </a:r>
+            <a:endParaRPr lang="zh-TW" altLang="en-US" dirty="0">
+              <a:solidFill>
+                <a:schemeClr val="tx1"/>
+              </a:solidFill>
+              <a:latin typeface="標楷體" panose="03000509000000000000" pitchFamily="65" charset="-120"/>
+              <a:ea typeface="標楷體" panose="03000509000000000000" pitchFamily="65" charset="-120"/>
+            </a:endParaRPr>
+          </a:p>
+        </p:txBody>
+      </p:sp>
+      <p:sp>
+        <p:nvSpPr>
+          <p:cNvPr id="19" name="矩形 18"/>
+          <p:cNvSpPr/>
+          <p:nvPr/>
+        </p:nvSpPr>
+        <p:spPr>
+          <a:xfrm>
+            <a:off x="5590161" y="3404680"/>
+            <a:ext cx="1887166" cy="1001949"/>
+          </a:xfrm>
+          <a:prstGeom prst="rect">
+            <a:avLst/>
+          </a:prstGeom>
+          <a:solidFill>
+            <a:schemeClr val="bg1"/>
+          </a:solidFill>
+          <a:ln>
+            <a:solidFill>
+              <a:schemeClr val="tx1"/>
+            </a:solidFill>
+          </a:ln>
+        </p:spPr>
+        <p:style>
+          <a:lnRef idx="2">
+            <a:schemeClr val="accent1">
+              <a:shade val="50000"/>
+            </a:schemeClr>
+          </a:lnRef>
+          <a:fillRef idx="1">
+            <a:schemeClr val="accent1"/>
+          </a:fillRef>
+          <a:effectRef idx="0">
+            <a:schemeClr val="accent1"/>
+          </a:effectRef>
+          <a:fontRef idx="minor">
+            <a:schemeClr val="lt1"/>
+          </a:fontRef>
+        </p:style>
+        <p:txBody>
+          <a:bodyPr rtlCol="0" anchor="ctr"/>
+          <a:lstStyle/>
+          <a:p>
+            <a:pPr algn="ctr"/>
+            <a:r>
+              <a:rPr lang="en-US" altLang="zh-TW" dirty="0">
+                <a:solidFill>
+                  <a:schemeClr val="tx1"/>
+                </a:solidFill>
+                <a:latin typeface="標楷體" panose="03000509000000000000" pitchFamily="65" charset="-120"/>
+                <a:ea typeface="標楷體" panose="03000509000000000000" pitchFamily="65" charset="-120"/>
+              </a:rPr>
+              <a:t>B</a:t>
+            </a:r>
+            <a:r>
+              <a:rPr lang="zh-TW" altLang="en-US" dirty="0" smtClean="0">
+                <a:solidFill>
+                  <a:schemeClr val="tx1"/>
+                </a:solidFill>
+                <a:latin typeface="標楷體" panose="03000509000000000000" pitchFamily="65" charset="-120"/>
+                <a:ea typeface="標楷體" panose="03000509000000000000" pitchFamily="65" charset="-120"/>
+              </a:rPr>
+              <a:t>領域</a:t>
+            </a:r>
+            <a:endParaRPr lang="zh-TW" altLang="en-US" dirty="0">
+              <a:solidFill>
+                <a:schemeClr val="tx1"/>
+              </a:solidFill>
+              <a:latin typeface="標楷體" panose="03000509000000000000" pitchFamily="65" charset="-120"/>
+              <a:ea typeface="標楷體" panose="03000509000000000000" pitchFamily="65" charset="-120"/>
+            </a:endParaRPr>
+          </a:p>
+        </p:txBody>
+      </p:sp>
+      <p:cxnSp>
+        <p:nvCxnSpPr>
+          <p:cNvPr id="10" name="直線單箭頭接點 9"/>
+          <p:cNvCxnSpPr>
+            <a:endCxn id="7" idx="4"/>
+          </p:cNvCxnSpPr>
+          <p:nvPr/>
+        </p:nvCxnSpPr>
+        <p:spPr>
+          <a:xfrm flipH="1" flipV="1">
+            <a:off x="2431915" y="2509737"/>
+            <a:ext cx="9728" cy="894943"/>
+          </a:xfrm>
+          <a:prstGeom prst="straightConnector1">
+            <a:avLst/>
+          </a:prstGeom>
+          <a:ln>
+            <a:solidFill>
+              <a:schemeClr val="tx1"/>
+            </a:solidFill>
+            <a:tailEnd type="triangle"/>
+          </a:ln>
+        </p:spPr>
+        <p:style>
+          <a:lnRef idx="1">
+            <a:schemeClr val="accent1"/>
+          </a:lnRef>
+          <a:fillRef idx="0">
+            <a:schemeClr val="accent1"/>
+          </a:fillRef>
+          <a:effectRef idx="0">
+            <a:schemeClr val="accent1"/>
+          </a:effectRef>
+          <a:fontRef idx="minor">
+            <a:schemeClr val="tx1"/>
+          </a:fontRef>
+        </p:style>
+      </p:cxnSp>
+      <p:sp>
+        <p:nvSpPr>
+          <p:cNvPr id="24" name="流程圖: 接點 23"/>
+          <p:cNvSpPr/>
+          <p:nvPr/>
+        </p:nvSpPr>
+        <p:spPr>
+          <a:xfrm>
+            <a:off x="6508015" y="1413819"/>
+            <a:ext cx="1530064" cy="1095918"/>
+          </a:xfrm>
+          <a:prstGeom prst="flowChartConnector">
+            <a:avLst/>
+          </a:prstGeom>
+          <a:solidFill>
+            <a:schemeClr val="bg1"/>
+          </a:solidFill>
+          <a:ln>
+            <a:solidFill>
+              <a:schemeClr val="tx1"/>
+            </a:solidFill>
+          </a:ln>
+        </p:spPr>
+        <p:style>
+          <a:lnRef idx="2">
+            <a:schemeClr val="accent1">
+              <a:shade val="50000"/>
+            </a:schemeClr>
+          </a:lnRef>
+          <a:fillRef idx="1">
+            <a:schemeClr val="accent1"/>
+          </a:fillRef>
+          <a:effectRef idx="0">
+            <a:schemeClr val="accent1"/>
+          </a:effectRef>
+          <a:fontRef idx="minor">
+            <a:schemeClr val="lt1"/>
+          </a:fontRef>
+        </p:style>
+        <p:txBody>
+          <a:bodyPr rtlCol="0" anchor="ctr"/>
+          <a:lstStyle/>
+          <a:p>
+            <a:pPr algn="ctr"/>
+            <a:r>
+              <a:rPr lang="zh-TW" altLang="en-US" dirty="0" smtClean="0">
+                <a:solidFill>
+                  <a:schemeClr val="tx1"/>
+                </a:solidFill>
+                <a:latin typeface="標楷體" panose="03000509000000000000" pitchFamily="65" charset="-120"/>
+                <a:ea typeface="標楷體" panose="03000509000000000000" pitchFamily="65" charset="-120"/>
+              </a:rPr>
+              <a:t>判別器</a:t>
+            </a:r>
+            <a:r>
+              <a:rPr lang="en-US" altLang="zh-TW" dirty="0">
+                <a:solidFill>
+                  <a:schemeClr val="tx1"/>
+                </a:solidFill>
+                <a:latin typeface="標楷體" panose="03000509000000000000" pitchFamily="65" charset="-120"/>
+                <a:ea typeface="標楷體" panose="03000509000000000000" pitchFamily="65" charset="-120"/>
+              </a:rPr>
+              <a:t>B</a:t>
+            </a:r>
+            <a:endParaRPr lang="zh-TW" altLang="en-US" dirty="0">
+              <a:solidFill>
+                <a:schemeClr val="tx1"/>
+              </a:solidFill>
+              <a:latin typeface="標楷體" panose="03000509000000000000" pitchFamily="65" charset="-120"/>
+              <a:ea typeface="標楷體" panose="03000509000000000000" pitchFamily="65" charset="-120"/>
+            </a:endParaRPr>
+          </a:p>
+        </p:txBody>
+      </p:sp>
+      <p:cxnSp>
+        <p:nvCxnSpPr>
+          <p:cNvPr id="26" name="直線單箭頭接點 25"/>
+          <p:cNvCxnSpPr>
+            <a:endCxn id="24" idx="4"/>
+          </p:cNvCxnSpPr>
+          <p:nvPr/>
+        </p:nvCxnSpPr>
+        <p:spPr>
+          <a:xfrm flipH="1" flipV="1">
+            <a:off x="7273047" y="2509737"/>
+            <a:ext cx="9728" cy="894943"/>
+          </a:xfrm>
+          <a:prstGeom prst="straightConnector1">
+            <a:avLst/>
+          </a:prstGeom>
+          <a:ln>
+            <a:solidFill>
+              <a:schemeClr val="tx1"/>
+            </a:solidFill>
+            <a:tailEnd type="triangle"/>
+          </a:ln>
+        </p:spPr>
+        <p:style>
+          <a:lnRef idx="1">
+            <a:schemeClr val="accent1"/>
+          </a:lnRef>
+          <a:fillRef idx="0">
+            <a:schemeClr val="accent1"/>
+          </a:fillRef>
+          <a:effectRef idx="0">
+            <a:schemeClr val="accent1"/>
+          </a:effectRef>
+          <a:fontRef idx="minor">
+            <a:schemeClr val="tx1"/>
+          </a:fontRef>
+        </p:style>
+      </p:cxnSp>
+      <p:cxnSp>
+        <p:nvCxnSpPr>
+          <p:cNvPr id="15" name="直線接點 14"/>
+          <p:cNvCxnSpPr>
+            <a:stCxn id="8" idx="0"/>
+          </p:cNvCxnSpPr>
+          <p:nvPr/>
+        </p:nvCxnSpPr>
+        <p:spPr>
+          <a:xfrm flipV="1">
+            <a:off x="3083668" y="2889115"/>
+            <a:ext cx="0" cy="515565"/>
+          </a:xfrm>
+          <a:prstGeom prst="line">
+            <a:avLst/>
+          </a:prstGeom>
+          <a:ln>
+            <a:solidFill>
+              <a:schemeClr val="tx1"/>
+            </a:solidFill>
+          </a:ln>
+        </p:spPr>
+        <p:style>
+          <a:lnRef idx="1">
+            <a:schemeClr val="accent1"/>
+          </a:lnRef>
+          <a:fillRef idx="0">
+            <a:schemeClr val="accent1"/>
+          </a:fillRef>
+          <a:effectRef idx="0">
+            <a:schemeClr val="accent1"/>
+          </a:effectRef>
+          <a:fontRef idx="minor">
+            <a:schemeClr val="tx1"/>
+          </a:fontRef>
+        </p:style>
+      </p:cxnSp>
+      <p:cxnSp>
+        <p:nvCxnSpPr>
+          <p:cNvPr id="21" name="直線接點 20"/>
+          <p:cNvCxnSpPr/>
+          <p:nvPr/>
+        </p:nvCxnSpPr>
+        <p:spPr>
+          <a:xfrm>
+            <a:off x="3092196" y="2889115"/>
+            <a:ext cx="3440560" cy="0"/>
+          </a:xfrm>
+          <a:prstGeom prst="line">
+            <a:avLst/>
+          </a:prstGeom>
+          <a:ln>
+            <a:solidFill>
+              <a:schemeClr val="tx1"/>
+            </a:solidFill>
+          </a:ln>
+        </p:spPr>
+        <p:style>
+          <a:lnRef idx="1">
+            <a:schemeClr val="accent1"/>
+          </a:lnRef>
+          <a:fillRef idx="0">
+            <a:schemeClr val="accent1"/>
+          </a:fillRef>
+          <a:effectRef idx="0">
+            <a:schemeClr val="accent1"/>
+          </a:effectRef>
+          <a:fontRef idx="minor">
+            <a:schemeClr val="tx1"/>
+          </a:fontRef>
+        </p:style>
+      </p:cxnSp>
+      <p:cxnSp>
+        <p:nvCxnSpPr>
+          <p:cNvPr id="33" name="直線單箭頭接點 32"/>
+          <p:cNvCxnSpPr/>
+          <p:nvPr/>
+        </p:nvCxnSpPr>
+        <p:spPr>
+          <a:xfrm>
+            <a:off x="6523240" y="2889115"/>
+            <a:ext cx="9516" cy="515565"/>
+          </a:xfrm>
+          <a:prstGeom prst="straightConnector1">
+            <a:avLst/>
+          </a:prstGeom>
+          <a:ln>
+            <a:solidFill>
+              <a:schemeClr val="tx1"/>
+            </a:solidFill>
+            <a:tailEnd type="triangle"/>
+          </a:ln>
+        </p:spPr>
+        <p:style>
+          <a:lnRef idx="1">
+            <a:schemeClr val="accent1"/>
+          </a:lnRef>
+          <a:fillRef idx="0">
+            <a:schemeClr val="accent1"/>
+          </a:fillRef>
+          <a:effectRef idx="0">
+            <a:schemeClr val="accent1"/>
+          </a:effectRef>
+          <a:fontRef idx="minor">
+            <a:schemeClr val="tx1"/>
+          </a:fontRef>
+        </p:style>
+      </p:cxnSp>
+      <p:cxnSp>
+        <p:nvCxnSpPr>
+          <p:cNvPr id="34" name="直線接點 33"/>
+          <p:cNvCxnSpPr/>
+          <p:nvPr/>
+        </p:nvCxnSpPr>
+        <p:spPr>
+          <a:xfrm flipV="1">
+            <a:off x="6585626" y="4416358"/>
+            <a:ext cx="0" cy="515565"/>
+          </a:xfrm>
+          <a:prstGeom prst="line">
+            <a:avLst/>
+          </a:prstGeom>
+          <a:ln>
+            <a:solidFill>
+              <a:schemeClr val="tx1"/>
+            </a:solidFill>
+          </a:ln>
+        </p:spPr>
+        <p:style>
+          <a:lnRef idx="1">
+            <a:schemeClr val="accent1"/>
+          </a:lnRef>
+          <a:fillRef idx="0">
+            <a:schemeClr val="accent1"/>
+          </a:fillRef>
+          <a:effectRef idx="0">
+            <a:schemeClr val="accent1"/>
+          </a:effectRef>
+          <a:fontRef idx="minor">
+            <a:schemeClr val="tx1"/>
+          </a:fontRef>
+        </p:style>
+      </p:cxnSp>
+      <p:cxnSp>
+        <p:nvCxnSpPr>
+          <p:cNvPr id="35" name="直線接點 34"/>
+          <p:cNvCxnSpPr/>
+          <p:nvPr/>
+        </p:nvCxnSpPr>
+        <p:spPr>
+          <a:xfrm>
+            <a:off x="3092196" y="4922193"/>
+            <a:ext cx="3493430" cy="9730"/>
+          </a:xfrm>
+          <a:prstGeom prst="line">
+            <a:avLst/>
+          </a:prstGeom>
+          <a:ln>
+            <a:solidFill>
+              <a:schemeClr val="tx1"/>
+            </a:solidFill>
+          </a:ln>
+        </p:spPr>
+        <p:style>
+          <a:lnRef idx="1">
+            <a:schemeClr val="accent1"/>
+          </a:lnRef>
+          <a:fillRef idx="0">
+            <a:schemeClr val="accent1"/>
+          </a:fillRef>
+          <a:effectRef idx="0">
+            <a:schemeClr val="accent1"/>
+          </a:effectRef>
+          <a:fontRef idx="minor">
+            <a:schemeClr val="tx1"/>
+          </a:fontRef>
+        </p:style>
+      </p:cxnSp>
+      <p:cxnSp>
+        <p:nvCxnSpPr>
+          <p:cNvPr id="36" name="直線單箭頭接點 35"/>
+          <p:cNvCxnSpPr>
+            <a:endCxn id="8" idx="2"/>
+          </p:cNvCxnSpPr>
+          <p:nvPr/>
+        </p:nvCxnSpPr>
+        <p:spPr>
+          <a:xfrm flipV="1">
+            <a:off x="3083668" y="4406629"/>
+            <a:ext cx="0" cy="515564"/>
+          </a:xfrm>
+          <a:prstGeom prst="straightConnector1">
+            <a:avLst/>
+          </a:prstGeom>
+          <a:ln>
+            <a:solidFill>
+              <a:schemeClr val="tx1"/>
+            </a:solidFill>
+            <a:tailEnd type="triangle"/>
+          </a:ln>
+        </p:spPr>
+        <p:style>
+          <a:lnRef idx="1">
+            <a:schemeClr val="accent1"/>
+          </a:lnRef>
+          <a:fillRef idx="0">
+            <a:schemeClr val="accent1"/>
+          </a:fillRef>
+          <a:effectRef idx="0">
+            <a:schemeClr val="accent1"/>
+          </a:effectRef>
+          <a:fontRef idx="minor">
+            <a:schemeClr val="tx1"/>
+          </a:fontRef>
+        </p:style>
+      </p:cxnSp>
+    </p:spTree>
+    <p:extLst>
+      <p:ext uri="{BB962C8B-B14F-4D97-AF65-F5344CB8AC3E}">
+        <p14:creationId xmlns:p14="http://schemas.microsoft.com/office/powerpoint/2010/main" val="1316925669"/>
+      </p:ext>
+    </p:extLst>
+  </p:cSld>
+  <p:clrMapOvr>
+    <a:masterClrMapping/>
+  </p:clrMapOvr>
+</p:sld>
+</file>
+
 <file path=ppt/slides/slide2.xml><?xml version="1.0" encoding="utf-8"?>
 <p:sld xmlns:a="http://schemas.openxmlformats.org/drawingml/2006/main" xmlns:r="http://schemas.openxmlformats.org/officeDocument/2006/relationships" xmlns:p="http://schemas.openxmlformats.org/presentationml/2006/main">
   <p:cSld>

--- a/論文/模型圖繪製.pptx
+++ b/論文/模型圖繪製.pptx
@@ -22,6 +22,7 @@
     <p:sldId id="270" r:id="rId16"/>
     <p:sldId id="271" r:id="rId17"/>
     <p:sldId id="272" r:id="rId18"/>
+    <p:sldId id="273" r:id="rId19"/>
   </p:sldIdLst>
   <p:sldSz cx="12192000" cy="6858000"/>
   <p:notesSz cx="6858000" cy="9144000"/>
@@ -259,7 +260,7 @@
           <a:p>
             <a:fld id="{587DF574-9317-4403-A25B-38C86415A09B}" type="datetimeFigureOut">
               <a:rPr lang="zh-TW" altLang="en-US" smtClean="0"/>
-              <a:t>2022/5/18</a:t>
+              <a:t>2022/6/13</a:t>
             </a:fld>
             <a:endParaRPr lang="zh-TW" altLang="en-US"/>
           </a:p>
@@ -429,7 +430,7 @@
           <a:p>
             <a:fld id="{587DF574-9317-4403-A25B-38C86415A09B}" type="datetimeFigureOut">
               <a:rPr lang="zh-TW" altLang="en-US" smtClean="0"/>
-              <a:t>2022/5/18</a:t>
+              <a:t>2022/6/13</a:t>
             </a:fld>
             <a:endParaRPr lang="zh-TW" altLang="en-US"/>
           </a:p>
@@ -609,7 +610,7 @@
           <a:p>
             <a:fld id="{587DF574-9317-4403-A25B-38C86415A09B}" type="datetimeFigureOut">
               <a:rPr lang="zh-TW" altLang="en-US" smtClean="0"/>
-              <a:t>2022/5/18</a:t>
+              <a:t>2022/6/13</a:t>
             </a:fld>
             <a:endParaRPr lang="zh-TW" altLang="en-US"/>
           </a:p>
@@ -779,7 +780,7 @@
           <a:p>
             <a:fld id="{587DF574-9317-4403-A25B-38C86415A09B}" type="datetimeFigureOut">
               <a:rPr lang="zh-TW" altLang="en-US" smtClean="0"/>
-              <a:t>2022/5/18</a:t>
+              <a:t>2022/6/13</a:t>
             </a:fld>
             <a:endParaRPr lang="zh-TW" altLang="en-US"/>
           </a:p>
@@ -1025,7 +1026,7 @@
           <a:p>
             <a:fld id="{587DF574-9317-4403-A25B-38C86415A09B}" type="datetimeFigureOut">
               <a:rPr lang="zh-TW" altLang="en-US" smtClean="0"/>
-              <a:t>2022/5/18</a:t>
+              <a:t>2022/6/13</a:t>
             </a:fld>
             <a:endParaRPr lang="zh-TW" altLang="en-US"/>
           </a:p>
@@ -1257,7 +1258,7 @@
           <a:p>
             <a:fld id="{587DF574-9317-4403-A25B-38C86415A09B}" type="datetimeFigureOut">
               <a:rPr lang="zh-TW" altLang="en-US" smtClean="0"/>
-              <a:t>2022/5/18</a:t>
+              <a:t>2022/6/13</a:t>
             </a:fld>
             <a:endParaRPr lang="zh-TW" altLang="en-US"/>
           </a:p>
@@ -1624,7 +1625,7 @@
           <a:p>
             <a:fld id="{587DF574-9317-4403-A25B-38C86415A09B}" type="datetimeFigureOut">
               <a:rPr lang="zh-TW" altLang="en-US" smtClean="0"/>
-              <a:t>2022/5/18</a:t>
+              <a:t>2022/6/13</a:t>
             </a:fld>
             <a:endParaRPr lang="zh-TW" altLang="en-US"/>
           </a:p>
@@ -1742,7 +1743,7 @@
           <a:p>
             <a:fld id="{587DF574-9317-4403-A25B-38C86415A09B}" type="datetimeFigureOut">
               <a:rPr lang="zh-TW" altLang="en-US" smtClean="0"/>
-              <a:t>2022/5/18</a:t>
+              <a:t>2022/6/13</a:t>
             </a:fld>
             <a:endParaRPr lang="zh-TW" altLang="en-US"/>
           </a:p>
@@ -1837,7 +1838,7 @@
           <a:p>
             <a:fld id="{587DF574-9317-4403-A25B-38C86415A09B}" type="datetimeFigureOut">
               <a:rPr lang="zh-TW" altLang="en-US" smtClean="0"/>
-              <a:t>2022/5/18</a:t>
+              <a:t>2022/6/13</a:t>
             </a:fld>
             <a:endParaRPr lang="zh-TW" altLang="en-US"/>
           </a:p>
@@ -2114,7 +2115,7 @@
           <a:p>
             <a:fld id="{587DF574-9317-4403-A25B-38C86415A09B}" type="datetimeFigureOut">
               <a:rPr lang="zh-TW" altLang="en-US" smtClean="0"/>
-              <a:t>2022/5/18</a:t>
+              <a:t>2022/6/13</a:t>
             </a:fld>
             <a:endParaRPr lang="zh-TW" altLang="en-US"/>
           </a:p>
@@ -2367,7 +2368,7 @@
           <a:p>
             <a:fld id="{587DF574-9317-4403-A25B-38C86415A09B}" type="datetimeFigureOut">
               <a:rPr lang="zh-TW" altLang="en-US" smtClean="0"/>
-              <a:t>2022/5/18</a:t>
+              <a:t>2022/6/13</a:t>
             </a:fld>
             <a:endParaRPr lang="zh-TW" altLang="en-US"/>
           </a:p>
@@ -2580,7 +2581,7 @@
           <a:p>
             <a:fld id="{587DF574-9317-4403-A25B-38C86415A09B}" type="datetimeFigureOut">
               <a:rPr lang="zh-TW" altLang="en-US" smtClean="0"/>
-              <a:t>2022/5/18</a:t>
+              <a:t>2022/6/13</a:t>
             </a:fld>
             <a:endParaRPr lang="zh-TW" altLang="en-US"/>
           </a:p>
@@ -7809,6 +7810,602 @@
 </p:sld>
 </file>
 
+<file path=ppt/slides/slide18.xml><?xml version="1.0" encoding="utf-8"?>
+<p:sld xmlns:a="http://schemas.openxmlformats.org/drawingml/2006/main" xmlns:r="http://schemas.openxmlformats.org/officeDocument/2006/relationships" xmlns:p="http://schemas.openxmlformats.org/presentationml/2006/main">
+  <p:cSld>
+    <p:spTree>
+      <p:nvGrpSpPr>
+        <p:cNvPr id="1" name=""/>
+        <p:cNvGrpSpPr/>
+        <p:nvPr/>
+      </p:nvGrpSpPr>
+      <p:grpSpPr>
+        <a:xfrm>
+          <a:off x="0" y="0"/>
+          <a:ext cx="0" cy="0"/>
+          <a:chOff x="0" y="0"/>
+          <a:chExt cx="0" cy="0"/>
+        </a:xfrm>
+      </p:grpSpPr>
+      <p:sp>
+        <p:nvSpPr>
+          <p:cNvPr id="4" name="圓角矩形 3"/>
+          <p:cNvSpPr/>
+          <p:nvPr/>
+        </p:nvSpPr>
+        <p:spPr>
+          <a:xfrm>
+            <a:off x="1070054" y="927112"/>
+            <a:ext cx="1585608" cy="865762"/>
+          </a:xfrm>
+          <a:prstGeom prst="roundRect">
+            <a:avLst/>
+          </a:prstGeom>
+          <a:solidFill>
+            <a:schemeClr val="bg1"/>
+          </a:solidFill>
+          <a:ln>
+            <a:solidFill>
+              <a:schemeClr val="tx1"/>
+            </a:solidFill>
+          </a:ln>
+        </p:spPr>
+        <p:style>
+          <a:lnRef idx="2">
+            <a:schemeClr val="accent1">
+              <a:shade val="50000"/>
+            </a:schemeClr>
+          </a:lnRef>
+          <a:fillRef idx="1">
+            <a:schemeClr val="accent1"/>
+          </a:fillRef>
+          <a:effectRef idx="0">
+            <a:schemeClr val="accent1"/>
+          </a:effectRef>
+          <a:fontRef idx="minor">
+            <a:schemeClr val="lt1"/>
+          </a:fontRef>
+        </p:style>
+        <p:txBody>
+          <a:bodyPr rtlCol="0" anchor="ctr"/>
+          <a:lstStyle/>
+          <a:p>
+            <a:pPr algn="ctr"/>
+            <a:r>
+              <a:rPr lang="zh-TW" altLang="en-US" sz="1600" dirty="0" smtClean="0">
+                <a:solidFill>
+                  <a:schemeClr val="tx1"/>
+                </a:solidFill>
+                <a:latin typeface="Times New Roman" panose="02020603050405020304" pitchFamily="18" charset="0"/>
+                <a:ea typeface="標楷體" panose="03000509000000000000" pitchFamily="65" charset="-120"/>
+              </a:rPr>
+              <a:t>資料蒐集</a:t>
+            </a:r>
+            <a:endParaRPr lang="zh-TW" altLang="en-US" sz="1600" dirty="0">
+              <a:solidFill>
+                <a:schemeClr val="tx1"/>
+              </a:solidFill>
+              <a:latin typeface="Times New Roman" panose="02020603050405020304" pitchFamily="18" charset="0"/>
+              <a:ea typeface="標楷體" panose="03000509000000000000" pitchFamily="65" charset="-120"/>
+            </a:endParaRPr>
+          </a:p>
+        </p:txBody>
+      </p:sp>
+      <p:cxnSp>
+        <p:nvCxnSpPr>
+          <p:cNvPr id="5" name="直線單箭頭接點 4"/>
+          <p:cNvCxnSpPr/>
+          <p:nvPr/>
+        </p:nvCxnSpPr>
+        <p:spPr>
+          <a:xfrm flipV="1">
+            <a:off x="2672658" y="2863953"/>
+            <a:ext cx="1108426" cy="1232"/>
+          </a:xfrm>
+          <a:prstGeom prst="straightConnector1">
+            <a:avLst/>
+          </a:prstGeom>
+          <a:ln>
+            <a:solidFill>
+              <a:schemeClr val="tx1"/>
+            </a:solidFill>
+            <a:tailEnd type="triangle"/>
+          </a:ln>
+        </p:spPr>
+        <p:style>
+          <a:lnRef idx="1">
+            <a:schemeClr val="accent1"/>
+          </a:lnRef>
+          <a:fillRef idx="0">
+            <a:schemeClr val="accent1"/>
+          </a:fillRef>
+          <a:effectRef idx="0">
+            <a:schemeClr val="accent1"/>
+          </a:effectRef>
+          <a:fontRef idx="minor">
+            <a:schemeClr val="tx1"/>
+          </a:fontRef>
+        </p:style>
+      </p:cxnSp>
+      <p:sp>
+        <p:nvSpPr>
+          <p:cNvPr id="6" name="圓角矩形 5"/>
+          <p:cNvSpPr/>
+          <p:nvPr/>
+        </p:nvSpPr>
+        <p:spPr>
+          <a:xfrm>
+            <a:off x="1070054" y="2432304"/>
+            <a:ext cx="1585608" cy="865762"/>
+          </a:xfrm>
+          <a:prstGeom prst="roundRect">
+            <a:avLst/>
+          </a:prstGeom>
+          <a:solidFill>
+            <a:schemeClr val="bg1"/>
+          </a:solidFill>
+          <a:ln>
+            <a:solidFill>
+              <a:schemeClr val="tx1"/>
+            </a:solidFill>
+          </a:ln>
+        </p:spPr>
+        <p:style>
+          <a:lnRef idx="2">
+            <a:schemeClr val="accent1">
+              <a:shade val="50000"/>
+            </a:schemeClr>
+          </a:lnRef>
+          <a:fillRef idx="1">
+            <a:schemeClr val="accent1"/>
+          </a:fillRef>
+          <a:effectRef idx="0">
+            <a:schemeClr val="accent1"/>
+          </a:effectRef>
+          <a:fontRef idx="minor">
+            <a:schemeClr val="lt1"/>
+          </a:fontRef>
+        </p:style>
+        <p:txBody>
+          <a:bodyPr rtlCol="0" anchor="ctr"/>
+          <a:lstStyle/>
+          <a:p>
+            <a:pPr algn="ctr"/>
+            <a:r>
+              <a:rPr lang="zh-TW" altLang="en-US" sz="1600" dirty="0" smtClean="0">
+                <a:solidFill>
+                  <a:schemeClr val="tx1"/>
+                </a:solidFill>
+                <a:latin typeface="Times New Roman" panose="02020603050405020304" pitchFamily="18" charset="0"/>
+                <a:ea typeface="標楷體" panose="03000509000000000000" pitchFamily="65" charset="-120"/>
+              </a:rPr>
+              <a:t>資料</a:t>
+            </a:r>
+            <a:r>
+              <a:rPr lang="zh-TW" altLang="en-US" sz="1600" dirty="0">
+                <a:solidFill>
+                  <a:schemeClr val="tx1"/>
+                </a:solidFill>
+                <a:latin typeface="Times New Roman" panose="02020603050405020304" pitchFamily="18" charset="0"/>
+                <a:ea typeface="標楷體" panose="03000509000000000000" pitchFamily="65" charset="-120"/>
+              </a:rPr>
+              <a:t>前處理</a:t>
+            </a:r>
+          </a:p>
+        </p:txBody>
+      </p:sp>
+      <p:sp>
+        <p:nvSpPr>
+          <p:cNvPr id="8" name="圓角矩形 7"/>
+          <p:cNvSpPr/>
+          <p:nvPr/>
+        </p:nvSpPr>
+        <p:spPr>
+          <a:xfrm>
+            <a:off x="3781084" y="2432304"/>
+            <a:ext cx="1585608" cy="865762"/>
+          </a:xfrm>
+          <a:prstGeom prst="roundRect">
+            <a:avLst/>
+          </a:prstGeom>
+          <a:solidFill>
+            <a:schemeClr val="bg1"/>
+          </a:solidFill>
+          <a:ln>
+            <a:solidFill>
+              <a:schemeClr val="tx1"/>
+            </a:solidFill>
+          </a:ln>
+        </p:spPr>
+        <p:style>
+          <a:lnRef idx="2">
+            <a:schemeClr val="accent1">
+              <a:shade val="50000"/>
+            </a:schemeClr>
+          </a:lnRef>
+          <a:fillRef idx="1">
+            <a:schemeClr val="accent1"/>
+          </a:fillRef>
+          <a:effectRef idx="0">
+            <a:schemeClr val="accent1"/>
+          </a:effectRef>
+          <a:fontRef idx="minor">
+            <a:schemeClr val="lt1"/>
+          </a:fontRef>
+        </p:style>
+        <p:txBody>
+          <a:bodyPr rtlCol="0" anchor="ctr"/>
+          <a:lstStyle/>
+          <a:p>
+            <a:pPr algn="ctr"/>
+            <a:r>
+              <a:rPr lang="zh-TW" altLang="en-US" sz="1600" dirty="0">
+                <a:solidFill>
+                  <a:schemeClr val="tx1"/>
+                </a:solidFill>
+                <a:latin typeface="Times New Roman" panose="02020603050405020304" pitchFamily="18" charset="0"/>
+                <a:ea typeface="標楷體" panose="03000509000000000000" pitchFamily="65" charset="-120"/>
+              </a:rPr>
+              <a:t>風格轉換</a:t>
+            </a:r>
+            <a:endParaRPr lang="en-US" altLang="zh-TW" sz="1600" dirty="0">
+              <a:solidFill>
+                <a:schemeClr val="tx1"/>
+              </a:solidFill>
+              <a:latin typeface="Times New Roman" panose="02020603050405020304" pitchFamily="18" charset="0"/>
+              <a:ea typeface="標楷體" panose="03000509000000000000" pitchFamily="65" charset="-120"/>
+            </a:endParaRPr>
+          </a:p>
+          <a:p>
+            <a:pPr algn="ctr"/>
+            <a:r>
+              <a:rPr lang="en-US" altLang="zh-TW" sz="1600" dirty="0">
+                <a:solidFill>
+                  <a:schemeClr val="tx1"/>
+                </a:solidFill>
+                <a:latin typeface="Times New Roman" panose="02020603050405020304" pitchFamily="18" charset="0"/>
+                <a:ea typeface="標楷體" panose="03000509000000000000" pitchFamily="65" charset="-120"/>
+              </a:rPr>
+              <a:t>(</a:t>
+            </a:r>
+            <a:r>
+              <a:rPr lang="en-US" altLang="zh-TW" sz="1600" dirty="0" err="1">
+                <a:solidFill>
+                  <a:schemeClr val="tx1"/>
+                </a:solidFill>
+                <a:latin typeface="Times New Roman" panose="02020603050405020304" pitchFamily="18" charset="0"/>
+                <a:ea typeface="標楷體" panose="03000509000000000000" pitchFamily="65" charset="-120"/>
+              </a:rPr>
+              <a:t>CycleGAN</a:t>
+            </a:r>
+            <a:r>
+              <a:rPr lang="en-US" altLang="zh-TW" sz="1600" dirty="0">
+                <a:solidFill>
+                  <a:schemeClr val="tx1"/>
+                </a:solidFill>
+                <a:latin typeface="Times New Roman" panose="02020603050405020304" pitchFamily="18" charset="0"/>
+                <a:ea typeface="標楷體" panose="03000509000000000000" pitchFamily="65" charset="-120"/>
+              </a:rPr>
+              <a:t>)</a:t>
+            </a:r>
+            <a:endParaRPr lang="zh-TW" altLang="en-US" sz="1600" dirty="0">
+              <a:solidFill>
+                <a:schemeClr val="tx1"/>
+              </a:solidFill>
+              <a:latin typeface="Times New Roman" panose="02020603050405020304" pitchFamily="18" charset="0"/>
+              <a:ea typeface="標楷體" panose="03000509000000000000" pitchFamily="65" charset="-120"/>
+            </a:endParaRPr>
+          </a:p>
+        </p:txBody>
+      </p:sp>
+      <p:cxnSp>
+        <p:nvCxnSpPr>
+          <p:cNvPr id="9" name="直線單箭頭接點 8"/>
+          <p:cNvCxnSpPr/>
+          <p:nvPr/>
+        </p:nvCxnSpPr>
+        <p:spPr>
+          <a:xfrm>
+            <a:off x="1862858" y="3318169"/>
+            <a:ext cx="0" cy="619327"/>
+          </a:xfrm>
+          <a:prstGeom prst="straightConnector1">
+            <a:avLst/>
+          </a:prstGeom>
+          <a:ln>
+            <a:solidFill>
+              <a:schemeClr val="tx1"/>
+            </a:solidFill>
+            <a:tailEnd type="triangle"/>
+          </a:ln>
+        </p:spPr>
+        <p:style>
+          <a:lnRef idx="1">
+            <a:schemeClr val="accent1"/>
+          </a:lnRef>
+          <a:fillRef idx="0">
+            <a:schemeClr val="accent1"/>
+          </a:fillRef>
+          <a:effectRef idx="0">
+            <a:schemeClr val="accent1"/>
+          </a:effectRef>
+          <a:fontRef idx="minor">
+            <a:schemeClr val="tx1"/>
+          </a:fontRef>
+        </p:style>
+      </p:cxnSp>
+      <p:sp>
+        <p:nvSpPr>
+          <p:cNvPr id="10" name="圓角矩形 9"/>
+          <p:cNvSpPr/>
+          <p:nvPr/>
+        </p:nvSpPr>
+        <p:spPr>
+          <a:xfrm>
+            <a:off x="1070054" y="3957599"/>
+            <a:ext cx="1585608" cy="865762"/>
+          </a:xfrm>
+          <a:prstGeom prst="roundRect">
+            <a:avLst/>
+          </a:prstGeom>
+          <a:solidFill>
+            <a:schemeClr val="bg1"/>
+          </a:solidFill>
+          <a:ln>
+            <a:solidFill>
+              <a:schemeClr val="tx1"/>
+            </a:solidFill>
+          </a:ln>
+        </p:spPr>
+        <p:style>
+          <a:lnRef idx="2">
+            <a:schemeClr val="accent1">
+              <a:shade val="50000"/>
+            </a:schemeClr>
+          </a:lnRef>
+          <a:fillRef idx="1">
+            <a:schemeClr val="accent1"/>
+          </a:fillRef>
+          <a:effectRef idx="0">
+            <a:schemeClr val="accent1"/>
+          </a:effectRef>
+          <a:fontRef idx="minor">
+            <a:schemeClr val="lt1"/>
+          </a:fontRef>
+        </p:style>
+        <p:txBody>
+          <a:bodyPr rtlCol="0" anchor="ctr"/>
+          <a:lstStyle/>
+          <a:p>
+            <a:pPr algn="ctr"/>
+            <a:r>
+              <a:rPr lang="zh-TW" altLang="en-US" sz="1600" dirty="0">
+                <a:solidFill>
+                  <a:schemeClr val="tx1"/>
+                </a:solidFill>
+                <a:latin typeface="Times New Roman" panose="02020603050405020304" pitchFamily="18" charset="0"/>
+                <a:ea typeface="標楷體" panose="03000509000000000000" pitchFamily="65" charset="-120"/>
+              </a:rPr>
+              <a:t>圖像</a:t>
+            </a:r>
+            <a:r>
+              <a:rPr lang="zh-TW" altLang="en-US" sz="1600" dirty="0" smtClean="0">
+                <a:solidFill>
+                  <a:schemeClr val="tx1"/>
+                </a:solidFill>
+                <a:latin typeface="Times New Roman" panose="02020603050405020304" pitchFamily="18" charset="0"/>
+                <a:ea typeface="標楷體" panose="03000509000000000000" pitchFamily="65" charset="-120"/>
+              </a:rPr>
+              <a:t>轉換</a:t>
+            </a:r>
+            <a:endParaRPr lang="en-US" altLang="zh-TW" sz="1600" dirty="0" smtClean="0">
+              <a:solidFill>
+                <a:schemeClr val="tx1"/>
+              </a:solidFill>
+              <a:latin typeface="Times New Roman" panose="02020603050405020304" pitchFamily="18" charset="0"/>
+              <a:ea typeface="標楷體" panose="03000509000000000000" pitchFamily="65" charset="-120"/>
+            </a:endParaRPr>
+          </a:p>
+          <a:p>
+            <a:pPr algn="ctr"/>
+            <a:r>
+              <a:rPr lang="en-US" altLang="zh-TW" sz="1600" dirty="0" smtClean="0">
+                <a:solidFill>
+                  <a:schemeClr val="tx1"/>
+                </a:solidFill>
+                <a:latin typeface="Times New Roman" panose="02020603050405020304" pitchFamily="18" charset="0"/>
+                <a:ea typeface="標楷體" panose="03000509000000000000" pitchFamily="65" charset="-120"/>
+              </a:rPr>
+              <a:t>(Pix2pix)</a:t>
+            </a:r>
+            <a:endParaRPr lang="zh-TW" altLang="en-US" sz="1600" dirty="0">
+              <a:solidFill>
+                <a:schemeClr val="tx1"/>
+              </a:solidFill>
+              <a:latin typeface="Times New Roman" panose="02020603050405020304" pitchFamily="18" charset="0"/>
+              <a:ea typeface="標楷體" panose="03000509000000000000" pitchFamily="65" charset="-120"/>
+            </a:endParaRPr>
+          </a:p>
+        </p:txBody>
+      </p:sp>
+      <p:cxnSp>
+        <p:nvCxnSpPr>
+          <p:cNvPr id="11" name="直線單箭頭接點 10"/>
+          <p:cNvCxnSpPr/>
+          <p:nvPr/>
+        </p:nvCxnSpPr>
+        <p:spPr>
+          <a:xfrm>
+            <a:off x="4573888" y="3318169"/>
+            <a:ext cx="0" cy="619327"/>
+          </a:xfrm>
+          <a:prstGeom prst="straightConnector1">
+            <a:avLst/>
+          </a:prstGeom>
+          <a:ln>
+            <a:solidFill>
+              <a:schemeClr val="tx1"/>
+            </a:solidFill>
+            <a:tailEnd type="triangle"/>
+          </a:ln>
+        </p:spPr>
+        <p:style>
+          <a:lnRef idx="1">
+            <a:schemeClr val="accent1"/>
+          </a:lnRef>
+          <a:fillRef idx="0">
+            <a:schemeClr val="accent1"/>
+          </a:fillRef>
+          <a:effectRef idx="0">
+            <a:schemeClr val="accent1"/>
+          </a:effectRef>
+          <a:fontRef idx="minor">
+            <a:schemeClr val="tx1"/>
+          </a:fontRef>
+        </p:style>
+      </p:cxnSp>
+      <p:cxnSp>
+        <p:nvCxnSpPr>
+          <p:cNvPr id="15" name="直線單箭頭接點 14"/>
+          <p:cNvCxnSpPr/>
+          <p:nvPr/>
+        </p:nvCxnSpPr>
+        <p:spPr>
+          <a:xfrm flipV="1">
+            <a:off x="2655662" y="4390480"/>
+            <a:ext cx="1108426" cy="1232"/>
+          </a:xfrm>
+          <a:prstGeom prst="straightConnector1">
+            <a:avLst/>
+          </a:prstGeom>
+          <a:ln>
+            <a:solidFill>
+              <a:schemeClr val="tx1"/>
+            </a:solidFill>
+            <a:tailEnd type="triangle"/>
+          </a:ln>
+        </p:spPr>
+        <p:style>
+          <a:lnRef idx="1">
+            <a:schemeClr val="accent1"/>
+          </a:lnRef>
+          <a:fillRef idx="0">
+            <a:schemeClr val="accent1"/>
+          </a:fillRef>
+          <a:effectRef idx="0">
+            <a:schemeClr val="accent1"/>
+          </a:effectRef>
+          <a:fontRef idx="minor">
+            <a:schemeClr val="tx1"/>
+          </a:fontRef>
+        </p:style>
+      </p:cxnSp>
+      <p:sp>
+        <p:nvSpPr>
+          <p:cNvPr id="17" name="圓角矩形 16"/>
+          <p:cNvSpPr/>
+          <p:nvPr/>
+        </p:nvSpPr>
+        <p:spPr>
+          <a:xfrm>
+            <a:off x="3781084" y="3957599"/>
+            <a:ext cx="1585608" cy="865762"/>
+          </a:xfrm>
+          <a:prstGeom prst="roundRect">
+            <a:avLst/>
+          </a:prstGeom>
+          <a:solidFill>
+            <a:schemeClr val="bg1"/>
+          </a:solidFill>
+          <a:ln>
+            <a:solidFill>
+              <a:schemeClr val="tx1"/>
+            </a:solidFill>
+          </a:ln>
+        </p:spPr>
+        <p:style>
+          <a:lnRef idx="2">
+            <a:schemeClr val="accent1">
+              <a:shade val="50000"/>
+            </a:schemeClr>
+          </a:lnRef>
+          <a:fillRef idx="1">
+            <a:schemeClr val="accent1"/>
+          </a:fillRef>
+          <a:effectRef idx="0">
+            <a:schemeClr val="accent1"/>
+          </a:effectRef>
+          <a:fontRef idx="minor">
+            <a:schemeClr val="lt1"/>
+          </a:fontRef>
+        </p:style>
+        <p:txBody>
+          <a:bodyPr rtlCol="0" anchor="ctr"/>
+          <a:lstStyle/>
+          <a:p>
+            <a:pPr algn="ctr"/>
+            <a:r>
+              <a:rPr lang="zh-TW" altLang="en-US" sz="1600" dirty="0">
+                <a:solidFill>
+                  <a:schemeClr val="tx1"/>
+                </a:solidFill>
+                <a:latin typeface="Times New Roman" panose="02020603050405020304" pitchFamily="18" charset="0"/>
+                <a:ea typeface="標楷體" panose="03000509000000000000" pitchFamily="65" charset="-120"/>
+              </a:rPr>
+              <a:t>模型評估</a:t>
+            </a:r>
+          </a:p>
+        </p:txBody>
+      </p:sp>
+      <p:cxnSp>
+        <p:nvCxnSpPr>
+          <p:cNvPr id="18" name="直線單箭頭接點 17"/>
+          <p:cNvCxnSpPr/>
+          <p:nvPr/>
+        </p:nvCxnSpPr>
+        <p:spPr>
+          <a:xfrm>
+            <a:off x="1862858" y="1812977"/>
+            <a:ext cx="0" cy="619327"/>
+          </a:xfrm>
+          <a:prstGeom prst="straightConnector1">
+            <a:avLst/>
+          </a:prstGeom>
+          <a:ln>
+            <a:solidFill>
+              <a:schemeClr val="tx1"/>
+            </a:solidFill>
+            <a:tailEnd type="triangle"/>
+          </a:ln>
+        </p:spPr>
+        <p:style>
+          <a:lnRef idx="1">
+            <a:schemeClr val="accent1"/>
+          </a:lnRef>
+          <a:fillRef idx="0">
+            <a:schemeClr val="accent1"/>
+          </a:fillRef>
+          <a:effectRef idx="0">
+            <a:schemeClr val="accent1"/>
+          </a:effectRef>
+          <a:fontRef idx="minor">
+            <a:schemeClr val="tx1"/>
+          </a:fontRef>
+        </p:style>
+      </p:cxnSp>
+    </p:spTree>
+    <p:extLst>
+      <p:ext uri="{BB962C8B-B14F-4D97-AF65-F5344CB8AC3E}">
+        <p14:creationId xmlns:p14="http://schemas.microsoft.com/office/powerpoint/2010/main" val="41289123"/>
+      </p:ext>
+    </p:extLst>
+  </p:cSld>
+  <p:clrMapOvr>
+    <a:masterClrMapping/>
+  </p:clrMapOvr>
+</p:sld>
+</file>
+
 <file path=ppt/slides/slide2.xml><?xml version="1.0" encoding="utf-8"?>
 <p:sld xmlns:a="http://schemas.openxmlformats.org/drawingml/2006/main" xmlns:r="http://schemas.openxmlformats.org/officeDocument/2006/relationships" xmlns:p="http://schemas.openxmlformats.org/presentationml/2006/main">
   <p:cSld>
@@ -12305,340 +12902,430 @@
       </p:grpSpPr>
       <p:grpSp>
         <p:nvGrpSpPr>
-          <p:cNvPr id="55" name="群組 54"/>
+          <p:cNvPr id="4" name="群組 3"/>
           <p:cNvGrpSpPr/>
           <p:nvPr/>
         </p:nvGrpSpPr>
         <p:grpSpPr>
           <a:xfrm>
-            <a:off x="2383278" y="2305455"/>
+            <a:off x="6680958" y="2195727"/>
             <a:ext cx="4617395" cy="2350851"/>
             <a:chOff x="2383278" y="2305455"/>
             <a:chExt cx="4617395" cy="2350851"/>
           </a:xfrm>
         </p:grpSpPr>
-        <p:sp>
-          <p:nvSpPr>
-            <p:cNvPr id="3" name="圓角矩形 2"/>
-            <p:cNvSpPr/>
-            <p:nvPr/>
-          </p:nvSpPr>
-          <p:spPr>
+        <p:grpSp>
+          <p:nvGrpSpPr>
+            <p:cNvPr id="55" name="群組 54"/>
+            <p:cNvGrpSpPr/>
+            <p:nvPr/>
+          </p:nvGrpSpPr>
+          <p:grpSpPr>
             <a:xfrm>
               <a:off x="2383278" y="2305455"/>
-              <a:ext cx="1585608" cy="865762"/>
-            </a:xfrm>
-            <a:prstGeom prst="roundRect">
-              <a:avLst/>
-            </a:prstGeom>
-            <a:solidFill>
-              <a:schemeClr val="bg1"/>
-            </a:solidFill>
-            <a:ln>
-              <a:solidFill>
-                <a:schemeClr val="tx1"/>
-              </a:solidFill>
-            </a:ln>
-          </p:spPr>
-          <p:style>
-            <a:lnRef idx="2">
-              <a:schemeClr val="accent1">
-                <a:shade val="50000"/>
-              </a:schemeClr>
-            </a:lnRef>
-            <a:fillRef idx="1">
-              <a:schemeClr val="accent1"/>
-            </a:fillRef>
-            <a:effectRef idx="0">
-              <a:schemeClr val="accent1"/>
-            </a:effectRef>
-            <a:fontRef idx="minor">
-              <a:schemeClr val="lt1"/>
-            </a:fontRef>
-          </p:style>
-          <p:txBody>
-            <a:bodyPr rtlCol="0" anchor="ctr"/>
-            <a:lstStyle/>
-            <a:p>
-              <a:pPr algn="ctr"/>
-              <a:r>
-                <a:rPr lang="zh-TW" altLang="en-US" sz="1600" dirty="0" smtClean="0">
+              <a:ext cx="4617395" cy="2350851"/>
+              <a:chOff x="2383278" y="2305455"/>
+              <a:chExt cx="4617395" cy="2350851"/>
+            </a:xfrm>
+          </p:grpSpPr>
+          <p:sp>
+            <p:nvSpPr>
+              <p:cNvPr id="3" name="圓角矩形 2"/>
+              <p:cNvSpPr/>
+              <p:nvPr/>
+            </p:nvSpPr>
+            <p:spPr>
+              <a:xfrm>
+                <a:off x="2383278" y="2305455"/>
+                <a:ext cx="1585608" cy="865762"/>
+              </a:xfrm>
+              <a:prstGeom prst="roundRect">
+                <a:avLst/>
+              </a:prstGeom>
+              <a:solidFill>
+                <a:schemeClr val="bg1"/>
+              </a:solidFill>
+              <a:ln>
+                <a:solidFill>
+                  <a:schemeClr val="tx1"/>
+                </a:solidFill>
+              </a:ln>
+            </p:spPr>
+            <p:style>
+              <a:lnRef idx="2">
+                <a:schemeClr val="accent1">
+                  <a:shade val="50000"/>
+                </a:schemeClr>
+              </a:lnRef>
+              <a:fillRef idx="1">
+                <a:schemeClr val="accent1"/>
+              </a:fillRef>
+              <a:effectRef idx="0">
+                <a:schemeClr val="accent1"/>
+              </a:effectRef>
+              <a:fontRef idx="minor">
+                <a:schemeClr val="lt1"/>
+              </a:fontRef>
+            </p:style>
+            <p:txBody>
+              <a:bodyPr rtlCol="0" anchor="ctr"/>
+              <a:lstStyle/>
+              <a:p>
+                <a:pPr algn="ctr"/>
+                <a:r>
+                  <a:rPr lang="zh-TW" altLang="en-US" sz="1600" dirty="0" smtClean="0">
+                    <a:solidFill>
+                      <a:schemeClr val="tx1"/>
+                    </a:solidFill>
+                    <a:latin typeface="Times New Roman" panose="02020603050405020304" pitchFamily="18" charset="0"/>
+                    <a:ea typeface="標楷體" panose="03000509000000000000" pitchFamily="65" charset="-120"/>
+                  </a:rPr>
+                  <a:t>資料蒐集</a:t>
+                </a:r>
+                <a:endParaRPr lang="zh-TW" altLang="en-US" sz="1600" dirty="0">
                   <a:solidFill>
                     <a:schemeClr val="tx1"/>
                   </a:solidFill>
                   <a:latin typeface="Times New Roman" panose="02020603050405020304" pitchFamily="18" charset="0"/>
                   <a:ea typeface="標楷體" panose="03000509000000000000" pitchFamily="65" charset="-120"/>
-                </a:rPr>
-                <a:t>資料蒐集</a:t>
-              </a:r>
-              <a:endParaRPr lang="zh-TW" altLang="en-US" sz="1600" dirty="0">
+                </a:endParaRPr>
+              </a:p>
+            </p:txBody>
+          </p:sp>
+          <p:sp>
+            <p:nvSpPr>
+              <p:cNvPr id="34" name="圓角矩形 33"/>
+              <p:cNvSpPr/>
+              <p:nvPr/>
+            </p:nvSpPr>
+            <p:spPr>
+              <a:xfrm>
+                <a:off x="5415065" y="2305455"/>
+                <a:ext cx="1585608" cy="865762"/>
+              </a:xfrm>
+              <a:prstGeom prst="roundRect">
+                <a:avLst/>
+              </a:prstGeom>
+              <a:solidFill>
+                <a:schemeClr val="bg1"/>
+              </a:solidFill>
+              <a:ln>
                 <a:solidFill>
                   <a:schemeClr val="tx1"/>
                 </a:solidFill>
-                <a:latin typeface="Times New Roman" panose="02020603050405020304" pitchFamily="18" charset="0"/>
-                <a:ea typeface="標楷體" panose="03000509000000000000" pitchFamily="65" charset="-120"/>
-              </a:endParaRPr>
-            </a:p>
-          </p:txBody>
-        </p:sp>
-        <p:sp>
-          <p:nvSpPr>
-            <p:cNvPr id="34" name="圓角矩形 33"/>
-            <p:cNvSpPr/>
-            <p:nvPr/>
-          </p:nvSpPr>
-          <p:spPr>
-            <a:xfrm>
-              <a:off x="5415065" y="2305455"/>
-              <a:ext cx="1585608" cy="865762"/>
-            </a:xfrm>
-            <a:prstGeom prst="roundRect">
-              <a:avLst/>
-            </a:prstGeom>
-            <a:solidFill>
-              <a:schemeClr val="bg1"/>
-            </a:solidFill>
-            <a:ln>
-              <a:solidFill>
-                <a:schemeClr val="tx1"/>
-              </a:solidFill>
-            </a:ln>
-          </p:spPr>
-          <p:style>
-            <a:lnRef idx="2">
-              <a:schemeClr val="accent1">
-                <a:shade val="50000"/>
-              </a:schemeClr>
-            </a:lnRef>
-            <a:fillRef idx="1">
-              <a:schemeClr val="accent1"/>
-            </a:fillRef>
-            <a:effectRef idx="0">
-              <a:schemeClr val="accent1"/>
-            </a:effectRef>
-            <a:fontRef idx="minor">
-              <a:schemeClr val="lt1"/>
-            </a:fontRef>
-          </p:style>
-          <p:txBody>
-            <a:bodyPr rtlCol="0" anchor="ctr"/>
-            <a:lstStyle/>
-            <a:p>
-              <a:pPr algn="ctr"/>
-              <a:r>
-                <a:rPr lang="zh-TW" altLang="en-US" sz="1600" dirty="0">
+              </a:ln>
+            </p:spPr>
+            <p:style>
+              <a:lnRef idx="2">
+                <a:schemeClr val="accent1">
+                  <a:shade val="50000"/>
+                </a:schemeClr>
+              </a:lnRef>
+              <a:fillRef idx="1">
+                <a:schemeClr val="accent1"/>
+              </a:fillRef>
+              <a:effectRef idx="0">
+                <a:schemeClr val="accent1"/>
+              </a:effectRef>
+              <a:fontRef idx="minor">
+                <a:schemeClr val="lt1"/>
+              </a:fontRef>
+            </p:style>
+            <p:txBody>
+              <a:bodyPr rtlCol="0" anchor="ctr"/>
+              <a:lstStyle/>
+              <a:p>
+                <a:pPr algn="ctr"/>
+                <a:r>
+                  <a:rPr lang="zh-TW" altLang="en-US" sz="1600" dirty="0">
+                    <a:solidFill>
+                      <a:schemeClr val="tx1"/>
+                    </a:solidFill>
+                    <a:latin typeface="Times New Roman" panose="02020603050405020304" pitchFamily="18" charset="0"/>
+                    <a:ea typeface="標楷體" panose="03000509000000000000" pitchFamily="65" charset="-120"/>
+                  </a:rPr>
+                  <a:t>風格</a:t>
+                </a:r>
+                <a:r>
+                  <a:rPr lang="zh-TW" altLang="en-US" sz="1600" dirty="0" smtClean="0">
+                    <a:solidFill>
+                      <a:schemeClr val="tx1"/>
+                    </a:solidFill>
+                    <a:latin typeface="Times New Roman" panose="02020603050405020304" pitchFamily="18" charset="0"/>
+                    <a:ea typeface="標楷體" panose="03000509000000000000" pitchFamily="65" charset="-120"/>
+                  </a:rPr>
+                  <a:t>轉換</a:t>
+                </a:r>
+                <a:endParaRPr lang="en-US" altLang="zh-TW" sz="1600" dirty="0" smtClean="0">
                   <a:solidFill>
                     <a:schemeClr val="tx1"/>
                   </a:solidFill>
                   <a:latin typeface="Times New Roman" panose="02020603050405020304" pitchFamily="18" charset="0"/>
                   <a:ea typeface="標楷體" panose="03000509000000000000" pitchFamily="65" charset="-120"/>
-                </a:rPr>
-                <a:t>風格</a:t>
-              </a:r>
-              <a:r>
-                <a:rPr lang="zh-TW" altLang="en-US" sz="1600" dirty="0" smtClean="0">
+                </a:endParaRPr>
+              </a:p>
+              <a:p>
+                <a:pPr algn="ctr"/>
+                <a:r>
+                  <a:rPr lang="en-US" altLang="zh-TW" sz="1600" dirty="0" smtClean="0">
+                    <a:solidFill>
+                      <a:schemeClr val="tx1"/>
+                    </a:solidFill>
+                    <a:latin typeface="Times New Roman" panose="02020603050405020304" pitchFamily="18" charset="0"/>
+                    <a:ea typeface="標楷體" panose="03000509000000000000" pitchFamily="65" charset="-120"/>
+                  </a:rPr>
+                  <a:t>(CycleGAN)</a:t>
+                </a:r>
+                <a:endParaRPr lang="zh-TW" altLang="en-US" sz="1600" dirty="0">
                   <a:solidFill>
                     <a:schemeClr val="tx1"/>
                   </a:solidFill>
                   <a:latin typeface="Times New Roman" panose="02020603050405020304" pitchFamily="18" charset="0"/>
                   <a:ea typeface="標楷體" panose="03000509000000000000" pitchFamily="65" charset="-120"/>
-                </a:rPr>
-                <a:t>轉換</a:t>
-              </a:r>
-              <a:endParaRPr lang="en-US" altLang="zh-TW" sz="1600" dirty="0" smtClean="0">
+                </a:endParaRPr>
+              </a:p>
+            </p:txBody>
+          </p:sp>
+          <p:sp>
+            <p:nvSpPr>
+              <p:cNvPr id="35" name="圓角矩形 34"/>
+              <p:cNvSpPr/>
+              <p:nvPr/>
+            </p:nvSpPr>
+            <p:spPr>
+              <a:xfrm>
+                <a:off x="2383278" y="3790544"/>
+                <a:ext cx="1585608" cy="865762"/>
+              </a:xfrm>
+              <a:prstGeom prst="roundRect">
+                <a:avLst/>
+              </a:prstGeom>
+              <a:solidFill>
+                <a:schemeClr val="bg1"/>
+              </a:solidFill>
+              <a:ln>
                 <a:solidFill>
                   <a:schemeClr val="tx1"/>
                 </a:solidFill>
-                <a:latin typeface="Times New Roman" panose="02020603050405020304" pitchFamily="18" charset="0"/>
-                <a:ea typeface="標楷體" panose="03000509000000000000" pitchFamily="65" charset="-120"/>
-              </a:endParaRPr>
-            </a:p>
-            <a:p>
-              <a:pPr algn="ctr"/>
-              <a:r>
-                <a:rPr lang="en-US" altLang="zh-TW" sz="1600" dirty="0" smtClean="0">
+              </a:ln>
+            </p:spPr>
+            <p:style>
+              <a:lnRef idx="2">
+                <a:schemeClr val="accent1">
+                  <a:shade val="50000"/>
+                </a:schemeClr>
+              </a:lnRef>
+              <a:fillRef idx="1">
+                <a:schemeClr val="accent1"/>
+              </a:fillRef>
+              <a:effectRef idx="0">
+                <a:schemeClr val="accent1"/>
+              </a:effectRef>
+              <a:fontRef idx="minor">
+                <a:schemeClr val="lt1"/>
+              </a:fontRef>
+            </p:style>
+            <p:txBody>
+              <a:bodyPr rtlCol="0" anchor="ctr"/>
+              <a:lstStyle/>
+              <a:p>
+                <a:pPr algn="ctr"/>
+                <a:r>
+                  <a:rPr lang="zh-TW" altLang="en-US" sz="1600" dirty="0">
+                    <a:solidFill>
+                      <a:schemeClr val="tx1"/>
+                    </a:solidFill>
+                    <a:latin typeface="Times New Roman" panose="02020603050405020304" pitchFamily="18" charset="0"/>
+                    <a:ea typeface="標楷體" panose="03000509000000000000" pitchFamily="65" charset="-120"/>
+                  </a:rPr>
+                  <a:t>圖像</a:t>
+                </a:r>
+                <a:r>
+                  <a:rPr lang="zh-TW" altLang="en-US" sz="1600" dirty="0" smtClean="0">
+                    <a:solidFill>
+                      <a:schemeClr val="tx1"/>
+                    </a:solidFill>
+                    <a:latin typeface="Times New Roman" panose="02020603050405020304" pitchFamily="18" charset="0"/>
+                    <a:ea typeface="標楷體" panose="03000509000000000000" pitchFamily="65" charset="-120"/>
+                  </a:rPr>
+                  <a:t>轉換</a:t>
+                </a:r>
+                <a:endParaRPr lang="en-US" altLang="zh-TW" sz="1600" dirty="0" smtClean="0">
                   <a:solidFill>
                     <a:schemeClr val="tx1"/>
                   </a:solidFill>
                   <a:latin typeface="Times New Roman" panose="02020603050405020304" pitchFamily="18" charset="0"/>
                   <a:ea typeface="標楷體" panose="03000509000000000000" pitchFamily="65" charset="-120"/>
-                </a:rPr>
-                <a:t>(CycleGAN)</a:t>
-              </a:r>
-              <a:endParaRPr lang="zh-TW" altLang="en-US" sz="1600" dirty="0">
-                <a:solidFill>
-                  <a:schemeClr val="tx1"/>
-                </a:solidFill>
-                <a:latin typeface="Times New Roman" panose="02020603050405020304" pitchFamily="18" charset="0"/>
-                <a:ea typeface="標楷體" panose="03000509000000000000" pitchFamily="65" charset="-120"/>
-              </a:endParaRPr>
-            </a:p>
-          </p:txBody>
-        </p:sp>
-        <p:sp>
-          <p:nvSpPr>
-            <p:cNvPr id="35" name="圓角矩形 34"/>
-            <p:cNvSpPr/>
-            <p:nvPr/>
-          </p:nvSpPr>
-          <p:spPr>
-            <a:xfrm>
-              <a:off x="2383278" y="3790544"/>
-              <a:ext cx="1585608" cy="865762"/>
-            </a:xfrm>
-            <a:prstGeom prst="roundRect">
-              <a:avLst/>
-            </a:prstGeom>
-            <a:solidFill>
-              <a:schemeClr val="bg1"/>
-            </a:solidFill>
-            <a:ln>
-              <a:solidFill>
-                <a:schemeClr val="tx1"/>
-              </a:solidFill>
-            </a:ln>
-          </p:spPr>
-          <p:style>
-            <a:lnRef idx="2">
-              <a:schemeClr val="accent1">
-                <a:shade val="50000"/>
-              </a:schemeClr>
-            </a:lnRef>
-            <a:fillRef idx="1">
-              <a:schemeClr val="accent1"/>
-            </a:fillRef>
-            <a:effectRef idx="0">
-              <a:schemeClr val="accent1"/>
-            </a:effectRef>
-            <a:fontRef idx="minor">
-              <a:schemeClr val="lt1"/>
-            </a:fontRef>
-          </p:style>
-          <p:txBody>
-            <a:bodyPr rtlCol="0" anchor="ctr"/>
-            <a:lstStyle/>
-            <a:p>
-              <a:pPr algn="ctr"/>
-              <a:r>
-                <a:rPr lang="zh-TW" altLang="en-US" sz="1600" dirty="0">
+                </a:endParaRPr>
+              </a:p>
+              <a:p>
+                <a:pPr algn="ctr"/>
+                <a:r>
+                  <a:rPr lang="en-US" altLang="zh-TW" sz="1600" dirty="0" smtClean="0">
+                    <a:solidFill>
+                      <a:schemeClr val="tx1"/>
+                    </a:solidFill>
+                    <a:latin typeface="Times New Roman" panose="02020603050405020304" pitchFamily="18" charset="0"/>
+                    <a:ea typeface="標楷體" panose="03000509000000000000" pitchFamily="65" charset="-120"/>
+                  </a:rPr>
+                  <a:t>(Pix2pix)</a:t>
+                </a:r>
+                <a:endParaRPr lang="zh-TW" altLang="en-US" sz="1600" dirty="0">
                   <a:solidFill>
                     <a:schemeClr val="tx1"/>
                   </a:solidFill>
                   <a:latin typeface="Times New Roman" panose="02020603050405020304" pitchFamily="18" charset="0"/>
                   <a:ea typeface="標楷體" panose="03000509000000000000" pitchFamily="65" charset="-120"/>
-                </a:rPr>
-                <a:t>圖像</a:t>
-              </a:r>
-              <a:r>
-                <a:rPr lang="zh-TW" altLang="en-US" sz="1600" dirty="0" smtClean="0">
-                  <a:solidFill>
-                    <a:schemeClr val="tx1"/>
-                  </a:solidFill>
-                  <a:latin typeface="Times New Roman" panose="02020603050405020304" pitchFamily="18" charset="0"/>
-                  <a:ea typeface="標楷體" panose="03000509000000000000" pitchFamily="65" charset="-120"/>
-                </a:rPr>
-                <a:t>轉換</a:t>
-              </a:r>
-              <a:endParaRPr lang="en-US" altLang="zh-TW" sz="1600" dirty="0" smtClean="0">
+                </a:endParaRPr>
+              </a:p>
+            </p:txBody>
+          </p:sp>
+          <p:sp>
+            <p:nvSpPr>
+              <p:cNvPr id="36" name="圓角矩形 35"/>
+              <p:cNvSpPr/>
+              <p:nvPr/>
+            </p:nvSpPr>
+            <p:spPr>
+              <a:xfrm>
+                <a:off x="5415065" y="3790544"/>
+                <a:ext cx="1585608" cy="865762"/>
+              </a:xfrm>
+              <a:prstGeom prst="roundRect">
+                <a:avLst/>
+              </a:prstGeom>
+              <a:solidFill>
+                <a:schemeClr val="bg1"/>
+              </a:solidFill>
+              <a:ln>
                 <a:solidFill>
                   <a:schemeClr val="tx1"/>
                 </a:solidFill>
-                <a:latin typeface="Times New Roman" panose="02020603050405020304" pitchFamily="18" charset="0"/>
-                <a:ea typeface="標楷體" panose="03000509000000000000" pitchFamily="65" charset="-120"/>
-              </a:endParaRPr>
-            </a:p>
-            <a:p>
-              <a:pPr algn="ctr"/>
-              <a:r>
-                <a:rPr lang="en-US" altLang="zh-TW" sz="1600" dirty="0" smtClean="0">
-                  <a:solidFill>
-                    <a:schemeClr val="tx1"/>
-                  </a:solidFill>
-                  <a:latin typeface="Times New Roman" panose="02020603050405020304" pitchFamily="18" charset="0"/>
-                  <a:ea typeface="標楷體" panose="03000509000000000000" pitchFamily="65" charset="-120"/>
-                </a:rPr>
-                <a:t>(Pix2pix)</a:t>
-              </a:r>
-              <a:endParaRPr lang="zh-TW" altLang="en-US" sz="1600" dirty="0">
+              </a:ln>
+            </p:spPr>
+            <p:style>
+              <a:lnRef idx="2">
+                <a:schemeClr val="accent1">
+                  <a:shade val="50000"/>
+                </a:schemeClr>
+              </a:lnRef>
+              <a:fillRef idx="1">
+                <a:schemeClr val="accent1"/>
+              </a:fillRef>
+              <a:effectRef idx="0">
+                <a:schemeClr val="accent1"/>
+              </a:effectRef>
+              <a:fontRef idx="minor">
+                <a:schemeClr val="lt1"/>
+              </a:fontRef>
+            </p:style>
+            <p:txBody>
+              <a:bodyPr rtlCol="0" anchor="ctr"/>
+              <a:lstStyle/>
+              <a:p>
+                <a:pPr algn="ctr"/>
+                <a:r>
+                  <a:rPr lang="zh-TW" altLang="en-US" sz="1600" dirty="0">
+                    <a:solidFill>
+                      <a:schemeClr val="tx1"/>
+                    </a:solidFill>
+                    <a:latin typeface="Times New Roman" panose="02020603050405020304" pitchFamily="18" charset="0"/>
+                    <a:ea typeface="標楷體" panose="03000509000000000000" pitchFamily="65" charset="-120"/>
+                  </a:rPr>
+                  <a:t>模型評估</a:t>
+                </a:r>
+              </a:p>
+            </p:txBody>
+          </p:sp>
+          <p:cxnSp>
+            <p:nvCxnSpPr>
+              <p:cNvPr id="5" name="直線單箭頭接點 4"/>
+              <p:cNvCxnSpPr>
+                <a:stCxn id="3" idx="2"/>
+                <a:endCxn id="35" idx="0"/>
+              </p:cNvCxnSpPr>
+              <p:nvPr/>
+            </p:nvCxnSpPr>
+            <p:spPr>
+              <a:xfrm>
+                <a:off x="3176082" y="3171217"/>
+                <a:ext cx="0" cy="619327"/>
+              </a:xfrm>
+              <a:prstGeom prst="straightConnector1">
+                <a:avLst/>
+              </a:prstGeom>
+              <a:ln>
                 <a:solidFill>
                   <a:schemeClr val="tx1"/>
                 </a:solidFill>
-                <a:latin typeface="Times New Roman" panose="02020603050405020304" pitchFamily="18" charset="0"/>
-                <a:ea typeface="標楷體" panose="03000509000000000000" pitchFamily="65" charset="-120"/>
-              </a:endParaRPr>
-            </a:p>
-          </p:txBody>
-        </p:sp>
-        <p:sp>
-          <p:nvSpPr>
-            <p:cNvPr id="36" name="圓角矩形 35"/>
-            <p:cNvSpPr/>
-            <p:nvPr/>
-          </p:nvSpPr>
-          <p:spPr>
-            <a:xfrm>
-              <a:off x="5415065" y="3790544"/>
-              <a:ext cx="1585608" cy="865762"/>
-            </a:xfrm>
-            <a:prstGeom prst="roundRect">
-              <a:avLst/>
-            </a:prstGeom>
-            <a:solidFill>
-              <a:schemeClr val="bg1"/>
-            </a:solidFill>
-            <a:ln>
-              <a:solidFill>
-                <a:schemeClr val="tx1"/>
-              </a:solidFill>
-            </a:ln>
-          </p:spPr>
-          <p:style>
-            <a:lnRef idx="2">
-              <a:schemeClr val="accent1">
-                <a:shade val="50000"/>
-              </a:schemeClr>
-            </a:lnRef>
-            <a:fillRef idx="1">
-              <a:schemeClr val="accent1"/>
-            </a:fillRef>
-            <a:effectRef idx="0">
-              <a:schemeClr val="accent1"/>
-            </a:effectRef>
-            <a:fontRef idx="minor">
-              <a:schemeClr val="lt1"/>
-            </a:fontRef>
-          </p:style>
-          <p:txBody>
-            <a:bodyPr rtlCol="0" anchor="ctr"/>
-            <a:lstStyle/>
-            <a:p>
-              <a:pPr algn="ctr"/>
-              <a:r>
-                <a:rPr lang="zh-TW" altLang="en-US" sz="1600" dirty="0">
-                  <a:solidFill>
-                    <a:schemeClr val="tx1"/>
-                  </a:solidFill>
-                  <a:latin typeface="Times New Roman" panose="02020603050405020304" pitchFamily="18" charset="0"/>
-                  <a:ea typeface="標楷體" panose="03000509000000000000" pitchFamily="65" charset="-120"/>
-                </a:rPr>
-                <a:t>模型評估</a:t>
-              </a:r>
-            </a:p>
-          </p:txBody>
-        </p:sp>
+                <a:tailEnd type="triangle"/>
+              </a:ln>
+            </p:spPr>
+            <p:style>
+              <a:lnRef idx="1">
+                <a:schemeClr val="accent1"/>
+              </a:lnRef>
+              <a:fillRef idx="0">
+                <a:schemeClr val="accent1"/>
+              </a:fillRef>
+              <a:effectRef idx="0">
+                <a:schemeClr val="accent1"/>
+              </a:effectRef>
+              <a:fontRef idx="minor">
+                <a:schemeClr val="tx1"/>
+              </a:fontRef>
+            </p:style>
+          </p:cxnSp>
+          <p:cxnSp>
+            <p:nvCxnSpPr>
+              <p:cNvPr id="8" name="直線單箭頭接點 7"/>
+              <p:cNvCxnSpPr>
+                <a:stCxn id="3" idx="3"/>
+                <a:endCxn id="34" idx="1"/>
+              </p:cNvCxnSpPr>
+              <p:nvPr/>
+            </p:nvCxnSpPr>
+            <p:spPr>
+              <a:xfrm>
+                <a:off x="3968886" y="2738336"/>
+                <a:ext cx="1446179" cy="0"/>
+              </a:xfrm>
+              <a:prstGeom prst="straightConnector1">
+                <a:avLst/>
+              </a:prstGeom>
+              <a:ln>
+                <a:solidFill>
+                  <a:schemeClr val="tx1"/>
+                </a:solidFill>
+                <a:tailEnd type="triangle"/>
+              </a:ln>
+            </p:spPr>
+            <p:style>
+              <a:lnRef idx="1">
+                <a:schemeClr val="accent1"/>
+              </a:lnRef>
+              <a:fillRef idx="0">
+                <a:schemeClr val="accent1"/>
+              </a:fillRef>
+              <a:effectRef idx="0">
+                <a:schemeClr val="accent1"/>
+              </a:effectRef>
+              <a:fontRef idx="minor">
+                <a:schemeClr val="tx1"/>
+              </a:fontRef>
+            </p:style>
+          </p:cxnSp>
+        </p:grpSp>
         <p:cxnSp>
           <p:nvCxnSpPr>
-            <p:cNvPr id="5" name="直線單箭頭接點 4"/>
-            <p:cNvCxnSpPr>
-              <a:stCxn id="3" idx="2"/>
-              <a:endCxn id="35" idx="0"/>
-            </p:cNvCxnSpPr>
+            <p:cNvPr id="24" name="直線單箭頭接點 23"/>
+            <p:cNvCxnSpPr/>
             <p:nvPr/>
           </p:nvCxnSpPr>
           <p:spPr>
             <a:xfrm>
-              <a:off x="3176082" y="3171217"/>
-              <a:ext cx="0" cy="619327"/>
+              <a:off x="3968886" y="4253192"/>
+              <a:ext cx="1446179" cy="0"/>
             </a:xfrm>
             <a:prstGeom prst="straightConnector1">
               <a:avLst/>
@@ -12667,17 +13354,14 @@
         </p:cxnSp>
         <p:cxnSp>
           <p:nvCxnSpPr>
-            <p:cNvPr id="8" name="直線單箭頭接點 7"/>
-            <p:cNvCxnSpPr>
-              <a:stCxn id="3" idx="3"/>
-              <a:endCxn id="34" idx="1"/>
-            </p:cNvCxnSpPr>
+            <p:cNvPr id="25" name="直線單箭頭接點 24"/>
+            <p:cNvCxnSpPr/>
             <p:nvPr/>
           </p:nvCxnSpPr>
           <p:spPr>
             <a:xfrm>
-              <a:off x="3968886" y="2738336"/>
-              <a:ext cx="1446179" cy="0"/>
+              <a:off x="6227130" y="3171217"/>
+              <a:ext cx="0" cy="619327"/>
             </a:xfrm>
             <a:prstGeom prst="straightConnector1">
               <a:avLst/>
@@ -12705,16 +13389,671 @@
           </p:style>
         </p:cxnSp>
       </p:grpSp>
+      <p:sp>
+        <p:nvSpPr>
+          <p:cNvPr id="2" name="文字方塊 1"/>
+          <p:cNvSpPr txBox="1"/>
+          <p:nvPr/>
+        </p:nvSpPr>
+        <p:spPr>
+          <a:xfrm>
+            <a:off x="7543800" y="311540"/>
+            <a:ext cx="3531736" cy="369332"/>
+          </a:xfrm>
+          <a:prstGeom prst="rect">
+            <a:avLst/>
+          </a:prstGeom>
+          <a:noFill/>
+        </p:spPr>
+        <p:txBody>
+          <a:bodyPr wrap="none" rtlCol="0">
+            <a:spAutoFit/>
+          </a:bodyPr>
+          <a:lstStyle/>
+          <a:p>
+            <a:r>
+              <a:rPr lang="zh-TW" altLang="en-US" dirty="0"/>
+              <a:t>資料</a:t>
+            </a:r>
+            <a:r>
+              <a:rPr lang="zh-TW" altLang="en-US" dirty="0" smtClean="0"/>
+              <a:t>蒐集</a:t>
+            </a:r>
+            <a:r>
+              <a:rPr lang="en-US" altLang="zh-TW" dirty="0" smtClean="0"/>
+              <a:t>&gt;</a:t>
+            </a:r>
+            <a:r>
+              <a:rPr lang="zh-TW" altLang="en-US" dirty="0" smtClean="0"/>
+              <a:t>資料前處理</a:t>
+            </a:r>
+            <a:r>
+              <a:rPr lang="en-US" altLang="zh-TW" dirty="0" smtClean="0"/>
+              <a:t>&gt;</a:t>
+            </a:r>
+            <a:r>
+              <a:rPr lang="zh-TW" altLang="en-US" dirty="0" smtClean="0"/>
+              <a:t>風格轉換</a:t>
+            </a:r>
+            <a:r>
+              <a:rPr lang="en-US" altLang="zh-TW" dirty="0" smtClean="0"/>
+              <a:t>&gt;</a:t>
+            </a:r>
+            <a:endParaRPr lang="zh-TW" altLang="en-US" dirty="0"/>
+          </a:p>
+        </p:txBody>
+      </p:sp>
+      <p:sp>
+        <p:nvSpPr>
+          <p:cNvPr id="13" name="圓角矩形 12"/>
+          <p:cNvSpPr/>
+          <p:nvPr/>
+        </p:nvSpPr>
+        <p:spPr>
+          <a:xfrm>
+            <a:off x="750014" y="400455"/>
+            <a:ext cx="1585608" cy="865762"/>
+          </a:xfrm>
+          <a:prstGeom prst="roundRect">
+            <a:avLst/>
+          </a:prstGeom>
+          <a:solidFill>
+            <a:schemeClr val="bg1"/>
+          </a:solidFill>
+          <a:ln>
+            <a:solidFill>
+              <a:schemeClr val="tx1"/>
+            </a:solidFill>
+          </a:ln>
+        </p:spPr>
+        <p:style>
+          <a:lnRef idx="2">
+            <a:schemeClr val="accent1">
+              <a:shade val="50000"/>
+            </a:schemeClr>
+          </a:lnRef>
+          <a:fillRef idx="1">
+            <a:schemeClr val="accent1"/>
+          </a:fillRef>
+          <a:effectRef idx="0">
+            <a:schemeClr val="accent1"/>
+          </a:effectRef>
+          <a:fontRef idx="minor">
+            <a:schemeClr val="lt1"/>
+          </a:fontRef>
+        </p:style>
+        <p:txBody>
+          <a:bodyPr rtlCol="0" anchor="ctr"/>
+          <a:lstStyle/>
+          <a:p>
+            <a:pPr algn="ctr"/>
+            <a:r>
+              <a:rPr lang="zh-TW" altLang="en-US" sz="1600" dirty="0" smtClean="0">
+                <a:solidFill>
+                  <a:schemeClr val="tx1"/>
+                </a:solidFill>
+                <a:latin typeface="Times New Roman" panose="02020603050405020304" pitchFamily="18" charset="0"/>
+                <a:ea typeface="標楷體" panose="03000509000000000000" pitchFamily="65" charset="-120"/>
+              </a:rPr>
+              <a:t>資料蒐集</a:t>
+            </a:r>
+            <a:endParaRPr lang="zh-TW" altLang="en-US" sz="1600" dirty="0">
+              <a:solidFill>
+                <a:schemeClr val="tx1"/>
+              </a:solidFill>
+              <a:latin typeface="Times New Roman" panose="02020603050405020304" pitchFamily="18" charset="0"/>
+              <a:ea typeface="標楷體" panose="03000509000000000000" pitchFamily="65" charset="-120"/>
+            </a:endParaRPr>
+          </a:p>
+        </p:txBody>
+      </p:sp>
       <p:cxnSp>
         <p:nvCxnSpPr>
-          <p:cNvPr id="24" name="直線單箭頭接點 23"/>
+          <p:cNvPr id="14" name="直線單箭頭接點 13"/>
+          <p:cNvCxnSpPr/>
+          <p:nvPr/>
+        </p:nvCxnSpPr>
+        <p:spPr>
+          <a:xfrm flipV="1">
+            <a:off x="2352618" y="2022705"/>
+            <a:ext cx="1108426" cy="1232"/>
+          </a:xfrm>
+          <a:prstGeom prst="straightConnector1">
+            <a:avLst/>
+          </a:prstGeom>
+          <a:ln>
+            <a:solidFill>
+              <a:schemeClr val="tx1"/>
+            </a:solidFill>
+            <a:tailEnd type="triangle"/>
+          </a:ln>
+        </p:spPr>
+        <p:style>
+          <a:lnRef idx="1">
+            <a:schemeClr val="accent1"/>
+          </a:lnRef>
+          <a:fillRef idx="0">
+            <a:schemeClr val="accent1"/>
+          </a:fillRef>
+          <a:effectRef idx="0">
+            <a:schemeClr val="accent1"/>
+          </a:effectRef>
+          <a:fontRef idx="minor">
+            <a:schemeClr val="tx1"/>
+          </a:fontRef>
+        </p:style>
+      </p:cxnSp>
+      <p:sp>
+        <p:nvSpPr>
+          <p:cNvPr id="15" name="圓角矩形 14"/>
+          <p:cNvSpPr/>
+          <p:nvPr/>
+        </p:nvSpPr>
+        <p:spPr>
+          <a:xfrm>
+            <a:off x="750014" y="1591056"/>
+            <a:ext cx="1585608" cy="865762"/>
+          </a:xfrm>
+          <a:prstGeom prst="roundRect">
+            <a:avLst/>
+          </a:prstGeom>
+          <a:solidFill>
+            <a:schemeClr val="bg1"/>
+          </a:solidFill>
+          <a:ln>
+            <a:solidFill>
+              <a:schemeClr val="tx1"/>
+            </a:solidFill>
+          </a:ln>
+        </p:spPr>
+        <p:style>
+          <a:lnRef idx="2">
+            <a:schemeClr val="accent1">
+              <a:shade val="50000"/>
+            </a:schemeClr>
+          </a:lnRef>
+          <a:fillRef idx="1">
+            <a:schemeClr val="accent1"/>
+          </a:fillRef>
+          <a:effectRef idx="0">
+            <a:schemeClr val="accent1"/>
+          </a:effectRef>
+          <a:fontRef idx="minor">
+            <a:schemeClr val="lt1"/>
+          </a:fontRef>
+        </p:style>
+        <p:txBody>
+          <a:bodyPr rtlCol="0" anchor="ctr"/>
+          <a:lstStyle/>
+          <a:p>
+            <a:pPr algn="ctr"/>
+            <a:r>
+              <a:rPr lang="zh-TW" altLang="en-US" sz="1600" dirty="0" smtClean="0">
+                <a:solidFill>
+                  <a:schemeClr val="tx1"/>
+                </a:solidFill>
+                <a:latin typeface="Times New Roman" panose="02020603050405020304" pitchFamily="18" charset="0"/>
+                <a:ea typeface="標楷體" panose="03000509000000000000" pitchFamily="65" charset="-120"/>
+              </a:rPr>
+              <a:t>資料</a:t>
+            </a:r>
+            <a:r>
+              <a:rPr lang="zh-TW" altLang="en-US" sz="1600" dirty="0">
+                <a:solidFill>
+                  <a:schemeClr val="tx1"/>
+                </a:solidFill>
+                <a:latin typeface="Times New Roman" panose="02020603050405020304" pitchFamily="18" charset="0"/>
+                <a:ea typeface="標楷體" panose="03000509000000000000" pitchFamily="65" charset="-120"/>
+              </a:rPr>
+              <a:t>前處理</a:t>
+            </a:r>
+          </a:p>
+        </p:txBody>
+      </p:sp>
+      <p:cxnSp>
+        <p:nvCxnSpPr>
+          <p:cNvPr id="16" name="直線單箭頭接點 15"/>
           <p:cNvCxnSpPr/>
           <p:nvPr/>
         </p:nvCxnSpPr>
         <p:spPr>
           <a:xfrm>
-            <a:off x="3968886" y="4253192"/>
-            <a:ext cx="1446179" cy="0"/>
+            <a:off x="1542818" y="1266217"/>
+            <a:ext cx="0" cy="324839"/>
+          </a:xfrm>
+          <a:prstGeom prst="straightConnector1">
+            <a:avLst/>
+          </a:prstGeom>
+          <a:ln>
+            <a:solidFill>
+              <a:schemeClr val="tx1"/>
+            </a:solidFill>
+            <a:tailEnd type="triangle"/>
+          </a:ln>
+        </p:spPr>
+        <p:style>
+          <a:lnRef idx="1">
+            <a:schemeClr val="accent1"/>
+          </a:lnRef>
+          <a:fillRef idx="0">
+            <a:schemeClr val="accent1"/>
+          </a:fillRef>
+          <a:effectRef idx="0">
+            <a:schemeClr val="accent1"/>
+          </a:effectRef>
+          <a:fontRef idx="minor">
+            <a:schemeClr val="tx1"/>
+          </a:fontRef>
+        </p:style>
+      </p:cxnSp>
+      <p:sp>
+        <p:nvSpPr>
+          <p:cNvPr id="17" name="圓角矩形 16"/>
+          <p:cNvSpPr/>
+          <p:nvPr/>
+        </p:nvSpPr>
+        <p:spPr>
+          <a:xfrm>
+            <a:off x="3461044" y="1591056"/>
+            <a:ext cx="1585608" cy="865762"/>
+          </a:xfrm>
+          <a:prstGeom prst="roundRect">
+            <a:avLst/>
+          </a:prstGeom>
+          <a:solidFill>
+            <a:schemeClr val="bg1"/>
+          </a:solidFill>
+          <a:ln>
+            <a:solidFill>
+              <a:schemeClr val="tx1"/>
+            </a:solidFill>
+          </a:ln>
+        </p:spPr>
+        <p:style>
+          <a:lnRef idx="2">
+            <a:schemeClr val="accent1">
+              <a:shade val="50000"/>
+            </a:schemeClr>
+          </a:lnRef>
+          <a:fillRef idx="1">
+            <a:schemeClr val="accent1"/>
+          </a:fillRef>
+          <a:effectRef idx="0">
+            <a:schemeClr val="accent1"/>
+          </a:effectRef>
+          <a:fontRef idx="minor">
+            <a:schemeClr val="lt1"/>
+          </a:fontRef>
+        </p:style>
+        <p:txBody>
+          <a:bodyPr rtlCol="0" anchor="ctr"/>
+          <a:lstStyle/>
+          <a:p>
+            <a:pPr algn="ctr"/>
+            <a:r>
+              <a:rPr lang="zh-TW" altLang="en-US" sz="1600" dirty="0">
+                <a:solidFill>
+                  <a:schemeClr val="tx1"/>
+                </a:solidFill>
+                <a:latin typeface="Times New Roman" panose="02020603050405020304" pitchFamily="18" charset="0"/>
+                <a:ea typeface="標楷體" panose="03000509000000000000" pitchFamily="65" charset="-120"/>
+              </a:rPr>
+              <a:t>風格轉換</a:t>
+            </a:r>
+            <a:endParaRPr lang="en-US" altLang="zh-TW" sz="1600" dirty="0">
+              <a:solidFill>
+                <a:schemeClr val="tx1"/>
+              </a:solidFill>
+              <a:latin typeface="Times New Roman" panose="02020603050405020304" pitchFamily="18" charset="0"/>
+              <a:ea typeface="標楷體" panose="03000509000000000000" pitchFamily="65" charset="-120"/>
+            </a:endParaRPr>
+          </a:p>
+          <a:p>
+            <a:pPr algn="ctr"/>
+            <a:r>
+              <a:rPr lang="en-US" altLang="zh-TW" sz="1600" dirty="0">
+                <a:solidFill>
+                  <a:schemeClr val="tx1"/>
+                </a:solidFill>
+                <a:latin typeface="Times New Roman" panose="02020603050405020304" pitchFamily="18" charset="0"/>
+                <a:ea typeface="標楷體" panose="03000509000000000000" pitchFamily="65" charset="-120"/>
+              </a:rPr>
+              <a:t>(</a:t>
+            </a:r>
+            <a:r>
+              <a:rPr lang="en-US" altLang="zh-TW" sz="1600" dirty="0" err="1">
+                <a:solidFill>
+                  <a:schemeClr val="tx1"/>
+                </a:solidFill>
+                <a:latin typeface="Times New Roman" panose="02020603050405020304" pitchFamily="18" charset="0"/>
+                <a:ea typeface="標楷體" panose="03000509000000000000" pitchFamily="65" charset="-120"/>
+              </a:rPr>
+              <a:t>CycleGAN</a:t>
+            </a:r>
+            <a:r>
+              <a:rPr lang="en-US" altLang="zh-TW" sz="1600" dirty="0">
+                <a:solidFill>
+                  <a:schemeClr val="tx1"/>
+                </a:solidFill>
+                <a:latin typeface="Times New Roman" panose="02020603050405020304" pitchFamily="18" charset="0"/>
+                <a:ea typeface="標楷體" panose="03000509000000000000" pitchFamily="65" charset="-120"/>
+              </a:rPr>
+              <a:t>)</a:t>
+            </a:r>
+            <a:endParaRPr lang="zh-TW" altLang="en-US" sz="1600" dirty="0">
+              <a:solidFill>
+                <a:schemeClr val="tx1"/>
+              </a:solidFill>
+              <a:latin typeface="Times New Roman" panose="02020603050405020304" pitchFamily="18" charset="0"/>
+              <a:ea typeface="標楷體" panose="03000509000000000000" pitchFamily="65" charset="-120"/>
+            </a:endParaRPr>
+          </a:p>
+        </p:txBody>
+      </p:sp>
+      <p:cxnSp>
+        <p:nvCxnSpPr>
+          <p:cNvPr id="20" name="直線單箭頭接點 19"/>
+          <p:cNvCxnSpPr/>
+          <p:nvPr/>
+        </p:nvCxnSpPr>
+        <p:spPr>
+          <a:xfrm>
+            <a:off x="1542818" y="2476921"/>
+            <a:ext cx="0" cy="619327"/>
+          </a:xfrm>
+          <a:prstGeom prst="straightConnector1">
+            <a:avLst/>
+          </a:prstGeom>
+          <a:ln>
+            <a:solidFill>
+              <a:schemeClr val="tx1"/>
+            </a:solidFill>
+            <a:tailEnd type="triangle"/>
+          </a:ln>
+        </p:spPr>
+        <p:style>
+          <a:lnRef idx="1">
+            <a:schemeClr val="accent1"/>
+          </a:lnRef>
+          <a:fillRef idx="0">
+            <a:schemeClr val="accent1"/>
+          </a:fillRef>
+          <a:effectRef idx="0">
+            <a:schemeClr val="accent1"/>
+          </a:effectRef>
+          <a:fontRef idx="minor">
+            <a:schemeClr val="tx1"/>
+          </a:fontRef>
+        </p:style>
+      </p:cxnSp>
+      <p:sp>
+        <p:nvSpPr>
+          <p:cNvPr id="21" name="圓角矩形 20"/>
+          <p:cNvSpPr/>
+          <p:nvPr/>
+        </p:nvSpPr>
+        <p:spPr>
+          <a:xfrm>
+            <a:off x="750014" y="3116351"/>
+            <a:ext cx="1585608" cy="865762"/>
+          </a:xfrm>
+          <a:prstGeom prst="roundRect">
+            <a:avLst/>
+          </a:prstGeom>
+          <a:solidFill>
+            <a:schemeClr val="bg1"/>
+          </a:solidFill>
+          <a:ln>
+            <a:solidFill>
+              <a:schemeClr val="tx1"/>
+            </a:solidFill>
+          </a:ln>
+        </p:spPr>
+        <p:style>
+          <a:lnRef idx="2">
+            <a:schemeClr val="accent1">
+              <a:shade val="50000"/>
+            </a:schemeClr>
+          </a:lnRef>
+          <a:fillRef idx="1">
+            <a:schemeClr val="accent1"/>
+          </a:fillRef>
+          <a:effectRef idx="0">
+            <a:schemeClr val="accent1"/>
+          </a:effectRef>
+          <a:fontRef idx="minor">
+            <a:schemeClr val="lt1"/>
+          </a:fontRef>
+        </p:style>
+        <p:txBody>
+          <a:bodyPr rtlCol="0" anchor="ctr"/>
+          <a:lstStyle/>
+          <a:p>
+            <a:pPr algn="ctr"/>
+            <a:r>
+              <a:rPr lang="zh-TW" altLang="en-US" sz="1600" dirty="0">
+                <a:solidFill>
+                  <a:schemeClr val="tx1"/>
+                </a:solidFill>
+                <a:latin typeface="Times New Roman" panose="02020603050405020304" pitchFamily="18" charset="0"/>
+                <a:ea typeface="標楷體" panose="03000509000000000000" pitchFamily="65" charset="-120"/>
+              </a:rPr>
+              <a:t>圖像</a:t>
+            </a:r>
+            <a:r>
+              <a:rPr lang="zh-TW" altLang="en-US" sz="1600" dirty="0" smtClean="0">
+                <a:solidFill>
+                  <a:schemeClr val="tx1"/>
+                </a:solidFill>
+                <a:latin typeface="Times New Roman" panose="02020603050405020304" pitchFamily="18" charset="0"/>
+                <a:ea typeface="標楷體" panose="03000509000000000000" pitchFamily="65" charset="-120"/>
+              </a:rPr>
+              <a:t>轉換</a:t>
+            </a:r>
+            <a:endParaRPr lang="en-US" altLang="zh-TW" sz="1600" dirty="0" smtClean="0">
+              <a:solidFill>
+                <a:schemeClr val="tx1"/>
+              </a:solidFill>
+              <a:latin typeface="Times New Roman" panose="02020603050405020304" pitchFamily="18" charset="0"/>
+              <a:ea typeface="標楷體" panose="03000509000000000000" pitchFamily="65" charset="-120"/>
+            </a:endParaRPr>
+          </a:p>
+          <a:p>
+            <a:pPr algn="ctr"/>
+            <a:r>
+              <a:rPr lang="en-US" altLang="zh-TW" sz="1600" dirty="0" smtClean="0">
+                <a:solidFill>
+                  <a:schemeClr val="tx1"/>
+                </a:solidFill>
+                <a:latin typeface="Times New Roman" panose="02020603050405020304" pitchFamily="18" charset="0"/>
+                <a:ea typeface="標楷體" panose="03000509000000000000" pitchFamily="65" charset="-120"/>
+              </a:rPr>
+              <a:t>(Pix2pix)</a:t>
+            </a:r>
+            <a:endParaRPr lang="zh-TW" altLang="en-US" sz="1600" dirty="0">
+              <a:solidFill>
+                <a:schemeClr val="tx1"/>
+              </a:solidFill>
+              <a:latin typeface="Times New Roman" panose="02020603050405020304" pitchFamily="18" charset="0"/>
+              <a:ea typeface="標楷體" panose="03000509000000000000" pitchFamily="65" charset="-120"/>
+            </a:endParaRPr>
+          </a:p>
+        </p:txBody>
+      </p:sp>
+      <p:cxnSp>
+        <p:nvCxnSpPr>
+          <p:cNvPr id="23" name="直線單箭頭接點 22"/>
+          <p:cNvCxnSpPr/>
+          <p:nvPr/>
+        </p:nvCxnSpPr>
+        <p:spPr>
+          <a:xfrm>
+            <a:off x="4253848" y="2476921"/>
+            <a:ext cx="0" cy="619327"/>
+          </a:xfrm>
+          <a:prstGeom prst="straightConnector1">
+            <a:avLst/>
+          </a:prstGeom>
+          <a:ln>
+            <a:solidFill>
+              <a:schemeClr val="tx1"/>
+            </a:solidFill>
+            <a:tailEnd type="triangle"/>
+          </a:ln>
+        </p:spPr>
+        <p:style>
+          <a:lnRef idx="1">
+            <a:schemeClr val="accent1"/>
+          </a:lnRef>
+          <a:fillRef idx="0">
+            <a:schemeClr val="accent1"/>
+          </a:fillRef>
+          <a:effectRef idx="0">
+            <a:schemeClr val="accent1"/>
+          </a:effectRef>
+          <a:fontRef idx="minor">
+            <a:schemeClr val="tx1"/>
+          </a:fontRef>
+        </p:style>
+      </p:cxnSp>
+      <p:sp>
+        <p:nvSpPr>
+          <p:cNvPr id="26" name="圓角矩形 25"/>
+          <p:cNvSpPr/>
+          <p:nvPr/>
+        </p:nvSpPr>
+        <p:spPr>
+          <a:xfrm>
+            <a:off x="3461044" y="3119009"/>
+            <a:ext cx="1585608" cy="865762"/>
+          </a:xfrm>
+          <a:prstGeom prst="roundRect">
+            <a:avLst/>
+          </a:prstGeom>
+          <a:solidFill>
+            <a:schemeClr val="bg1"/>
+          </a:solidFill>
+          <a:ln>
+            <a:solidFill>
+              <a:schemeClr val="tx1"/>
+            </a:solidFill>
+          </a:ln>
+        </p:spPr>
+        <p:style>
+          <a:lnRef idx="2">
+            <a:schemeClr val="accent1">
+              <a:shade val="50000"/>
+            </a:schemeClr>
+          </a:lnRef>
+          <a:fillRef idx="1">
+            <a:schemeClr val="accent1"/>
+          </a:fillRef>
+          <a:effectRef idx="0">
+            <a:schemeClr val="accent1"/>
+          </a:effectRef>
+          <a:fontRef idx="minor">
+            <a:schemeClr val="lt1"/>
+          </a:fontRef>
+        </p:style>
+        <p:txBody>
+          <a:bodyPr rtlCol="0" anchor="ctr"/>
+          <a:lstStyle/>
+          <a:p>
+            <a:pPr algn="ctr"/>
+            <a:r>
+              <a:rPr lang="zh-TW" altLang="en-US" sz="1600" dirty="0" smtClean="0">
+                <a:solidFill>
+                  <a:schemeClr val="tx1"/>
+                </a:solidFill>
+                <a:latin typeface="Times New Roman" panose="02020603050405020304" pitchFamily="18" charset="0"/>
+                <a:ea typeface="標楷體" panose="03000509000000000000" pitchFamily="65" charset="-120"/>
+              </a:rPr>
+              <a:t>調整參數</a:t>
+            </a:r>
+            <a:endParaRPr lang="zh-TW" altLang="en-US" sz="1600" dirty="0">
+              <a:solidFill>
+                <a:schemeClr val="tx1"/>
+              </a:solidFill>
+              <a:latin typeface="Times New Roman" panose="02020603050405020304" pitchFamily="18" charset="0"/>
+              <a:ea typeface="標楷體" panose="03000509000000000000" pitchFamily="65" charset="-120"/>
+            </a:endParaRPr>
+          </a:p>
+        </p:txBody>
+      </p:sp>
+      <p:sp>
+        <p:nvSpPr>
+          <p:cNvPr id="27" name="圓角矩形 26"/>
+          <p:cNvSpPr/>
+          <p:nvPr/>
+        </p:nvSpPr>
+        <p:spPr>
+          <a:xfrm>
+            <a:off x="767010" y="4599751"/>
+            <a:ext cx="1585608" cy="865762"/>
+          </a:xfrm>
+          <a:prstGeom prst="roundRect">
+            <a:avLst/>
+          </a:prstGeom>
+          <a:solidFill>
+            <a:schemeClr val="bg1"/>
+          </a:solidFill>
+          <a:ln>
+            <a:solidFill>
+              <a:schemeClr val="tx1"/>
+            </a:solidFill>
+          </a:ln>
+        </p:spPr>
+        <p:style>
+          <a:lnRef idx="2">
+            <a:schemeClr val="accent1">
+              <a:shade val="50000"/>
+            </a:schemeClr>
+          </a:lnRef>
+          <a:fillRef idx="1">
+            <a:schemeClr val="accent1"/>
+          </a:fillRef>
+          <a:effectRef idx="0">
+            <a:schemeClr val="accent1"/>
+          </a:effectRef>
+          <a:fontRef idx="minor">
+            <a:schemeClr val="lt1"/>
+          </a:fontRef>
+        </p:style>
+        <p:txBody>
+          <a:bodyPr rtlCol="0" anchor="ctr"/>
+          <a:lstStyle/>
+          <a:p>
+            <a:pPr algn="ctr"/>
+            <a:r>
+              <a:rPr lang="zh-TW" altLang="en-US" sz="1600" dirty="0" smtClean="0">
+                <a:solidFill>
+                  <a:schemeClr val="tx1"/>
+                </a:solidFill>
+                <a:latin typeface="Times New Roman" panose="02020603050405020304" pitchFamily="18" charset="0"/>
+                <a:ea typeface="標楷體" panose="03000509000000000000" pitchFamily="65" charset="-120"/>
+              </a:rPr>
+              <a:t>調整參數</a:t>
+            </a:r>
+            <a:endParaRPr lang="zh-TW" altLang="en-US" sz="1600" dirty="0">
+              <a:solidFill>
+                <a:schemeClr val="tx1"/>
+              </a:solidFill>
+              <a:latin typeface="Times New Roman" panose="02020603050405020304" pitchFamily="18" charset="0"/>
+              <a:ea typeface="標楷體" panose="03000509000000000000" pitchFamily="65" charset="-120"/>
+            </a:endParaRPr>
+          </a:p>
+        </p:txBody>
+      </p:sp>
+      <p:cxnSp>
+        <p:nvCxnSpPr>
+          <p:cNvPr id="28" name="直線單箭頭接點 27"/>
+          <p:cNvCxnSpPr/>
+          <p:nvPr/>
+        </p:nvCxnSpPr>
+        <p:spPr>
+          <a:xfrm>
+            <a:off x="1559814" y="3982113"/>
+            <a:ext cx="0" cy="619327"/>
           </a:xfrm>
           <a:prstGeom prst="straightConnector1">
             <a:avLst/>
@@ -12743,13 +14082,49 @@
       </p:cxnSp>
       <p:cxnSp>
         <p:nvCxnSpPr>
-          <p:cNvPr id="25" name="直線單箭頭接點 24"/>
+          <p:cNvPr id="29" name="直線單箭頭接點 28"/>
+          <p:cNvCxnSpPr/>
+          <p:nvPr/>
+        </p:nvCxnSpPr>
+        <p:spPr>
+          <a:xfrm flipV="1">
+            <a:off x="2352618" y="5061231"/>
+            <a:ext cx="1108426" cy="1232"/>
+          </a:xfrm>
+          <a:prstGeom prst="straightConnector1">
+            <a:avLst/>
+          </a:prstGeom>
+          <a:ln>
+            <a:solidFill>
+              <a:schemeClr val="tx1"/>
+            </a:solidFill>
+            <a:tailEnd type="triangle"/>
+          </a:ln>
+        </p:spPr>
+        <p:style>
+          <a:lnRef idx="1">
+            <a:schemeClr val="accent1"/>
+          </a:lnRef>
+          <a:fillRef idx="0">
+            <a:schemeClr val="accent1"/>
+          </a:fillRef>
+          <a:effectRef idx="0">
+            <a:schemeClr val="accent1"/>
+          </a:effectRef>
+          <a:fontRef idx="minor">
+            <a:schemeClr val="tx1"/>
+          </a:fontRef>
+        </p:style>
+      </p:cxnSp>
+      <p:cxnSp>
+        <p:nvCxnSpPr>
+          <p:cNvPr id="30" name="直線單箭頭接點 29"/>
           <p:cNvCxnSpPr/>
           <p:nvPr/>
         </p:nvCxnSpPr>
         <p:spPr>
           <a:xfrm>
-            <a:off x="6227130" y="3171217"/>
+            <a:off x="4253848" y="3982113"/>
             <a:ext cx="0" cy="619327"/>
           </a:xfrm>
           <a:prstGeom prst="straightConnector1">
@@ -12777,6 +14152,63 @@
           </a:fontRef>
         </p:style>
       </p:cxnSp>
+      <p:sp>
+        <p:nvSpPr>
+          <p:cNvPr id="31" name="圓角矩形 30"/>
+          <p:cNvSpPr/>
+          <p:nvPr/>
+        </p:nvSpPr>
+        <p:spPr>
+          <a:xfrm>
+            <a:off x="3461044" y="4599751"/>
+            <a:ext cx="1585608" cy="865762"/>
+          </a:xfrm>
+          <a:prstGeom prst="roundRect">
+            <a:avLst/>
+          </a:prstGeom>
+          <a:solidFill>
+            <a:schemeClr val="bg1"/>
+          </a:solidFill>
+          <a:ln>
+            <a:solidFill>
+              <a:schemeClr val="tx1"/>
+            </a:solidFill>
+          </a:ln>
+        </p:spPr>
+        <p:style>
+          <a:lnRef idx="2">
+            <a:schemeClr val="accent1">
+              <a:shade val="50000"/>
+            </a:schemeClr>
+          </a:lnRef>
+          <a:fillRef idx="1">
+            <a:schemeClr val="accent1"/>
+          </a:fillRef>
+          <a:effectRef idx="0">
+            <a:schemeClr val="accent1"/>
+          </a:effectRef>
+          <a:fontRef idx="minor">
+            <a:schemeClr val="lt1"/>
+          </a:fontRef>
+        </p:style>
+        <p:txBody>
+          <a:bodyPr rtlCol="0" anchor="ctr"/>
+          <a:lstStyle/>
+          <a:p>
+            <a:pPr algn="ctr"/>
+            <a:r>
+              <a:rPr lang="zh-TW" altLang="en-US" sz="1600" dirty="0">
+                <a:solidFill>
+                  <a:schemeClr val="tx1"/>
+                </a:solidFill>
+                <a:latin typeface="Times New Roman" panose="02020603050405020304" pitchFamily="18" charset="0"/>
+                <a:ea typeface="標楷體" panose="03000509000000000000" pitchFamily="65" charset="-120"/>
+              </a:rPr>
+              <a:t>模型評估</a:t>
+            </a:r>
+          </a:p>
+        </p:txBody>
+      </p:sp>
     </p:spTree>
     <p:extLst>
       <p:ext uri="{BB962C8B-B14F-4D97-AF65-F5344CB8AC3E}">

--- a/論文/模型圖繪製.pptx
+++ b/論文/模型圖繪製.pptx
@@ -23,6 +23,7 @@
     <p:sldId id="271" r:id="rId17"/>
     <p:sldId id="272" r:id="rId18"/>
     <p:sldId id="273" r:id="rId19"/>
+    <p:sldId id="274" r:id="rId20"/>
   </p:sldIdLst>
   <p:sldSz cx="12192000" cy="6858000"/>
   <p:notesSz cx="6858000" cy="9144000"/>
@@ -260,7 +261,7 @@
           <a:p>
             <a:fld id="{587DF574-9317-4403-A25B-38C86415A09B}" type="datetimeFigureOut">
               <a:rPr lang="zh-TW" altLang="en-US" smtClean="0"/>
-              <a:t>2022/6/13</a:t>
+              <a:t>2022/6/15</a:t>
             </a:fld>
             <a:endParaRPr lang="zh-TW" altLang="en-US"/>
           </a:p>
@@ -430,7 +431,7 @@
           <a:p>
             <a:fld id="{587DF574-9317-4403-A25B-38C86415A09B}" type="datetimeFigureOut">
               <a:rPr lang="zh-TW" altLang="en-US" smtClean="0"/>
-              <a:t>2022/6/13</a:t>
+              <a:t>2022/6/15</a:t>
             </a:fld>
             <a:endParaRPr lang="zh-TW" altLang="en-US"/>
           </a:p>
@@ -610,7 +611,7 @@
           <a:p>
             <a:fld id="{587DF574-9317-4403-A25B-38C86415A09B}" type="datetimeFigureOut">
               <a:rPr lang="zh-TW" altLang="en-US" smtClean="0"/>
-              <a:t>2022/6/13</a:t>
+              <a:t>2022/6/15</a:t>
             </a:fld>
             <a:endParaRPr lang="zh-TW" altLang="en-US"/>
           </a:p>
@@ -780,7 +781,7 @@
           <a:p>
             <a:fld id="{587DF574-9317-4403-A25B-38C86415A09B}" type="datetimeFigureOut">
               <a:rPr lang="zh-TW" altLang="en-US" smtClean="0"/>
-              <a:t>2022/6/13</a:t>
+              <a:t>2022/6/15</a:t>
             </a:fld>
             <a:endParaRPr lang="zh-TW" altLang="en-US"/>
           </a:p>
@@ -1026,7 +1027,7 @@
           <a:p>
             <a:fld id="{587DF574-9317-4403-A25B-38C86415A09B}" type="datetimeFigureOut">
               <a:rPr lang="zh-TW" altLang="en-US" smtClean="0"/>
-              <a:t>2022/6/13</a:t>
+              <a:t>2022/6/15</a:t>
             </a:fld>
             <a:endParaRPr lang="zh-TW" altLang="en-US"/>
           </a:p>
@@ -1258,7 +1259,7 @@
           <a:p>
             <a:fld id="{587DF574-9317-4403-A25B-38C86415A09B}" type="datetimeFigureOut">
               <a:rPr lang="zh-TW" altLang="en-US" smtClean="0"/>
-              <a:t>2022/6/13</a:t>
+              <a:t>2022/6/15</a:t>
             </a:fld>
             <a:endParaRPr lang="zh-TW" altLang="en-US"/>
           </a:p>
@@ -1625,7 +1626,7 @@
           <a:p>
             <a:fld id="{587DF574-9317-4403-A25B-38C86415A09B}" type="datetimeFigureOut">
               <a:rPr lang="zh-TW" altLang="en-US" smtClean="0"/>
-              <a:t>2022/6/13</a:t>
+              <a:t>2022/6/15</a:t>
             </a:fld>
             <a:endParaRPr lang="zh-TW" altLang="en-US"/>
           </a:p>
@@ -1743,7 +1744,7 @@
           <a:p>
             <a:fld id="{587DF574-9317-4403-A25B-38C86415A09B}" type="datetimeFigureOut">
               <a:rPr lang="zh-TW" altLang="en-US" smtClean="0"/>
-              <a:t>2022/6/13</a:t>
+              <a:t>2022/6/15</a:t>
             </a:fld>
             <a:endParaRPr lang="zh-TW" altLang="en-US"/>
           </a:p>
@@ -1838,7 +1839,7 @@
           <a:p>
             <a:fld id="{587DF574-9317-4403-A25B-38C86415A09B}" type="datetimeFigureOut">
               <a:rPr lang="zh-TW" altLang="en-US" smtClean="0"/>
-              <a:t>2022/6/13</a:t>
+              <a:t>2022/6/15</a:t>
             </a:fld>
             <a:endParaRPr lang="zh-TW" altLang="en-US"/>
           </a:p>
@@ -2115,7 +2116,7 @@
           <a:p>
             <a:fld id="{587DF574-9317-4403-A25B-38C86415A09B}" type="datetimeFigureOut">
               <a:rPr lang="zh-TW" altLang="en-US" smtClean="0"/>
-              <a:t>2022/6/13</a:t>
+              <a:t>2022/6/15</a:t>
             </a:fld>
             <a:endParaRPr lang="zh-TW" altLang="en-US"/>
           </a:p>
@@ -2368,7 +2369,7 @@
           <a:p>
             <a:fld id="{587DF574-9317-4403-A25B-38C86415A09B}" type="datetimeFigureOut">
               <a:rPr lang="zh-TW" altLang="en-US" smtClean="0"/>
-              <a:t>2022/6/13</a:t>
+              <a:t>2022/6/15</a:t>
             </a:fld>
             <a:endParaRPr lang="zh-TW" altLang="en-US"/>
           </a:p>
@@ -2581,7 +2582,7 @@
           <a:p>
             <a:fld id="{587DF574-9317-4403-A25B-38C86415A09B}" type="datetimeFigureOut">
               <a:rPr lang="zh-TW" altLang="en-US" smtClean="0"/>
-              <a:t>2022/6/13</a:t>
+              <a:t>2022/6/15</a:t>
             </a:fld>
             <a:endParaRPr lang="zh-TW" altLang="en-US"/>
           </a:p>
@@ -8406,6 +8407,96 @@
 </p:sld>
 </file>
 
+<file path=ppt/slides/slide19.xml><?xml version="1.0" encoding="utf-8"?>
+<p:sld xmlns:a="http://schemas.openxmlformats.org/drawingml/2006/main" xmlns:r="http://schemas.openxmlformats.org/officeDocument/2006/relationships" xmlns:p="http://schemas.openxmlformats.org/presentationml/2006/main">
+  <p:cSld>
+    <p:spTree>
+      <p:nvGrpSpPr>
+        <p:cNvPr id="1" name=""/>
+        <p:cNvGrpSpPr/>
+        <p:nvPr/>
+      </p:nvGrpSpPr>
+      <p:grpSpPr>
+        <a:xfrm>
+          <a:off x="0" y="0"/>
+          <a:ext cx="0" cy="0"/>
+          <a:chOff x="0" y="0"/>
+          <a:chExt cx="0" cy="0"/>
+        </a:xfrm>
+      </p:grpSpPr>
+      <p:pic>
+        <p:nvPicPr>
+          <p:cNvPr id="4" name="圖片 3"/>
+          <p:cNvPicPr>
+            <a:picLocks noChangeAspect="1"/>
+          </p:cNvPicPr>
+          <p:nvPr/>
+        </p:nvPicPr>
+        <p:blipFill>
+          <a:blip r:embed="rId2">
+            <a:extLst>
+              <a:ext uri="{28A0092B-C50C-407E-A947-70E740481C1C}">
+                <a14:useLocalDpi xmlns:a14="http://schemas.microsoft.com/office/drawing/2010/main" val="0"/>
+              </a:ext>
+            </a:extLst>
+          </a:blip>
+          <a:stretch>
+            <a:fillRect/>
+          </a:stretch>
+        </p:blipFill>
+        <p:spPr>
+          <a:xfrm>
+            <a:off x="2231943" y="3245761"/>
+            <a:ext cx="5040000" cy="2835001"/>
+          </a:xfrm>
+          <a:prstGeom prst="rect">
+            <a:avLst/>
+          </a:prstGeom>
+        </p:spPr>
+      </p:pic>
+      <p:pic>
+        <p:nvPicPr>
+          <p:cNvPr id="5" name="圖片 4"/>
+          <p:cNvPicPr>
+            <a:picLocks noChangeAspect="1"/>
+          </p:cNvPicPr>
+          <p:nvPr/>
+        </p:nvPicPr>
+        <p:blipFill>
+          <a:blip r:embed="rId3" cstate="print">
+            <a:extLst>
+              <a:ext uri="{28A0092B-C50C-407E-A947-70E740481C1C}">
+                <a14:useLocalDpi xmlns:a14="http://schemas.microsoft.com/office/drawing/2010/main" val="0"/>
+              </a:ext>
+            </a:extLst>
+          </a:blip>
+          <a:stretch>
+            <a:fillRect/>
+          </a:stretch>
+        </p:blipFill>
+        <p:spPr>
+          <a:xfrm>
+            <a:off x="2231943" y="499897"/>
+            <a:ext cx="5040000" cy="2745864"/>
+          </a:xfrm>
+          <a:prstGeom prst="rect">
+            <a:avLst/>
+          </a:prstGeom>
+        </p:spPr>
+      </p:pic>
+    </p:spTree>
+    <p:extLst>
+      <p:ext uri="{BB962C8B-B14F-4D97-AF65-F5344CB8AC3E}">
+        <p14:creationId xmlns:p14="http://schemas.microsoft.com/office/powerpoint/2010/main" val="1300826130"/>
+      </p:ext>
+    </p:extLst>
+  </p:cSld>
+  <p:clrMapOvr>
+    <a:masterClrMapping/>
+  </p:clrMapOvr>
+</p:sld>
+</file>
+
 <file path=ppt/slides/slide2.xml><?xml version="1.0" encoding="utf-8"?>
 <p:sld xmlns:a="http://schemas.openxmlformats.org/drawingml/2006/main" xmlns:r="http://schemas.openxmlformats.org/officeDocument/2006/relationships" xmlns:p="http://schemas.openxmlformats.org/presentationml/2006/main">
   <p:cSld>
@@ -13451,7 +13542,7 @@
         </p:nvSpPr>
         <p:spPr>
           <a:xfrm>
-            <a:off x="750014" y="400455"/>
+            <a:off x="750014" y="627530"/>
             <a:ext cx="1585608" cy="865762"/>
           </a:xfrm>
           <a:prstGeom prst="roundRect">
@@ -13515,7 +13606,7 @@
         </p:nvCxnSpPr>
         <p:spPr>
           <a:xfrm flipV="1">
-            <a:off x="2352618" y="2022705"/>
+            <a:off x="2352618" y="2586910"/>
             <a:ext cx="1108426" cy="1232"/>
           </a:xfrm>
           <a:prstGeom prst="straightConnector1">
@@ -13551,7 +13642,7 @@
         </p:nvSpPr>
         <p:spPr>
           <a:xfrm>
-            <a:off x="750014" y="1591056"/>
+            <a:off x="750014" y="2155261"/>
             <a:ext cx="1585608" cy="865762"/>
           </a:xfrm>
           <a:prstGeom prst="roundRect">
@@ -13610,42 +13701,6 @@
           </a:p>
         </p:txBody>
       </p:sp>
-      <p:cxnSp>
-        <p:nvCxnSpPr>
-          <p:cNvPr id="16" name="直線單箭頭接點 15"/>
-          <p:cNvCxnSpPr/>
-          <p:nvPr/>
-        </p:nvCxnSpPr>
-        <p:spPr>
-          <a:xfrm>
-            <a:off x="1542818" y="1266217"/>
-            <a:ext cx="0" cy="324839"/>
-          </a:xfrm>
-          <a:prstGeom prst="straightConnector1">
-            <a:avLst/>
-          </a:prstGeom>
-          <a:ln>
-            <a:solidFill>
-              <a:schemeClr val="tx1"/>
-            </a:solidFill>
-            <a:tailEnd type="triangle"/>
-          </a:ln>
-        </p:spPr>
-        <p:style>
-          <a:lnRef idx="1">
-            <a:schemeClr val="accent1"/>
-          </a:lnRef>
-          <a:fillRef idx="0">
-            <a:schemeClr val="accent1"/>
-          </a:fillRef>
-          <a:effectRef idx="0">
-            <a:schemeClr val="accent1"/>
-          </a:effectRef>
-          <a:fontRef idx="minor">
-            <a:schemeClr val="tx1"/>
-          </a:fontRef>
-        </p:style>
-      </p:cxnSp>
       <p:sp>
         <p:nvSpPr>
           <p:cNvPr id="17" name="圓角矩形 16"/>
@@ -13654,7 +13709,7 @@
         </p:nvSpPr>
         <p:spPr>
           <a:xfrm>
-            <a:off x="3461044" y="1591056"/>
+            <a:off x="3461044" y="2155261"/>
             <a:ext cx="1585608" cy="865762"/>
           </a:xfrm>
           <a:prstGeom prst="roundRect">
@@ -13758,7 +13813,7 @@
         </p:nvCxnSpPr>
         <p:spPr>
           <a:xfrm>
-            <a:off x="1542818" y="2476921"/>
+            <a:off x="1542818" y="3041126"/>
             <a:ext cx="0" cy="619327"/>
           </a:xfrm>
           <a:prstGeom prst="straightConnector1">
@@ -13794,7 +13849,7 @@
         </p:nvSpPr>
         <p:spPr>
           <a:xfrm>
-            <a:off x="750014" y="3116351"/>
+            <a:off x="750014" y="3680556"/>
             <a:ext cx="1585608" cy="865762"/>
           </a:xfrm>
           <a:prstGeom prst="roundRect">
@@ -13888,7 +13943,7 @@
         </p:nvCxnSpPr>
         <p:spPr>
           <a:xfrm>
-            <a:off x="4253848" y="2476921"/>
+            <a:off x="4253848" y="3041126"/>
             <a:ext cx="0" cy="619327"/>
           </a:xfrm>
           <a:prstGeom prst="straightConnector1">
@@ -13924,7 +13979,7 @@
         </p:nvSpPr>
         <p:spPr>
           <a:xfrm>
-            <a:off x="3461044" y="3119009"/>
+            <a:off x="3461044" y="3683214"/>
             <a:ext cx="1585608" cy="865762"/>
           </a:xfrm>
           <a:prstGeom prst="roundRect">
@@ -13968,7 +14023,17 @@
                 <a:latin typeface="Times New Roman" panose="02020603050405020304" pitchFamily="18" charset="0"/>
                 <a:ea typeface="標楷體" panose="03000509000000000000" pitchFamily="65" charset="-120"/>
               </a:rPr>
-              <a:t>調整參數</a:t>
+              <a:t>參數</a:t>
+            </a:r>
+            <a:r>
+              <a:rPr lang="zh-TW" altLang="en-US" sz="1600" dirty="0">
+                <a:solidFill>
+                  <a:schemeClr val="tx1"/>
+                </a:solidFill>
+                <a:latin typeface="Times New Roman" panose="02020603050405020304" pitchFamily="18" charset="0"/>
+                <a:ea typeface="標楷體" panose="03000509000000000000" pitchFamily="65" charset="-120"/>
+              </a:rPr>
+              <a:t>調整</a:t>
             </a:r>
             <a:endParaRPr lang="zh-TW" altLang="en-US" sz="1600" dirty="0">
               <a:solidFill>
@@ -13988,7 +14053,7 @@
         </p:nvSpPr>
         <p:spPr>
           <a:xfrm>
-            <a:off x="767010" y="4599751"/>
+            <a:off x="767010" y="5163956"/>
             <a:ext cx="1585608" cy="865762"/>
           </a:xfrm>
           <a:prstGeom prst="roundRect">
@@ -14025,14 +14090,14 @@
           <a:p>
             <a:pPr algn="ctr"/>
             <a:r>
-              <a:rPr lang="zh-TW" altLang="en-US" sz="1600" dirty="0" smtClean="0">
+              <a:rPr lang="zh-TW" altLang="en-US" sz="1600" dirty="0">
                 <a:solidFill>
                   <a:schemeClr val="tx1"/>
                 </a:solidFill>
                 <a:latin typeface="Times New Roman" panose="02020603050405020304" pitchFamily="18" charset="0"/>
                 <a:ea typeface="標楷體" panose="03000509000000000000" pitchFamily="65" charset="-120"/>
               </a:rPr>
-              <a:t>調整參數</a:t>
+              <a:t>參數調整</a:t>
             </a:r>
             <a:endParaRPr lang="zh-TW" altLang="en-US" sz="1600" dirty="0">
               <a:solidFill>
@@ -14052,7 +14117,7 @@
         </p:nvCxnSpPr>
         <p:spPr>
           <a:xfrm>
-            <a:off x="1559814" y="3982113"/>
+            <a:off x="1559814" y="4546318"/>
             <a:ext cx="0" cy="619327"/>
           </a:xfrm>
           <a:prstGeom prst="straightConnector1">
@@ -14088,7 +14153,7 @@
         </p:nvCxnSpPr>
         <p:spPr>
           <a:xfrm flipV="1">
-            <a:off x="2352618" y="5061231"/>
+            <a:off x="2352618" y="5625436"/>
             <a:ext cx="1108426" cy="1232"/>
           </a:xfrm>
           <a:prstGeom prst="straightConnector1">
@@ -14124,7 +14189,7 @@
         </p:nvCxnSpPr>
         <p:spPr>
           <a:xfrm>
-            <a:off x="4253848" y="3982113"/>
+            <a:off x="4253848" y="4546318"/>
             <a:ext cx="0" cy="619327"/>
           </a:xfrm>
           <a:prstGeom prst="straightConnector1">
@@ -14160,7 +14225,7 @@
         </p:nvSpPr>
         <p:spPr>
           <a:xfrm>
-            <a:off x="3461044" y="4599751"/>
+            <a:off x="3461044" y="5163956"/>
             <a:ext cx="1585608" cy="865762"/>
           </a:xfrm>
           <a:prstGeom prst="roundRect">
@@ -14209,6 +14274,42 @@
           </a:p>
         </p:txBody>
       </p:sp>
+      <p:cxnSp>
+        <p:nvCxnSpPr>
+          <p:cNvPr id="32" name="直線單箭頭接點 31"/>
+          <p:cNvCxnSpPr/>
+          <p:nvPr/>
+        </p:nvCxnSpPr>
+        <p:spPr>
+          <a:xfrm>
+            <a:off x="1559814" y="1535934"/>
+            <a:ext cx="0" cy="619327"/>
+          </a:xfrm>
+          <a:prstGeom prst="straightConnector1">
+            <a:avLst/>
+          </a:prstGeom>
+          <a:ln>
+            <a:solidFill>
+              <a:schemeClr val="tx1"/>
+            </a:solidFill>
+            <a:tailEnd type="triangle"/>
+          </a:ln>
+        </p:spPr>
+        <p:style>
+          <a:lnRef idx="1">
+            <a:schemeClr val="accent1"/>
+          </a:lnRef>
+          <a:fillRef idx="0">
+            <a:schemeClr val="accent1"/>
+          </a:fillRef>
+          <a:effectRef idx="0">
+            <a:schemeClr val="accent1"/>
+          </a:effectRef>
+          <a:fontRef idx="minor">
+            <a:schemeClr val="tx1"/>
+          </a:fontRef>
+        </p:style>
+      </p:cxnSp>
     </p:spTree>
     <p:extLst>
       <p:ext uri="{BB962C8B-B14F-4D97-AF65-F5344CB8AC3E}">

--- a/論文/模型圖繪製.pptx
+++ b/論文/模型圖繪製.pptx
@@ -261,7 +261,7 @@
           <a:p>
             <a:fld id="{587DF574-9317-4403-A25B-38C86415A09B}" type="datetimeFigureOut">
               <a:rPr lang="zh-TW" altLang="en-US" smtClean="0"/>
-              <a:t>2022/6/15</a:t>
+              <a:t>2022/6/27</a:t>
             </a:fld>
             <a:endParaRPr lang="zh-TW" altLang="en-US"/>
           </a:p>
@@ -431,7 +431,7 @@
           <a:p>
             <a:fld id="{587DF574-9317-4403-A25B-38C86415A09B}" type="datetimeFigureOut">
               <a:rPr lang="zh-TW" altLang="en-US" smtClean="0"/>
-              <a:t>2022/6/15</a:t>
+              <a:t>2022/6/27</a:t>
             </a:fld>
             <a:endParaRPr lang="zh-TW" altLang="en-US"/>
           </a:p>
@@ -611,7 +611,7 @@
           <a:p>
             <a:fld id="{587DF574-9317-4403-A25B-38C86415A09B}" type="datetimeFigureOut">
               <a:rPr lang="zh-TW" altLang="en-US" smtClean="0"/>
-              <a:t>2022/6/15</a:t>
+              <a:t>2022/6/27</a:t>
             </a:fld>
             <a:endParaRPr lang="zh-TW" altLang="en-US"/>
           </a:p>
@@ -781,7 +781,7 @@
           <a:p>
             <a:fld id="{587DF574-9317-4403-A25B-38C86415A09B}" type="datetimeFigureOut">
               <a:rPr lang="zh-TW" altLang="en-US" smtClean="0"/>
-              <a:t>2022/6/15</a:t>
+              <a:t>2022/6/27</a:t>
             </a:fld>
             <a:endParaRPr lang="zh-TW" altLang="en-US"/>
           </a:p>
@@ -1027,7 +1027,7 @@
           <a:p>
             <a:fld id="{587DF574-9317-4403-A25B-38C86415A09B}" type="datetimeFigureOut">
               <a:rPr lang="zh-TW" altLang="en-US" smtClean="0"/>
-              <a:t>2022/6/15</a:t>
+              <a:t>2022/6/27</a:t>
             </a:fld>
             <a:endParaRPr lang="zh-TW" altLang="en-US"/>
           </a:p>
@@ -1259,7 +1259,7 @@
           <a:p>
             <a:fld id="{587DF574-9317-4403-A25B-38C86415A09B}" type="datetimeFigureOut">
               <a:rPr lang="zh-TW" altLang="en-US" smtClean="0"/>
-              <a:t>2022/6/15</a:t>
+              <a:t>2022/6/27</a:t>
             </a:fld>
             <a:endParaRPr lang="zh-TW" altLang="en-US"/>
           </a:p>
@@ -1626,7 +1626,7 @@
           <a:p>
             <a:fld id="{587DF574-9317-4403-A25B-38C86415A09B}" type="datetimeFigureOut">
               <a:rPr lang="zh-TW" altLang="en-US" smtClean="0"/>
-              <a:t>2022/6/15</a:t>
+              <a:t>2022/6/27</a:t>
             </a:fld>
             <a:endParaRPr lang="zh-TW" altLang="en-US"/>
           </a:p>
@@ -1744,7 +1744,7 @@
           <a:p>
             <a:fld id="{587DF574-9317-4403-A25B-38C86415A09B}" type="datetimeFigureOut">
               <a:rPr lang="zh-TW" altLang="en-US" smtClean="0"/>
-              <a:t>2022/6/15</a:t>
+              <a:t>2022/6/27</a:t>
             </a:fld>
             <a:endParaRPr lang="zh-TW" altLang="en-US"/>
           </a:p>
@@ -1839,7 +1839,7 @@
           <a:p>
             <a:fld id="{587DF574-9317-4403-A25B-38C86415A09B}" type="datetimeFigureOut">
               <a:rPr lang="zh-TW" altLang="en-US" smtClean="0"/>
-              <a:t>2022/6/15</a:t>
+              <a:t>2022/6/27</a:t>
             </a:fld>
             <a:endParaRPr lang="zh-TW" altLang="en-US"/>
           </a:p>
@@ -2116,7 +2116,7 @@
           <a:p>
             <a:fld id="{587DF574-9317-4403-A25B-38C86415A09B}" type="datetimeFigureOut">
               <a:rPr lang="zh-TW" altLang="en-US" smtClean="0"/>
-              <a:t>2022/6/15</a:t>
+              <a:t>2022/6/27</a:t>
             </a:fld>
             <a:endParaRPr lang="zh-TW" altLang="en-US"/>
           </a:p>
@@ -2369,7 +2369,7 @@
           <a:p>
             <a:fld id="{587DF574-9317-4403-A25B-38C86415A09B}" type="datetimeFigureOut">
               <a:rPr lang="zh-TW" altLang="en-US" smtClean="0"/>
-              <a:t>2022/6/15</a:t>
+              <a:t>2022/6/27</a:t>
             </a:fld>
             <a:endParaRPr lang="zh-TW" altLang="en-US"/>
           </a:p>
@@ -2582,7 +2582,7 @@
           <a:p>
             <a:fld id="{587DF574-9317-4403-A25B-38C86415A09B}" type="datetimeFigureOut">
               <a:rPr lang="zh-TW" altLang="en-US" smtClean="0"/>
-              <a:t>2022/6/15</a:t>
+              <a:t>2022/6/27</a:t>
             </a:fld>
             <a:endParaRPr lang="zh-TW" altLang="en-US"/>
           </a:p>
@@ -14033,7 +14033,7 @@
                 <a:latin typeface="Times New Roman" panose="02020603050405020304" pitchFamily="18" charset="0"/>
                 <a:ea typeface="標楷體" panose="03000509000000000000" pitchFamily="65" charset="-120"/>
               </a:rPr>
-              <a:t>調整</a:t>
+              <a:t>設定</a:t>
             </a:r>
             <a:endParaRPr lang="zh-TW" altLang="en-US" sz="1600" dirty="0">
               <a:solidFill>
@@ -14090,14 +14090,24 @@
           <a:p>
             <a:pPr algn="ctr"/>
             <a:r>
-              <a:rPr lang="zh-TW" altLang="en-US" sz="1600" dirty="0">
+              <a:rPr lang="zh-TW" altLang="en-US" sz="1600" smtClean="0">
                 <a:solidFill>
                   <a:schemeClr val="tx1"/>
                 </a:solidFill>
                 <a:latin typeface="Times New Roman" panose="02020603050405020304" pitchFamily="18" charset="0"/>
                 <a:ea typeface="標楷體" panose="03000509000000000000" pitchFamily="65" charset="-120"/>
               </a:rPr>
-              <a:t>參數調整</a:t>
+              <a:t>參數</a:t>
+            </a:r>
+            <a:r>
+              <a:rPr lang="zh-TW" altLang="en-US" sz="1600">
+                <a:solidFill>
+                  <a:schemeClr val="tx1"/>
+                </a:solidFill>
+                <a:latin typeface="Times New Roman" panose="02020603050405020304" pitchFamily="18" charset="0"/>
+                <a:ea typeface="標楷體" panose="03000509000000000000" pitchFamily="65" charset="-120"/>
+              </a:rPr>
+              <a:t>設定</a:t>
             </a:r>
             <a:endParaRPr lang="zh-TW" altLang="en-US" sz="1600" dirty="0">
               <a:solidFill>

--- a/論文/模型圖繪製.pptx
+++ b/論文/模型圖繪製.pptx
@@ -261,7 +261,7 @@
           <a:p>
             <a:fld id="{587DF574-9317-4403-A25B-38C86415A09B}" type="datetimeFigureOut">
               <a:rPr lang="zh-TW" altLang="en-US" smtClean="0"/>
-              <a:t>2022/6/27</a:t>
+              <a:t>2022/7/5</a:t>
             </a:fld>
             <a:endParaRPr lang="zh-TW" altLang="en-US"/>
           </a:p>
@@ -431,7 +431,7 @@
           <a:p>
             <a:fld id="{587DF574-9317-4403-A25B-38C86415A09B}" type="datetimeFigureOut">
               <a:rPr lang="zh-TW" altLang="en-US" smtClean="0"/>
-              <a:t>2022/6/27</a:t>
+              <a:t>2022/7/5</a:t>
             </a:fld>
             <a:endParaRPr lang="zh-TW" altLang="en-US"/>
           </a:p>
@@ -611,7 +611,7 @@
           <a:p>
             <a:fld id="{587DF574-9317-4403-A25B-38C86415A09B}" type="datetimeFigureOut">
               <a:rPr lang="zh-TW" altLang="en-US" smtClean="0"/>
-              <a:t>2022/6/27</a:t>
+              <a:t>2022/7/5</a:t>
             </a:fld>
             <a:endParaRPr lang="zh-TW" altLang="en-US"/>
           </a:p>
@@ -781,7 +781,7 @@
           <a:p>
             <a:fld id="{587DF574-9317-4403-A25B-38C86415A09B}" type="datetimeFigureOut">
               <a:rPr lang="zh-TW" altLang="en-US" smtClean="0"/>
-              <a:t>2022/6/27</a:t>
+              <a:t>2022/7/5</a:t>
             </a:fld>
             <a:endParaRPr lang="zh-TW" altLang="en-US"/>
           </a:p>
@@ -1027,7 +1027,7 @@
           <a:p>
             <a:fld id="{587DF574-9317-4403-A25B-38C86415A09B}" type="datetimeFigureOut">
               <a:rPr lang="zh-TW" altLang="en-US" smtClean="0"/>
-              <a:t>2022/6/27</a:t>
+              <a:t>2022/7/5</a:t>
             </a:fld>
             <a:endParaRPr lang="zh-TW" altLang="en-US"/>
           </a:p>
@@ -1259,7 +1259,7 @@
           <a:p>
             <a:fld id="{587DF574-9317-4403-A25B-38C86415A09B}" type="datetimeFigureOut">
               <a:rPr lang="zh-TW" altLang="en-US" smtClean="0"/>
-              <a:t>2022/6/27</a:t>
+              <a:t>2022/7/5</a:t>
             </a:fld>
             <a:endParaRPr lang="zh-TW" altLang="en-US"/>
           </a:p>
@@ -1626,7 +1626,7 @@
           <a:p>
             <a:fld id="{587DF574-9317-4403-A25B-38C86415A09B}" type="datetimeFigureOut">
               <a:rPr lang="zh-TW" altLang="en-US" smtClean="0"/>
-              <a:t>2022/6/27</a:t>
+              <a:t>2022/7/5</a:t>
             </a:fld>
             <a:endParaRPr lang="zh-TW" altLang="en-US"/>
           </a:p>
@@ -1744,7 +1744,7 @@
           <a:p>
             <a:fld id="{587DF574-9317-4403-A25B-38C86415A09B}" type="datetimeFigureOut">
               <a:rPr lang="zh-TW" altLang="en-US" smtClean="0"/>
-              <a:t>2022/6/27</a:t>
+              <a:t>2022/7/5</a:t>
             </a:fld>
             <a:endParaRPr lang="zh-TW" altLang="en-US"/>
           </a:p>
@@ -1839,7 +1839,7 @@
           <a:p>
             <a:fld id="{587DF574-9317-4403-A25B-38C86415A09B}" type="datetimeFigureOut">
               <a:rPr lang="zh-TW" altLang="en-US" smtClean="0"/>
-              <a:t>2022/6/27</a:t>
+              <a:t>2022/7/5</a:t>
             </a:fld>
             <a:endParaRPr lang="zh-TW" altLang="en-US"/>
           </a:p>
@@ -2116,7 +2116,7 @@
           <a:p>
             <a:fld id="{587DF574-9317-4403-A25B-38C86415A09B}" type="datetimeFigureOut">
               <a:rPr lang="zh-TW" altLang="en-US" smtClean="0"/>
-              <a:t>2022/6/27</a:t>
+              <a:t>2022/7/5</a:t>
             </a:fld>
             <a:endParaRPr lang="zh-TW" altLang="en-US"/>
           </a:p>
@@ -2369,7 +2369,7 @@
           <a:p>
             <a:fld id="{587DF574-9317-4403-A25B-38C86415A09B}" type="datetimeFigureOut">
               <a:rPr lang="zh-TW" altLang="en-US" smtClean="0"/>
-              <a:t>2022/6/27</a:t>
+              <a:t>2022/7/5</a:t>
             </a:fld>
             <a:endParaRPr lang="zh-TW" altLang="en-US"/>
           </a:p>
@@ -2582,7 +2582,7 @@
           <a:p>
             <a:fld id="{587DF574-9317-4403-A25B-38C86415A09B}" type="datetimeFigureOut">
               <a:rPr lang="zh-TW" altLang="en-US" smtClean="0"/>
-              <a:t>2022/6/27</a:t>
+              <a:t>2022/7/5</a:t>
             </a:fld>
             <a:endParaRPr lang="zh-TW" altLang="en-US"/>
           </a:p>
@@ -13773,27 +13773,7 @@
                 <a:latin typeface="Times New Roman" panose="02020603050405020304" pitchFamily="18" charset="0"/>
                 <a:ea typeface="標楷體" panose="03000509000000000000" pitchFamily="65" charset="-120"/>
               </a:rPr>
-              <a:t>(</a:t>
-            </a:r>
-            <a:r>
-              <a:rPr lang="en-US" altLang="zh-TW" sz="1600" dirty="0" err="1">
-                <a:solidFill>
-                  <a:schemeClr val="tx1"/>
-                </a:solidFill>
-                <a:latin typeface="Times New Roman" panose="02020603050405020304" pitchFamily="18" charset="0"/>
-                <a:ea typeface="標楷體" panose="03000509000000000000" pitchFamily="65" charset="-120"/>
-              </a:rPr>
-              <a:t>CycleGAN</a:t>
-            </a:r>
-            <a:r>
-              <a:rPr lang="en-US" altLang="zh-TW" sz="1600" dirty="0">
-                <a:solidFill>
-                  <a:schemeClr val="tx1"/>
-                </a:solidFill>
-                <a:latin typeface="Times New Roman" panose="02020603050405020304" pitchFamily="18" charset="0"/>
-                <a:ea typeface="標楷體" panose="03000509000000000000" pitchFamily="65" charset="-120"/>
-              </a:rPr>
-              <a:t>)</a:t>
+              <a:t>(CycleGAN)</a:t>
             </a:r>
             <a:endParaRPr lang="zh-TW" altLang="en-US" sz="1600" dirty="0">
               <a:solidFill>
@@ -14035,13 +14015,6 @@
               </a:rPr>
               <a:t>設定</a:t>
             </a:r>
-            <a:endParaRPr lang="zh-TW" altLang="en-US" sz="1600" dirty="0">
-              <a:solidFill>
-                <a:schemeClr val="tx1"/>
-              </a:solidFill>
-              <a:latin typeface="Times New Roman" panose="02020603050405020304" pitchFamily="18" charset="0"/>
-              <a:ea typeface="標楷體" panose="03000509000000000000" pitchFamily="65" charset="-120"/>
-            </a:endParaRPr>
           </a:p>
         </p:txBody>
       </p:sp>
